--- a/diabetes_classifier.pptx
+++ b/diabetes_classifier.pptx
@@ -13,10 +13,10 @@
     <p:sldId id="269" r:id="rId7"/>
     <p:sldId id="273" r:id="rId8"/>
     <p:sldId id="278" r:id="rId9"/>
-    <p:sldId id="279" r:id="rId10"/>
-    <p:sldId id="267" r:id="rId11"/>
-    <p:sldId id="268" r:id="rId12"/>
-    <p:sldId id="271" r:id="rId13"/>
+    <p:sldId id="267" r:id="rId10"/>
+    <p:sldId id="268" r:id="rId11"/>
+    <p:sldId id="271" r:id="rId12"/>
+    <p:sldId id="279" r:id="rId13"/>
     <p:sldId id="272" r:id="rId14"/>
   </p:sldIdLst>
   <p:sldSz cx="12192000" cy="6858000"/>
@@ -3583,230 +3583,6 @@
           <p:cNvPr id="2" name="Group 1">
             <a:extLst>
               <a:ext uri="{FF2B5EF4-FFF2-40B4-BE49-F238E27FC236}">
-                <a16:creationId xmlns:a16="http://schemas.microsoft.com/office/drawing/2014/main" id="{C62C946D-00C4-4306-89B5-9594211BA2FC}"/>
-              </a:ext>
-            </a:extLst>
-          </p:cNvPr>
-          <p:cNvGrpSpPr/>
-          <p:nvPr/>
-        </p:nvGrpSpPr>
-        <p:grpSpPr>
-          <a:xfrm>
-            <a:off x="5310936" y="701675"/>
-            <a:ext cx="5943600" cy="5791200"/>
-            <a:chOff x="4681763" y="732351"/>
-            <a:chExt cx="5943600" cy="5791200"/>
-          </a:xfrm>
-        </p:grpSpPr>
-        <p:pic>
-          <p:nvPicPr>
-            <p:cNvPr id="19" name="Picture 18" descr="A close up of a map&#10;&#10;Description automatically generated">
-              <a:extLst>
-                <a:ext uri="{FF2B5EF4-FFF2-40B4-BE49-F238E27FC236}">
-                  <a16:creationId xmlns:a16="http://schemas.microsoft.com/office/drawing/2014/main" id="{54D549EF-E83E-4E1B-957D-131C73774DE9}"/>
-                </a:ext>
-              </a:extLst>
-            </p:cNvPr>
-            <p:cNvPicPr>
-              <a:picLocks noChangeAspect="1"/>
-            </p:cNvPicPr>
-            <p:nvPr/>
-          </p:nvPicPr>
-          <p:blipFill>
-            <a:blip r:embed="rId2">
-              <a:extLst>
-                <a:ext uri="{28A0092B-C50C-407E-A947-70E740481C1C}">
-                  <a14:useLocalDpi xmlns:a14="http://schemas.microsoft.com/office/drawing/2010/main" val="0"/>
-                </a:ext>
-              </a:extLst>
-            </a:blip>
-            <a:stretch>
-              <a:fillRect/>
-            </a:stretch>
-          </p:blipFill>
-          <p:spPr>
-            <a:xfrm>
-              <a:off x="4681763" y="732351"/>
-              <a:ext cx="5943600" cy="5791200"/>
-            </a:xfrm>
-            <a:prstGeom prst="rect">
-              <a:avLst/>
-            </a:prstGeom>
-          </p:spPr>
-        </p:pic>
-        <p:sp>
-          <p:nvSpPr>
-            <p:cNvPr id="4" name="Rectangle 3">
-              <a:extLst>
-                <a:ext uri="{FF2B5EF4-FFF2-40B4-BE49-F238E27FC236}">
-                  <a16:creationId xmlns:a16="http://schemas.microsoft.com/office/drawing/2014/main" id="{8657D4E8-854B-433A-A001-C0D472C06691}"/>
-                </a:ext>
-              </a:extLst>
-            </p:cNvPr>
-            <p:cNvSpPr/>
-            <p:nvPr/>
-          </p:nvSpPr>
-          <p:spPr>
-            <a:xfrm>
-              <a:off x="8068239" y="4424113"/>
-              <a:ext cx="2070216" cy="207084"/>
-            </a:xfrm>
-            <a:prstGeom prst="rect">
-              <a:avLst/>
-            </a:prstGeom>
-            <a:noFill/>
-            <a:ln w="25400">
-              <a:solidFill>
-                <a:srgbClr val="FF0000"/>
-              </a:solidFill>
-            </a:ln>
-          </p:spPr>
-          <p:style>
-            <a:lnRef idx="2">
-              <a:schemeClr val="accent1">
-                <a:shade val="50000"/>
-              </a:schemeClr>
-            </a:lnRef>
-            <a:fillRef idx="1">
-              <a:schemeClr val="accent1"/>
-            </a:fillRef>
-            <a:effectRef idx="0">
-              <a:schemeClr val="accent1"/>
-            </a:effectRef>
-            <a:fontRef idx="minor">
-              <a:schemeClr val="lt1"/>
-            </a:fontRef>
-          </p:style>
-          <p:txBody>
-            <a:bodyPr rtlCol="0" anchor="ctr"/>
-            <a:lstStyle/>
-            <a:p>
-              <a:pPr algn="ctr"/>
-              <a:endParaRPr lang="en-SG"/>
-            </a:p>
-          </p:txBody>
-        </p:sp>
-        <p:sp>
-          <p:nvSpPr>
-            <p:cNvPr id="5" name="Rectangle 4">
-              <a:extLst>
-                <a:ext uri="{FF2B5EF4-FFF2-40B4-BE49-F238E27FC236}">
-                  <a16:creationId xmlns:a16="http://schemas.microsoft.com/office/drawing/2014/main" id="{70620B18-D558-4311-9BB2-BA18AEF7D2BA}"/>
-                </a:ext>
-              </a:extLst>
-            </p:cNvPr>
-            <p:cNvSpPr/>
-            <p:nvPr/>
-          </p:nvSpPr>
-          <p:spPr>
-            <a:xfrm>
-              <a:off x="8068238" y="5495064"/>
-              <a:ext cx="2204439" cy="207084"/>
-            </a:xfrm>
-            <a:prstGeom prst="rect">
-              <a:avLst/>
-            </a:prstGeom>
-            <a:noFill/>
-            <a:ln w="25400">
-              <a:solidFill>
-                <a:srgbClr val="FF0000"/>
-              </a:solidFill>
-            </a:ln>
-          </p:spPr>
-          <p:style>
-            <a:lnRef idx="2">
-              <a:schemeClr val="accent1">
-                <a:shade val="50000"/>
-              </a:schemeClr>
-            </a:lnRef>
-            <a:fillRef idx="1">
-              <a:schemeClr val="accent1"/>
-            </a:fillRef>
-            <a:effectRef idx="0">
-              <a:schemeClr val="accent1"/>
-            </a:effectRef>
-            <a:fontRef idx="minor">
-              <a:schemeClr val="lt1"/>
-            </a:fontRef>
-          </p:style>
-          <p:txBody>
-            <a:bodyPr rtlCol="0" anchor="ctr"/>
-            <a:lstStyle/>
-            <a:p>
-              <a:pPr algn="ctr"/>
-              <a:endParaRPr lang="en-SG"/>
-            </a:p>
-          </p:txBody>
-        </p:sp>
-      </p:grpSp>
-      <p:sp>
-        <p:nvSpPr>
-          <p:cNvPr id="13" name="Title 3">
-            <a:extLst>
-              <a:ext uri="{FF2B5EF4-FFF2-40B4-BE49-F238E27FC236}">
-                <a16:creationId xmlns:a16="http://schemas.microsoft.com/office/drawing/2014/main" id="{23A3C035-FD8D-448F-8259-E921872C4EB7}"/>
-              </a:ext>
-            </a:extLst>
-          </p:cNvPr>
-          <p:cNvSpPr>
-            <a:spLocks noGrp="1"/>
-          </p:cNvSpPr>
-          <p:nvPr>
-            <p:ph type="title"/>
-          </p:nvPr>
-        </p:nvSpPr>
-        <p:spPr>
-          <a:xfrm>
-            <a:off x="838200" y="365125"/>
-            <a:ext cx="10515600" cy="1325563"/>
-          </a:xfrm>
-        </p:spPr>
-        <p:txBody>
-          <a:bodyPr/>
-          <a:lstStyle/>
-          <a:p>
-            <a:r>
-              <a:rPr lang="en-SG" dirty="0"/>
-              <a:t>Model Performance</a:t>
-            </a:r>
-          </a:p>
-        </p:txBody>
-      </p:sp>
-    </p:spTree>
-    <p:extLst>
-      <p:ext uri="{BB962C8B-B14F-4D97-AF65-F5344CB8AC3E}">
-        <p14:creationId xmlns:p14="http://schemas.microsoft.com/office/powerpoint/2010/main" val="1860788172"/>
-      </p:ext>
-    </p:extLst>
-  </p:cSld>
-  <p:clrMapOvr>
-    <a:masterClrMapping/>
-  </p:clrMapOvr>
-</p:sld>
-</file>
-
-<file path=ppt/slides/slide11.xml><?xml version="1.0" encoding="utf-8"?>
-<p:sld xmlns:a="http://schemas.openxmlformats.org/drawingml/2006/main" xmlns:r="http://schemas.openxmlformats.org/officeDocument/2006/relationships" xmlns:p="http://schemas.openxmlformats.org/presentationml/2006/main">
-  <p:cSld>
-    <p:spTree>
-      <p:nvGrpSpPr>
-        <p:cNvPr id="1" name=""/>
-        <p:cNvGrpSpPr/>
-        <p:nvPr/>
-      </p:nvGrpSpPr>
-      <p:grpSpPr>
-        <a:xfrm>
-          <a:off x="0" y="0"/>
-          <a:ext cx="0" cy="0"/>
-          <a:chOff x="0" y="0"/>
-          <a:chExt cx="0" cy="0"/>
-        </a:xfrm>
-      </p:grpSpPr>
-      <p:grpSp>
-        <p:nvGrpSpPr>
-          <p:cNvPr id="2" name="Group 1">
-            <a:extLst>
-              <a:ext uri="{FF2B5EF4-FFF2-40B4-BE49-F238E27FC236}">
                 <a16:creationId xmlns:a16="http://schemas.microsoft.com/office/drawing/2014/main" id="{BB43BB19-464B-4711-BE03-4871DD4A216C}"/>
               </a:ext>
             </a:extLst>
@@ -4003,7 +3779,7 @@
 </p:sld>
 </file>
 
-<file path=ppt/slides/slide12.xml><?xml version="1.0" encoding="utf-8"?>
+<file path=ppt/slides/slide11.xml><?xml version="1.0" encoding="utf-8"?>
 <p:sld xmlns:a="http://schemas.openxmlformats.org/drawingml/2006/main" xmlns:r="http://schemas.openxmlformats.org/officeDocument/2006/relationships" xmlns:p="http://schemas.openxmlformats.org/presentationml/2006/main">
   <p:cSld>
     <p:spTree>
@@ -4251,6 +4027,2853 @@
 </p:sld>
 </file>
 
+<file path=ppt/slides/slide12.xml><?xml version="1.0" encoding="utf-8"?>
+<p:sld xmlns:a="http://schemas.openxmlformats.org/drawingml/2006/main" xmlns:r="http://schemas.openxmlformats.org/officeDocument/2006/relationships" xmlns:p="http://schemas.openxmlformats.org/presentationml/2006/main">
+  <p:cSld>
+    <p:spTree>
+      <p:nvGrpSpPr>
+        <p:cNvPr id="1" name=""/>
+        <p:cNvGrpSpPr/>
+        <p:nvPr/>
+      </p:nvGrpSpPr>
+      <p:grpSpPr>
+        <a:xfrm>
+          <a:off x="0" y="0"/>
+          <a:ext cx="0" cy="0"/>
+          <a:chOff x="0" y="0"/>
+          <a:chExt cx="0" cy="0"/>
+        </a:xfrm>
+      </p:grpSpPr>
+      <p:sp>
+        <p:nvSpPr>
+          <p:cNvPr id="4" name="Title 3">
+            <a:extLst>
+              <a:ext uri="{FF2B5EF4-FFF2-40B4-BE49-F238E27FC236}">
+                <a16:creationId xmlns:a16="http://schemas.microsoft.com/office/drawing/2014/main" id="{3EC6136A-6DF0-40B6-9418-254E1F6EF16B}"/>
+              </a:ext>
+            </a:extLst>
+          </p:cNvPr>
+          <p:cNvSpPr>
+            <a:spLocks noGrp="1"/>
+          </p:cNvSpPr>
+          <p:nvPr>
+            <p:ph type="title"/>
+          </p:nvPr>
+        </p:nvSpPr>
+        <p:spPr/>
+        <p:txBody>
+          <a:bodyPr/>
+          <a:lstStyle/>
+          <a:p>
+            <a:r>
+              <a:rPr lang="en-SG" dirty="0"/>
+              <a:t>Model Comparison</a:t>
+            </a:r>
+          </a:p>
+        </p:txBody>
+      </p:sp>
+      <p:pic>
+        <p:nvPicPr>
+          <p:cNvPr id="3074" name="Picture 2">
+            <a:extLst>
+              <a:ext uri="{FF2B5EF4-FFF2-40B4-BE49-F238E27FC236}">
+                <a16:creationId xmlns:a16="http://schemas.microsoft.com/office/drawing/2014/main" id="{16439BD7-9AA4-45C6-A0A9-0CE637368A06}"/>
+              </a:ext>
+            </a:extLst>
+          </p:cNvPr>
+          <p:cNvPicPr>
+            <a:picLocks noChangeAspect="1" noChangeArrowheads="1"/>
+          </p:cNvPicPr>
+          <p:nvPr/>
+        </p:nvPicPr>
+        <p:blipFill>
+          <a:blip r:embed="rId2">
+            <a:extLst>
+              <a:ext uri="{28A0092B-C50C-407E-A947-70E740481C1C}">
+                <a14:useLocalDpi xmlns:a14="http://schemas.microsoft.com/office/drawing/2010/main" val="0"/>
+              </a:ext>
+            </a:extLst>
+          </a:blip>
+          <a:srcRect/>
+          <a:stretch>
+            <a:fillRect/>
+          </a:stretch>
+        </p:blipFill>
+        <p:spPr bwMode="auto">
+          <a:xfrm>
+            <a:off x="5361597" y="1260646"/>
+            <a:ext cx="5010150" cy="2428875"/>
+          </a:xfrm>
+          <a:prstGeom prst="rect">
+            <a:avLst/>
+          </a:prstGeom>
+          <a:noFill/>
+          <a:extLst>
+            <a:ext uri="{909E8E84-426E-40DD-AFC4-6F175D3DCCD1}">
+              <a14:hiddenFill xmlns:a14="http://schemas.microsoft.com/office/drawing/2010/main">
+                <a:solidFill>
+                  <a:srgbClr val="FFFFFF"/>
+                </a:solidFill>
+              </a14:hiddenFill>
+            </a:ext>
+          </a:extLst>
+        </p:spPr>
+      </p:pic>
+      <p:sp>
+        <p:nvSpPr>
+          <p:cNvPr id="6" name="Rectangle 5">
+            <a:extLst>
+              <a:ext uri="{FF2B5EF4-FFF2-40B4-BE49-F238E27FC236}">
+                <a16:creationId xmlns:a16="http://schemas.microsoft.com/office/drawing/2014/main" id="{2711DE6C-5368-480B-8A2F-3AD79FF94CB8}"/>
+              </a:ext>
+            </a:extLst>
+          </p:cNvPr>
+          <p:cNvSpPr/>
+          <p:nvPr/>
+        </p:nvSpPr>
+        <p:spPr>
+          <a:xfrm>
+            <a:off x="2453526" y="1542367"/>
+            <a:ext cx="2682402" cy="646331"/>
+          </a:xfrm>
+          <a:prstGeom prst="rect">
+            <a:avLst/>
+          </a:prstGeom>
+        </p:spPr>
+        <p:txBody>
+          <a:bodyPr wrap="none">
+            <a:spAutoFit/>
+          </a:bodyPr>
+          <a:lstStyle/>
+          <a:p>
+            <a:pPr algn="r"/>
+            <a:r>
+              <a:rPr lang="en-SG" dirty="0"/>
+              <a:t>Baseline</a:t>
+            </a:r>
+          </a:p>
+          <a:p>
+            <a:pPr algn="r"/>
+            <a:r>
+              <a:rPr lang="en-SG" dirty="0"/>
+              <a:t>(using default parameters)</a:t>
+            </a:r>
+          </a:p>
+        </p:txBody>
+      </p:sp>
+      <p:sp>
+        <p:nvSpPr>
+          <p:cNvPr id="8" name="Rectangle 7">
+            <a:extLst>
+              <a:ext uri="{FF2B5EF4-FFF2-40B4-BE49-F238E27FC236}">
+                <a16:creationId xmlns:a16="http://schemas.microsoft.com/office/drawing/2014/main" id="{C4CCF2E7-CB88-4710-9F81-DF165046C632}"/>
+              </a:ext>
+            </a:extLst>
+          </p:cNvPr>
+          <p:cNvSpPr/>
+          <p:nvPr/>
+        </p:nvSpPr>
+        <p:spPr>
+          <a:xfrm>
+            <a:off x="3339346" y="4167247"/>
+            <a:ext cx="1796582" cy="646331"/>
+          </a:xfrm>
+          <a:prstGeom prst="rect">
+            <a:avLst/>
+          </a:prstGeom>
+        </p:spPr>
+        <p:txBody>
+          <a:bodyPr wrap="none">
+            <a:spAutoFit/>
+          </a:bodyPr>
+          <a:lstStyle/>
+          <a:p>
+            <a:pPr algn="r"/>
+            <a:r>
+              <a:rPr lang="en-SG" dirty="0"/>
+              <a:t>After tuning</a:t>
+            </a:r>
+          </a:p>
+          <a:p>
+            <a:pPr algn="r"/>
+            <a:r>
+              <a:rPr lang="en-SG" dirty="0"/>
+              <a:t>hyperparameters</a:t>
+            </a:r>
+          </a:p>
+        </p:txBody>
+      </p:sp>
+      <p:sp>
+        <p:nvSpPr>
+          <p:cNvPr id="3" name="Rectangle 2">
+            <a:extLst>
+              <a:ext uri="{FF2B5EF4-FFF2-40B4-BE49-F238E27FC236}">
+                <a16:creationId xmlns:a16="http://schemas.microsoft.com/office/drawing/2014/main" id="{753DC306-4898-475B-B13A-297FA1172FE0}"/>
+              </a:ext>
+            </a:extLst>
+          </p:cNvPr>
+          <p:cNvSpPr/>
+          <p:nvPr/>
+        </p:nvSpPr>
+        <p:spPr>
+          <a:xfrm>
+            <a:off x="1166513" y="5289895"/>
+            <a:ext cx="3969415" cy="923330"/>
+          </a:xfrm>
+          <a:prstGeom prst="rect">
+            <a:avLst/>
+          </a:prstGeom>
+        </p:spPr>
+        <p:txBody>
+          <a:bodyPr wrap="square">
+            <a:spAutoFit/>
+          </a:bodyPr>
+          <a:lstStyle/>
+          <a:p>
+            <a:pPr algn="r"/>
+            <a:r>
+              <a:rPr lang="en-SG" b="1" dirty="0">
+                <a:latin typeface="medium-content-serif-font"/>
+              </a:rPr>
+              <a:t>F1-Score has improved </a:t>
+            </a:r>
+            <a:r>
+              <a:rPr lang="en-SG" dirty="0">
+                <a:latin typeface="medium-content-serif-font"/>
+              </a:rPr>
+              <a:t>for all models after tuning the threshold and other hyperparameters.</a:t>
+            </a:r>
+            <a:endParaRPr lang="en-SG" dirty="0"/>
+          </a:p>
+        </p:txBody>
+      </p:sp>
+      <p:sp>
+        <p:nvSpPr>
+          <p:cNvPr id="28" name="Rectangle 27">
+            <a:extLst>
+              <a:ext uri="{FF2B5EF4-FFF2-40B4-BE49-F238E27FC236}">
+                <a16:creationId xmlns:a16="http://schemas.microsoft.com/office/drawing/2014/main" id="{5587552F-1E2D-45D0-9EC7-D605B3D93CE6}"/>
+              </a:ext>
+            </a:extLst>
+          </p:cNvPr>
+          <p:cNvSpPr/>
+          <p:nvPr/>
+        </p:nvSpPr>
+        <p:spPr>
+          <a:xfrm>
+            <a:off x="8508953" y="6488388"/>
+            <a:ext cx="536895" cy="174844"/>
+          </a:xfrm>
+          <a:prstGeom prst="rect">
+            <a:avLst/>
+          </a:prstGeom>
+          <a:solidFill>
+            <a:schemeClr val="accent6">
+              <a:lumMod val="40000"/>
+              <a:lumOff val="60000"/>
+              <a:alpha val="50000"/>
+            </a:schemeClr>
+          </a:solidFill>
+          <a:ln>
+            <a:noFill/>
+          </a:ln>
+        </p:spPr>
+        <p:style>
+          <a:lnRef idx="2">
+            <a:schemeClr val="accent1">
+              <a:shade val="50000"/>
+            </a:schemeClr>
+          </a:lnRef>
+          <a:fillRef idx="1">
+            <a:schemeClr val="accent1"/>
+          </a:fillRef>
+          <a:effectRef idx="0">
+            <a:schemeClr val="accent1"/>
+          </a:effectRef>
+          <a:fontRef idx="minor">
+            <a:schemeClr val="lt1"/>
+          </a:fontRef>
+        </p:style>
+        <p:txBody>
+          <a:bodyPr rtlCol="0" anchor="ctr"/>
+          <a:lstStyle/>
+          <a:p>
+            <a:pPr algn="ctr"/>
+            <a:endParaRPr lang="en-SG"/>
+          </a:p>
+        </p:txBody>
+      </p:sp>
+      <p:grpSp>
+        <p:nvGrpSpPr>
+          <p:cNvPr id="9" name="Group 8">
+            <a:extLst>
+              <a:ext uri="{FF2B5EF4-FFF2-40B4-BE49-F238E27FC236}">
+                <a16:creationId xmlns:a16="http://schemas.microsoft.com/office/drawing/2014/main" id="{A2312749-C2CC-4889-B3C1-576B2369B3BF}"/>
+              </a:ext>
+            </a:extLst>
+          </p:cNvPr>
+          <p:cNvGrpSpPr/>
+          <p:nvPr/>
+        </p:nvGrpSpPr>
+        <p:grpSpPr>
+          <a:xfrm>
+            <a:off x="5361597" y="3869098"/>
+            <a:ext cx="5572125" cy="2457450"/>
+            <a:chOff x="2369411" y="4035425"/>
+            <a:chExt cx="5572125" cy="2457450"/>
+          </a:xfrm>
+        </p:grpSpPr>
+        <p:pic>
+          <p:nvPicPr>
+            <p:cNvPr id="5" name="Picture 4" descr="A screenshot of a cell phone&#10;&#10;Description automatically generated">
+              <a:extLst>
+                <a:ext uri="{FF2B5EF4-FFF2-40B4-BE49-F238E27FC236}">
+                  <a16:creationId xmlns:a16="http://schemas.microsoft.com/office/drawing/2014/main" id="{26944FBD-58FD-471B-8567-213FE8F0C40A}"/>
+                </a:ext>
+              </a:extLst>
+            </p:cNvPr>
+            <p:cNvPicPr>
+              <a:picLocks noChangeAspect="1"/>
+            </p:cNvPicPr>
+            <p:nvPr/>
+          </p:nvPicPr>
+          <p:blipFill>
+            <a:blip r:embed="rId3">
+              <a:extLst>
+                <a:ext uri="{28A0092B-C50C-407E-A947-70E740481C1C}">
+                  <a14:useLocalDpi xmlns:a14="http://schemas.microsoft.com/office/drawing/2010/main" val="0"/>
+                </a:ext>
+              </a:extLst>
+            </a:blip>
+            <a:stretch>
+              <a:fillRect/>
+            </a:stretch>
+          </p:blipFill>
+          <p:spPr>
+            <a:xfrm>
+              <a:off x="2369411" y="4035425"/>
+              <a:ext cx="5572125" cy="2457450"/>
+            </a:xfrm>
+            <a:prstGeom prst="rect">
+              <a:avLst/>
+            </a:prstGeom>
+          </p:spPr>
+        </p:pic>
+        <p:sp>
+          <p:nvSpPr>
+            <p:cNvPr id="7" name="Rectangle 6">
+              <a:extLst>
+                <a:ext uri="{FF2B5EF4-FFF2-40B4-BE49-F238E27FC236}">
+                  <a16:creationId xmlns:a16="http://schemas.microsoft.com/office/drawing/2014/main" id="{7942B67C-D626-4028-AA80-5D091DD1DCBD}"/>
+                </a:ext>
+              </a:extLst>
+            </p:cNvPr>
+            <p:cNvSpPr/>
+            <p:nvPr/>
+          </p:nvSpPr>
+          <p:spPr>
+            <a:xfrm>
+              <a:off x="3716323" y="6284163"/>
+              <a:ext cx="536895" cy="174844"/>
+            </a:xfrm>
+            <a:prstGeom prst="rect">
+              <a:avLst/>
+            </a:prstGeom>
+            <a:solidFill>
+              <a:schemeClr val="accent6">
+                <a:lumMod val="40000"/>
+                <a:lumOff val="60000"/>
+                <a:alpha val="50000"/>
+              </a:schemeClr>
+            </a:solidFill>
+            <a:ln>
+              <a:noFill/>
+            </a:ln>
+          </p:spPr>
+          <p:style>
+            <a:lnRef idx="2">
+              <a:schemeClr val="accent1">
+                <a:shade val="50000"/>
+              </a:schemeClr>
+            </a:lnRef>
+            <a:fillRef idx="1">
+              <a:schemeClr val="accent1"/>
+            </a:fillRef>
+            <a:effectRef idx="0">
+              <a:schemeClr val="accent1"/>
+            </a:effectRef>
+            <a:fontRef idx="minor">
+              <a:schemeClr val="lt1"/>
+            </a:fontRef>
+          </p:style>
+          <p:txBody>
+            <a:bodyPr rtlCol="0" anchor="ctr"/>
+            <a:lstStyle/>
+            <a:p>
+              <a:pPr algn="ctr"/>
+              <a:endParaRPr lang="en-SG"/>
+            </a:p>
+          </p:txBody>
+        </p:sp>
+        <p:sp>
+          <p:nvSpPr>
+            <p:cNvPr id="10" name="Rectangle 9">
+              <a:extLst>
+                <a:ext uri="{FF2B5EF4-FFF2-40B4-BE49-F238E27FC236}">
+                  <a16:creationId xmlns:a16="http://schemas.microsoft.com/office/drawing/2014/main" id="{5585AD1B-2464-49CF-9016-83E4803A9E5C}"/>
+                </a:ext>
+              </a:extLst>
+            </p:cNvPr>
+            <p:cNvSpPr/>
+            <p:nvPr/>
+          </p:nvSpPr>
+          <p:spPr>
+            <a:xfrm>
+              <a:off x="3716322" y="6042675"/>
+              <a:ext cx="536895" cy="174844"/>
+            </a:xfrm>
+            <a:prstGeom prst="rect">
+              <a:avLst/>
+            </a:prstGeom>
+            <a:solidFill>
+              <a:schemeClr val="accent6">
+                <a:lumMod val="40000"/>
+                <a:lumOff val="60000"/>
+                <a:alpha val="50000"/>
+              </a:schemeClr>
+            </a:solidFill>
+            <a:ln>
+              <a:noFill/>
+            </a:ln>
+          </p:spPr>
+          <p:style>
+            <a:lnRef idx="2">
+              <a:schemeClr val="accent1">
+                <a:shade val="50000"/>
+              </a:schemeClr>
+            </a:lnRef>
+            <a:fillRef idx="1">
+              <a:schemeClr val="accent1"/>
+            </a:fillRef>
+            <a:effectRef idx="0">
+              <a:schemeClr val="accent1"/>
+            </a:effectRef>
+            <a:fontRef idx="minor">
+              <a:schemeClr val="lt1"/>
+            </a:fontRef>
+          </p:style>
+          <p:txBody>
+            <a:bodyPr rtlCol="0" anchor="ctr"/>
+            <a:lstStyle/>
+            <a:p>
+              <a:pPr algn="ctr"/>
+              <a:endParaRPr lang="en-SG"/>
+            </a:p>
+          </p:txBody>
+        </p:sp>
+        <p:sp>
+          <p:nvSpPr>
+            <p:cNvPr id="11" name="Rectangle 10">
+              <a:extLst>
+                <a:ext uri="{FF2B5EF4-FFF2-40B4-BE49-F238E27FC236}">
+                  <a16:creationId xmlns:a16="http://schemas.microsoft.com/office/drawing/2014/main" id="{81C849C6-04EC-42B9-B512-876481334108}"/>
+                </a:ext>
+              </a:extLst>
+            </p:cNvPr>
+            <p:cNvSpPr/>
+            <p:nvPr/>
+          </p:nvSpPr>
+          <p:spPr>
+            <a:xfrm>
+              <a:off x="3716322" y="5792720"/>
+              <a:ext cx="536895" cy="174844"/>
+            </a:xfrm>
+            <a:prstGeom prst="rect">
+              <a:avLst/>
+            </a:prstGeom>
+            <a:solidFill>
+              <a:schemeClr val="accent6">
+                <a:lumMod val="40000"/>
+                <a:lumOff val="60000"/>
+                <a:alpha val="50000"/>
+              </a:schemeClr>
+            </a:solidFill>
+            <a:ln>
+              <a:noFill/>
+            </a:ln>
+          </p:spPr>
+          <p:style>
+            <a:lnRef idx="2">
+              <a:schemeClr val="accent1">
+                <a:shade val="50000"/>
+              </a:schemeClr>
+            </a:lnRef>
+            <a:fillRef idx="1">
+              <a:schemeClr val="accent1"/>
+            </a:fillRef>
+            <a:effectRef idx="0">
+              <a:schemeClr val="accent1"/>
+            </a:effectRef>
+            <a:fontRef idx="minor">
+              <a:schemeClr val="lt1"/>
+            </a:fontRef>
+          </p:style>
+          <p:txBody>
+            <a:bodyPr rtlCol="0" anchor="ctr"/>
+            <a:lstStyle/>
+            <a:p>
+              <a:pPr algn="ctr"/>
+              <a:endParaRPr lang="en-SG"/>
+            </a:p>
+          </p:txBody>
+        </p:sp>
+        <p:sp>
+          <p:nvSpPr>
+            <p:cNvPr id="12" name="Rectangle 11">
+              <a:extLst>
+                <a:ext uri="{FF2B5EF4-FFF2-40B4-BE49-F238E27FC236}">
+                  <a16:creationId xmlns:a16="http://schemas.microsoft.com/office/drawing/2014/main" id="{D4CB6C43-779D-4970-8A49-29A7EFBDC0A5}"/>
+                </a:ext>
+              </a:extLst>
+            </p:cNvPr>
+            <p:cNvSpPr/>
+            <p:nvPr/>
+          </p:nvSpPr>
+          <p:spPr>
+            <a:xfrm>
+              <a:off x="3716322" y="5542765"/>
+              <a:ext cx="536895" cy="174844"/>
+            </a:xfrm>
+            <a:prstGeom prst="rect">
+              <a:avLst/>
+            </a:prstGeom>
+            <a:solidFill>
+              <a:schemeClr val="accent6">
+                <a:lumMod val="40000"/>
+                <a:lumOff val="60000"/>
+                <a:alpha val="50000"/>
+              </a:schemeClr>
+            </a:solidFill>
+            <a:ln>
+              <a:noFill/>
+            </a:ln>
+          </p:spPr>
+          <p:style>
+            <a:lnRef idx="2">
+              <a:schemeClr val="accent1">
+                <a:shade val="50000"/>
+              </a:schemeClr>
+            </a:lnRef>
+            <a:fillRef idx="1">
+              <a:schemeClr val="accent1"/>
+            </a:fillRef>
+            <a:effectRef idx="0">
+              <a:schemeClr val="accent1"/>
+            </a:effectRef>
+            <a:fontRef idx="minor">
+              <a:schemeClr val="lt1"/>
+            </a:fontRef>
+          </p:style>
+          <p:txBody>
+            <a:bodyPr rtlCol="0" anchor="ctr"/>
+            <a:lstStyle/>
+            <a:p>
+              <a:pPr algn="ctr"/>
+              <a:endParaRPr lang="en-SG"/>
+            </a:p>
+          </p:txBody>
+        </p:sp>
+        <p:sp>
+          <p:nvSpPr>
+            <p:cNvPr id="13" name="Rectangle 12">
+              <a:extLst>
+                <a:ext uri="{FF2B5EF4-FFF2-40B4-BE49-F238E27FC236}">
+                  <a16:creationId xmlns:a16="http://schemas.microsoft.com/office/drawing/2014/main" id="{F06F9228-9B94-4384-822C-F26462E2C42F}"/>
+                </a:ext>
+              </a:extLst>
+            </p:cNvPr>
+            <p:cNvSpPr/>
+            <p:nvPr/>
+          </p:nvSpPr>
+          <p:spPr>
+            <a:xfrm>
+              <a:off x="3716321" y="5306842"/>
+              <a:ext cx="536895" cy="174844"/>
+            </a:xfrm>
+            <a:prstGeom prst="rect">
+              <a:avLst/>
+            </a:prstGeom>
+            <a:solidFill>
+              <a:schemeClr val="accent6">
+                <a:lumMod val="40000"/>
+                <a:lumOff val="60000"/>
+                <a:alpha val="50000"/>
+              </a:schemeClr>
+            </a:solidFill>
+            <a:ln>
+              <a:noFill/>
+            </a:ln>
+          </p:spPr>
+          <p:style>
+            <a:lnRef idx="2">
+              <a:schemeClr val="accent1">
+                <a:shade val="50000"/>
+              </a:schemeClr>
+            </a:lnRef>
+            <a:fillRef idx="1">
+              <a:schemeClr val="accent1"/>
+            </a:fillRef>
+            <a:effectRef idx="0">
+              <a:schemeClr val="accent1"/>
+            </a:effectRef>
+            <a:fontRef idx="minor">
+              <a:schemeClr val="lt1"/>
+            </a:fontRef>
+          </p:style>
+          <p:txBody>
+            <a:bodyPr rtlCol="0" anchor="ctr"/>
+            <a:lstStyle/>
+            <a:p>
+              <a:pPr algn="ctr"/>
+              <a:endParaRPr lang="en-SG"/>
+            </a:p>
+          </p:txBody>
+        </p:sp>
+        <p:sp>
+          <p:nvSpPr>
+            <p:cNvPr id="14" name="Rectangle 13">
+              <a:extLst>
+                <a:ext uri="{FF2B5EF4-FFF2-40B4-BE49-F238E27FC236}">
+                  <a16:creationId xmlns:a16="http://schemas.microsoft.com/office/drawing/2014/main" id="{F8459162-48DE-4498-B347-F062473B6EF3}"/>
+                </a:ext>
+              </a:extLst>
+            </p:cNvPr>
+            <p:cNvSpPr/>
+            <p:nvPr/>
+          </p:nvSpPr>
+          <p:spPr>
+            <a:xfrm>
+              <a:off x="5516771" y="6273171"/>
+              <a:ext cx="536895" cy="174844"/>
+            </a:xfrm>
+            <a:prstGeom prst="rect">
+              <a:avLst/>
+            </a:prstGeom>
+            <a:solidFill>
+              <a:schemeClr val="accent6">
+                <a:lumMod val="40000"/>
+                <a:lumOff val="60000"/>
+                <a:alpha val="50000"/>
+              </a:schemeClr>
+            </a:solidFill>
+            <a:ln>
+              <a:noFill/>
+            </a:ln>
+          </p:spPr>
+          <p:style>
+            <a:lnRef idx="2">
+              <a:schemeClr val="accent1">
+                <a:shade val="50000"/>
+              </a:schemeClr>
+            </a:lnRef>
+            <a:fillRef idx="1">
+              <a:schemeClr val="accent1"/>
+            </a:fillRef>
+            <a:effectRef idx="0">
+              <a:schemeClr val="accent1"/>
+            </a:effectRef>
+            <a:fontRef idx="minor">
+              <a:schemeClr val="lt1"/>
+            </a:fontRef>
+          </p:style>
+          <p:txBody>
+            <a:bodyPr rtlCol="0" anchor="ctr"/>
+            <a:lstStyle/>
+            <a:p>
+              <a:pPr algn="ctr"/>
+              <a:endParaRPr lang="en-SG"/>
+            </a:p>
+          </p:txBody>
+        </p:sp>
+        <p:sp>
+          <p:nvSpPr>
+            <p:cNvPr id="15" name="Rectangle 14">
+              <a:extLst>
+                <a:ext uri="{FF2B5EF4-FFF2-40B4-BE49-F238E27FC236}">
+                  <a16:creationId xmlns:a16="http://schemas.microsoft.com/office/drawing/2014/main" id="{9FEE4682-7729-40DC-9B7F-9602CED457A1}"/>
+                </a:ext>
+              </a:extLst>
+            </p:cNvPr>
+            <p:cNvSpPr/>
+            <p:nvPr/>
+          </p:nvSpPr>
+          <p:spPr>
+            <a:xfrm>
+              <a:off x="5516770" y="6031683"/>
+              <a:ext cx="536895" cy="174844"/>
+            </a:xfrm>
+            <a:prstGeom prst="rect">
+              <a:avLst/>
+            </a:prstGeom>
+            <a:solidFill>
+              <a:schemeClr val="accent6">
+                <a:lumMod val="40000"/>
+                <a:lumOff val="60000"/>
+                <a:alpha val="50000"/>
+              </a:schemeClr>
+            </a:solidFill>
+            <a:ln>
+              <a:noFill/>
+            </a:ln>
+          </p:spPr>
+          <p:style>
+            <a:lnRef idx="2">
+              <a:schemeClr val="accent1">
+                <a:shade val="50000"/>
+              </a:schemeClr>
+            </a:lnRef>
+            <a:fillRef idx="1">
+              <a:schemeClr val="accent1"/>
+            </a:fillRef>
+            <a:effectRef idx="0">
+              <a:schemeClr val="accent1"/>
+            </a:effectRef>
+            <a:fontRef idx="minor">
+              <a:schemeClr val="lt1"/>
+            </a:fontRef>
+          </p:style>
+          <p:txBody>
+            <a:bodyPr rtlCol="0" anchor="ctr"/>
+            <a:lstStyle/>
+            <a:p>
+              <a:pPr algn="ctr"/>
+              <a:endParaRPr lang="en-SG"/>
+            </a:p>
+          </p:txBody>
+        </p:sp>
+        <p:sp>
+          <p:nvSpPr>
+            <p:cNvPr id="16" name="Rectangle 15">
+              <a:extLst>
+                <a:ext uri="{FF2B5EF4-FFF2-40B4-BE49-F238E27FC236}">
+                  <a16:creationId xmlns:a16="http://schemas.microsoft.com/office/drawing/2014/main" id="{AE6FFDB4-7EBD-4DEE-AD6A-23EE316C41CD}"/>
+                </a:ext>
+              </a:extLst>
+            </p:cNvPr>
+            <p:cNvSpPr/>
+            <p:nvPr/>
+          </p:nvSpPr>
+          <p:spPr>
+            <a:xfrm>
+              <a:off x="5516770" y="5781728"/>
+              <a:ext cx="536895" cy="174844"/>
+            </a:xfrm>
+            <a:prstGeom prst="rect">
+              <a:avLst/>
+            </a:prstGeom>
+            <a:solidFill>
+              <a:schemeClr val="accent6">
+                <a:lumMod val="40000"/>
+                <a:lumOff val="60000"/>
+                <a:alpha val="50000"/>
+              </a:schemeClr>
+            </a:solidFill>
+            <a:ln>
+              <a:noFill/>
+            </a:ln>
+          </p:spPr>
+          <p:style>
+            <a:lnRef idx="2">
+              <a:schemeClr val="accent1">
+                <a:shade val="50000"/>
+              </a:schemeClr>
+            </a:lnRef>
+            <a:fillRef idx="1">
+              <a:schemeClr val="accent1"/>
+            </a:fillRef>
+            <a:effectRef idx="0">
+              <a:schemeClr val="accent1"/>
+            </a:effectRef>
+            <a:fontRef idx="minor">
+              <a:schemeClr val="lt1"/>
+            </a:fontRef>
+          </p:style>
+          <p:txBody>
+            <a:bodyPr rtlCol="0" anchor="ctr"/>
+            <a:lstStyle/>
+            <a:p>
+              <a:pPr algn="ctr"/>
+              <a:endParaRPr lang="en-SG"/>
+            </a:p>
+          </p:txBody>
+        </p:sp>
+        <p:sp>
+          <p:nvSpPr>
+            <p:cNvPr id="17" name="Rectangle 16">
+              <a:extLst>
+                <a:ext uri="{FF2B5EF4-FFF2-40B4-BE49-F238E27FC236}">
+                  <a16:creationId xmlns:a16="http://schemas.microsoft.com/office/drawing/2014/main" id="{FC3EF55D-1D82-430E-9749-7FA6EAC6B8D7}"/>
+                </a:ext>
+              </a:extLst>
+            </p:cNvPr>
+            <p:cNvSpPr/>
+            <p:nvPr/>
+          </p:nvSpPr>
+          <p:spPr>
+            <a:xfrm>
+              <a:off x="5516770" y="5531773"/>
+              <a:ext cx="536895" cy="174844"/>
+            </a:xfrm>
+            <a:prstGeom prst="rect">
+              <a:avLst/>
+            </a:prstGeom>
+            <a:solidFill>
+              <a:schemeClr val="accent6">
+                <a:lumMod val="40000"/>
+                <a:lumOff val="60000"/>
+                <a:alpha val="50000"/>
+              </a:schemeClr>
+            </a:solidFill>
+            <a:ln>
+              <a:noFill/>
+            </a:ln>
+          </p:spPr>
+          <p:style>
+            <a:lnRef idx="2">
+              <a:schemeClr val="accent1">
+                <a:shade val="50000"/>
+              </a:schemeClr>
+            </a:lnRef>
+            <a:fillRef idx="1">
+              <a:schemeClr val="accent1"/>
+            </a:fillRef>
+            <a:effectRef idx="0">
+              <a:schemeClr val="accent1"/>
+            </a:effectRef>
+            <a:fontRef idx="minor">
+              <a:schemeClr val="lt1"/>
+            </a:fontRef>
+          </p:style>
+          <p:txBody>
+            <a:bodyPr rtlCol="0" anchor="ctr"/>
+            <a:lstStyle/>
+            <a:p>
+              <a:pPr algn="ctr"/>
+              <a:endParaRPr lang="en-SG"/>
+            </a:p>
+          </p:txBody>
+        </p:sp>
+        <p:sp>
+          <p:nvSpPr>
+            <p:cNvPr id="18" name="Rectangle 17">
+              <a:extLst>
+                <a:ext uri="{FF2B5EF4-FFF2-40B4-BE49-F238E27FC236}">
+                  <a16:creationId xmlns:a16="http://schemas.microsoft.com/office/drawing/2014/main" id="{25A5D1D8-6486-4352-9363-734BF547803E}"/>
+                </a:ext>
+              </a:extLst>
+            </p:cNvPr>
+            <p:cNvSpPr/>
+            <p:nvPr/>
+          </p:nvSpPr>
+          <p:spPr>
+            <a:xfrm>
+              <a:off x="5516769" y="5295850"/>
+              <a:ext cx="536895" cy="174844"/>
+            </a:xfrm>
+            <a:prstGeom prst="rect">
+              <a:avLst/>
+            </a:prstGeom>
+            <a:solidFill>
+              <a:schemeClr val="accent6">
+                <a:lumMod val="40000"/>
+                <a:lumOff val="60000"/>
+                <a:alpha val="50000"/>
+              </a:schemeClr>
+            </a:solidFill>
+            <a:ln>
+              <a:noFill/>
+            </a:ln>
+          </p:spPr>
+          <p:style>
+            <a:lnRef idx="2">
+              <a:schemeClr val="accent1">
+                <a:shade val="50000"/>
+              </a:schemeClr>
+            </a:lnRef>
+            <a:fillRef idx="1">
+              <a:schemeClr val="accent1"/>
+            </a:fillRef>
+            <a:effectRef idx="0">
+              <a:schemeClr val="accent1"/>
+            </a:effectRef>
+            <a:fontRef idx="minor">
+              <a:schemeClr val="lt1"/>
+            </a:fontRef>
+          </p:style>
+          <p:txBody>
+            <a:bodyPr rtlCol="0" anchor="ctr"/>
+            <a:lstStyle/>
+            <a:p>
+              <a:pPr algn="ctr"/>
+              <a:endParaRPr lang="en-SG"/>
+            </a:p>
+          </p:txBody>
+        </p:sp>
+        <p:sp>
+          <p:nvSpPr>
+            <p:cNvPr id="19" name="Rectangle 18">
+              <a:extLst>
+                <a:ext uri="{FF2B5EF4-FFF2-40B4-BE49-F238E27FC236}">
+                  <a16:creationId xmlns:a16="http://schemas.microsoft.com/office/drawing/2014/main" id="{DFD0B499-BC0D-43E6-9FD0-A6ABFF3EF14F}"/>
+                </a:ext>
+              </a:extLst>
+            </p:cNvPr>
+            <p:cNvSpPr/>
+            <p:nvPr/>
+          </p:nvSpPr>
+          <p:spPr>
+            <a:xfrm>
+              <a:off x="5516769" y="5057214"/>
+              <a:ext cx="536895" cy="174844"/>
+            </a:xfrm>
+            <a:prstGeom prst="rect">
+              <a:avLst/>
+            </a:prstGeom>
+            <a:solidFill>
+              <a:schemeClr val="accent6">
+                <a:lumMod val="40000"/>
+                <a:lumOff val="60000"/>
+                <a:alpha val="50000"/>
+              </a:schemeClr>
+            </a:solidFill>
+            <a:ln>
+              <a:noFill/>
+            </a:ln>
+          </p:spPr>
+          <p:style>
+            <a:lnRef idx="2">
+              <a:schemeClr val="accent1">
+                <a:shade val="50000"/>
+              </a:schemeClr>
+            </a:lnRef>
+            <a:fillRef idx="1">
+              <a:schemeClr val="accent1"/>
+            </a:fillRef>
+            <a:effectRef idx="0">
+              <a:schemeClr val="accent1"/>
+            </a:effectRef>
+            <a:fontRef idx="minor">
+              <a:schemeClr val="lt1"/>
+            </a:fontRef>
+          </p:style>
+          <p:txBody>
+            <a:bodyPr rtlCol="0" anchor="ctr"/>
+            <a:lstStyle/>
+            <a:p>
+              <a:pPr algn="ctr"/>
+              <a:endParaRPr lang="en-SG"/>
+            </a:p>
+          </p:txBody>
+        </p:sp>
+        <p:sp>
+          <p:nvSpPr>
+            <p:cNvPr id="20" name="Rectangle 19">
+              <a:extLst>
+                <a:ext uri="{FF2B5EF4-FFF2-40B4-BE49-F238E27FC236}">
+                  <a16:creationId xmlns:a16="http://schemas.microsoft.com/office/drawing/2014/main" id="{13E06FA6-927D-4D64-82EF-9ADCEFB91127}"/>
+                </a:ext>
+              </a:extLst>
+            </p:cNvPr>
+            <p:cNvSpPr/>
+            <p:nvPr/>
+          </p:nvSpPr>
+          <p:spPr>
+            <a:xfrm>
+              <a:off x="5516768" y="4809539"/>
+              <a:ext cx="536895" cy="174844"/>
+            </a:xfrm>
+            <a:prstGeom prst="rect">
+              <a:avLst/>
+            </a:prstGeom>
+            <a:solidFill>
+              <a:schemeClr val="accent6">
+                <a:lumMod val="40000"/>
+                <a:lumOff val="60000"/>
+                <a:alpha val="50000"/>
+              </a:schemeClr>
+            </a:solidFill>
+            <a:ln>
+              <a:noFill/>
+            </a:ln>
+          </p:spPr>
+          <p:style>
+            <a:lnRef idx="2">
+              <a:schemeClr val="accent1">
+                <a:shade val="50000"/>
+              </a:schemeClr>
+            </a:lnRef>
+            <a:fillRef idx="1">
+              <a:schemeClr val="accent1"/>
+            </a:fillRef>
+            <a:effectRef idx="0">
+              <a:schemeClr val="accent1"/>
+            </a:effectRef>
+            <a:fontRef idx="minor">
+              <a:schemeClr val="lt1"/>
+            </a:fontRef>
+          </p:style>
+          <p:txBody>
+            <a:bodyPr rtlCol="0" anchor="ctr"/>
+            <a:lstStyle/>
+            <a:p>
+              <a:pPr algn="ctr"/>
+              <a:endParaRPr lang="en-SG"/>
+            </a:p>
+          </p:txBody>
+        </p:sp>
+        <p:sp>
+          <p:nvSpPr>
+            <p:cNvPr id="21" name="Rectangle 20">
+              <a:extLst>
+                <a:ext uri="{FF2B5EF4-FFF2-40B4-BE49-F238E27FC236}">
+                  <a16:creationId xmlns:a16="http://schemas.microsoft.com/office/drawing/2014/main" id="{978AF384-5A01-48CC-96DE-3A4A1F5E4AE2}"/>
+                </a:ext>
+              </a:extLst>
+            </p:cNvPr>
+            <p:cNvSpPr/>
+            <p:nvPr/>
+          </p:nvSpPr>
+          <p:spPr>
+            <a:xfrm>
+              <a:off x="6104468" y="6273171"/>
+              <a:ext cx="536895" cy="174844"/>
+            </a:xfrm>
+            <a:prstGeom prst="rect">
+              <a:avLst/>
+            </a:prstGeom>
+            <a:solidFill>
+              <a:schemeClr val="accent6">
+                <a:lumMod val="40000"/>
+                <a:lumOff val="60000"/>
+                <a:alpha val="50000"/>
+              </a:schemeClr>
+            </a:solidFill>
+            <a:ln>
+              <a:noFill/>
+            </a:ln>
+          </p:spPr>
+          <p:style>
+            <a:lnRef idx="2">
+              <a:schemeClr val="accent1">
+                <a:shade val="50000"/>
+              </a:schemeClr>
+            </a:lnRef>
+            <a:fillRef idx="1">
+              <a:schemeClr val="accent1"/>
+            </a:fillRef>
+            <a:effectRef idx="0">
+              <a:schemeClr val="accent1"/>
+            </a:effectRef>
+            <a:fontRef idx="minor">
+              <a:schemeClr val="lt1"/>
+            </a:fontRef>
+          </p:style>
+          <p:txBody>
+            <a:bodyPr rtlCol="0" anchor="ctr"/>
+            <a:lstStyle/>
+            <a:p>
+              <a:pPr algn="ctr"/>
+              <a:endParaRPr lang="en-SG"/>
+            </a:p>
+          </p:txBody>
+        </p:sp>
+        <p:sp>
+          <p:nvSpPr>
+            <p:cNvPr id="22" name="Rectangle 21">
+              <a:extLst>
+                <a:ext uri="{FF2B5EF4-FFF2-40B4-BE49-F238E27FC236}">
+                  <a16:creationId xmlns:a16="http://schemas.microsoft.com/office/drawing/2014/main" id="{B9ADE3E2-64B2-4D7F-A4F5-558EBEBDB16D}"/>
+                </a:ext>
+              </a:extLst>
+            </p:cNvPr>
+            <p:cNvSpPr/>
+            <p:nvPr/>
+          </p:nvSpPr>
+          <p:spPr>
+            <a:xfrm>
+              <a:off x="6104467" y="6031683"/>
+              <a:ext cx="536895" cy="174844"/>
+            </a:xfrm>
+            <a:prstGeom prst="rect">
+              <a:avLst/>
+            </a:prstGeom>
+            <a:solidFill>
+              <a:schemeClr val="accent6">
+                <a:lumMod val="40000"/>
+                <a:lumOff val="60000"/>
+                <a:alpha val="50000"/>
+              </a:schemeClr>
+            </a:solidFill>
+            <a:ln>
+              <a:noFill/>
+            </a:ln>
+          </p:spPr>
+          <p:style>
+            <a:lnRef idx="2">
+              <a:schemeClr val="accent1">
+                <a:shade val="50000"/>
+              </a:schemeClr>
+            </a:lnRef>
+            <a:fillRef idx="1">
+              <a:schemeClr val="accent1"/>
+            </a:fillRef>
+            <a:effectRef idx="0">
+              <a:schemeClr val="accent1"/>
+            </a:effectRef>
+            <a:fontRef idx="minor">
+              <a:schemeClr val="lt1"/>
+            </a:fontRef>
+          </p:style>
+          <p:txBody>
+            <a:bodyPr rtlCol="0" anchor="ctr"/>
+            <a:lstStyle/>
+            <a:p>
+              <a:pPr algn="ctr"/>
+              <a:endParaRPr lang="en-SG"/>
+            </a:p>
+          </p:txBody>
+        </p:sp>
+        <p:sp>
+          <p:nvSpPr>
+            <p:cNvPr id="23" name="Rectangle 22">
+              <a:extLst>
+                <a:ext uri="{FF2B5EF4-FFF2-40B4-BE49-F238E27FC236}">
+                  <a16:creationId xmlns:a16="http://schemas.microsoft.com/office/drawing/2014/main" id="{480AFFD9-E8BA-4AAB-A8AA-A2A45596D6C3}"/>
+                </a:ext>
+              </a:extLst>
+            </p:cNvPr>
+            <p:cNvSpPr/>
+            <p:nvPr/>
+          </p:nvSpPr>
+          <p:spPr>
+            <a:xfrm>
+              <a:off x="6104467" y="5781728"/>
+              <a:ext cx="536895" cy="174844"/>
+            </a:xfrm>
+            <a:prstGeom prst="rect">
+              <a:avLst/>
+            </a:prstGeom>
+            <a:solidFill>
+              <a:schemeClr val="accent6">
+                <a:lumMod val="40000"/>
+                <a:lumOff val="60000"/>
+                <a:alpha val="50000"/>
+              </a:schemeClr>
+            </a:solidFill>
+            <a:ln>
+              <a:noFill/>
+            </a:ln>
+          </p:spPr>
+          <p:style>
+            <a:lnRef idx="2">
+              <a:schemeClr val="accent1">
+                <a:shade val="50000"/>
+              </a:schemeClr>
+            </a:lnRef>
+            <a:fillRef idx="1">
+              <a:schemeClr val="accent1"/>
+            </a:fillRef>
+            <a:effectRef idx="0">
+              <a:schemeClr val="accent1"/>
+            </a:effectRef>
+            <a:fontRef idx="minor">
+              <a:schemeClr val="lt1"/>
+            </a:fontRef>
+          </p:style>
+          <p:txBody>
+            <a:bodyPr rtlCol="0" anchor="ctr"/>
+            <a:lstStyle/>
+            <a:p>
+              <a:pPr algn="ctr"/>
+              <a:endParaRPr lang="en-SG"/>
+            </a:p>
+          </p:txBody>
+        </p:sp>
+        <p:sp>
+          <p:nvSpPr>
+            <p:cNvPr id="24" name="Rectangle 23">
+              <a:extLst>
+                <a:ext uri="{FF2B5EF4-FFF2-40B4-BE49-F238E27FC236}">
+                  <a16:creationId xmlns:a16="http://schemas.microsoft.com/office/drawing/2014/main" id="{3C07100E-3A05-44EA-84AA-E771DD833F8D}"/>
+                </a:ext>
+              </a:extLst>
+            </p:cNvPr>
+            <p:cNvSpPr/>
+            <p:nvPr/>
+          </p:nvSpPr>
+          <p:spPr>
+            <a:xfrm>
+              <a:off x="6104467" y="5531773"/>
+              <a:ext cx="536895" cy="174844"/>
+            </a:xfrm>
+            <a:prstGeom prst="rect">
+              <a:avLst/>
+            </a:prstGeom>
+            <a:solidFill>
+              <a:schemeClr val="accent6">
+                <a:lumMod val="40000"/>
+                <a:lumOff val="60000"/>
+                <a:alpha val="50000"/>
+              </a:schemeClr>
+            </a:solidFill>
+            <a:ln>
+              <a:noFill/>
+            </a:ln>
+          </p:spPr>
+          <p:style>
+            <a:lnRef idx="2">
+              <a:schemeClr val="accent1">
+                <a:shade val="50000"/>
+              </a:schemeClr>
+            </a:lnRef>
+            <a:fillRef idx="1">
+              <a:schemeClr val="accent1"/>
+            </a:fillRef>
+            <a:effectRef idx="0">
+              <a:schemeClr val="accent1"/>
+            </a:effectRef>
+            <a:fontRef idx="minor">
+              <a:schemeClr val="lt1"/>
+            </a:fontRef>
+          </p:style>
+          <p:txBody>
+            <a:bodyPr rtlCol="0" anchor="ctr"/>
+            <a:lstStyle/>
+            <a:p>
+              <a:pPr algn="ctr"/>
+              <a:endParaRPr lang="en-SG"/>
+            </a:p>
+          </p:txBody>
+        </p:sp>
+        <p:sp>
+          <p:nvSpPr>
+            <p:cNvPr id="25" name="Rectangle 24">
+              <a:extLst>
+                <a:ext uri="{FF2B5EF4-FFF2-40B4-BE49-F238E27FC236}">
+                  <a16:creationId xmlns:a16="http://schemas.microsoft.com/office/drawing/2014/main" id="{B19946C5-B164-4035-9C97-9A96A10543EE}"/>
+                </a:ext>
+              </a:extLst>
+            </p:cNvPr>
+            <p:cNvSpPr/>
+            <p:nvPr/>
+          </p:nvSpPr>
+          <p:spPr>
+            <a:xfrm>
+              <a:off x="6104466" y="5295850"/>
+              <a:ext cx="536895" cy="174844"/>
+            </a:xfrm>
+            <a:prstGeom prst="rect">
+              <a:avLst/>
+            </a:prstGeom>
+            <a:solidFill>
+              <a:schemeClr val="accent6">
+                <a:lumMod val="40000"/>
+                <a:lumOff val="60000"/>
+                <a:alpha val="50000"/>
+              </a:schemeClr>
+            </a:solidFill>
+            <a:ln>
+              <a:noFill/>
+            </a:ln>
+          </p:spPr>
+          <p:style>
+            <a:lnRef idx="2">
+              <a:schemeClr val="accent1">
+                <a:shade val="50000"/>
+              </a:schemeClr>
+            </a:lnRef>
+            <a:fillRef idx="1">
+              <a:schemeClr val="accent1"/>
+            </a:fillRef>
+            <a:effectRef idx="0">
+              <a:schemeClr val="accent1"/>
+            </a:effectRef>
+            <a:fontRef idx="minor">
+              <a:schemeClr val="lt1"/>
+            </a:fontRef>
+          </p:style>
+          <p:txBody>
+            <a:bodyPr rtlCol="0" anchor="ctr"/>
+            <a:lstStyle/>
+            <a:p>
+              <a:pPr algn="ctr"/>
+              <a:endParaRPr lang="en-SG"/>
+            </a:p>
+          </p:txBody>
+        </p:sp>
+        <p:sp>
+          <p:nvSpPr>
+            <p:cNvPr id="26" name="Rectangle 25">
+              <a:extLst>
+                <a:ext uri="{FF2B5EF4-FFF2-40B4-BE49-F238E27FC236}">
+                  <a16:creationId xmlns:a16="http://schemas.microsoft.com/office/drawing/2014/main" id="{5B9007AA-1BEF-47B1-873C-6FB7731BC7EE}"/>
+                </a:ext>
+              </a:extLst>
+            </p:cNvPr>
+            <p:cNvSpPr/>
+            <p:nvPr/>
+          </p:nvSpPr>
+          <p:spPr>
+            <a:xfrm>
+              <a:off x="6104466" y="5057214"/>
+              <a:ext cx="536895" cy="174844"/>
+            </a:xfrm>
+            <a:prstGeom prst="rect">
+              <a:avLst/>
+            </a:prstGeom>
+            <a:solidFill>
+              <a:schemeClr val="accent6">
+                <a:lumMod val="40000"/>
+                <a:lumOff val="60000"/>
+                <a:alpha val="50000"/>
+              </a:schemeClr>
+            </a:solidFill>
+            <a:ln>
+              <a:noFill/>
+            </a:ln>
+          </p:spPr>
+          <p:style>
+            <a:lnRef idx="2">
+              <a:schemeClr val="accent1">
+                <a:shade val="50000"/>
+              </a:schemeClr>
+            </a:lnRef>
+            <a:fillRef idx="1">
+              <a:schemeClr val="accent1"/>
+            </a:fillRef>
+            <a:effectRef idx="0">
+              <a:schemeClr val="accent1"/>
+            </a:effectRef>
+            <a:fontRef idx="minor">
+              <a:schemeClr val="lt1"/>
+            </a:fontRef>
+          </p:style>
+          <p:txBody>
+            <a:bodyPr rtlCol="0" anchor="ctr"/>
+            <a:lstStyle/>
+            <a:p>
+              <a:pPr algn="ctr"/>
+              <a:endParaRPr lang="en-SG"/>
+            </a:p>
+          </p:txBody>
+        </p:sp>
+        <p:sp>
+          <p:nvSpPr>
+            <p:cNvPr id="27" name="Rectangle 26">
+              <a:extLst>
+                <a:ext uri="{FF2B5EF4-FFF2-40B4-BE49-F238E27FC236}">
+                  <a16:creationId xmlns:a16="http://schemas.microsoft.com/office/drawing/2014/main" id="{85CF3CB5-7827-4C8D-A0ED-81AA8CBB34A9}"/>
+                </a:ext>
+              </a:extLst>
+            </p:cNvPr>
+            <p:cNvSpPr/>
+            <p:nvPr/>
+          </p:nvSpPr>
+          <p:spPr>
+            <a:xfrm>
+              <a:off x="6104465" y="4809539"/>
+              <a:ext cx="536895" cy="174844"/>
+            </a:xfrm>
+            <a:prstGeom prst="rect">
+              <a:avLst/>
+            </a:prstGeom>
+            <a:solidFill>
+              <a:schemeClr val="accent6">
+                <a:lumMod val="40000"/>
+                <a:lumOff val="60000"/>
+                <a:alpha val="50000"/>
+              </a:schemeClr>
+            </a:solidFill>
+            <a:ln>
+              <a:noFill/>
+            </a:ln>
+          </p:spPr>
+          <p:style>
+            <a:lnRef idx="2">
+              <a:schemeClr val="accent1">
+                <a:shade val="50000"/>
+              </a:schemeClr>
+            </a:lnRef>
+            <a:fillRef idx="1">
+              <a:schemeClr val="accent1"/>
+            </a:fillRef>
+            <a:effectRef idx="0">
+              <a:schemeClr val="accent1"/>
+            </a:effectRef>
+            <a:fontRef idx="minor">
+              <a:schemeClr val="lt1"/>
+            </a:fontRef>
+          </p:style>
+          <p:txBody>
+            <a:bodyPr rtlCol="0" anchor="ctr"/>
+            <a:lstStyle/>
+            <a:p>
+              <a:pPr algn="ctr"/>
+              <a:endParaRPr lang="en-SG"/>
+            </a:p>
+          </p:txBody>
+        </p:sp>
+        <p:sp>
+          <p:nvSpPr>
+            <p:cNvPr id="29" name="Rectangle 28">
+              <a:extLst>
+                <a:ext uri="{FF2B5EF4-FFF2-40B4-BE49-F238E27FC236}">
+                  <a16:creationId xmlns:a16="http://schemas.microsoft.com/office/drawing/2014/main" id="{821AC5B5-1E1A-4F77-A6A4-235C2BF43AC8}"/>
+                </a:ext>
+              </a:extLst>
+            </p:cNvPr>
+            <p:cNvSpPr/>
+            <p:nvPr/>
+          </p:nvSpPr>
+          <p:spPr>
+            <a:xfrm>
+              <a:off x="6104465" y="4316931"/>
+              <a:ext cx="536895" cy="174844"/>
+            </a:xfrm>
+            <a:prstGeom prst="rect">
+              <a:avLst/>
+            </a:prstGeom>
+            <a:solidFill>
+              <a:schemeClr val="accent6">
+                <a:lumMod val="40000"/>
+                <a:lumOff val="60000"/>
+                <a:alpha val="50000"/>
+              </a:schemeClr>
+            </a:solidFill>
+            <a:ln>
+              <a:noFill/>
+            </a:ln>
+          </p:spPr>
+          <p:style>
+            <a:lnRef idx="2">
+              <a:schemeClr val="accent1">
+                <a:shade val="50000"/>
+              </a:schemeClr>
+            </a:lnRef>
+            <a:fillRef idx="1">
+              <a:schemeClr val="accent1"/>
+            </a:fillRef>
+            <a:effectRef idx="0">
+              <a:schemeClr val="accent1"/>
+            </a:effectRef>
+            <a:fontRef idx="minor">
+              <a:schemeClr val="lt1"/>
+            </a:fontRef>
+          </p:style>
+          <p:txBody>
+            <a:bodyPr rtlCol="0" anchor="ctr"/>
+            <a:lstStyle/>
+            <a:p>
+              <a:pPr algn="ctr"/>
+              <a:endParaRPr lang="en-SG"/>
+            </a:p>
+          </p:txBody>
+        </p:sp>
+        <p:sp>
+          <p:nvSpPr>
+            <p:cNvPr id="30" name="Rectangle 29">
+              <a:extLst>
+                <a:ext uri="{FF2B5EF4-FFF2-40B4-BE49-F238E27FC236}">
+                  <a16:creationId xmlns:a16="http://schemas.microsoft.com/office/drawing/2014/main" id="{7C9A9C12-BE5B-401F-95A0-6CCA99BA6FC2}"/>
+                </a:ext>
+              </a:extLst>
+            </p:cNvPr>
+            <p:cNvSpPr/>
+            <p:nvPr/>
+          </p:nvSpPr>
+          <p:spPr>
+            <a:xfrm>
+              <a:off x="5516768" y="4321409"/>
+              <a:ext cx="536895" cy="174844"/>
+            </a:xfrm>
+            <a:prstGeom prst="rect">
+              <a:avLst/>
+            </a:prstGeom>
+            <a:solidFill>
+              <a:schemeClr val="accent6">
+                <a:lumMod val="40000"/>
+                <a:lumOff val="60000"/>
+                <a:alpha val="50000"/>
+              </a:schemeClr>
+            </a:solidFill>
+            <a:ln>
+              <a:noFill/>
+            </a:ln>
+          </p:spPr>
+          <p:style>
+            <a:lnRef idx="2">
+              <a:schemeClr val="accent1">
+                <a:shade val="50000"/>
+              </a:schemeClr>
+            </a:lnRef>
+            <a:fillRef idx="1">
+              <a:schemeClr val="accent1"/>
+            </a:fillRef>
+            <a:effectRef idx="0">
+              <a:schemeClr val="accent1"/>
+            </a:effectRef>
+            <a:fontRef idx="minor">
+              <a:schemeClr val="lt1"/>
+            </a:fontRef>
+          </p:style>
+          <p:txBody>
+            <a:bodyPr rtlCol="0" anchor="ctr"/>
+            <a:lstStyle/>
+            <a:p>
+              <a:pPr algn="ctr"/>
+              <a:endParaRPr lang="en-SG"/>
+            </a:p>
+          </p:txBody>
+        </p:sp>
+        <p:sp>
+          <p:nvSpPr>
+            <p:cNvPr id="31" name="Rectangle 30">
+              <a:extLst>
+                <a:ext uri="{FF2B5EF4-FFF2-40B4-BE49-F238E27FC236}">
+                  <a16:creationId xmlns:a16="http://schemas.microsoft.com/office/drawing/2014/main" id="{E9C8991A-2183-4B0E-B698-A2B8A8BBE7A7}"/>
+                </a:ext>
+              </a:extLst>
+            </p:cNvPr>
+            <p:cNvSpPr/>
+            <p:nvPr/>
+          </p:nvSpPr>
+          <p:spPr>
+            <a:xfrm>
+              <a:off x="5516767" y="4562289"/>
+              <a:ext cx="536895" cy="174844"/>
+            </a:xfrm>
+            <a:prstGeom prst="rect">
+              <a:avLst/>
+            </a:prstGeom>
+            <a:solidFill>
+              <a:schemeClr val="accent6">
+                <a:lumMod val="40000"/>
+                <a:lumOff val="60000"/>
+                <a:alpha val="50000"/>
+              </a:schemeClr>
+            </a:solidFill>
+            <a:ln>
+              <a:noFill/>
+            </a:ln>
+          </p:spPr>
+          <p:style>
+            <a:lnRef idx="2">
+              <a:schemeClr val="accent1">
+                <a:shade val="50000"/>
+              </a:schemeClr>
+            </a:lnRef>
+            <a:fillRef idx="1">
+              <a:schemeClr val="accent1"/>
+            </a:fillRef>
+            <a:effectRef idx="0">
+              <a:schemeClr val="accent1"/>
+            </a:effectRef>
+            <a:fontRef idx="minor">
+              <a:schemeClr val="lt1"/>
+            </a:fontRef>
+          </p:style>
+          <p:txBody>
+            <a:bodyPr rtlCol="0" anchor="ctr"/>
+            <a:lstStyle/>
+            <a:p>
+              <a:pPr algn="ctr"/>
+              <a:endParaRPr lang="en-SG"/>
+            </a:p>
+          </p:txBody>
+        </p:sp>
+        <p:sp>
+          <p:nvSpPr>
+            <p:cNvPr id="32" name="Rectangle 31">
+              <a:extLst>
+                <a:ext uri="{FF2B5EF4-FFF2-40B4-BE49-F238E27FC236}">
+                  <a16:creationId xmlns:a16="http://schemas.microsoft.com/office/drawing/2014/main" id="{B8A1922C-B78C-4129-B8C5-3D3EEB15850D}"/>
+                </a:ext>
+              </a:extLst>
+            </p:cNvPr>
+            <p:cNvSpPr/>
+            <p:nvPr/>
+          </p:nvSpPr>
+          <p:spPr>
+            <a:xfrm>
+              <a:off x="6700630" y="6273171"/>
+              <a:ext cx="536895" cy="174844"/>
+            </a:xfrm>
+            <a:prstGeom prst="rect">
+              <a:avLst/>
+            </a:prstGeom>
+            <a:solidFill>
+              <a:schemeClr val="accent6">
+                <a:lumMod val="40000"/>
+                <a:lumOff val="60000"/>
+                <a:alpha val="50000"/>
+              </a:schemeClr>
+            </a:solidFill>
+            <a:ln>
+              <a:noFill/>
+            </a:ln>
+          </p:spPr>
+          <p:style>
+            <a:lnRef idx="2">
+              <a:schemeClr val="accent1">
+                <a:shade val="50000"/>
+              </a:schemeClr>
+            </a:lnRef>
+            <a:fillRef idx="1">
+              <a:schemeClr val="accent1"/>
+            </a:fillRef>
+            <a:effectRef idx="0">
+              <a:schemeClr val="accent1"/>
+            </a:effectRef>
+            <a:fontRef idx="minor">
+              <a:schemeClr val="lt1"/>
+            </a:fontRef>
+          </p:style>
+          <p:txBody>
+            <a:bodyPr rtlCol="0" anchor="ctr"/>
+            <a:lstStyle/>
+            <a:p>
+              <a:pPr algn="ctr"/>
+              <a:endParaRPr lang="en-SG"/>
+            </a:p>
+          </p:txBody>
+        </p:sp>
+        <p:sp>
+          <p:nvSpPr>
+            <p:cNvPr id="33" name="Rectangle 32">
+              <a:extLst>
+                <a:ext uri="{FF2B5EF4-FFF2-40B4-BE49-F238E27FC236}">
+                  <a16:creationId xmlns:a16="http://schemas.microsoft.com/office/drawing/2014/main" id="{7C98D8D2-B9F8-4EA8-9DD4-2E884BD47C74}"/>
+                </a:ext>
+              </a:extLst>
+            </p:cNvPr>
+            <p:cNvSpPr/>
+            <p:nvPr/>
+          </p:nvSpPr>
+          <p:spPr>
+            <a:xfrm>
+              <a:off x="6700629" y="6031683"/>
+              <a:ext cx="536895" cy="174844"/>
+            </a:xfrm>
+            <a:prstGeom prst="rect">
+              <a:avLst/>
+            </a:prstGeom>
+            <a:solidFill>
+              <a:schemeClr val="accent6">
+                <a:lumMod val="40000"/>
+                <a:lumOff val="60000"/>
+                <a:alpha val="50000"/>
+              </a:schemeClr>
+            </a:solidFill>
+            <a:ln>
+              <a:noFill/>
+            </a:ln>
+          </p:spPr>
+          <p:style>
+            <a:lnRef idx="2">
+              <a:schemeClr val="accent1">
+                <a:shade val="50000"/>
+              </a:schemeClr>
+            </a:lnRef>
+            <a:fillRef idx="1">
+              <a:schemeClr val="accent1"/>
+            </a:fillRef>
+            <a:effectRef idx="0">
+              <a:schemeClr val="accent1"/>
+            </a:effectRef>
+            <a:fontRef idx="minor">
+              <a:schemeClr val="lt1"/>
+            </a:fontRef>
+          </p:style>
+          <p:txBody>
+            <a:bodyPr rtlCol="0" anchor="ctr"/>
+            <a:lstStyle/>
+            <a:p>
+              <a:pPr algn="ctr"/>
+              <a:endParaRPr lang="en-SG"/>
+            </a:p>
+          </p:txBody>
+        </p:sp>
+        <p:sp>
+          <p:nvSpPr>
+            <p:cNvPr id="34" name="Rectangle 33">
+              <a:extLst>
+                <a:ext uri="{FF2B5EF4-FFF2-40B4-BE49-F238E27FC236}">
+                  <a16:creationId xmlns:a16="http://schemas.microsoft.com/office/drawing/2014/main" id="{FFF5CE5F-721D-41F1-A615-22770441B162}"/>
+                </a:ext>
+              </a:extLst>
+            </p:cNvPr>
+            <p:cNvSpPr/>
+            <p:nvPr/>
+          </p:nvSpPr>
+          <p:spPr>
+            <a:xfrm>
+              <a:off x="6700629" y="5781728"/>
+              <a:ext cx="536895" cy="174844"/>
+            </a:xfrm>
+            <a:prstGeom prst="rect">
+              <a:avLst/>
+            </a:prstGeom>
+            <a:solidFill>
+              <a:schemeClr val="accent6">
+                <a:lumMod val="40000"/>
+                <a:lumOff val="60000"/>
+                <a:alpha val="50000"/>
+              </a:schemeClr>
+            </a:solidFill>
+            <a:ln>
+              <a:noFill/>
+            </a:ln>
+          </p:spPr>
+          <p:style>
+            <a:lnRef idx="2">
+              <a:schemeClr val="accent1">
+                <a:shade val="50000"/>
+              </a:schemeClr>
+            </a:lnRef>
+            <a:fillRef idx="1">
+              <a:schemeClr val="accent1"/>
+            </a:fillRef>
+            <a:effectRef idx="0">
+              <a:schemeClr val="accent1"/>
+            </a:effectRef>
+            <a:fontRef idx="minor">
+              <a:schemeClr val="lt1"/>
+            </a:fontRef>
+          </p:style>
+          <p:txBody>
+            <a:bodyPr rtlCol="0" anchor="ctr"/>
+            <a:lstStyle/>
+            <a:p>
+              <a:pPr algn="ctr"/>
+              <a:endParaRPr lang="en-SG"/>
+            </a:p>
+          </p:txBody>
+        </p:sp>
+        <p:sp>
+          <p:nvSpPr>
+            <p:cNvPr id="35" name="Rectangle 34">
+              <a:extLst>
+                <a:ext uri="{FF2B5EF4-FFF2-40B4-BE49-F238E27FC236}">
+                  <a16:creationId xmlns:a16="http://schemas.microsoft.com/office/drawing/2014/main" id="{D331DEE2-88CA-42E7-B2A9-4392E48BB59A}"/>
+                </a:ext>
+              </a:extLst>
+            </p:cNvPr>
+            <p:cNvSpPr/>
+            <p:nvPr/>
+          </p:nvSpPr>
+          <p:spPr>
+            <a:xfrm>
+              <a:off x="6700629" y="5531773"/>
+              <a:ext cx="536895" cy="174844"/>
+            </a:xfrm>
+            <a:prstGeom prst="rect">
+              <a:avLst/>
+            </a:prstGeom>
+            <a:solidFill>
+              <a:schemeClr val="accent6">
+                <a:lumMod val="40000"/>
+                <a:lumOff val="60000"/>
+                <a:alpha val="50000"/>
+              </a:schemeClr>
+            </a:solidFill>
+            <a:ln>
+              <a:noFill/>
+            </a:ln>
+          </p:spPr>
+          <p:style>
+            <a:lnRef idx="2">
+              <a:schemeClr val="accent1">
+                <a:shade val="50000"/>
+              </a:schemeClr>
+            </a:lnRef>
+            <a:fillRef idx="1">
+              <a:schemeClr val="accent1"/>
+            </a:fillRef>
+            <a:effectRef idx="0">
+              <a:schemeClr val="accent1"/>
+            </a:effectRef>
+            <a:fontRef idx="minor">
+              <a:schemeClr val="lt1"/>
+            </a:fontRef>
+          </p:style>
+          <p:txBody>
+            <a:bodyPr rtlCol="0" anchor="ctr"/>
+            <a:lstStyle/>
+            <a:p>
+              <a:pPr algn="ctr"/>
+              <a:endParaRPr lang="en-SG"/>
+            </a:p>
+          </p:txBody>
+        </p:sp>
+        <p:sp>
+          <p:nvSpPr>
+            <p:cNvPr id="36" name="Rectangle 35">
+              <a:extLst>
+                <a:ext uri="{FF2B5EF4-FFF2-40B4-BE49-F238E27FC236}">
+                  <a16:creationId xmlns:a16="http://schemas.microsoft.com/office/drawing/2014/main" id="{21F0EC89-08F7-4671-90CE-54AE110A3DD1}"/>
+                </a:ext>
+              </a:extLst>
+            </p:cNvPr>
+            <p:cNvSpPr/>
+            <p:nvPr/>
+          </p:nvSpPr>
+          <p:spPr>
+            <a:xfrm>
+              <a:off x="6700628" y="5295850"/>
+              <a:ext cx="536895" cy="174844"/>
+            </a:xfrm>
+            <a:prstGeom prst="rect">
+              <a:avLst/>
+            </a:prstGeom>
+            <a:solidFill>
+              <a:schemeClr val="accent6">
+                <a:lumMod val="40000"/>
+                <a:lumOff val="60000"/>
+                <a:alpha val="50000"/>
+              </a:schemeClr>
+            </a:solidFill>
+            <a:ln>
+              <a:noFill/>
+            </a:ln>
+          </p:spPr>
+          <p:style>
+            <a:lnRef idx="2">
+              <a:schemeClr val="accent1">
+                <a:shade val="50000"/>
+              </a:schemeClr>
+            </a:lnRef>
+            <a:fillRef idx="1">
+              <a:schemeClr val="accent1"/>
+            </a:fillRef>
+            <a:effectRef idx="0">
+              <a:schemeClr val="accent1"/>
+            </a:effectRef>
+            <a:fontRef idx="minor">
+              <a:schemeClr val="lt1"/>
+            </a:fontRef>
+          </p:style>
+          <p:txBody>
+            <a:bodyPr rtlCol="0" anchor="ctr"/>
+            <a:lstStyle/>
+            <a:p>
+              <a:pPr algn="ctr"/>
+              <a:endParaRPr lang="en-SG"/>
+            </a:p>
+          </p:txBody>
+        </p:sp>
+        <p:sp>
+          <p:nvSpPr>
+            <p:cNvPr id="37" name="Rectangle 36">
+              <a:extLst>
+                <a:ext uri="{FF2B5EF4-FFF2-40B4-BE49-F238E27FC236}">
+                  <a16:creationId xmlns:a16="http://schemas.microsoft.com/office/drawing/2014/main" id="{94ABC1C2-93DE-47F9-81F7-70DC97C9A24B}"/>
+                </a:ext>
+              </a:extLst>
+            </p:cNvPr>
+            <p:cNvSpPr/>
+            <p:nvPr/>
+          </p:nvSpPr>
+          <p:spPr>
+            <a:xfrm>
+              <a:off x="6700628" y="5057214"/>
+              <a:ext cx="536895" cy="174844"/>
+            </a:xfrm>
+            <a:prstGeom prst="rect">
+              <a:avLst/>
+            </a:prstGeom>
+            <a:solidFill>
+              <a:schemeClr val="accent6">
+                <a:lumMod val="40000"/>
+                <a:lumOff val="60000"/>
+                <a:alpha val="50000"/>
+              </a:schemeClr>
+            </a:solidFill>
+            <a:ln>
+              <a:noFill/>
+            </a:ln>
+          </p:spPr>
+          <p:style>
+            <a:lnRef idx="2">
+              <a:schemeClr val="accent1">
+                <a:shade val="50000"/>
+              </a:schemeClr>
+            </a:lnRef>
+            <a:fillRef idx="1">
+              <a:schemeClr val="accent1"/>
+            </a:fillRef>
+            <a:effectRef idx="0">
+              <a:schemeClr val="accent1"/>
+            </a:effectRef>
+            <a:fontRef idx="minor">
+              <a:schemeClr val="lt1"/>
+            </a:fontRef>
+          </p:style>
+          <p:txBody>
+            <a:bodyPr rtlCol="0" anchor="ctr"/>
+            <a:lstStyle/>
+            <a:p>
+              <a:pPr algn="ctr"/>
+              <a:endParaRPr lang="en-SG"/>
+            </a:p>
+          </p:txBody>
+        </p:sp>
+        <p:sp>
+          <p:nvSpPr>
+            <p:cNvPr id="38" name="Rectangle 37">
+              <a:extLst>
+                <a:ext uri="{FF2B5EF4-FFF2-40B4-BE49-F238E27FC236}">
+                  <a16:creationId xmlns:a16="http://schemas.microsoft.com/office/drawing/2014/main" id="{2147FABE-EFD6-424E-A784-7CECC7EFA0E0}"/>
+                </a:ext>
+              </a:extLst>
+            </p:cNvPr>
+            <p:cNvSpPr/>
+            <p:nvPr/>
+          </p:nvSpPr>
+          <p:spPr>
+            <a:xfrm>
+              <a:off x="6700627" y="4809539"/>
+              <a:ext cx="536895" cy="174844"/>
+            </a:xfrm>
+            <a:prstGeom prst="rect">
+              <a:avLst/>
+            </a:prstGeom>
+            <a:solidFill>
+              <a:schemeClr val="accent6">
+                <a:lumMod val="40000"/>
+                <a:lumOff val="60000"/>
+                <a:alpha val="50000"/>
+              </a:schemeClr>
+            </a:solidFill>
+            <a:ln>
+              <a:noFill/>
+            </a:ln>
+          </p:spPr>
+          <p:style>
+            <a:lnRef idx="2">
+              <a:schemeClr val="accent1">
+                <a:shade val="50000"/>
+              </a:schemeClr>
+            </a:lnRef>
+            <a:fillRef idx="1">
+              <a:schemeClr val="accent1"/>
+            </a:fillRef>
+            <a:effectRef idx="0">
+              <a:schemeClr val="accent1"/>
+            </a:effectRef>
+            <a:fontRef idx="minor">
+              <a:schemeClr val="lt1"/>
+            </a:fontRef>
+          </p:style>
+          <p:txBody>
+            <a:bodyPr rtlCol="0" anchor="ctr"/>
+            <a:lstStyle/>
+            <a:p>
+              <a:pPr algn="ctr"/>
+              <a:endParaRPr lang="en-SG"/>
+            </a:p>
+          </p:txBody>
+        </p:sp>
+        <p:sp>
+          <p:nvSpPr>
+            <p:cNvPr id="39" name="Rectangle 38">
+              <a:extLst>
+                <a:ext uri="{FF2B5EF4-FFF2-40B4-BE49-F238E27FC236}">
+                  <a16:creationId xmlns:a16="http://schemas.microsoft.com/office/drawing/2014/main" id="{94DB9481-0909-4110-9A4C-06FF4CF06855}"/>
+                </a:ext>
+              </a:extLst>
+            </p:cNvPr>
+            <p:cNvSpPr/>
+            <p:nvPr/>
+          </p:nvSpPr>
+          <p:spPr>
+            <a:xfrm>
+              <a:off x="6700627" y="4321409"/>
+              <a:ext cx="536895" cy="174844"/>
+            </a:xfrm>
+            <a:prstGeom prst="rect">
+              <a:avLst/>
+            </a:prstGeom>
+            <a:solidFill>
+              <a:schemeClr val="accent6">
+                <a:lumMod val="40000"/>
+                <a:lumOff val="60000"/>
+                <a:alpha val="50000"/>
+              </a:schemeClr>
+            </a:solidFill>
+            <a:ln>
+              <a:noFill/>
+            </a:ln>
+          </p:spPr>
+          <p:style>
+            <a:lnRef idx="2">
+              <a:schemeClr val="accent1">
+                <a:shade val="50000"/>
+              </a:schemeClr>
+            </a:lnRef>
+            <a:fillRef idx="1">
+              <a:schemeClr val="accent1"/>
+            </a:fillRef>
+            <a:effectRef idx="0">
+              <a:schemeClr val="accent1"/>
+            </a:effectRef>
+            <a:fontRef idx="minor">
+              <a:schemeClr val="lt1"/>
+            </a:fontRef>
+          </p:style>
+          <p:txBody>
+            <a:bodyPr rtlCol="0" anchor="ctr"/>
+            <a:lstStyle/>
+            <a:p>
+              <a:pPr algn="ctr"/>
+              <a:endParaRPr lang="en-SG"/>
+            </a:p>
+          </p:txBody>
+        </p:sp>
+        <p:sp>
+          <p:nvSpPr>
+            <p:cNvPr id="40" name="Rectangle 39">
+              <a:extLst>
+                <a:ext uri="{FF2B5EF4-FFF2-40B4-BE49-F238E27FC236}">
+                  <a16:creationId xmlns:a16="http://schemas.microsoft.com/office/drawing/2014/main" id="{66D081F2-94C5-440A-80EB-EF0D9D93AB3E}"/>
+                </a:ext>
+              </a:extLst>
+            </p:cNvPr>
+            <p:cNvSpPr/>
+            <p:nvPr/>
+          </p:nvSpPr>
+          <p:spPr>
+            <a:xfrm>
+              <a:off x="6700626" y="4562289"/>
+              <a:ext cx="536895" cy="174844"/>
+            </a:xfrm>
+            <a:prstGeom prst="rect">
+              <a:avLst/>
+            </a:prstGeom>
+            <a:solidFill>
+              <a:schemeClr val="accent6">
+                <a:lumMod val="40000"/>
+                <a:lumOff val="60000"/>
+                <a:alpha val="50000"/>
+              </a:schemeClr>
+            </a:solidFill>
+            <a:ln>
+              <a:noFill/>
+            </a:ln>
+          </p:spPr>
+          <p:style>
+            <a:lnRef idx="2">
+              <a:schemeClr val="accent1">
+                <a:shade val="50000"/>
+              </a:schemeClr>
+            </a:lnRef>
+            <a:fillRef idx="1">
+              <a:schemeClr val="accent1"/>
+            </a:fillRef>
+            <a:effectRef idx="0">
+              <a:schemeClr val="accent1"/>
+            </a:effectRef>
+            <a:fontRef idx="minor">
+              <a:schemeClr val="lt1"/>
+            </a:fontRef>
+          </p:style>
+          <p:txBody>
+            <a:bodyPr rtlCol="0" anchor="ctr"/>
+            <a:lstStyle/>
+            <a:p>
+              <a:pPr algn="ctr"/>
+              <a:endParaRPr lang="en-SG"/>
+            </a:p>
+          </p:txBody>
+        </p:sp>
+        <p:sp>
+          <p:nvSpPr>
+            <p:cNvPr id="41" name="Rectangle 40">
+              <a:extLst>
+                <a:ext uri="{FF2B5EF4-FFF2-40B4-BE49-F238E27FC236}">
+                  <a16:creationId xmlns:a16="http://schemas.microsoft.com/office/drawing/2014/main" id="{F5DCA7B3-2E22-4133-A480-31F30E7C56D3}"/>
+                </a:ext>
+              </a:extLst>
+            </p:cNvPr>
+            <p:cNvSpPr/>
+            <p:nvPr/>
+          </p:nvSpPr>
+          <p:spPr>
+            <a:xfrm>
+              <a:off x="4913890" y="6268693"/>
+              <a:ext cx="536895" cy="174844"/>
+            </a:xfrm>
+            <a:prstGeom prst="rect">
+              <a:avLst/>
+            </a:prstGeom>
+            <a:solidFill>
+              <a:schemeClr val="accent6">
+                <a:lumMod val="40000"/>
+                <a:lumOff val="60000"/>
+                <a:alpha val="50000"/>
+              </a:schemeClr>
+            </a:solidFill>
+            <a:ln>
+              <a:noFill/>
+            </a:ln>
+          </p:spPr>
+          <p:style>
+            <a:lnRef idx="2">
+              <a:schemeClr val="accent1">
+                <a:shade val="50000"/>
+              </a:schemeClr>
+            </a:lnRef>
+            <a:fillRef idx="1">
+              <a:schemeClr val="accent1"/>
+            </a:fillRef>
+            <a:effectRef idx="0">
+              <a:schemeClr val="accent1"/>
+            </a:effectRef>
+            <a:fontRef idx="minor">
+              <a:schemeClr val="lt1"/>
+            </a:fontRef>
+          </p:style>
+          <p:txBody>
+            <a:bodyPr rtlCol="0" anchor="ctr"/>
+            <a:lstStyle/>
+            <a:p>
+              <a:pPr algn="ctr"/>
+              <a:endParaRPr lang="en-SG"/>
+            </a:p>
+          </p:txBody>
+        </p:sp>
+        <p:sp>
+          <p:nvSpPr>
+            <p:cNvPr id="42" name="Rectangle 41">
+              <a:extLst>
+                <a:ext uri="{FF2B5EF4-FFF2-40B4-BE49-F238E27FC236}">
+                  <a16:creationId xmlns:a16="http://schemas.microsoft.com/office/drawing/2014/main" id="{ECFF49CA-A52E-49BC-ABB5-0E7860554B1A}"/>
+                </a:ext>
+              </a:extLst>
+            </p:cNvPr>
+            <p:cNvSpPr/>
+            <p:nvPr/>
+          </p:nvSpPr>
+          <p:spPr>
+            <a:xfrm>
+              <a:off x="4913889" y="6027205"/>
+              <a:ext cx="536895" cy="174844"/>
+            </a:xfrm>
+            <a:prstGeom prst="rect">
+              <a:avLst/>
+            </a:prstGeom>
+            <a:solidFill>
+              <a:schemeClr val="accent6">
+                <a:lumMod val="40000"/>
+                <a:lumOff val="60000"/>
+                <a:alpha val="50000"/>
+              </a:schemeClr>
+            </a:solidFill>
+            <a:ln>
+              <a:noFill/>
+            </a:ln>
+          </p:spPr>
+          <p:style>
+            <a:lnRef idx="2">
+              <a:schemeClr val="accent1">
+                <a:shade val="50000"/>
+              </a:schemeClr>
+            </a:lnRef>
+            <a:fillRef idx="1">
+              <a:schemeClr val="accent1"/>
+            </a:fillRef>
+            <a:effectRef idx="0">
+              <a:schemeClr val="accent1"/>
+            </a:effectRef>
+            <a:fontRef idx="minor">
+              <a:schemeClr val="lt1"/>
+            </a:fontRef>
+          </p:style>
+          <p:txBody>
+            <a:bodyPr rtlCol="0" anchor="ctr"/>
+            <a:lstStyle/>
+            <a:p>
+              <a:pPr algn="ctr"/>
+              <a:endParaRPr lang="en-SG"/>
+            </a:p>
+          </p:txBody>
+        </p:sp>
+        <p:sp>
+          <p:nvSpPr>
+            <p:cNvPr id="43" name="Rectangle 42">
+              <a:extLst>
+                <a:ext uri="{FF2B5EF4-FFF2-40B4-BE49-F238E27FC236}">
+                  <a16:creationId xmlns:a16="http://schemas.microsoft.com/office/drawing/2014/main" id="{06886696-8B42-4B63-883D-B8757ECC4290}"/>
+                </a:ext>
+              </a:extLst>
+            </p:cNvPr>
+            <p:cNvSpPr/>
+            <p:nvPr/>
+          </p:nvSpPr>
+          <p:spPr>
+            <a:xfrm>
+              <a:off x="4913889" y="5777250"/>
+              <a:ext cx="536895" cy="174844"/>
+            </a:xfrm>
+            <a:prstGeom prst="rect">
+              <a:avLst/>
+            </a:prstGeom>
+            <a:solidFill>
+              <a:schemeClr val="accent6">
+                <a:lumMod val="40000"/>
+                <a:lumOff val="60000"/>
+                <a:alpha val="50000"/>
+              </a:schemeClr>
+            </a:solidFill>
+            <a:ln>
+              <a:noFill/>
+            </a:ln>
+          </p:spPr>
+          <p:style>
+            <a:lnRef idx="2">
+              <a:schemeClr val="accent1">
+                <a:shade val="50000"/>
+              </a:schemeClr>
+            </a:lnRef>
+            <a:fillRef idx="1">
+              <a:schemeClr val="accent1"/>
+            </a:fillRef>
+            <a:effectRef idx="0">
+              <a:schemeClr val="accent1"/>
+            </a:effectRef>
+            <a:fontRef idx="minor">
+              <a:schemeClr val="lt1"/>
+            </a:fontRef>
+          </p:style>
+          <p:txBody>
+            <a:bodyPr rtlCol="0" anchor="ctr"/>
+            <a:lstStyle/>
+            <a:p>
+              <a:pPr algn="ctr"/>
+              <a:endParaRPr lang="en-SG"/>
+            </a:p>
+          </p:txBody>
+        </p:sp>
+        <p:sp>
+          <p:nvSpPr>
+            <p:cNvPr id="44" name="Rectangle 43">
+              <a:extLst>
+                <a:ext uri="{FF2B5EF4-FFF2-40B4-BE49-F238E27FC236}">
+                  <a16:creationId xmlns:a16="http://schemas.microsoft.com/office/drawing/2014/main" id="{168FF74A-038F-4EEA-BBA5-33058F9B8B42}"/>
+                </a:ext>
+              </a:extLst>
+            </p:cNvPr>
+            <p:cNvSpPr/>
+            <p:nvPr/>
+          </p:nvSpPr>
+          <p:spPr>
+            <a:xfrm>
+              <a:off x="4913889" y="5527295"/>
+              <a:ext cx="536895" cy="174844"/>
+            </a:xfrm>
+            <a:prstGeom prst="rect">
+              <a:avLst/>
+            </a:prstGeom>
+            <a:solidFill>
+              <a:schemeClr val="accent6">
+                <a:lumMod val="40000"/>
+                <a:lumOff val="60000"/>
+                <a:alpha val="50000"/>
+              </a:schemeClr>
+            </a:solidFill>
+            <a:ln>
+              <a:noFill/>
+            </a:ln>
+          </p:spPr>
+          <p:style>
+            <a:lnRef idx="2">
+              <a:schemeClr val="accent1">
+                <a:shade val="50000"/>
+              </a:schemeClr>
+            </a:lnRef>
+            <a:fillRef idx="1">
+              <a:schemeClr val="accent1"/>
+            </a:fillRef>
+            <a:effectRef idx="0">
+              <a:schemeClr val="accent1"/>
+            </a:effectRef>
+            <a:fontRef idx="minor">
+              <a:schemeClr val="lt1"/>
+            </a:fontRef>
+          </p:style>
+          <p:txBody>
+            <a:bodyPr rtlCol="0" anchor="ctr"/>
+            <a:lstStyle/>
+            <a:p>
+              <a:pPr algn="ctr"/>
+              <a:endParaRPr lang="en-SG"/>
+            </a:p>
+          </p:txBody>
+        </p:sp>
+        <p:sp>
+          <p:nvSpPr>
+            <p:cNvPr id="45" name="Rectangle 44">
+              <a:extLst>
+                <a:ext uri="{FF2B5EF4-FFF2-40B4-BE49-F238E27FC236}">
+                  <a16:creationId xmlns:a16="http://schemas.microsoft.com/office/drawing/2014/main" id="{022254AD-0586-4F16-B73F-630FF432EF45}"/>
+                </a:ext>
+              </a:extLst>
+            </p:cNvPr>
+            <p:cNvSpPr/>
+            <p:nvPr/>
+          </p:nvSpPr>
+          <p:spPr>
+            <a:xfrm>
+              <a:off x="4913888" y="5291372"/>
+              <a:ext cx="536895" cy="174844"/>
+            </a:xfrm>
+            <a:prstGeom prst="rect">
+              <a:avLst/>
+            </a:prstGeom>
+            <a:solidFill>
+              <a:schemeClr val="accent6">
+                <a:lumMod val="40000"/>
+                <a:lumOff val="60000"/>
+                <a:alpha val="50000"/>
+              </a:schemeClr>
+            </a:solidFill>
+            <a:ln>
+              <a:noFill/>
+            </a:ln>
+          </p:spPr>
+          <p:style>
+            <a:lnRef idx="2">
+              <a:schemeClr val="accent1">
+                <a:shade val="50000"/>
+              </a:schemeClr>
+            </a:lnRef>
+            <a:fillRef idx="1">
+              <a:schemeClr val="accent1"/>
+            </a:fillRef>
+            <a:effectRef idx="0">
+              <a:schemeClr val="accent1"/>
+            </a:effectRef>
+            <a:fontRef idx="minor">
+              <a:schemeClr val="lt1"/>
+            </a:fontRef>
+          </p:style>
+          <p:txBody>
+            <a:bodyPr rtlCol="0" anchor="ctr"/>
+            <a:lstStyle/>
+            <a:p>
+              <a:pPr algn="ctr"/>
+              <a:endParaRPr lang="en-SG"/>
+            </a:p>
+          </p:txBody>
+        </p:sp>
+        <p:sp>
+          <p:nvSpPr>
+            <p:cNvPr id="47" name="Rectangle 46">
+              <a:extLst>
+                <a:ext uri="{FF2B5EF4-FFF2-40B4-BE49-F238E27FC236}">
+                  <a16:creationId xmlns:a16="http://schemas.microsoft.com/office/drawing/2014/main" id="{57F83F37-F8DA-4DF8-A1AD-B54EC9A7EE96}"/>
+                </a:ext>
+              </a:extLst>
+            </p:cNvPr>
+            <p:cNvSpPr/>
+            <p:nvPr/>
+          </p:nvSpPr>
+          <p:spPr>
+            <a:xfrm>
+              <a:off x="4913887" y="4805061"/>
+              <a:ext cx="536895" cy="174844"/>
+            </a:xfrm>
+            <a:prstGeom prst="rect">
+              <a:avLst/>
+            </a:prstGeom>
+            <a:solidFill>
+              <a:schemeClr val="accent6">
+                <a:lumMod val="40000"/>
+                <a:lumOff val="60000"/>
+                <a:alpha val="50000"/>
+              </a:schemeClr>
+            </a:solidFill>
+            <a:ln>
+              <a:noFill/>
+            </a:ln>
+          </p:spPr>
+          <p:style>
+            <a:lnRef idx="2">
+              <a:schemeClr val="accent1">
+                <a:shade val="50000"/>
+              </a:schemeClr>
+            </a:lnRef>
+            <a:fillRef idx="1">
+              <a:schemeClr val="accent1"/>
+            </a:fillRef>
+            <a:effectRef idx="0">
+              <a:schemeClr val="accent1"/>
+            </a:effectRef>
+            <a:fontRef idx="minor">
+              <a:schemeClr val="lt1"/>
+            </a:fontRef>
+          </p:style>
+          <p:txBody>
+            <a:bodyPr rtlCol="0" anchor="ctr"/>
+            <a:lstStyle/>
+            <a:p>
+              <a:pPr algn="ctr"/>
+              <a:endParaRPr lang="en-SG"/>
+            </a:p>
+          </p:txBody>
+        </p:sp>
+        <p:sp>
+          <p:nvSpPr>
+            <p:cNvPr id="48" name="Rectangle 47">
+              <a:extLst>
+                <a:ext uri="{FF2B5EF4-FFF2-40B4-BE49-F238E27FC236}">
+                  <a16:creationId xmlns:a16="http://schemas.microsoft.com/office/drawing/2014/main" id="{035B2056-987C-40E6-92D8-A7A319071176}"/>
+                </a:ext>
+              </a:extLst>
+            </p:cNvPr>
+            <p:cNvSpPr/>
+            <p:nvPr/>
+          </p:nvSpPr>
+          <p:spPr>
+            <a:xfrm>
+              <a:off x="4913887" y="4316931"/>
+              <a:ext cx="536895" cy="174844"/>
+            </a:xfrm>
+            <a:prstGeom prst="rect">
+              <a:avLst/>
+            </a:prstGeom>
+            <a:solidFill>
+              <a:schemeClr val="accent6">
+                <a:lumMod val="40000"/>
+                <a:lumOff val="60000"/>
+                <a:alpha val="50000"/>
+              </a:schemeClr>
+            </a:solidFill>
+            <a:ln>
+              <a:noFill/>
+            </a:ln>
+          </p:spPr>
+          <p:style>
+            <a:lnRef idx="2">
+              <a:schemeClr val="accent1">
+                <a:shade val="50000"/>
+              </a:schemeClr>
+            </a:lnRef>
+            <a:fillRef idx="1">
+              <a:schemeClr val="accent1"/>
+            </a:fillRef>
+            <a:effectRef idx="0">
+              <a:schemeClr val="accent1"/>
+            </a:effectRef>
+            <a:fontRef idx="minor">
+              <a:schemeClr val="lt1"/>
+            </a:fontRef>
+          </p:style>
+          <p:txBody>
+            <a:bodyPr rtlCol="0" anchor="ctr"/>
+            <a:lstStyle/>
+            <a:p>
+              <a:pPr algn="ctr"/>
+              <a:endParaRPr lang="en-SG"/>
+            </a:p>
+          </p:txBody>
+        </p:sp>
+        <p:sp>
+          <p:nvSpPr>
+            <p:cNvPr id="49" name="Rectangle 48">
+              <a:extLst>
+                <a:ext uri="{FF2B5EF4-FFF2-40B4-BE49-F238E27FC236}">
+                  <a16:creationId xmlns:a16="http://schemas.microsoft.com/office/drawing/2014/main" id="{B1106858-5658-4C19-84C6-AE1AAFCAB6C5}"/>
+                </a:ext>
+              </a:extLst>
+            </p:cNvPr>
+            <p:cNvSpPr/>
+            <p:nvPr/>
+          </p:nvSpPr>
+          <p:spPr>
+            <a:xfrm>
+              <a:off x="4913886" y="4557811"/>
+              <a:ext cx="536895" cy="174844"/>
+            </a:xfrm>
+            <a:prstGeom prst="rect">
+              <a:avLst/>
+            </a:prstGeom>
+            <a:solidFill>
+              <a:schemeClr val="accent6">
+                <a:lumMod val="40000"/>
+                <a:lumOff val="60000"/>
+                <a:alpha val="50000"/>
+              </a:schemeClr>
+            </a:solidFill>
+            <a:ln>
+              <a:noFill/>
+            </a:ln>
+          </p:spPr>
+          <p:style>
+            <a:lnRef idx="2">
+              <a:schemeClr val="accent1">
+                <a:shade val="50000"/>
+              </a:schemeClr>
+            </a:lnRef>
+            <a:fillRef idx="1">
+              <a:schemeClr val="accent1"/>
+            </a:fillRef>
+            <a:effectRef idx="0">
+              <a:schemeClr val="accent1"/>
+            </a:effectRef>
+            <a:fontRef idx="minor">
+              <a:schemeClr val="lt1"/>
+            </a:fontRef>
+          </p:style>
+          <p:txBody>
+            <a:bodyPr rtlCol="0" anchor="ctr"/>
+            <a:lstStyle/>
+            <a:p>
+              <a:pPr algn="ctr"/>
+              <a:endParaRPr lang="en-SG"/>
+            </a:p>
+          </p:txBody>
+        </p:sp>
+        <p:sp>
+          <p:nvSpPr>
+            <p:cNvPr id="50" name="Rectangle 49">
+              <a:extLst>
+                <a:ext uri="{FF2B5EF4-FFF2-40B4-BE49-F238E27FC236}">
+                  <a16:creationId xmlns:a16="http://schemas.microsoft.com/office/drawing/2014/main" id="{0BC96997-DCF1-4083-9877-84302A703489}"/>
+                </a:ext>
+              </a:extLst>
+            </p:cNvPr>
+            <p:cNvSpPr/>
+            <p:nvPr/>
+          </p:nvSpPr>
+          <p:spPr>
+            <a:xfrm>
+              <a:off x="4328306" y="6273886"/>
+              <a:ext cx="536895" cy="174844"/>
+            </a:xfrm>
+            <a:prstGeom prst="rect">
+              <a:avLst/>
+            </a:prstGeom>
+            <a:solidFill>
+              <a:schemeClr val="accent6">
+                <a:lumMod val="40000"/>
+                <a:lumOff val="60000"/>
+                <a:alpha val="50000"/>
+              </a:schemeClr>
+            </a:solidFill>
+            <a:ln>
+              <a:noFill/>
+            </a:ln>
+          </p:spPr>
+          <p:style>
+            <a:lnRef idx="2">
+              <a:schemeClr val="accent1">
+                <a:shade val="50000"/>
+              </a:schemeClr>
+            </a:lnRef>
+            <a:fillRef idx="1">
+              <a:schemeClr val="accent1"/>
+            </a:fillRef>
+            <a:effectRef idx="0">
+              <a:schemeClr val="accent1"/>
+            </a:effectRef>
+            <a:fontRef idx="minor">
+              <a:schemeClr val="lt1"/>
+            </a:fontRef>
+          </p:style>
+          <p:txBody>
+            <a:bodyPr rtlCol="0" anchor="ctr"/>
+            <a:lstStyle/>
+            <a:p>
+              <a:pPr algn="ctr"/>
+              <a:endParaRPr lang="en-SG"/>
+            </a:p>
+          </p:txBody>
+        </p:sp>
+        <p:sp>
+          <p:nvSpPr>
+            <p:cNvPr id="51" name="Rectangle 50">
+              <a:extLst>
+                <a:ext uri="{FF2B5EF4-FFF2-40B4-BE49-F238E27FC236}">
+                  <a16:creationId xmlns:a16="http://schemas.microsoft.com/office/drawing/2014/main" id="{425E003A-125E-44FA-93D3-A2F132D7F17A}"/>
+                </a:ext>
+              </a:extLst>
+            </p:cNvPr>
+            <p:cNvSpPr/>
+            <p:nvPr/>
+          </p:nvSpPr>
+          <p:spPr>
+            <a:xfrm>
+              <a:off x="4328305" y="6032398"/>
+              <a:ext cx="536895" cy="174844"/>
+            </a:xfrm>
+            <a:prstGeom prst="rect">
+              <a:avLst/>
+            </a:prstGeom>
+            <a:solidFill>
+              <a:schemeClr val="accent6">
+                <a:lumMod val="40000"/>
+                <a:lumOff val="60000"/>
+                <a:alpha val="50000"/>
+              </a:schemeClr>
+            </a:solidFill>
+            <a:ln>
+              <a:noFill/>
+            </a:ln>
+          </p:spPr>
+          <p:style>
+            <a:lnRef idx="2">
+              <a:schemeClr val="accent1">
+                <a:shade val="50000"/>
+              </a:schemeClr>
+            </a:lnRef>
+            <a:fillRef idx="1">
+              <a:schemeClr val="accent1"/>
+            </a:fillRef>
+            <a:effectRef idx="0">
+              <a:schemeClr val="accent1"/>
+            </a:effectRef>
+            <a:fontRef idx="minor">
+              <a:schemeClr val="lt1"/>
+            </a:fontRef>
+          </p:style>
+          <p:txBody>
+            <a:bodyPr rtlCol="0" anchor="ctr"/>
+            <a:lstStyle/>
+            <a:p>
+              <a:pPr algn="ctr"/>
+              <a:endParaRPr lang="en-SG"/>
+            </a:p>
+          </p:txBody>
+        </p:sp>
+        <p:sp>
+          <p:nvSpPr>
+            <p:cNvPr id="55" name="Rectangle 54">
+              <a:extLst>
+                <a:ext uri="{FF2B5EF4-FFF2-40B4-BE49-F238E27FC236}">
+                  <a16:creationId xmlns:a16="http://schemas.microsoft.com/office/drawing/2014/main" id="{C3318A6E-76E1-484C-8E0F-F6047B88F75D}"/>
+                </a:ext>
+              </a:extLst>
+            </p:cNvPr>
+            <p:cNvSpPr/>
+            <p:nvPr/>
+          </p:nvSpPr>
+          <p:spPr>
+            <a:xfrm>
+              <a:off x="4328304" y="5057929"/>
+              <a:ext cx="536895" cy="174844"/>
+            </a:xfrm>
+            <a:prstGeom prst="rect">
+              <a:avLst/>
+            </a:prstGeom>
+            <a:solidFill>
+              <a:schemeClr val="accent6">
+                <a:lumMod val="40000"/>
+                <a:lumOff val="60000"/>
+                <a:alpha val="50000"/>
+              </a:schemeClr>
+            </a:solidFill>
+            <a:ln>
+              <a:noFill/>
+            </a:ln>
+          </p:spPr>
+          <p:style>
+            <a:lnRef idx="2">
+              <a:schemeClr val="accent1">
+                <a:shade val="50000"/>
+              </a:schemeClr>
+            </a:lnRef>
+            <a:fillRef idx="1">
+              <a:schemeClr val="accent1"/>
+            </a:fillRef>
+            <a:effectRef idx="0">
+              <a:schemeClr val="accent1"/>
+            </a:effectRef>
+            <a:fontRef idx="minor">
+              <a:schemeClr val="lt1"/>
+            </a:fontRef>
+          </p:style>
+          <p:txBody>
+            <a:bodyPr rtlCol="0" anchor="ctr"/>
+            <a:lstStyle/>
+            <a:p>
+              <a:pPr algn="ctr"/>
+              <a:endParaRPr lang="en-SG"/>
+            </a:p>
+          </p:txBody>
+        </p:sp>
+        <p:sp>
+          <p:nvSpPr>
+            <p:cNvPr id="56" name="Rectangle 55">
+              <a:extLst>
+                <a:ext uri="{FF2B5EF4-FFF2-40B4-BE49-F238E27FC236}">
+                  <a16:creationId xmlns:a16="http://schemas.microsoft.com/office/drawing/2014/main" id="{C2F308FD-F337-47BB-8EA6-30219B9E80C3}"/>
+                </a:ext>
+              </a:extLst>
+            </p:cNvPr>
+            <p:cNvSpPr/>
+            <p:nvPr/>
+          </p:nvSpPr>
+          <p:spPr>
+            <a:xfrm>
+              <a:off x="4328303" y="4810254"/>
+              <a:ext cx="536895" cy="174844"/>
+            </a:xfrm>
+            <a:prstGeom prst="rect">
+              <a:avLst/>
+            </a:prstGeom>
+            <a:solidFill>
+              <a:schemeClr val="accent6">
+                <a:lumMod val="40000"/>
+                <a:lumOff val="60000"/>
+                <a:alpha val="50000"/>
+              </a:schemeClr>
+            </a:solidFill>
+            <a:ln>
+              <a:noFill/>
+            </a:ln>
+          </p:spPr>
+          <p:style>
+            <a:lnRef idx="2">
+              <a:schemeClr val="accent1">
+                <a:shade val="50000"/>
+              </a:schemeClr>
+            </a:lnRef>
+            <a:fillRef idx="1">
+              <a:schemeClr val="accent1"/>
+            </a:fillRef>
+            <a:effectRef idx="0">
+              <a:schemeClr val="accent1"/>
+            </a:effectRef>
+            <a:fontRef idx="minor">
+              <a:schemeClr val="lt1"/>
+            </a:fontRef>
+          </p:style>
+          <p:txBody>
+            <a:bodyPr rtlCol="0" anchor="ctr"/>
+            <a:lstStyle/>
+            <a:p>
+              <a:pPr algn="ctr"/>
+              <a:endParaRPr lang="en-SG"/>
+            </a:p>
+          </p:txBody>
+        </p:sp>
+        <p:sp>
+          <p:nvSpPr>
+            <p:cNvPr id="58" name="Rectangle 57">
+              <a:extLst>
+                <a:ext uri="{FF2B5EF4-FFF2-40B4-BE49-F238E27FC236}">
+                  <a16:creationId xmlns:a16="http://schemas.microsoft.com/office/drawing/2014/main" id="{BEC5B78D-CFD6-4052-879D-3EA34D2DE0AB}"/>
+                </a:ext>
+              </a:extLst>
+            </p:cNvPr>
+            <p:cNvSpPr/>
+            <p:nvPr/>
+          </p:nvSpPr>
+          <p:spPr>
+            <a:xfrm>
+              <a:off x="4328302" y="4563004"/>
+              <a:ext cx="536895" cy="174844"/>
+            </a:xfrm>
+            <a:prstGeom prst="rect">
+              <a:avLst/>
+            </a:prstGeom>
+            <a:solidFill>
+              <a:schemeClr val="accent6">
+                <a:lumMod val="40000"/>
+                <a:lumOff val="60000"/>
+                <a:alpha val="50000"/>
+              </a:schemeClr>
+            </a:solidFill>
+            <a:ln>
+              <a:noFill/>
+            </a:ln>
+          </p:spPr>
+          <p:style>
+            <a:lnRef idx="2">
+              <a:schemeClr val="accent1">
+                <a:shade val="50000"/>
+              </a:schemeClr>
+            </a:lnRef>
+            <a:fillRef idx="1">
+              <a:schemeClr val="accent1"/>
+            </a:fillRef>
+            <a:effectRef idx="0">
+              <a:schemeClr val="accent1"/>
+            </a:effectRef>
+            <a:fontRef idx="minor">
+              <a:schemeClr val="lt1"/>
+            </a:fontRef>
+          </p:style>
+          <p:txBody>
+            <a:bodyPr rtlCol="0" anchor="ctr"/>
+            <a:lstStyle/>
+            <a:p>
+              <a:pPr algn="ctr"/>
+              <a:endParaRPr lang="en-SG"/>
+            </a:p>
+          </p:txBody>
+        </p:sp>
+      </p:grpSp>
+      <p:sp>
+        <p:nvSpPr>
+          <p:cNvPr id="59" name="Rectangle 58">
+            <a:extLst>
+              <a:ext uri="{FF2B5EF4-FFF2-40B4-BE49-F238E27FC236}">
+                <a16:creationId xmlns:a16="http://schemas.microsoft.com/office/drawing/2014/main" id="{59D3EB94-9EF9-4E18-91FB-4357609E7F7E}"/>
+              </a:ext>
+            </a:extLst>
+          </p:cNvPr>
+          <p:cNvSpPr/>
+          <p:nvPr/>
+        </p:nvSpPr>
+        <p:spPr>
+          <a:xfrm>
+            <a:off x="9045848" y="6391144"/>
+            <a:ext cx="1784571" cy="369332"/>
+          </a:xfrm>
+          <a:prstGeom prst="rect">
+            <a:avLst/>
+          </a:prstGeom>
+        </p:spPr>
+        <p:txBody>
+          <a:bodyPr wrap="square">
+            <a:spAutoFit/>
+          </a:bodyPr>
+          <a:lstStyle/>
+          <a:p>
+            <a:r>
+              <a:rPr lang="en-SG" dirty="0">
+                <a:latin typeface="medium-content-serif-font"/>
+              </a:rPr>
+              <a:t>= improvement</a:t>
+            </a:r>
+            <a:endParaRPr lang="en-SG" dirty="0"/>
+          </a:p>
+        </p:txBody>
+      </p:sp>
+    </p:spTree>
+    <p:extLst>
+      <p:ext uri="{BB962C8B-B14F-4D97-AF65-F5344CB8AC3E}">
+        <p14:creationId xmlns:p14="http://schemas.microsoft.com/office/powerpoint/2010/main" val="3276126937"/>
+      </p:ext>
+    </p:extLst>
+  </p:cSld>
+  <p:clrMapOvr>
+    <a:masterClrMapping/>
+  </p:clrMapOvr>
+</p:sld>
+</file>
+
 <file path=ppt/slides/slide13.xml><?xml version="1.0" encoding="utf-8"?>
 <p:sld xmlns:a="http://schemas.openxmlformats.org/drawingml/2006/main" xmlns:r="http://schemas.openxmlformats.org/officeDocument/2006/relationships" xmlns:p="http://schemas.openxmlformats.org/presentationml/2006/main">
   <p:cSld>
@@ -4600,8 +7223,12 @@
             <a:lstStyle/>
             <a:p>
               <a:r>
+                <a:rPr lang="en-SG" b="1" dirty="0"/>
+                <a:t>Precision</a:t>
+              </a:r>
+              <a:r>
                 <a:rPr lang="en-SG" dirty="0"/>
-                <a:t>Precision = 50/84 </a:t>
+                <a:t> = 50/84 </a:t>
               </a:r>
             </a:p>
             <a:p>
@@ -4640,8 +7267,12 @@
             <a:lstStyle/>
             <a:p>
               <a:r>
+                <a:rPr lang="en-SG" b="1" dirty="0"/>
+                <a:t>Recall</a:t>
+              </a:r>
+              <a:r>
                 <a:rPr lang="en-SG" dirty="0"/>
-                <a:t>Recall = 50/55 </a:t>
+                <a:t> = 50/55 </a:t>
               </a:r>
             </a:p>
             <a:p>
@@ -4869,7 +7500,7 @@
         <p:spPr>
           <a:xfrm>
             <a:off x="838200" y="2215275"/>
-            <a:ext cx="3725069" cy="2308324"/>
+            <a:ext cx="3725069" cy="2031325"/>
           </a:xfrm>
           <a:prstGeom prst="rect">
             <a:avLst/>
@@ -4883,20 +7514,29 @@
           <a:p>
             <a:r>
               <a:rPr lang="en-SG" dirty="0"/>
-              <a:t>In this project, the Gaussian Naive Bayes model has achieved prediction score of 90.9%, </a:t>
-            </a:r>
-          </a:p>
-          <a:p>
+              <a:t>In this project, the </a:t>
+            </a:r>
+            <a:r>
+              <a:rPr lang="en-SG" b="1" dirty="0"/>
+              <a:t>Gaussian Naive Bayes</a:t>
+            </a:r>
+            <a:r>
+              <a:rPr lang="en-SG" dirty="0"/>
+              <a:t> model has achieved prediction (Recall) score of </a:t>
+            </a:r>
+            <a:r>
+              <a:rPr lang="en-SG" b="1" dirty="0"/>
+              <a:t>90.9%</a:t>
+            </a:r>
             <a:endParaRPr lang="en-SG" dirty="0"/>
           </a:p>
           <a:p>
-            <a:r>
-              <a:rPr lang="en-SG" dirty="0" err="1"/>
-              <a:t>ie</a:t>
-            </a:r>
+            <a:endParaRPr lang="en-SG" dirty="0"/>
+          </a:p>
+          <a:p>
             <a:r>
               <a:rPr lang="en-SG" dirty="0"/>
-              <a:t>, out of all diabetic patients, 90.9% of them will be classified correctly using medical diagnostic measurements.</a:t>
+              <a:t>Out of all diabetic patients, 90.9% of them will be classified correctly using medical diagnostic measurements</a:t>
             </a:r>
           </a:p>
         </p:txBody>
@@ -6815,8 +9455,8 @@
         </p:blipFill>
         <p:spPr bwMode="auto">
           <a:xfrm>
-            <a:off x="2400505" y="2123696"/>
-            <a:ext cx="7620000" cy="3543300"/>
+            <a:off x="1625533" y="1690688"/>
+            <a:ext cx="8940931" cy="4157533"/>
           </a:xfrm>
           <a:prstGeom prst="rect">
             <a:avLst/>
@@ -6851,8 +9491,8 @@
         </p:nvSpPr>
         <p:spPr>
           <a:xfrm>
-            <a:off x="838200" y="365125"/>
-            <a:ext cx="4346196" cy="1325563"/>
+            <a:off x="838199" y="365125"/>
+            <a:ext cx="8253549" cy="1325563"/>
           </a:xfrm>
         </p:spPr>
         <p:txBody>
@@ -7122,7 +9762,7 @@
         </p:blipFill>
         <p:spPr bwMode="auto">
           <a:xfrm>
-            <a:off x="237847" y="2448536"/>
+            <a:off x="525238" y="2448536"/>
             <a:ext cx="6134100" cy="2552700"/>
           </a:xfrm>
           <a:prstGeom prst="rect">
@@ -7195,7 +9835,7 @@
         </p:blipFill>
         <p:spPr>
           <a:xfrm>
-            <a:off x="7153553" y="2419961"/>
+            <a:off x="6648456" y="2434248"/>
             <a:ext cx="4800600" cy="2581275"/>
           </a:xfrm>
           <a:prstGeom prst="rect">
@@ -7203,6 +9843,43 @@
           </a:prstGeom>
         </p:spPr>
       </p:pic>
+      <p:sp>
+        <p:nvSpPr>
+          <p:cNvPr id="4" name="Rectangle 3">
+            <a:extLst>
+              <a:ext uri="{FF2B5EF4-FFF2-40B4-BE49-F238E27FC236}">
+                <a16:creationId xmlns:a16="http://schemas.microsoft.com/office/drawing/2014/main" id="{924D8208-6D95-471C-921C-592E102E17DA}"/>
+              </a:ext>
+            </a:extLst>
+          </p:cNvPr>
+          <p:cNvSpPr/>
+          <p:nvPr/>
+        </p:nvSpPr>
+        <p:spPr>
+          <a:xfrm>
+            <a:off x="2682239" y="5450205"/>
+            <a:ext cx="7489371" cy="369332"/>
+          </a:xfrm>
+          <a:prstGeom prst="rect">
+            <a:avLst/>
+          </a:prstGeom>
+        </p:spPr>
+        <p:txBody>
+          <a:bodyPr wrap="square">
+            <a:spAutoFit/>
+          </a:bodyPr>
+          <a:lstStyle/>
+          <a:p>
+            <a:r>
+              <a:rPr lang="en-SG" dirty="0">
+                <a:latin typeface="medium-content-serif-font"/>
+              </a:rPr>
+              <a:t>‘Glucose’ and ‘BMI’ are the most important medical predictor features.</a:t>
+            </a:r>
+            <a:endParaRPr lang="en-SG" dirty="0"/>
+          </a:p>
+        </p:txBody>
+      </p:sp>
     </p:spTree>
     <p:extLst>
       <p:ext uri="{BB962C8B-B14F-4D97-AF65-F5344CB8AC3E}">
@@ -7524,12 +10201,173 @@
           <a:chExt cx="0" cy="0"/>
         </a:xfrm>
       </p:grpSpPr>
+      <p:grpSp>
+        <p:nvGrpSpPr>
+          <p:cNvPr id="2" name="Group 1">
+            <a:extLst>
+              <a:ext uri="{FF2B5EF4-FFF2-40B4-BE49-F238E27FC236}">
+                <a16:creationId xmlns:a16="http://schemas.microsoft.com/office/drawing/2014/main" id="{C62C946D-00C4-4306-89B5-9594211BA2FC}"/>
+              </a:ext>
+            </a:extLst>
+          </p:cNvPr>
+          <p:cNvGrpSpPr/>
+          <p:nvPr/>
+        </p:nvGrpSpPr>
+        <p:grpSpPr>
+          <a:xfrm>
+            <a:off x="5310936" y="701675"/>
+            <a:ext cx="5943600" cy="5791200"/>
+            <a:chOff x="4681763" y="732351"/>
+            <a:chExt cx="5943600" cy="5791200"/>
+          </a:xfrm>
+        </p:grpSpPr>
+        <p:pic>
+          <p:nvPicPr>
+            <p:cNvPr id="19" name="Picture 18" descr="A close up of a map&#10;&#10;Description automatically generated">
+              <a:extLst>
+                <a:ext uri="{FF2B5EF4-FFF2-40B4-BE49-F238E27FC236}">
+                  <a16:creationId xmlns:a16="http://schemas.microsoft.com/office/drawing/2014/main" id="{54D549EF-E83E-4E1B-957D-131C73774DE9}"/>
+                </a:ext>
+              </a:extLst>
+            </p:cNvPr>
+            <p:cNvPicPr>
+              <a:picLocks noChangeAspect="1"/>
+            </p:cNvPicPr>
+            <p:nvPr/>
+          </p:nvPicPr>
+          <p:blipFill>
+            <a:blip r:embed="rId2">
+              <a:extLst>
+                <a:ext uri="{28A0092B-C50C-407E-A947-70E740481C1C}">
+                  <a14:useLocalDpi xmlns:a14="http://schemas.microsoft.com/office/drawing/2010/main" val="0"/>
+                </a:ext>
+              </a:extLst>
+            </a:blip>
+            <a:stretch>
+              <a:fillRect/>
+            </a:stretch>
+          </p:blipFill>
+          <p:spPr>
+            <a:xfrm>
+              <a:off x="4681763" y="732351"/>
+              <a:ext cx="5943600" cy="5791200"/>
+            </a:xfrm>
+            <a:prstGeom prst="rect">
+              <a:avLst/>
+            </a:prstGeom>
+          </p:spPr>
+        </p:pic>
+        <p:sp>
+          <p:nvSpPr>
+            <p:cNvPr id="4" name="Rectangle 3">
+              <a:extLst>
+                <a:ext uri="{FF2B5EF4-FFF2-40B4-BE49-F238E27FC236}">
+                  <a16:creationId xmlns:a16="http://schemas.microsoft.com/office/drawing/2014/main" id="{8657D4E8-854B-433A-A001-C0D472C06691}"/>
+                </a:ext>
+              </a:extLst>
+            </p:cNvPr>
+            <p:cNvSpPr/>
+            <p:nvPr/>
+          </p:nvSpPr>
+          <p:spPr>
+            <a:xfrm>
+              <a:off x="8068239" y="4424113"/>
+              <a:ext cx="2070216" cy="207084"/>
+            </a:xfrm>
+            <a:prstGeom prst="rect">
+              <a:avLst/>
+            </a:prstGeom>
+            <a:noFill/>
+            <a:ln w="25400">
+              <a:solidFill>
+                <a:srgbClr val="FF0000"/>
+              </a:solidFill>
+            </a:ln>
+          </p:spPr>
+          <p:style>
+            <a:lnRef idx="2">
+              <a:schemeClr val="accent1">
+                <a:shade val="50000"/>
+              </a:schemeClr>
+            </a:lnRef>
+            <a:fillRef idx="1">
+              <a:schemeClr val="accent1"/>
+            </a:fillRef>
+            <a:effectRef idx="0">
+              <a:schemeClr val="accent1"/>
+            </a:effectRef>
+            <a:fontRef idx="minor">
+              <a:schemeClr val="lt1"/>
+            </a:fontRef>
+          </p:style>
+          <p:txBody>
+            <a:bodyPr rtlCol="0" anchor="ctr"/>
+            <a:lstStyle/>
+            <a:p>
+              <a:pPr algn="ctr"/>
+              <a:endParaRPr lang="en-SG"/>
+            </a:p>
+          </p:txBody>
+        </p:sp>
+        <p:sp>
+          <p:nvSpPr>
+            <p:cNvPr id="5" name="Rectangle 4">
+              <a:extLst>
+                <a:ext uri="{FF2B5EF4-FFF2-40B4-BE49-F238E27FC236}">
+                  <a16:creationId xmlns:a16="http://schemas.microsoft.com/office/drawing/2014/main" id="{70620B18-D558-4311-9BB2-BA18AEF7D2BA}"/>
+                </a:ext>
+              </a:extLst>
+            </p:cNvPr>
+            <p:cNvSpPr/>
+            <p:nvPr/>
+          </p:nvSpPr>
+          <p:spPr>
+            <a:xfrm>
+              <a:off x="8068238" y="5495064"/>
+              <a:ext cx="2204439" cy="207084"/>
+            </a:xfrm>
+            <a:prstGeom prst="rect">
+              <a:avLst/>
+            </a:prstGeom>
+            <a:noFill/>
+            <a:ln w="25400">
+              <a:solidFill>
+                <a:srgbClr val="FF0000"/>
+              </a:solidFill>
+            </a:ln>
+          </p:spPr>
+          <p:style>
+            <a:lnRef idx="2">
+              <a:schemeClr val="accent1">
+                <a:shade val="50000"/>
+              </a:schemeClr>
+            </a:lnRef>
+            <a:fillRef idx="1">
+              <a:schemeClr val="accent1"/>
+            </a:fillRef>
+            <a:effectRef idx="0">
+              <a:schemeClr val="accent1"/>
+            </a:effectRef>
+            <a:fontRef idx="minor">
+              <a:schemeClr val="lt1"/>
+            </a:fontRef>
+          </p:style>
+          <p:txBody>
+            <a:bodyPr rtlCol="0" anchor="ctr"/>
+            <a:lstStyle/>
+            <a:p>
+              <a:pPr algn="ctr"/>
+              <a:endParaRPr lang="en-SG"/>
+            </a:p>
+          </p:txBody>
+        </p:sp>
+      </p:grpSp>
       <p:sp>
         <p:nvSpPr>
-          <p:cNvPr id="4" name="Title 3">
-            <a:extLst>
-              <a:ext uri="{FF2B5EF4-FFF2-40B4-BE49-F238E27FC236}">
-                <a16:creationId xmlns:a16="http://schemas.microsoft.com/office/drawing/2014/main" id="{3EC6136A-6DF0-40B6-9418-254E1F6EF16B}"/>
+          <p:cNvPr id="13" name="Title 3">
+            <a:extLst>
+              <a:ext uri="{FF2B5EF4-FFF2-40B4-BE49-F238E27FC236}">
+                <a16:creationId xmlns:a16="http://schemas.microsoft.com/office/drawing/2014/main" id="{23A3C035-FD8D-448F-8259-E921872C4EB7}"/>
               </a:ext>
             </a:extLst>
           </p:cNvPr>
@@ -7540,171 +10378,19 @@
             <p:ph type="title"/>
           </p:nvPr>
         </p:nvSpPr>
-        <p:spPr/>
+        <p:spPr>
+          <a:xfrm>
+            <a:off x="838200" y="365125"/>
+            <a:ext cx="10515600" cy="1325563"/>
+          </a:xfrm>
+        </p:spPr>
         <p:txBody>
           <a:bodyPr/>
           <a:lstStyle/>
           <a:p>
             <a:r>
               <a:rPr lang="en-SG" dirty="0"/>
-              <a:t>Model Comparison</a:t>
-            </a:r>
-          </a:p>
-        </p:txBody>
-      </p:sp>
-      <p:pic>
-        <p:nvPicPr>
-          <p:cNvPr id="3074" name="Picture 2">
-            <a:extLst>
-              <a:ext uri="{FF2B5EF4-FFF2-40B4-BE49-F238E27FC236}">
-                <a16:creationId xmlns:a16="http://schemas.microsoft.com/office/drawing/2014/main" id="{16439BD7-9AA4-45C6-A0A9-0CE637368A06}"/>
-              </a:ext>
-            </a:extLst>
-          </p:cNvPr>
-          <p:cNvPicPr>
-            <a:picLocks noChangeAspect="1" noChangeArrowheads="1"/>
-          </p:cNvPicPr>
-          <p:nvPr/>
-        </p:nvPicPr>
-        <p:blipFill>
-          <a:blip r:embed="rId2">
-            <a:extLst>
-              <a:ext uri="{28A0092B-C50C-407E-A947-70E740481C1C}">
-                <a14:useLocalDpi xmlns:a14="http://schemas.microsoft.com/office/drawing/2010/main" val="0"/>
-              </a:ext>
-            </a:extLst>
-          </a:blip>
-          <a:srcRect/>
-          <a:stretch>
-            <a:fillRect/>
-          </a:stretch>
-        </p:blipFill>
-        <p:spPr bwMode="auto">
-          <a:xfrm>
-            <a:off x="3309937" y="1561197"/>
-            <a:ext cx="5010150" cy="2428875"/>
-          </a:xfrm>
-          <a:prstGeom prst="rect">
-            <a:avLst/>
-          </a:prstGeom>
-          <a:noFill/>
-          <a:extLst>
-            <a:ext uri="{909E8E84-426E-40DD-AFC4-6F175D3DCCD1}">
-              <a14:hiddenFill xmlns:a14="http://schemas.microsoft.com/office/drawing/2010/main">
-                <a:solidFill>
-                  <a:srgbClr val="FFFFFF"/>
-                </a:solidFill>
-              </a14:hiddenFill>
-            </a:ext>
-          </a:extLst>
-        </p:spPr>
-      </p:pic>
-      <p:pic>
-        <p:nvPicPr>
-          <p:cNvPr id="5" name="Picture 4" descr="A screenshot of a cell phone&#10;&#10;Description automatically generated">
-            <a:extLst>
-              <a:ext uri="{FF2B5EF4-FFF2-40B4-BE49-F238E27FC236}">
-                <a16:creationId xmlns:a16="http://schemas.microsoft.com/office/drawing/2014/main" id="{26944FBD-58FD-471B-8567-213FE8F0C40A}"/>
-              </a:ext>
-            </a:extLst>
-          </p:cNvPr>
-          <p:cNvPicPr>
-            <a:picLocks noChangeAspect="1"/>
-          </p:cNvPicPr>
-          <p:nvPr/>
-        </p:nvPicPr>
-        <p:blipFill>
-          <a:blip r:embed="rId3">
-            <a:extLst>
-              <a:ext uri="{28A0092B-C50C-407E-A947-70E740481C1C}">
-                <a14:useLocalDpi xmlns:a14="http://schemas.microsoft.com/office/drawing/2010/main" val="0"/>
-              </a:ext>
-            </a:extLst>
-          </a:blip>
-          <a:stretch>
-            <a:fillRect/>
-          </a:stretch>
-        </p:blipFill>
-        <p:spPr>
-          <a:xfrm>
-            <a:off x="3309937" y="4169649"/>
-            <a:ext cx="5572125" cy="2457450"/>
-          </a:xfrm>
-          <a:prstGeom prst="rect">
-            <a:avLst/>
-          </a:prstGeom>
-        </p:spPr>
-      </p:pic>
-      <p:sp>
-        <p:nvSpPr>
-          <p:cNvPr id="6" name="Rectangle 5">
-            <a:extLst>
-              <a:ext uri="{FF2B5EF4-FFF2-40B4-BE49-F238E27FC236}">
-                <a16:creationId xmlns:a16="http://schemas.microsoft.com/office/drawing/2014/main" id="{2711DE6C-5368-480B-8A2F-3AD79FF94CB8}"/>
-              </a:ext>
-            </a:extLst>
-          </p:cNvPr>
-          <p:cNvSpPr/>
-          <p:nvPr/>
-        </p:nvSpPr>
-        <p:spPr>
-          <a:xfrm>
-            <a:off x="1284404" y="2590968"/>
-            <a:ext cx="968535" cy="369332"/>
-          </a:xfrm>
-          <a:prstGeom prst="rect">
-            <a:avLst/>
-          </a:prstGeom>
-        </p:spPr>
-        <p:txBody>
-          <a:bodyPr wrap="none">
-            <a:spAutoFit/>
-          </a:bodyPr>
-          <a:lstStyle/>
-          <a:p>
-            <a:r>
-              <a:rPr lang="en-SG" dirty="0"/>
-              <a:t>Baseline</a:t>
-            </a:r>
-          </a:p>
-        </p:txBody>
-      </p:sp>
-      <p:sp>
-        <p:nvSpPr>
-          <p:cNvPr id="8" name="Rectangle 7">
-            <a:extLst>
-              <a:ext uri="{FF2B5EF4-FFF2-40B4-BE49-F238E27FC236}">
-                <a16:creationId xmlns:a16="http://schemas.microsoft.com/office/drawing/2014/main" id="{C4CCF2E7-CB88-4710-9F81-DF165046C632}"/>
-              </a:ext>
-            </a:extLst>
-          </p:cNvPr>
-          <p:cNvSpPr/>
-          <p:nvPr/>
-        </p:nvSpPr>
-        <p:spPr>
-          <a:xfrm>
-            <a:off x="1284404" y="5213708"/>
-            <a:ext cx="1796582" cy="646331"/>
-          </a:xfrm>
-          <a:prstGeom prst="rect">
-            <a:avLst/>
-          </a:prstGeom>
-        </p:spPr>
-        <p:txBody>
-          <a:bodyPr wrap="none">
-            <a:spAutoFit/>
-          </a:bodyPr>
-          <a:lstStyle/>
-          <a:p>
-            <a:r>
-              <a:rPr lang="en-SG" dirty="0"/>
-              <a:t>After tuning</a:t>
-            </a:r>
-          </a:p>
-          <a:p>
-            <a:r>
-              <a:rPr lang="en-SG" dirty="0"/>
-              <a:t>hyperparameters</a:t>
+              <a:t>Model Performance</a:t>
             </a:r>
           </a:p>
         </p:txBody>
@@ -7712,7 +10398,7 @@
     </p:spTree>
     <p:extLst>
       <p:ext uri="{BB962C8B-B14F-4D97-AF65-F5344CB8AC3E}">
-        <p14:creationId xmlns:p14="http://schemas.microsoft.com/office/powerpoint/2010/main" val="3276126937"/>
+        <p14:creationId xmlns:p14="http://schemas.microsoft.com/office/powerpoint/2010/main" val="1860788172"/>
       </p:ext>
     </p:extLst>
   </p:cSld>

--- a/diabetes_classifier.pptx
+++ b/diabetes_classifier.pptx
@@ -10,14 +10,15 @@
     <p:sldId id="277" r:id="rId4"/>
     <p:sldId id="270" r:id="rId5"/>
     <p:sldId id="276" r:id="rId6"/>
-    <p:sldId id="269" r:id="rId7"/>
-    <p:sldId id="273" r:id="rId8"/>
-    <p:sldId id="278" r:id="rId9"/>
-    <p:sldId id="267" r:id="rId10"/>
-    <p:sldId id="268" r:id="rId11"/>
-    <p:sldId id="271" r:id="rId12"/>
-    <p:sldId id="279" r:id="rId13"/>
-    <p:sldId id="272" r:id="rId14"/>
+    <p:sldId id="280" r:id="rId7"/>
+    <p:sldId id="269" r:id="rId8"/>
+    <p:sldId id="273" r:id="rId9"/>
+    <p:sldId id="278" r:id="rId10"/>
+    <p:sldId id="267" r:id="rId11"/>
+    <p:sldId id="268" r:id="rId12"/>
+    <p:sldId id="271" r:id="rId13"/>
+    <p:sldId id="279" r:id="rId14"/>
+    <p:sldId id="272" r:id="rId15"/>
   </p:sldIdLst>
   <p:sldSz cx="12192000" cy="6858000"/>
   <p:notesSz cx="6807200" cy="9939338"/>
@@ -273,7 +274,7 @@
           <a:p>
             <a:fld id="{159A2670-0965-4332-9A3B-E762AC6DCCD7}" type="datetimeFigureOut">
               <a:rPr lang="en-SG" smtClean="0"/>
-              <a:t>12/11/2019</a:t>
+              <a:t>13/11/2019</a:t>
             </a:fld>
             <a:endParaRPr lang="en-SG"/>
           </a:p>
@@ -473,7 +474,7 @@
           <a:p>
             <a:fld id="{159A2670-0965-4332-9A3B-E762AC6DCCD7}" type="datetimeFigureOut">
               <a:rPr lang="en-SG" smtClean="0"/>
-              <a:t>12/11/2019</a:t>
+              <a:t>13/11/2019</a:t>
             </a:fld>
             <a:endParaRPr lang="en-SG"/>
           </a:p>
@@ -683,7 +684,7 @@
           <a:p>
             <a:fld id="{159A2670-0965-4332-9A3B-E762AC6DCCD7}" type="datetimeFigureOut">
               <a:rPr lang="en-SG" smtClean="0"/>
-              <a:t>12/11/2019</a:t>
+              <a:t>13/11/2019</a:t>
             </a:fld>
             <a:endParaRPr lang="en-SG"/>
           </a:p>
@@ -883,7 +884,7 @@
           <a:p>
             <a:fld id="{159A2670-0965-4332-9A3B-E762AC6DCCD7}" type="datetimeFigureOut">
               <a:rPr lang="en-SG" smtClean="0"/>
-              <a:t>12/11/2019</a:t>
+              <a:t>13/11/2019</a:t>
             </a:fld>
             <a:endParaRPr lang="en-SG"/>
           </a:p>
@@ -1159,7 +1160,7 @@
           <a:p>
             <a:fld id="{159A2670-0965-4332-9A3B-E762AC6DCCD7}" type="datetimeFigureOut">
               <a:rPr lang="en-SG" smtClean="0"/>
-              <a:t>12/11/2019</a:t>
+              <a:t>13/11/2019</a:t>
             </a:fld>
             <a:endParaRPr lang="en-SG"/>
           </a:p>
@@ -1427,7 +1428,7 @@
           <a:p>
             <a:fld id="{159A2670-0965-4332-9A3B-E762AC6DCCD7}" type="datetimeFigureOut">
               <a:rPr lang="en-SG" smtClean="0"/>
-              <a:t>12/11/2019</a:t>
+              <a:t>13/11/2019</a:t>
             </a:fld>
             <a:endParaRPr lang="en-SG"/>
           </a:p>
@@ -1842,7 +1843,7 @@
           <a:p>
             <a:fld id="{159A2670-0965-4332-9A3B-E762AC6DCCD7}" type="datetimeFigureOut">
               <a:rPr lang="en-SG" smtClean="0"/>
-              <a:t>12/11/2019</a:t>
+              <a:t>13/11/2019</a:t>
             </a:fld>
             <a:endParaRPr lang="en-SG"/>
           </a:p>
@@ -1984,7 +1985,7 @@
           <a:p>
             <a:fld id="{159A2670-0965-4332-9A3B-E762AC6DCCD7}" type="datetimeFigureOut">
               <a:rPr lang="en-SG" smtClean="0"/>
-              <a:t>12/11/2019</a:t>
+              <a:t>13/11/2019</a:t>
             </a:fld>
             <a:endParaRPr lang="en-SG"/>
           </a:p>
@@ -2097,7 +2098,7 @@
           <a:p>
             <a:fld id="{159A2670-0965-4332-9A3B-E762AC6DCCD7}" type="datetimeFigureOut">
               <a:rPr lang="en-SG" smtClean="0"/>
-              <a:t>12/11/2019</a:t>
+              <a:t>13/11/2019</a:t>
             </a:fld>
             <a:endParaRPr lang="en-SG"/>
           </a:p>
@@ -2410,7 +2411,7 @@
           <a:p>
             <a:fld id="{159A2670-0965-4332-9A3B-E762AC6DCCD7}" type="datetimeFigureOut">
               <a:rPr lang="en-SG" smtClean="0"/>
-              <a:t>12/11/2019</a:t>
+              <a:t>13/11/2019</a:t>
             </a:fld>
             <a:endParaRPr lang="en-SG"/>
           </a:p>
@@ -2699,7 +2700,7 @@
           <a:p>
             <a:fld id="{159A2670-0965-4332-9A3B-E762AC6DCCD7}" type="datetimeFigureOut">
               <a:rPr lang="en-SG" smtClean="0"/>
-              <a:t>12/11/2019</a:t>
+              <a:t>13/11/2019</a:t>
             </a:fld>
             <a:endParaRPr lang="en-SG"/>
           </a:p>
@@ -2942,7 +2943,7 @@
           <a:p>
             <a:fld id="{159A2670-0965-4332-9A3B-E762AC6DCCD7}" type="datetimeFigureOut">
               <a:rPr lang="en-SG" smtClean="0"/>
-              <a:t>12/11/2019</a:t>
+              <a:t>13/11/2019</a:t>
             </a:fld>
             <a:endParaRPr lang="en-SG"/>
           </a:p>
@@ -3583,6 +3584,230 @@
           <p:cNvPr id="2" name="Group 1">
             <a:extLst>
               <a:ext uri="{FF2B5EF4-FFF2-40B4-BE49-F238E27FC236}">
+                <a16:creationId xmlns:a16="http://schemas.microsoft.com/office/drawing/2014/main" id="{C62C946D-00C4-4306-89B5-9594211BA2FC}"/>
+              </a:ext>
+            </a:extLst>
+          </p:cNvPr>
+          <p:cNvGrpSpPr/>
+          <p:nvPr/>
+        </p:nvGrpSpPr>
+        <p:grpSpPr>
+          <a:xfrm>
+            <a:off x="5310936" y="701675"/>
+            <a:ext cx="5943600" cy="5791200"/>
+            <a:chOff x="4681763" y="732351"/>
+            <a:chExt cx="5943600" cy="5791200"/>
+          </a:xfrm>
+        </p:grpSpPr>
+        <p:pic>
+          <p:nvPicPr>
+            <p:cNvPr id="19" name="Picture 18" descr="A close up of a map&#10;&#10;Description automatically generated">
+              <a:extLst>
+                <a:ext uri="{FF2B5EF4-FFF2-40B4-BE49-F238E27FC236}">
+                  <a16:creationId xmlns:a16="http://schemas.microsoft.com/office/drawing/2014/main" id="{54D549EF-E83E-4E1B-957D-131C73774DE9}"/>
+                </a:ext>
+              </a:extLst>
+            </p:cNvPr>
+            <p:cNvPicPr>
+              <a:picLocks noChangeAspect="1"/>
+            </p:cNvPicPr>
+            <p:nvPr/>
+          </p:nvPicPr>
+          <p:blipFill>
+            <a:blip r:embed="rId2">
+              <a:extLst>
+                <a:ext uri="{28A0092B-C50C-407E-A947-70E740481C1C}">
+                  <a14:useLocalDpi xmlns:a14="http://schemas.microsoft.com/office/drawing/2010/main" val="0"/>
+                </a:ext>
+              </a:extLst>
+            </a:blip>
+            <a:stretch>
+              <a:fillRect/>
+            </a:stretch>
+          </p:blipFill>
+          <p:spPr>
+            <a:xfrm>
+              <a:off x="4681763" y="732351"/>
+              <a:ext cx="5943600" cy="5791200"/>
+            </a:xfrm>
+            <a:prstGeom prst="rect">
+              <a:avLst/>
+            </a:prstGeom>
+          </p:spPr>
+        </p:pic>
+        <p:sp>
+          <p:nvSpPr>
+            <p:cNvPr id="4" name="Rectangle 3">
+              <a:extLst>
+                <a:ext uri="{FF2B5EF4-FFF2-40B4-BE49-F238E27FC236}">
+                  <a16:creationId xmlns:a16="http://schemas.microsoft.com/office/drawing/2014/main" id="{8657D4E8-854B-433A-A001-C0D472C06691}"/>
+                </a:ext>
+              </a:extLst>
+            </p:cNvPr>
+            <p:cNvSpPr/>
+            <p:nvPr/>
+          </p:nvSpPr>
+          <p:spPr>
+            <a:xfrm>
+              <a:off x="8068239" y="4424113"/>
+              <a:ext cx="2070216" cy="207084"/>
+            </a:xfrm>
+            <a:prstGeom prst="rect">
+              <a:avLst/>
+            </a:prstGeom>
+            <a:noFill/>
+            <a:ln w="25400">
+              <a:solidFill>
+                <a:srgbClr val="FF0000"/>
+              </a:solidFill>
+            </a:ln>
+          </p:spPr>
+          <p:style>
+            <a:lnRef idx="2">
+              <a:schemeClr val="accent1">
+                <a:shade val="50000"/>
+              </a:schemeClr>
+            </a:lnRef>
+            <a:fillRef idx="1">
+              <a:schemeClr val="accent1"/>
+            </a:fillRef>
+            <a:effectRef idx="0">
+              <a:schemeClr val="accent1"/>
+            </a:effectRef>
+            <a:fontRef idx="minor">
+              <a:schemeClr val="lt1"/>
+            </a:fontRef>
+          </p:style>
+          <p:txBody>
+            <a:bodyPr rtlCol="0" anchor="ctr"/>
+            <a:lstStyle/>
+            <a:p>
+              <a:pPr algn="ctr"/>
+              <a:endParaRPr lang="en-SG"/>
+            </a:p>
+          </p:txBody>
+        </p:sp>
+        <p:sp>
+          <p:nvSpPr>
+            <p:cNvPr id="5" name="Rectangle 4">
+              <a:extLst>
+                <a:ext uri="{FF2B5EF4-FFF2-40B4-BE49-F238E27FC236}">
+                  <a16:creationId xmlns:a16="http://schemas.microsoft.com/office/drawing/2014/main" id="{70620B18-D558-4311-9BB2-BA18AEF7D2BA}"/>
+                </a:ext>
+              </a:extLst>
+            </p:cNvPr>
+            <p:cNvSpPr/>
+            <p:nvPr/>
+          </p:nvSpPr>
+          <p:spPr>
+            <a:xfrm>
+              <a:off x="8068238" y="5495064"/>
+              <a:ext cx="2204439" cy="207084"/>
+            </a:xfrm>
+            <a:prstGeom prst="rect">
+              <a:avLst/>
+            </a:prstGeom>
+            <a:noFill/>
+            <a:ln w="25400">
+              <a:solidFill>
+                <a:srgbClr val="FF0000"/>
+              </a:solidFill>
+            </a:ln>
+          </p:spPr>
+          <p:style>
+            <a:lnRef idx="2">
+              <a:schemeClr val="accent1">
+                <a:shade val="50000"/>
+              </a:schemeClr>
+            </a:lnRef>
+            <a:fillRef idx="1">
+              <a:schemeClr val="accent1"/>
+            </a:fillRef>
+            <a:effectRef idx="0">
+              <a:schemeClr val="accent1"/>
+            </a:effectRef>
+            <a:fontRef idx="minor">
+              <a:schemeClr val="lt1"/>
+            </a:fontRef>
+          </p:style>
+          <p:txBody>
+            <a:bodyPr rtlCol="0" anchor="ctr"/>
+            <a:lstStyle/>
+            <a:p>
+              <a:pPr algn="ctr"/>
+              <a:endParaRPr lang="en-SG"/>
+            </a:p>
+          </p:txBody>
+        </p:sp>
+      </p:grpSp>
+      <p:sp>
+        <p:nvSpPr>
+          <p:cNvPr id="13" name="Title 3">
+            <a:extLst>
+              <a:ext uri="{FF2B5EF4-FFF2-40B4-BE49-F238E27FC236}">
+                <a16:creationId xmlns:a16="http://schemas.microsoft.com/office/drawing/2014/main" id="{23A3C035-FD8D-448F-8259-E921872C4EB7}"/>
+              </a:ext>
+            </a:extLst>
+          </p:cNvPr>
+          <p:cNvSpPr>
+            <a:spLocks noGrp="1"/>
+          </p:cNvSpPr>
+          <p:nvPr>
+            <p:ph type="title"/>
+          </p:nvPr>
+        </p:nvSpPr>
+        <p:spPr>
+          <a:xfrm>
+            <a:off x="838200" y="365125"/>
+            <a:ext cx="10515600" cy="1325563"/>
+          </a:xfrm>
+        </p:spPr>
+        <p:txBody>
+          <a:bodyPr/>
+          <a:lstStyle/>
+          <a:p>
+            <a:r>
+              <a:rPr lang="en-SG" dirty="0"/>
+              <a:t>Model Performance</a:t>
+            </a:r>
+          </a:p>
+        </p:txBody>
+      </p:sp>
+    </p:spTree>
+    <p:extLst>
+      <p:ext uri="{BB962C8B-B14F-4D97-AF65-F5344CB8AC3E}">
+        <p14:creationId xmlns:p14="http://schemas.microsoft.com/office/powerpoint/2010/main" val="1860788172"/>
+      </p:ext>
+    </p:extLst>
+  </p:cSld>
+  <p:clrMapOvr>
+    <a:masterClrMapping/>
+  </p:clrMapOvr>
+</p:sld>
+</file>
+
+<file path=ppt/slides/slide11.xml><?xml version="1.0" encoding="utf-8"?>
+<p:sld xmlns:a="http://schemas.openxmlformats.org/drawingml/2006/main" xmlns:r="http://schemas.openxmlformats.org/officeDocument/2006/relationships" xmlns:p="http://schemas.openxmlformats.org/presentationml/2006/main">
+  <p:cSld>
+    <p:spTree>
+      <p:nvGrpSpPr>
+        <p:cNvPr id="1" name=""/>
+        <p:cNvGrpSpPr/>
+        <p:nvPr/>
+      </p:nvGrpSpPr>
+      <p:grpSpPr>
+        <a:xfrm>
+          <a:off x="0" y="0"/>
+          <a:ext cx="0" cy="0"/>
+          <a:chOff x="0" y="0"/>
+          <a:chExt cx="0" cy="0"/>
+        </a:xfrm>
+      </p:grpSpPr>
+      <p:grpSp>
+        <p:nvGrpSpPr>
+          <p:cNvPr id="2" name="Group 1">
+            <a:extLst>
+              <a:ext uri="{FF2B5EF4-FFF2-40B4-BE49-F238E27FC236}">
                 <a16:creationId xmlns:a16="http://schemas.microsoft.com/office/drawing/2014/main" id="{BB43BB19-464B-4711-BE03-4871DD4A216C}"/>
               </a:ext>
             </a:extLst>
@@ -3779,7 +4004,7 @@
 </p:sld>
 </file>
 
-<file path=ppt/slides/slide11.xml><?xml version="1.0" encoding="utf-8"?>
+<file path=ppt/slides/slide12.xml><?xml version="1.0" encoding="utf-8"?>
 <p:sld xmlns:a="http://schemas.openxmlformats.org/drawingml/2006/main" xmlns:r="http://schemas.openxmlformats.org/officeDocument/2006/relationships" xmlns:p="http://schemas.openxmlformats.org/presentationml/2006/main">
   <p:cSld>
     <p:spTree>
@@ -4027,7 +4252,7 @@
 </p:sld>
 </file>
 
-<file path=ppt/slides/slide12.xml><?xml version="1.0" encoding="utf-8"?>
+<file path=ppt/slides/slide13.xml><?xml version="1.0" encoding="utf-8"?>
 <p:sld xmlns:a="http://schemas.openxmlformats.org/drawingml/2006/main" xmlns:r="http://schemas.openxmlformats.org/officeDocument/2006/relationships" xmlns:p="http://schemas.openxmlformats.org/presentationml/2006/main">
   <p:cSld>
     <p:spTree>
@@ -6874,7 +7099,7 @@
 </p:sld>
 </file>
 
-<file path=ppt/slides/slide13.xml><?xml version="1.0" encoding="utf-8"?>
+<file path=ppt/slides/slide14.xml><?xml version="1.0" encoding="utf-8"?>
 <p:sld xmlns:a="http://schemas.openxmlformats.org/drawingml/2006/main" xmlns:r="http://schemas.openxmlformats.org/officeDocument/2006/relationships" xmlns:p="http://schemas.openxmlformats.org/presentationml/2006/main">
   <p:cSld>
     <p:spTree>
@@ -9538,6 +9763,265 @@
       </p:grpSpPr>
       <p:pic>
         <p:nvPicPr>
+          <p:cNvPr id="8" name="Picture 7" descr="A close up of a logo&#10;&#10;Description automatically generated">
+            <a:extLst>
+              <a:ext uri="{FF2B5EF4-FFF2-40B4-BE49-F238E27FC236}">
+                <a16:creationId xmlns:a16="http://schemas.microsoft.com/office/drawing/2014/main" id="{ADEE779E-0BE7-40CE-9730-5B5E525B90E5}"/>
+              </a:ext>
+            </a:extLst>
+          </p:cNvPr>
+          <p:cNvPicPr>
+            <a:picLocks noChangeAspect="1"/>
+          </p:cNvPicPr>
+          <p:nvPr/>
+        </p:nvPicPr>
+        <p:blipFill rotWithShape="1">
+          <a:blip r:embed="rId2">
+            <a:extLst>
+              <a:ext uri="{28A0092B-C50C-407E-A947-70E740481C1C}">
+                <a14:useLocalDpi xmlns:a14="http://schemas.microsoft.com/office/drawing/2010/main" val="0"/>
+              </a:ext>
+            </a:extLst>
+          </a:blip>
+          <a:srcRect r="14179"/>
+          <a:stretch/>
+        </p:blipFill>
+        <p:spPr>
+          <a:xfrm>
+            <a:off x="6258604" y="1238688"/>
+            <a:ext cx="5933396" cy="5186982"/>
+          </a:xfrm>
+          <a:prstGeom prst="rect">
+            <a:avLst/>
+          </a:prstGeom>
+        </p:spPr>
+      </p:pic>
+      <p:pic>
+        <p:nvPicPr>
+          <p:cNvPr id="10" name="Picture 9">
+            <a:extLst>
+              <a:ext uri="{FF2B5EF4-FFF2-40B4-BE49-F238E27FC236}">
+                <a16:creationId xmlns:a16="http://schemas.microsoft.com/office/drawing/2014/main" id="{A4A906D6-CCE0-4DB7-A73E-BE3E278EAEBC}"/>
+              </a:ext>
+            </a:extLst>
+          </p:cNvPr>
+          <p:cNvPicPr>
+            <a:picLocks noChangeAspect="1"/>
+          </p:cNvPicPr>
+          <p:nvPr/>
+        </p:nvPicPr>
+        <p:blipFill rotWithShape="1">
+          <a:blip r:embed="rId3">
+            <a:extLst>
+              <a:ext uri="{28A0092B-C50C-407E-A947-70E740481C1C}">
+                <a14:useLocalDpi xmlns:a14="http://schemas.microsoft.com/office/drawing/2010/main" val="0"/>
+              </a:ext>
+            </a:extLst>
+          </a:blip>
+          <a:srcRect r="14144"/>
+          <a:stretch/>
+        </p:blipFill>
+        <p:spPr>
+          <a:xfrm>
+            <a:off x="-1" y="1238687"/>
+            <a:ext cx="5933396" cy="5210923"/>
+          </a:xfrm>
+          <a:prstGeom prst="rect">
+            <a:avLst/>
+          </a:prstGeom>
+        </p:spPr>
+      </p:pic>
+      <p:sp>
+        <p:nvSpPr>
+          <p:cNvPr id="4" name="Rectangle 3">
+            <a:extLst>
+              <a:ext uri="{FF2B5EF4-FFF2-40B4-BE49-F238E27FC236}">
+                <a16:creationId xmlns:a16="http://schemas.microsoft.com/office/drawing/2014/main" id="{02665983-1E73-4E88-AF83-4888C2C85C50}"/>
+              </a:ext>
+            </a:extLst>
+          </p:cNvPr>
+          <p:cNvSpPr/>
+          <p:nvPr/>
+        </p:nvSpPr>
+        <p:spPr>
+          <a:xfrm>
+            <a:off x="1583015" y="6425670"/>
+            <a:ext cx="2838599" cy="369332"/>
+          </a:xfrm>
+          <a:prstGeom prst="rect">
+            <a:avLst/>
+          </a:prstGeom>
+          <a:noFill/>
+        </p:spPr>
+        <p:txBody>
+          <a:bodyPr wrap="none">
+            <a:spAutoFit/>
+          </a:bodyPr>
+          <a:lstStyle/>
+          <a:p>
+            <a:pPr algn="ctr"/>
+            <a:r>
+              <a:rPr lang="en-US" dirty="0"/>
+              <a:t>Before removing zero values</a:t>
+            </a:r>
+            <a:endParaRPr lang="en-SG" dirty="0"/>
+          </a:p>
+        </p:txBody>
+      </p:sp>
+      <p:sp>
+        <p:nvSpPr>
+          <p:cNvPr id="5" name="Rectangle 4">
+            <a:extLst>
+              <a:ext uri="{FF2B5EF4-FFF2-40B4-BE49-F238E27FC236}">
+                <a16:creationId xmlns:a16="http://schemas.microsoft.com/office/drawing/2014/main" id="{C7CCD85D-3D12-4AB6-A553-E46480EBA790}"/>
+              </a:ext>
+            </a:extLst>
+          </p:cNvPr>
+          <p:cNvSpPr/>
+          <p:nvPr/>
+        </p:nvSpPr>
+        <p:spPr>
+          <a:xfrm>
+            <a:off x="7915234" y="6425670"/>
+            <a:ext cx="2693751" cy="369332"/>
+          </a:xfrm>
+          <a:prstGeom prst="rect">
+            <a:avLst/>
+          </a:prstGeom>
+          <a:noFill/>
+        </p:spPr>
+        <p:txBody>
+          <a:bodyPr wrap="none">
+            <a:spAutoFit/>
+          </a:bodyPr>
+          <a:lstStyle/>
+          <a:p>
+            <a:pPr algn="ctr"/>
+            <a:r>
+              <a:rPr lang="en-US" dirty="0"/>
+              <a:t>After removing zero values</a:t>
+            </a:r>
+            <a:endParaRPr lang="en-SG" dirty="0"/>
+          </a:p>
+        </p:txBody>
+      </p:sp>
+      <p:sp>
+        <p:nvSpPr>
+          <p:cNvPr id="6" name="Title 3">
+            <a:extLst>
+              <a:ext uri="{FF2B5EF4-FFF2-40B4-BE49-F238E27FC236}">
+                <a16:creationId xmlns:a16="http://schemas.microsoft.com/office/drawing/2014/main" id="{28307E22-A6B3-43E3-A7DA-98B88FF6824F}"/>
+              </a:ext>
+            </a:extLst>
+          </p:cNvPr>
+          <p:cNvSpPr>
+            <a:spLocks noGrp="1"/>
+          </p:cNvSpPr>
+          <p:nvPr>
+            <p:ph type="title"/>
+          </p:nvPr>
+        </p:nvSpPr>
+        <p:spPr>
+          <a:xfrm>
+            <a:off x="838200" y="365125"/>
+            <a:ext cx="10515600" cy="1325563"/>
+          </a:xfrm>
+        </p:spPr>
+        <p:txBody>
+          <a:bodyPr/>
+          <a:lstStyle/>
+          <a:p>
+            <a:r>
+              <a:rPr lang="en-SG" dirty="0"/>
+              <a:t>Pair Plots</a:t>
+            </a:r>
+          </a:p>
+        </p:txBody>
+      </p:sp>
+      <p:sp>
+        <p:nvSpPr>
+          <p:cNvPr id="11" name="Rectangle 10">
+            <a:extLst>
+              <a:ext uri="{FF2B5EF4-FFF2-40B4-BE49-F238E27FC236}">
+                <a16:creationId xmlns:a16="http://schemas.microsoft.com/office/drawing/2014/main" id="{7318D1F2-D775-402F-ABF4-075E77265A0F}"/>
+              </a:ext>
+            </a:extLst>
+          </p:cNvPr>
+          <p:cNvSpPr/>
+          <p:nvPr/>
+        </p:nvSpPr>
+        <p:spPr>
+          <a:xfrm>
+            <a:off x="1684627" y="6056338"/>
+            <a:ext cx="186118" cy="369332"/>
+          </a:xfrm>
+          <a:prstGeom prst="rect">
+            <a:avLst/>
+          </a:prstGeom>
+          <a:noFill/>
+          <a:ln w="19050">
+            <a:solidFill>
+              <a:srgbClr val="FF0000"/>
+            </a:solidFill>
+          </a:ln>
+        </p:spPr>
+        <p:style>
+          <a:lnRef idx="2">
+            <a:schemeClr val="accent1">
+              <a:shade val="50000"/>
+            </a:schemeClr>
+          </a:lnRef>
+          <a:fillRef idx="1">
+            <a:schemeClr val="accent1"/>
+          </a:fillRef>
+          <a:effectRef idx="0">
+            <a:schemeClr val="accent1"/>
+          </a:effectRef>
+          <a:fontRef idx="minor">
+            <a:schemeClr val="lt1"/>
+          </a:fontRef>
+        </p:style>
+        <p:txBody>
+          <a:bodyPr rtlCol="0" anchor="ctr"/>
+          <a:lstStyle/>
+          <a:p>
+            <a:pPr algn="ctr"/>
+            <a:endParaRPr lang="en-SG"/>
+          </a:p>
+        </p:txBody>
+      </p:sp>
+    </p:spTree>
+    <p:extLst>
+      <p:ext uri="{BB962C8B-B14F-4D97-AF65-F5344CB8AC3E}">
+        <p14:creationId xmlns:p14="http://schemas.microsoft.com/office/powerpoint/2010/main" val="3540702043"/>
+      </p:ext>
+    </p:extLst>
+  </p:cSld>
+  <p:clrMapOvr>
+    <a:masterClrMapping/>
+  </p:clrMapOvr>
+</p:sld>
+</file>
+
+<file path=ppt/slides/slide7.xml><?xml version="1.0" encoding="utf-8"?>
+<p:sld xmlns:a="http://schemas.openxmlformats.org/drawingml/2006/main" xmlns:r="http://schemas.openxmlformats.org/officeDocument/2006/relationships" xmlns:p="http://schemas.openxmlformats.org/presentationml/2006/main">
+  <p:cSld>
+    <p:spTree>
+      <p:nvGrpSpPr>
+        <p:cNvPr id="1" name=""/>
+        <p:cNvGrpSpPr/>
+        <p:nvPr/>
+      </p:nvGrpSpPr>
+      <p:grpSpPr>
+        <a:xfrm>
+          <a:off x="0" y="0"/>
+          <a:ext cx="0" cy="0"/>
+          <a:chOff x="0" y="0"/>
+          <a:chExt cx="0" cy="0"/>
+        </a:xfrm>
+      </p:grpSpPr>
+      <p:pic>
+        <p:nvPicPr>
           <p:cNvPr id="2" name="Picture 1">
             <a:extLst>
               <a:ext uri="{FF2B5EF4-FFF2-40B4-BE49-F238E27FC236}">
@@ -9698,7 +10182,7 @@
           <a:p>
             <a:r>
               <a:rPr lang="en-SG" dirty="0"/>
-              <a:t>Feature Correlation</a:t>
+              <a:t>Features Correlation</a:t>
             </a:r>
           </a:p>
         </p:txBody>
@@ -9716,7 +10200,7 @@
 </p:sld>
 </file>
 
-<file path=ppt/slides/slide7.xml><?xml version="1.0" encoding="utf-8"?>
+<file path=ppt/slides/slide8.xml><?xml version="1.0" encoding="utf-8"?>
 <p:sld xmlns:a="http://schemas.openxmlformats.org/drawingml/2006/main" xmlns:r="http://schemas.openxmlformats.org/officeDocument/2006/relationships" xmlns:p="http://schemas.openxmlformats.org/presentationml/2006/main">
   <p:cSld>
     <p:spTree>
@@ -9893,7 +10377,7 @@
 </p:sld>
 </file>
 
-<file path=ppt/slides/slide8.xml><?xml version="1.0" encoding="utf-8"?>
+<file path=ppt/slides/slide9.xml><?xml version="1.0" encoding="utf-8"?>
 <p:sld xmlns:a="http://schemas.openxmlformats.org/drawingml/2006/main" xmlns:r="http://schemas.openxmlformats.org/officeDocument/2006/relationships" xmlns:p="http://schemas.openxmlformats.org/presentationml/2006/main">
   <p:cSld>
     <p:spTree>
@@ -10175,230 +10659,6 @@
     <p:extLst>
       <p:ext uri="{BB962C8B-B14F-4D97-AF65-F5344CB8AC3E}">
         <p14:creationId xmlns:p14="http://schemas.microsoft.com/office/powerpoint/2010/main" val="1771954893"/>
-      </p:ext>
-    </p:extLst>
-  </p:cSld>
-  <p:clrMapOvr>
-    <a:masterClrMapping/>
-  </p:clrMapOvr>
-</p:sld>
-</file>
-
-<file path=ppt/slides/slide9.xml><?xml version="1.0" encoding="utf-8"?>
-<p:sld xmlns:a="http://schemas.openxmlformats.org/drawingml/2006/main" xmlns:r="http://schemas.openxmlformats.org/officeDocument/2006/relationships" xmlns:p="http://schemas.openxmlformats.org/presentationml/2006/main">
-  <p:cSld>
-    <p:spTree>
-      <p:nvGrpSpPr>
-        <p:cNvPr id="1" name=""/>
-        <p:cNvGrpSpPr/>
-        <p:nvPr/>
-      </p:nvGrpSpPr>
-      <p:grpSpPr>
-        <a:xfrm>
-          <a:off x="0" y="0"/>
-          <a:ext cx="0" cy="0"/>
-          <a:chOff x="0" y="0"/>
-          <a:chExt cx="0" cy="0"/>
-        </a:xfrm>
-      </p:grpSpPr>
-      <p:grpSp>
-        <p:nvGrpSpPr>
-          <p:cNvPr id="2" name="Group 1">
-            <a:extLst>
-              <a:ext uri="{FF2B5EF4-FFF2-40B4-BE49-F238E27FC236}">
-                <a16:creationId xmlns:a16="http://schemas.microsoft.com/office/drawing/2014/main" id="{C62C946D-00C4-4306-89B5-9594211BA2FC}"/>
-              </a:ext>
-            </a:extLst>
-          </p:cNvPr>
-          <p:cNvGrpSpPr/>
-          <p:nvPr/>
-        </p:nvGrpSpPr>
-        <p:grpSpPr>
-          <a:xfrm>
-            <a:off x="5310936" y="701675"/>
-            <a:ext cx="5943600" cy="5791200"/>
-            <a:chOff x="4681763" y="732351"/>
-            <a:chExt cx="5943600" cy="5791200"/>
-          </a:xfrm>
-        </p:grpSpPr>
-        <p:pic>
-          <p:nvPicPr>
-            <p:cNvPr id="19" name="Picture 18" descr="A close up of a map&#10;&#10;Description automatically generated">
-              <a:extLst>
-                <a:ext uri="{FF2B5EF4-FFF2-40B4-BE49-F238E27FC236}">
-                  <a16:creationId xmlns:a16="http://schemas.microsoft.com/office/drawing/2014/main" id="{54D549EF-E83E-4E1B-957D-131C73774DE9}"/>
-                </a:ext>
-              </a:extLst>
-            </p:cNvPr>
-            <p:cNvPicPr>
-              <a:picLocks noChangeAspect="1"/>
-            </p:cNvPicPr>
-            <p:nvPr/>
-          </p:nvPicPr>
-          <p:blipFill>
-            <a:blip r:embed="rId2">
-              <a:extLst>
-                <a:ext uri="{28A0092B-C50C-407E-A947-70E740481C1C}">
-                  <a14:useLocalDpi xmlns:a14="http://schemas.microsoft.com/office/drawing/2010/main" val="0"/>
-                </a:ext>
-              </a:extLst>
-            </a:blip>
-            <a:stretch>
-              <a:fillRect/>
-            </a:stretch>
-          </p:blipFill>
-          <p:spPr>
-            <a:xfrm>
-              <a:off x="4681763" y="732351"/>
-              <a:ext cx="5943600" cy="5791200"/>
-            </a:xfrm>
-            <a:prstGeom prst="rect">
-              <a:avLst/>
-            </a:prstGeom>
-          </p:spPr>
-        </p:pic>
-        <p:sp>
-          <p:nvSpPr>
-            <p:cNvPr id="4" name="Rectangle 3">
-              <a:extLst>
-                <a:ext uri="{FF2B5EF4-FFF2-40B4-BE49-F238E27FC236}">
-                  <a16:creationId xmlns:a16="http://schemas.microsoft.com/office/drawing/2014/main" id="{8657D4E8-854B-433A-A001-C0D472C06691}"/>
-                </a:ext>
-              </a:extLst>
-            </p:cNvPr>
-            <p:cNvSpPr/>
-            <p:nvPr/>
-          </p:nvSpPr>
-          <p:spPr>
-            <a:xfrm>
-              <a:off x="8068239" y="4424113"/>
-              <a:ext cx="2070216" cy="207084"/>
-            </a:xfrm>
-            <a:prstGeom prst="rect">
-              <a:avLst/>
-            </a:prstGeom>
-            <a:noFill/>
-            <a:ln w="25400">
-              <a:solidFill>
-                <a:srgbClr val="FF0000"/>
-              </a:solidFill>
-            </a:ln>
-          </p:spPr>
-          <p:style>
-            <a:lnRef idx="2">
-              <a:schemeClr val="accent1">
-                <a:shade val="50000"/>
-              </a:schemeClr>
-            </a:lnRef>
-            <a:fillRef idx="1">
-              <a:schemeClr val="accent1"/>
-            </a:fillRef>
-            <a:effectRef idx="0">
-              <a:schemeClr val="accent1"/>
-            </a:effectRef>
-            <a:fontRef idx="minor">
-              <a:schemeClr val="lt1"/>
-            </a:fontRef>
-          </p:style>
-          <p:txBody>
-            <a:bodyPr rtlCol="0" anchor="ctr"/>
-            <a:lstStyle/>
-            <a:p>
-              <a:pPr algn="ctr"/>
-              <a:endParaRPr lang="en-SG"/>
-            </a:p>
-          </p:txBody>
-        </p:sp>
-        <p:sp>
-          <p:nvSpPr>
-            <p:cNvPr id="5" name="Rectangle 4">
-              <a:extLst>
-                <a:ext uri="{FF2B5EF4-FFF2-40B4-BE49-F238E27FC236}">
-                  <a16:creationId xmlns:a16="http://schemas.microsoft.com/office/drawing/2014/main" id="{70620B18-D558-4311-9BB2-BA18AEF7D2BA}"/>
-                </a:ext>
-              </a:extLst>
-            </p:cNvPr>
-            <p:cNvSpPr/>
-            <p:nvPr/>
-          </p:nvSpPr>
-          <p:spPr>
-            <a:xfrm>
-              <a:off x="8068238" y="5495064"/>
-              <a:ext cx="2204439" cy="207084"/>
-            </a:xfrm>
-            <a:prstGeom prst="rect">
-              <a:avLst/>
-            </a:prstGeom>
-            <a:noFill/>
-            <a:ln w="25400">
-              <a:solidFill>
-                <a:srgbClr val="FF0000"/>
-              </a:solidFill>
-            </a:ln>
-          </p:spPr>
-          <p:style>
-            <a:lnRef idx="2">
-              <a:schemeClr val="accent1">
-                <a:shade val="50000"/>
-              </a:schemeClr>
-            </a:lnRef>
-            <a:fillRef idx="1">
-              <a:schemeClr val="accent1"/>
-            </a:fillRef>
-            <a:effectRef idx="0">
-              <a:schemeClr val="accent1"/>
-            </a:effectRef>
-            <a:fontRef idx="minor">
-              <a:schemeClr val="lt1"/>
-            </a:fontRef>
-          </p:style>
-          <p:txBody>
-            <a:bodyPr rtlCol="0" anchor="ctr"/>
-            <a:lstStyle/>
-            <a:p>
-              <a:pPr algn="ctr"/>
-              <a:endParaRPr lang="en-SG"/>
-            </a:p>
-          </p:txBody>
-        </p:sp>
-      </p:grpSp>
-      <p:sp>
-        <p:nvSpPr>
-          <p:cNvPr id="13" name="Title 3">
-            <a:extLst>
-              <a:ext uri="{FF2B5EF4-FFF2-40B4-BE49-F238E27FC236}">
-                <a16:creationId xmlns:a16="http://schemas.microsoft.com/office/drawing/2014/main" id="{23A3C035-FD8D-448F-8259-E921872C4EB7}"/>
-              </a:ext>
-            </a:extLst>
-          </p:cNvPr>
-          <p:cNvSpPr>
-            <a:spLocks noGrp="1"/>
-          </p:cNvSpPr>
-          <p:nvPr>
-            <p:ph type="title"/>
-          </p:nvPr>
-        </p:nvSpPr>
-        <p:spPr>
-          <a:xfrm>
-            <a:off x="838200" y="365125"/>
-            <a:ext cx="10515600" cy="1325563"/>
-          </a:xfrm>
-        </p:spPr>
-        <p:txBody>
-          <a:bodyPr/>
-          <a:lstStyle/>
-          <a:p>
-            <a:r>
-              <a:rPr lang="en-SG" dirty="0"/>
-              <a:t>Model Performance</a:t>
-            </a:r>
-          </a:p>
-        </p:txBody>
-      </p:sp>
-    </p:spTree>
-    <p:extLst>
-      <p:ext uri="{BB962C8B-B14F-4D97-AF65-F5344CB8AC3E}">
-        <p14:creationId xmlns:p14="http://schemas.microsoft.com/office/powerpoint/2010/main" val="1860788172"/>
       </p:ext>
     </p:extLst>
   </p:cSld>

--- a/diabetes_classifier.pptx
+++ b/diabetes_classifier.pptx
@@ -274,7 +274,7 @@
           <a:p>
             <a:fld id="{159A2670-0965-4332-9A3B-E762AC6DCCD7}" type="datetimeFigureOut">
               <a:rPr lang="en-SG" smtClean="0"/>
-              <a:t>13/11/2019</a:t>
+              <a:t>14/11/2019</a:t>
             </a:fld>
             <a:endParaRPr lang="en-SG"/>
           </a:p>
@@ -474,7 +474,7 @@
           <a:p>
             <a:fld id="{159A2670-0965-4332-9A3B-E762AC6DCCD7}" type="datetimeFigureOut">
               <a:rPr lang="en-SG" smtClean="0"/>
-              <a:t>13/11/2019</a:t>
+              <a:t>14/11/2019</a:t>
             </a:fld>
             <a:endParaRPr lang="en-SG"/>
           </a:p>
@@ -684,7 +684,7 @@
           <a:p>
             <a:fld id="{159A2670-0965-4332-9A3B-E762AC6DCCD7}" type="datetimeFigureOut">
               <a:rPr lang="en-SG" smtClean="0"/>
-              <a:t>13/11/2019</a:t>
+              <a:t>14/11/2019</a:t>
             </a:fld>
             <a:endParaRPr lang="en-SG"/>
           </a:p>
@@ -884,7 +884,7 @@
           <a:p>
             <a:fld id="{159A2670-0965-4332-9A3B-E762AC6DCCD7}" type="datetimeFigureOut">
               <a:rPr lang="en-SG" smtClean="0"/>
-              <a:t>13/11/2019</a:t>
+              <a:t>14/11/2019</a:t>
             </a:fld>
             <a:endParaRPr lang="en-SG"/>
           </a:p>
@@ -1160,7 +1160,7 @@
           <a:p>
             <a:fld id="{159A2670-0965-4332-9A3B-E762AC6DCCD7}" type="datetimeFigureOut">
               <a:rPr lang="en-SG" smtClean="0"/>
-              <a:t>13/11/2019</a:t>
+              <a:t>14/11/2019</a:t>
             </a:fld>
             <a:endParaRPr lang="en-SG"/>
           </a:p>
@@ -1428,7 +1428,7 @@
           <a:p>
             <a:fld id="{159A2670-0965-4332-9A3B-E762AC6DCCD7}" type="datetimeFigureOut">
               <a:rPr lang="en-SG" smtClean="0"/>
-              <a:t>13/11/2019</a:t>
+              <a:t>14/11/2019</a:t>
             </a:fld>
             <a:endParaRPr lang="en-SG"/>
           </a:p>
@@ -1843,7 +1843,7 @@
           <a:p>
             <a:fld id="{159A2670-0965-4332-9A3B-E762AC6DCCD7}" type="datetimeFigureOut">
               <a:rPr lang="en-SG" smtClean="0"/>
-              <a:t>13/11/2019</a:t>
+              <a:t>14/11/2019</a:t>
             </a:fld>
             <a:endParaRPr lang="en-SG"/>
           </a:p>
@@ -1985,7 +1985,7 @@
           <a:p>
             <a:fld id="{159A2670-0965-4332-9A3B-E762AC6DCCD7}" type="datetimeFigureOut">
               <a:rPr lang="en-SG" smtClean="0"/>
-              <a:t>13/11/2019</a:t>
+              <a:t>14/11/2019</a:t>
             </a:fld>
             <a:endParaRPr lang="en-SG"/>
           </a:p>
@@ -2098,7 +2098,7 @@
           <a:p>
             <a:fld id="{159A2670-0965-4332-9A3B-E762AC6DCCD7}" type="datetimeFigureOut">
               <a:rPr lang="en-SG" smtClean="0"/>
-              <a:t>13/11/2019</a:t>
+              <a:t>14/11/2019</a:t>
             </a:fld>
             <a:endParaRPr lang="en-SG"/>
           </a:p>
@@ -2411,7 +2411,7 @@
           <a:p>
             <a:fld id="{159A2670-0965-4332-9A3B-E762AC6DCCD7}" type="datetimeFigureOut">
               <a:rPr lang="en-SG" smtClean="0"/>
-              <a:t>13/11/2019</a:t>
+              <a:t>14/11/2019</a:t>
             </a:fld>
             <a:endParaRPr lang="en-SG"/>
           </a:p>
@@ -2700,7 +2700,7 @@
           <a:p>
             <a:fld id="{159A2670-0965-4332-9A3B-E762AC6DCCD7}" type="datetimeFigureOut">
               <a:rPr lang="en-SG" smtClean="0"/>
-              <a:t>13/11/2019</a:t>
+              <a:t>14/11/2019</a:t>
             </a:fld>
             <a:endParaRPr lang="en-SG"/>
           </a:p>
@@ -2943,7 +2943,7 @@
           <a:p>
             <a:fld id="{159A2670-0965-4332-9A3B-E762AC6DCCD7}" type="datetimeFigureOut">
               <a:rPr lang="en-SG" smtClean="0"/>
-              <a:t>13/11/2019</a:t>
+              <a:t>14/11/2019</a:t>
             </a:fld>
             <a:endParaRPr lang="en-SG"/>
           </a:p>
@@ -3991,6 +3991,88 @@
           </a:p>
         </p:txBody>
       </p:sp>
+      <p:cxnSp>
+        <p:nvCxnSpPr>
+          <p:cNvPr id="5" name="Straight Connector 4">
+            <a:extLst>
+              <a:ext uri="{FF2B5EF4-FFF2-40B4-BE49-F238E27FC236}">
+                <a16:creationId xmlns:a16="http://schemas.microsoft.com/office/drawing/2014/main" id="{C233D5E2-3B61-42F9-8AA3-03FBB8A01BDD}"/>
+              </a:ext>
+            </a:extLst>
+          </p:cNvPr>
+          <p:cNvCxnSpPr>
+            <a:cxnSpLocks/>
+          </p:cNvCxnSpPr>
+          <p:nvPr/>
+        </p:nvCxnSpPr>
+        <p:spPr>
+          <a:xfrm>
+            <a:off x="1778467" y="1640354"/>
+            <a:ext cx="8724550" cy="0"/>
+          </a:xfrm>
+          <a:prstGeom prst="line">
+            <a:avLst/>
+          </a:prstGeom>
+          <a:ln>
+            <a:prstDash val="lgDash"/>
+          </a:ln>
+        </p:spPr>
+        <p:style>
+          <a:lnRef idx="1">
+            <a:schemeClr val="accent1"/>
+          </a:lnRef>
+          <a:fillRef idx="0">
+            <a:schemeClr val="accent1"/>
+          </a:fillRef>
+          <a:effectRef idx="0">
+            <a:schemeClr val="accent1"/>
+          </a:effectRef>
+          <a:fontRef idx="minor">
+            <a:schemeClr val="tx1"/>
+          </a:fontRef>
+        </p:style>
+      </p:cxnSp>
+      <p:cxnSp>
+        <p:nvCxnSpPr>
+          <p:cNvPr id="10" name="Straight Connector 9">
+            <a:extLst>
+              <a:ext uri="{FF2B5EF4-FFF2-40B4-BE49-F238E27FC236}">
+                <a16:creationId xmlns:a16="http://schemas.microsoft.com/office/drawing/2014/main" id="{E9600536-9E35-4AD9-9BBE-A3DAF4AE111B}"/>
+              </a:ext>
+            </a:extLst>
+          </p:cNvPr>
+          <p:cNvCxnSpPr>
+            <a:cxnSpLocks/>
+          </p:cNvCxnSpPr>
+          <p:nvPr/>
+        </p:nvCxnSpPr>
+        <p:spPr>
+          <a:xfrm>
+            <a:off x="1776060" y="4171887"/>
+            <a:ext cx="8724550" cy="0"/>
+          </a:xfrm>
+          <a:prstGeom prst="line">
+            <a:avLst/>
+          </a:prstGeom>
+          <a:ln>
+            <a:prstDash val="lgDash"/>
+          </a:ln>
+        </p:spPr>
+        <p:style>
+          <a:lnRef idx="1">
+            <a:schemeClr val="accent1"/>
+          </a:lnRef>
+          <a:fillRef idx="0">
+            <a:schemeClr val="accent1"/>
+          </a:fillRef>
+          <a:effectRef idx="0">
+            <a:schemeClr val="accent1"/>
+          </a:effectRef>
+          <a:fontRef idx="minor">
+            <a:schemeClr val="tx1"/>
+          </a:fontRef>
+        </p:style>
+      </p:cxnSp>
     </p:spTree>
     <p:extLst>
       <p:ext uri="{BB962C8B-B14F-4D97-AF65-F5344CB8AC3E}">
@@ -4036,9 +4118,9 @@
         <p:grpSpPr>
           <a:xfrm>
             <a:off x="1347350" y="1342793"/>
-            <a:ext cx="9363075" cy="5069412"/>
+            <a:ext cx="9363075" cy="5067300"/>
             <a:chOff x="1336085" y="1326015"/>
-            <a:chExt cx="9363075" cy="5069412"/>
+            <a:chExt cx="9363075" cy="5067300"/>
           </a:xfrm>
         </p:grpSpPr>
         <p:pic>
@@ -4167,7 +4249,7 @@
           </p:nvSpPr>
           <p:spPr>
             <a:xfrm>
-              <a:off x="7524690" y="1453744"/>
+              <a:off x="7524690" y="1436810"/>
               <a:ext cx="889000" cy="4941683"/>
             </a:xfrm>
             <a:prstGeom prst="rect">
@@ -4326,7 +4408,7 @@
         </p:blipFill>
         <p:spPr bwMode="auto">
           <a:xfrm>
-            <a:off x="5361597" y="1260646"/>
+            <a:off x="5200725" y="1260646"/>
             <a:ext cx="5010150" cy="2428875"/>
           </a:xfrm>
           <a:prstGeom prst="rect">
@@ -4358,7 +4440,7 @@
         </p:nvSpPr>
         <p:spPr>
           <a:xfrm>
-            <a:off x="2453526" y="1542367"/>
+            <a:off x="2292654" y="1542367"/>
             <a:ext cx="2682402" cy="646331"/>
           </a:xfrm>
           <a:prstGeom prst="rect">
@@ -4400,15 +4482,15 @@
         </p:nvSpPr>
         <p:spPr>
           <a:xfrm>
-            <a:off x="3339346" y="4167247"/>
-            <a:ext cx="1796582" cy="646331"/>
+            <a:off x="1718728" y="4167247"/>
+            <a:ext cx="3256328" cy="369332"/>
           </a:xfrm>
           <a:prstGeom prst="rect">
             <a:avLst/>
           </a:prstGeom>
         </p:spPr>
         <p:txBody>
-          <a:bodyPr wrap="none">
+          <a:bodyPr wrap="square">
             <a:spAutoFit/>
           </a:bodyPr>
           <a:lstStyle/>
@@ -4416,14 +4498,7 @@
             <a:pPr algn="r"/>
             <a:r>
               <a:rPr lang="en-SG" dirty="0"/>
-              <a:t>After tuning</a:t>
-            </a:r>
-          </a:p>
-          <a:p>
-            <a:pPr algn="r"/>
-            <a:r>
-              <a:rPr lang="en-SG" dirty="0"/>
-              <a:t>hyperparameters</a:t>
+              <a:t>After tuning hyperparameters</a:t>
             </a:r>
           </a:p>
         </p:txBody>
@@ -4442,7 +4517,7 @@
         </p:nvSpPr>
         <p:spPr>
           <a:xfrm>
-            <a:off x="1166513" y="5289895"/>
+            <a:off x="1005641" y="5289895"/>
             <a:ext cx="3969415" cy="923330"/>
           </a:xfrm>
           <a:prstGeom prst="rect">
@@ -4486,7 +4561,7 @@
         </p:nvSpPr>
         <p:spPr>
           <a:xfrm>
-            <a:off x="8508953" y="6488388"/>
+            <a:off x="8348081" y="6488388"/>
             <a:ext cx="536895" cy="174844"/>
           </a:xfrm>
           <a:prstGeom prst="rect">
@@ -4542,7 +4617,7 @@
         </p:nvGrpSpPr>
         <p:grpSpPr>
           <a:xfrm>
-            <a:off x="5361597" y="3869098"/>
+            <a:off x="5200725" y="3869098"/>
             <a:ext cx="5572125" cy="2457450"/>
             <a:chOff x="2369411" y="4035425"/>
             <a:chExt cx="5572125" cy="2457450"/>
@@ -7063,7 +7138,7 @@
         </p:nvSpPr>
         <p:spPr>
           <a:xfrm>
-            <a:off x="9045848" y="6391144"/>
+            <a:off x="8884976" y="6391144"/>
             <a:ext cx="1784571" cy="369332"/>
           </a:xfrm>
           <a:prstGeom prst="rect">
@@ -7118,10 +7193,10 @@
       </p:grpSpPr>
       <p:grpSp>
         <p:nvGrpSpPr>
-          <p:cNvPr id="13" name="Group 12">
-            <a:extLst>
-              <a:ext uri="{FF2B5EF4-FFF2-40B4-BE49-F238E27FC236}">
-                <a16:creationId xmlns:a16="http://schemas.microsoft.com/office/drawing/2014/main" id="{5EF7A49A-5F0D-435B-885C-F97EA4137E91}"/>
+          <p:cNvPr id="12" name="Group 11">
+            <a:extLst>
+              <a:ext uri="{FF2B5EF4-FFF2-40B4-BE49-F238E27FC236}">
+                <a16:creationId xmlns:a16="http://schemas.microsoft.com/office/drawing/2014/main" id="{04E0B9DD-C1C0-4CD1-839F-B3BCCA6BD6D9}"/>
               </a:ext>
             </a:extLst>
           </p:cNvPr>
@@ -7523,9 +7598,9 @@
             <p:nvPr/>
           </p:nvCxnSpPr>
           <p:spPr>
-            <a:xfrm>
-              <a:off x="7708051" y="3246671"/>
-              <a:ext cx="905934" cy="122766"/>
+            <a:xfrm flipV="1">
+              <a:off x="7708051" y="3369437"/>
+              <a:ext cx="905934" cy="165100"/>
             </a:xfrm>
             <a:prstGeom prst="straightConnector1">
               <a:avLst/>

--- a/diabetes_classifier.pptx
+++ b/diabetes_classifier.pptx
@@ -274,7 +274,7 @@
           <a:p>
             <a:fld id="{159A2670-0965-4332-9A3B-E762AC6DCCD7}" type="datetimeFigureOut">
               <a:rPr lang="en-SG" smtClean="0"/>
-              <a:t>14/11/2019</a:t>
+              <a:t>16/11/2019</a:t>
             </a:fld>
             <a:endParaRPr lang="en-SG"/>
           </a:p>
@@ -474,7 +474,7 @@
           <a:p>
             <a:fld id="{159A2670-0965-4332-9A3B-E762AC6DCCD7}" type="datetimeFigureOut">
               <a:rPr lang="en-SG" smtClean="0"/>
-              <a:t>14/11/2019</a:t>
+              <a:t>16/11/2019</a:t>
             </a:fld>
             <a:endParaRPr lang="en-SG"/>
           </a:p>
@@ -684,7 +684,7 @@
           <a:p>
             <a:fld id="{159A2670-0965-4332-9A3B-E762AC6DCCD7}" type="datetimeFigureOut">
               <a:rPr lang="en-SG" smtClean="0"/>
-              <a:t>14/11/2019</a:t>
+              <a:t>16/11/2019</a:t>
             </a:fld>
             <a:endParaRPr lang="en-SG"/>
           </a:p>
@@ -884,7 +884,7 @@
           <a:p>
             <a:fld id="{159A2670-0965-4332-9A3B-E762AC6DCCD7}" type="datetimeFigureOut">
               <a:rPr lang="en-SG" smtClean="0"/>
-              <a:t>14/11/2019</a:t>
+              <a:t>16/11/2019</a:t>
             </a:fld>
             <a:endParaRPr lang="en-SG"/>
           </a:p>
@@ -1160,7 +1160,7 @@
           <a:p>
             <a:fld id="{159A2670-0965-4332-9A3B-E762AC6DCCD7}" type="datetimeFigureOut">
               <a:rPr lang="en-SG" smtClean="0"/>
-              <a:t>14/11/2019</a:t>
+              <a:t>16/11/2019</a:t>
             </a:fld>
             <a:endParaRPr lang="en-SG"/>
           </a:p>
@@ -1428,7 +1428,7 @@
           <a:p>
             <a:fld id="{159A2670-0965-4332-9A3B-E762AC6DCCD7}" type="datetimeFigureOut">
               <a:rPr lang="en-SG" smtClean="0"/>
-              <a:t>14/11/2019</a:t>
+              <a:t>16/11/2019</a:t>
             </a:fld>
             <a:endParaRPr lang="en-SG"/>
           </a:p>
@@ -1843,7 +1843,7 @@
           <a:p>
             <a:fld id="{159A2670-0965-4332-9A3B-E762AC6DCCD7}" type="datetimeFigureOut">
               <a:rPr lang="en-SG" smtClean="0"/>
-              <a:t>14/11/2019</a:t>
+              <a:t>16/11/2019</a:t>
             </a:fld>
             <a:endParaRPr lang="en-SG"/>
           </a:p>
@@ -1985,7 +1985,7 @@
           <a:p>
             <a:fld id="{159A2670-0965-4332-9A3B-E762AC6DCCD7}" type="datetimeFigureOut">
               <a:rPr lang="en-SG" smtClean="0"/>
-              <a:t>14/11/2019</a:t>
+              <a:t>16/11/2019</a:t>
             </a:fld>
             <a:endParaRPr lang="en-SG"/>
           </a:p>
@@ -2098,7 +2098,7 @@
           <a:p>
             <a:fld id="{159A2670-0965-4332-9A3B-E762AC6DCCD7}" type="datetimeFigureOut">
               <a:rPr lang="en-SG" smtClean="0"/>
-              <a:t>14/11/2019</a:t>
+              <a:t>16/11/2019</a:t>
             </a:fld>
             <a:endParaRPr lang="en-SG"/>
           </a:p>
@@ -2411,7 +2411,7 @@
           <a:p>
             <a:fld id="{159A2670-0965-4332-9A3B-E762AC6DCCD7}" type="datetimeFigureOut">
               <a:rPr lang="en-SG" smtClean="0"/>
-              <a:t>14/11/2019</a:t>
+              <a:t>16/11/2019</a:t>
             </a:fld>
             <a:endParaRPr lang="en-SG"/>
           </a:p>
@@ -2700,7 +2700,7 @@
           <a:p>
             <a:fld id="{159A2670-0965-4332-9A3B-E762AC6DCCD7}" type="datetimeFigureOut">
               <a:rPr lang="en-SG" smtClean="0"/>
-              <a:t>14/11/2019</a:t>
+              <a:t>16/11/2019</a:t>
             </a:fld>
             <a:endParaRPr lang="en-SG"/>
           </a:p>
@@ -2943,7 +2943,7 @@
           <a:p>
             <a:fld id="{159A2670-0965-4332-9A3B-E762AC6DCCD7}" type="datetimeFigureOut">
               <a:rPr lang="en-SG" smtClean="0"/>
-              <a:t>14/11/2019</a:t>
+              <a:t>16/11/2019</a:t>
             </a:fld>
             <a:endParaRPr lang="en-SG"/>
           </a:p>
@@ -4568,11 +4568,9 @@
             <a:avLst/>
           </a:prstGeom>
           <a:solidFill>
-            <a:schemeClr val="accent6">
-              <a:lumMod val="40000"/>
-              <a:lumOff val="60000"/>
+            <a:srgbClr val="FFFF00">
               <a:alpha val="50000"/>
-            </a:schemeClr>
+            </a:srgbClr>
           </a:solidFill>
           <a:ln>
             <a:noFill/>
@@ -4603,2527 +4601,2418 @@
           </a:p>
         </p:txBody>
       </p:sp>
-      <p:grpSp>
-        <p:nvGrpSpPr>
-          <p:cNvPr id="9" name="Group 8">
-            <a:extLst>
-              <a:ext uri="{FF2B5EF4-FFF2-40B4-BE49-F238E27FC236}">
-                <a16:creationId xmlns:a16="http://schemas.microsoft.com/office/drawing/2014/main" id="{A2312749-C2CC-4889-B3C1-576B2369B3BF}"/>
-              </a:ext>
-            </a:extLst>
-          </p:cNvPr>
-          <p:cNvGrpSpPr/>
+      <p:pic>
+        <p:nvPicPr>
+          <p:cNvPr id="5" name="Picture 4" descr="A screenshot of a cell phone&#10;&#10;Description automatically generated">
+            <a:extLst>
+              <a:ext uri="{FF2B5EF4-FFF2-40B4-BE49-F238E27FC236}">
+                <a16:creationId xmlns:a16="http://schemas.microsoft.com/office/drawing/2014/main" id="{26944FBD-58FD-471B-8567-213FE8F0C40A}"/>
+              </a:ext>
+            </a:extLst>
+          </p:cNvPr>
+          <p:cNvPicPr>
+            <a:picLocks noChangeAspect="1"/>
+          </p:cNvPicPr>
           <p:nvPr/>
-        </p:nvGrpSpPr>
-        <p:grpSpPr>
+        </p:nvPicPr>
+        <p:blipFill>
+          <a:blip r:embed="rId3">
+            <a:extLst>
+              <a:ext uri="{28A0092B-C50C-407E-A947-70E740481C1C}">
+                <a14:useLocalDpi xmlns:a14="http://schemas.microsoft.com/office/drawing/2010/main" val="0"/>
+              </a:ext>
+            </a:extLst>
+          </a:blip>
+          <a:stretch>
+            <a:fillRect/>
+          </a:stretch>
+        </p:blipFill>
+        <p:spPr>
           <a:xfrm>
             <a:off x="5200725" y="3869098"/>
             <a:ext cx="5572125" cy="2457450"/>
-            <a:chOff x="2369411" y="4035425"/>
-            <a:chExt cx="5572125" cy="2457450"/>
-          </a:xfrm>
-        </p:grpSpPr>
-        <p:pic>
-          <p:nvPicPr>
-            <p:cNvPr id="5" name="Picture 4" descr="A screenshot of a cell phone&#10;&#10;Description automatically generated">
-              <a:extLst>
-                <a:ext uri="{FF2B5EF4-FFF2-40B4-BE49-F238E27FC236}">
-                  <a16:creationId xmlns:a16="http://schemas.microsoft.com/office/drawing/2014/main" id="{26944FBD-58FD-471B-8567-213FE8F0C40A}"/>
-                </a:ext>
-              </a:extLst>
-            </p:cNvPr>
-            <p:cNvPicPr>
-              <a:picLocks noChangeAspect="1"/>
-            </p:cNvPicPr>
-            <p:nvPr/>
-          </p:nvPicPr>
-          <p:blipFill>
-            <a:blip r:embed="rId3">
-              <a:extLst>
-                <a:ext uri="{28A0092B-C50C-407E-A947-70E740481C1C}">
-                  <a14:useLocalDpi xmlns:a14="http://schemas.microsoft.com/office/drawing/2010/main" val="0"/>
-                </a:ext>
-              </a:extLst>
-            </a:blip>
-            <a:stretch>
-              <a:fillRect/>
-            </a:stretch>
-          </p:blipFill>
-          <p:spPr>
-            <a:xfrm>
-              <a:off x="2369411" y="4035425"/>
-              <a:ext cx="5572125" cy="2457450"/>
-            </a:xfrm>
-            <a:prstGeom prst="rect">
-              <a:avLst/>
-            </a:prstGeom>
-          </p:spPr>
-        </p:pic>
-        <p:sp>
-          <p:nvSpPr>
-            <p:cNvPr id="7" name="Rectangle 6">
-              <a:extLst>
-                <a:ext uri="{FF2B5EF4-FFF2-40B4-BE49-F238E27FC236}">
-                  <a16:creationId xmlns:a16="http://schemas.microsoft.com/office/drawing/2014/main" id="{7942B67C-D626-4028-AA80-5D091DD1DCBD}"/>
-                </a:ext>
-              </a:extLst>
-            </p:cNvPr>
-            <p:cNvSpPr/>
-            <p:nvPr/>
-          </p:nvSpPr>
-          <p:spPr>
-            <a:xfrm>
-              <a:off x="3716323" y="6284163"/>
-              <a:ext cx="536895" cy="174844"/>
-            </a:xfrm>
-            <a:prstGeom prst="rect">
-              <a:avLst/>
-            </a:prstGeom>
-            <a:solidFill>
-              <a:schemeClr val="accent6">
-                <a:lumMod val="40000"/>
-                <a:lumOff val="60000"/>
-                <a:alpha val="50000"/>
-              </a:schemeClr>
-            </a:solidFill>
-            <a:ln>
-              <a:noFill/>
-            </a:ln>
-          </p:spPr>
-          <p:style>
-            <a:lnRef idx="2">
-              <a:schemeClr val="accent1">
-                <a:shade val="50000"/>
-              </a:schemeClr>
-            </a:lnRef>
-            <a:fillRef idx="1">
-              <a:schemeClr val="accent1"/>
-            </a:fillRef>
-            <a:effectRef idx="0">
-              <a:schemeClr val="accent1"/>
-            </a:effectRef>
-            <a:fontRef idx="minor">
-              <a:schemeClr val="lt1"/>
-            </a:fontRef>
-          </p:style>
-          <p:txBody>
-            <a:bodyPr rtlCol="0" anchor="ctr"/>
-            <a:lstStyle/>
-            <a:p>
-              <a:pPr algn="ctr"/>
-              <a:endParaRPr lang="en-SG"/>
-            </a:p>
-          </p:txBody>
-        </p:sp>
-        <p:sp>
-          <p:nvSpPr>
-            <p:cNvPr id="10" name="Rectangle 9">
-              <a:extLst>
-                <a:ext uri="{FF2B5EF4-FFF2-40B4-BE49-F238E27FC236}">
-                  <a16:creationId xmlns:a16="http://schemas.microsoft.com/office/drawing/2014/main" id="{5585AD1B-2464-49CF-9016-83E4803A9E5C}"/>
-                </a:ext>
-              </a:extLst>
-            </p:cNvPr>
-            <p:cNvSpPr/>
-            <p:nvPr/>
-          </p:nvSpPr>
-          <p:spPr>
-            <a:xfrm>
-              <a:off x="3716322" y="6042675"/>
-              <a:ext cx="536895" cy="174844"/>
-            </a:xfrm>
-            <a:prstGeom prst="rect">
-              <a:avLst/>
-            </a:prstGeom>
-            <a:solidFill>
-              <a:schemeClr val="accent6">
-                <a:lumMod val="40000"/>
-                <a:lumOff val="60000"/>
-                <a:alpha val="50000"/>
-              </a:schemeClr>
-            </a:solidFill>
-            <a:ln>
-              <a:noFill/>
-            </a:ln>
-          </p:spPr>
-          <p:style>
-            <a:lnRef idx="2">
-              <a:schemeClr val="accent1">
-                <a:shade val="50000"/>
-              </a:schemeClr>
-            </a:lnRef>
-            <a:fillRef idx="1">
-              <a:schemeClr val="accent1"/>
-            </a:fillRef>
-            <a:effectRef idx="0">
-              <a:schemeClr val="accent1"/>
-            </a:effectRef>
-            <a:fontRef idx="minor">
-              <a:schemeClr val="lt1"/>
-            </a:fontRef>
-          </p:style>
-          <p:txBody>
-            <a:bodyPr rtlCol="0" anchor="ctr"/>
-            <a:lstStyle/>
-            <a:p>
-              <a:pPr algn="ctr"/>
-              <a:endParaRPr lang="en-SG"/>
-            </a:p>
-          </p:txBody>
-        </p:sp>
-        <p:sp>
-          <p:nvSpPr>
-            <p:cNvPr id="11" name="Rectangle 10">
-              <a:extLst>
-                <a:ext uri="{FF2B5EF4-FFF2-40B4-BE49-F238E27FC236}">
-                  <a16:creationId xmlns:a16="http://schemas.microsoft.com/office/drawing/2014/main" id="{81C849C6-04EC-42B9-B512-876481334108}"/>
-                </a:ext>
-              </a:extLst>
-            </p:cNvPr>
-            <p:cNvSpPr/>
-            <p:nvPr/>
-          </p:nvSpPr>
-          <p:spPr>
-            <a:xfrm>
-              <a:off x="3716322" y="5792720"/>
-              <a:ext cx="536895" cy="174844"/>
-            </a:xfrm>
-            <a:prstGeom prst="rect">
-              <a:avLst/>
-            </a:prstGeom>
-            <a:solidFill>
-              <a:schemeClr val="accent6">
-                <a:lumMod val="40000"/>
-                <a:lumOff val="60000"/>
-                <a:alpha val="50000"/>
-              </a:schemeClr>
-            </a:solidFill>
-            <a:ln>
-              <a:noFill/>
-            </a:ln>
-          </p:spPr>
-          <p:style>
-            <a:lnRef idx="2">
-              <a:schemeClr val="accent1">
-                <a:shade val="50000"/>
-              </a:schemeClr>
-            </a:lnRef>
-            <a:fillRef idx="1">
-              <a:schemeClr val="accent1"/>
-            </a:fillRef>
-            <a:effectRef idx="0">
-              <a:schemeClr val="accent1"/>
-            </a:effectRef>
-            <a:fontRef idx="minor">
-              <a:schemeClr val="lt1"/>
-            </a:fontRef>
-          </p:style>
-          <p:txBody>
-            <a:bodyPr rtlCol="0" anchor="ctr"/>
-            <a:lstStyle/>
-            <a:p>
-              <a:pPr algn="ctr"/>
-              <a:endParaRPr lang="en-SG"/>
-            </a:p>
-          </p:txBody>
-        </p:sp>
-        <p:sp>
-          <p:nvSpPr>
-            <p:cNvPr id="12" name="Rectangle 11">
-              <a:extLst>
-                <a:ext uri="{FF2B5EF4-FFF2-40B4-BE49-F238E27FC236}">
-                  <a16:creationId xmlns:a16="http://schemas.microsoft.com/office/drawing/2014/main" id="{D4CB6C43-779D-4970-8A49-29A7EFBDC0A5}"/>
-                </a:ext>
-              </a:extLst>
-            </p:cNvPr>
-            <p:cNvSpPr/>
-            <p:nvPr/>
-          </p:nvSpPr>
-          <p:spPr>
-            <a:xfrm>
-              <a:off x="3716322" y="5542765"/>
-              <a:ext cx="536895" cy="174844"/>
-            </a:xfrm>
-            <a:prstGeom prst="rect">
-              <a:avLst/>
-            </a:prstGeom>
-            <a:solidFill>
-              <a:schemeClr val="accent6">
-                <a:lumMod val="40000"/>
-                <a:lumOff val="60000"/>
-                <a:alpha val="50000"/>
-              </a:schemeClr>
-            </a:solidFill>
-            <a:ln>
-              <a:noFill/>
-            </a:ln>
-          </p:spPr>
-          <p:style>
-            <a:lnRef idx="2">
-              <a:schemeClr val="accent1">
-                <a:shade val="50000"/>
-              </a:schemeClr>
-            </a:lnRef>
-            <a:fillRef idx="1">
-              <a:schemeClr val="accent1"/>
-            </a:fillRef>
-            <a:effectRef idx="0">
-              <a:schemeClr val="accent1"/>
-            </a:effectRef>
-            <a:fontRef idx="minor">
-              <a:schemeClr val="lt1"/>
-            </a:fontRef>
-          </p:style>
-          <p:txBody>
-            <a:bodyPr rtlCol="0" anchor="ctr"/>
-            <a:lstStyle/>
-            <a:p>
-              <a:pPr algn="ctr"/>
-              <a:endParaRPr lang="en-SG"/>
-            </a:p>
-          </p:txBody>
-        </p:sp>
-        <p:sp>
-          <p:nvSpPr>
-            <p:cNvPr id="13" name="Rectangle 12">
-              <a:extLst>
-                <a:ext uri="{FF2B5EF4-FFF2-40B4-BE49-F238E27FC236}">
-                  <a16:creationId xmlns:a16="http://schemas.microsoft.com/office/drawing/2014/main" id="{F06F9228-9B94-4384-822C-F26462E2C42F}"/>
-                </a:ext>
-              </a:extLst>
-            </p:cNvPr>
-            <p:cNvSpPr/>
-            <p:nvPr/>
-          </p:nvSpPr>
-          <p:spPr>
-            <a:xfrm>
-              <a:off x="3716321" y="5306842"/>
-              <a:ext cx="536895" cy="174844"/>
-            </a:xfrm>
-            <a:prstGeom prst="rect">
-              <a:avLst/>
-            </a:prstGeom>
-            <a:solidFill>
-              <a:schemeClr val="accent6">
-                <a:lumMod val="40000"/>
-                <a:lumOff val="60000"/>
-                <a:alpha val="50000"/>
-              </a:schemeClr>
-            </a:solidFill>
-            <a:ln>
-              <a:noFill/>
-            </a:ln>
-          </p:spPr>
-          <p:style>
-            <a:lnRef idx="2">
-              <a:schemeClr val="accent1">
-                <a:shade val="50000"/>
-              </a:schemeClr>
-            </a:lnRef>
-            <a:fillRef idx="1">
-              <a:schemeClr val="accent1"/>
-            </a:fillRef>
-            <a:effectRef idx="0">
-              <a:schemeClr val="accent1"/>
-            </a:effectRef>
-            <a:fontRef idx="minor">
-              <a:schemeClr val="lt1"/>
-            </a:fontRef>
-          </p:style>
-          <p:txBody>
-            <a:bodyPr rtlCol="0" anchor="ctr"/>
-            <a:lstStyle/>
-            <a:p>
-              <a:pPr algn="ctr"/>
-              <a:endParaRPr lang="en-SG"/>
-            </a:p>
-          </p:txBody>
-        </p:sp>
-        <p:sp>
-          <p:nvSpPr>
-            <p:cNvPr id="14" name="Rectangle 13">
-              <a:extLst>
-                <a:ext uri="{FF2B5EF4-FFF2-40B4-BE49-F238E27FC236}">
-                  <a16:creationId xmlns:a16="http://schemas.microsoft.com/office/drawing/2014/main" id="{F8459162-48DE-4498-B347-F062473B6EF3}"/>
-                </a:ext>
-              </a:extLst>
-            </p:cNvPr>
-            <p:cNvSpPr/>
-            <p:nvPr/>
-          </p:nvSpPr>
-          <p:spPr>
-            <a:xfrm>
-              <a:off x="5516771" y="6273171"/>
-              <a:ext cx="536895" cy="174844"/>
-            </a:xfrm>
-            <a:prstGeom prst="rect">
-              <a:avLst/>
-            </a:prstGeom>
-            <a:solidFill>
-              <a:schemeClr val="accent6">
-                <a:lumMod val="40000"/>
-                <a:lumOff val="60000"/>
-                <a:alpha val="50000"/>
-              </a:schemeClr>
-            </a:solidFill>
-            <a:ln>
-              <a:noFill/>
-            </a:ln>
-          </p:spPr>
-          <p:style>
-            <a:lnRef idx="2">
-              <a:schemeClr val="accent1">
-                <a:shade val="50000"/>
-              </a:schemeClr>
-            </a:lnRef>
-            <a:fillRef idx="1">
-              <a:schemeClr val="accent1"/>
-            </a:fillRef>
-            <a:effectRef idx="0">
-              <a:schemeClr val="accent1"/>
-            </a:effectRef>
-            <a:fontRef idx="minor">
-              <a:schemeClr val="lt1"/>
-            </a:fontRef>
-          </p:style>
-          <p:txBody>
-            <a:bodyPr rtlCol="0" anchor="ctr"/>
-            <a:lstStyle/>
-            <a:p>
-              <a:pPr algn="ctr"/>
-              <a:endParaRPr lang="en-SG"/>
-            </a:p>
-          </p:txBody>
-        </p:sp>
-        <p:sp>
-          <p:nvSpPr>
-            <p:cNvPr id="15" name="Rectangle 14">
-              <a:extLst>
-                <a:ext uri="{FF2B5EF4-FFF2-40B4-BE49-F238E27FC236}">
-                  <a16:creationId xmlns:a16="http://schemas.microsoft.com/office/drawing/2014/main" id="{9FEE4682-7729-40DC-9B7F-9602CED457A1}"/>
-                </a:ext>
-              </a:extLst>
-            </p:cNvPr>
-            <p:cNvSpPr/>
-            <p:nvPr/>
-          </p:nvSpPr>
-          <p:spPr>
-            <a:xfrm>
-              <a:off x="5516770" y="6031683"/>
-              <a:ext cx="536895" cy="174844"/>
-            </a:xfrm>
-            <a:prstGeom prst="rect">
-              <a:avLst/>
-            </a:prstGeom>
-            <a:solidFill>
-              <a:schemeClr val="accent6">
-                <a:lumMod val="40000"/>
-                <a:lumOff val="60000"/>
-                <a:alpha val="50000"/>
-              </a:schemeClr>
-            </a:solidFill>
-            <a:ln>
-              <a:noFill/>
-            </a:ln>
-          </p:spPr>
-          <p:style>
-            <a:lnRef idx="2">
-              <a:schemeClr val="accent1">
-                <a:shade val="50000"/>
-              </a:schemeClr>
-            </a:lnRef>
-            <a:fillRef idx="1">
-              <a:schemeClr val="accent1"/>
-            </a:fillRef>
-            <a:effectRef idx="0">
-              <a:schemeClr val="accent1"/>
-            </a:effectRef>
-            <a:fontRef idx="minor">
-              <a:schemeClr val="lt1"/>
-            </a:fontRef>
-          </p:style>
-          <p:txBody>
-            <a:bodyPr rtlCol="0" anchor="ctr"/>
-            <a:lstStyle/>
-            <a:p>
-              <a:pPr algn="ctr"/>
-              <a:endParaRPr lang="en-SG"/>
-            </a:p>
-          </p:txBody>
-        </p:sp>
-        <p:sp>
-          <p:nvSpPr>
-            <p:cNvPr id="16" name="Rectangle 15">
-              <a:extLst>
-                <a:ext uri="{FF2B5EF4-FFF2-40B4-BE49-F238E27FC236}">
-                  <a16:creationId xmlns:a16="http://schemas.microsoft.com/office/drawing/2014/main" id="{AE6FFDB4-7EBD-4DEE-AD6A-23EE316C41CD}"/>
-                </a:ext>
-              </a:extLst>
-            </p:cNvPr>
-            <p:cNvSpPr/>
-            <p:nvPr/>
-          </p:nvSpPr>
-          <p:spPr>
-            <a:xfrm>
-              <a:off x="5516770" y="5781728"/>
-              <a:ext cx="536895" cy="174844"/>
-            </a:xfrm>
-            <a:prstGeom prst="rect">
-              <a:avLst/>
-            </a:prstGeom>
-            <a:solidFill>
-              <a:schemeClr val="accent6">
-                <a:lumMod val="40000"/>
-                <a:lumOff val="60000"/>
-                <a:alpha val="50000"/>
-              </a:schemeClr>
-            </a:solidFill>
-            <a:ln>
-              <a:noFill/>
-            </a:ln>
-          </p:spPr>
-          <p:style>
-            <a:lnRef idx="2">
-              <a:schemeClr val="accent1">
-                <a:shade val="50000"/>
-              </a:schemeClr>
-            </a:lnRef>
-            <a:fillRef idx="1">
-              <a:schemeClr val="accent1"/>
-            </a:fillRef>
-            <a:effectRef idx="0">
-              <a:schemeClr val="accent1"/>
-            </a:effectRef>
-            <a:fontRef idx="minor">
-              <a:schemeClr val="lt1"/>
-            </a:fontRef>
-          </p:style>
-          <p:txBody>
-            <a:bodyPr rtlCol="0" anchor="ctr"/>
-            <a:lstStyle/>
-            <a:p>
-              <a:pPr algn="ctr"/>
-              <a:endParaRPr lang="en-SG"/>
-            </a:p>
-          </p:txBody>
-        </p:sp>
-        <p:sp>
-          <p:nvSpPr>
-            <p:cNvPr id="17" name="Rectangle 16">
-              <a:extLst>
-                <a:ext uri="{FF2B5EF4-FFF2-40B4-BE49-F238E27FC236}">
-                  <a16:creationId xmlns:a16="http://schemas.microsoft.com/office/drawing/2014/main" id="{FC3EF55D-1D82-430E-9749-7FA6EAC6B8D7}"/>
-                </a:ext>
-              </a:extLst>
-            </p:cNvPr>
-            <p:cNvSpPr/>
-            <p:nvPr/>
-          </p:nvSpPr>
-          <p:spPr>
-            <a:xfrm>
-              <a:off x="5516770" y="5531773"/>
-              <a:ext cx="536895" cy="174844"/>
-            </a:xfrm>
-            <a:prstGeom prst="rect">
-              <a:avLst/>
-            </a:prstGeom>
-            <a:solidFill>
-              <a:schemeClr val="accent6">
-                <a:lumMod val="40000"/>
-                <a:lumOff val="60000"/>
-                <a:alpha val="50000"/>
-              </a:schemeClr>
-            </a:solidFill>
-            <a:ln>
-              <a:noFill/>
-            </a:ln>
-          </p:spPr>
-          <p:style>
-            <a:lnRef idx="2">
-              <a:schemeClr val="accent1">
-                <a:shade val="50000"/>
-              </a:schemeClr>
-            </a:lnRef>
-            <a:fillRef idx="1">
-              <a:schemeClr val="accent1"/>
-            </a:fillRef>
-            <a:effectRef idx="0">
-              <a:schemeClr val="accent1"/>
-            </a:effectRef>
-            <a:fontRef idx="minor">
-              <a:schemeClr val="lt1"/>
-            </a:fontRef>
-          </p:style>
-          <p:txBody>
-            <a:bodyPr rtlCol="0" anchor="ctr"/>
-            <a:lstStyle/>
-            <a:p>
-              <a:pPr algn="ctr"/>
-              <a:endParaRPr lang="en-SG"/>
-            </a:p>
-          </p:txBody>
-        </p:sp>
-        <p:sp>
-          <p:nvSpPr>
-            <p:cNvPr id="18" name="Rectangle 17">
-              <a:extLst>
-                <a:ext uri="{FF2B5EF4-FFF2-40B4-BE49-F238E27FC236}">
-                  <a16:creationId xmlns:a16="http://schemas.microsoft.com/office/drawing/2014/main" id="{25A5D1D8-6486-4352-9363-734BF547803E}"/>
-                </a:ext>
-              </a:extLst>
-            </p:cNvPr>
-            <p:cNvSpPr/>
-            <p:nvPr/>
-          </p:nvSpPr>
-          <p:spPr>
-            <a:xfrm>
-              <a:off x="5516769" y="5295850"/>
-              <a:ext cx="536895" cy="174844"/>
-            </a:xfrm>
-            <a:prstGeom prst="rect">
-              <a:avLst/>
-            </a:prstGeom>
-            <a:solidFill>
-              <a:schemeClr val="accent6">
-                <a:lumMod val="40000"/>
-                <a:lumOff val="60000"/>
-                <a:alpha val="50000"/>
-              </a:schemeClr>
-            </a:solidFill>
-            <a:ln>
-              <a:noFill/>
-            </a:ln>
-          </p:spPr>
-          <p:style>
-            <a:lnRef idx="2">
-              <a:schemeClr val="accent1">
-                <a:shade val="50000"/>
-              </a:schemeClr>
-            </a:lnRef>
-            <a:fillRef idx="1">
-              <a:schemeClr val="accent1"/>
-            </a:fillRef>
-            <a:effectRef idx="0">
-              <a:schemeClr val="accent1"/>
-            </a:effectRef>
-            <a:fontRef idx="minor">
-              <a:schemeClr val="lt1"/>
-            </a:fontRef>
-          </p:style>
-          <p:txBody>
-            <a:bodyPr rtlCol="0" anchor="ctr"/>
-            <a:lstStyle/>
-            <a:p>
-              <a:pPr algn="ctr"/>
-              <a:endParaRPr lang="en-SG"/>
-            </a:p>
-          </p:txBody>
-        </p:sp>
-        <p:sp>
-          <p:nvSpPr>
-            <p:cNvPr id="19" name="Rectangle 18">
-              <a:extLst>
-                <a:ext uri="{FF2B5EF4-FFF2-40B4-BE49-F238E27FC236}">
-                  <a16:creationId xmlns:a16="http://schemas.microsoft.com/office/drawing/2014/main" id="{DFD0B499-BC0D-43E6-9FD0-A6ABFF3EF14F}"/>
-                </a:ext>
-              </a:extLst>
-            </p:cNvPr>
-            <p:cNvSpPr/>
-            <p:nvPr/>
-          </p:nvSpPr>
-          <p:spPr>
-            <a:xfrm>
-              <a:off x="5516769" y="5057214"/>
-              <a:ext cx="536895" cy="174844"/>
-            </a:xfrm>
-            <a:prstGeom prst="rect">
-              <a:avLst/>
-            </a:prstGeom>
-            <a:solidFill>
-              <a:schemeClr val="accent6">
-                <a:lumMod val="40000"/>
-                <a:lumOff val="60000"/>
-                <a:alpha val="50000"/>
-              </a:schemeClr>
-            </a:solidFill>
-            <a:ln>
-              <a:noFill/>
-            </a:ln>
-          </p:spPr>
-          <p:style>
-            <a:lnRef idx="2">
-              <a:schemeClr val="accent1">
-                <a:shade val="50000"/>
-              </a:schemeClr>
-            </a:lnRef>
-            <a:fillRef idx="1">
-              <a:schemeClr val="accent1"/>
-            </a:fillRef>
-            <a:effectRef idx="0">
-              <a:schemeClr val="accent1"/>
-            </a:effectRef>
-            <a:fontRef idx="minor">
-              <a:schemeClr val="lt1"/>
-            </a:fontRef>
-          </p:style>
-          <p:txBody>
-            <a:bodyPr rtlCol="0" anchor="ctr"/>
-            <a:lstStyle/>
-            <a:p>
-              <a:pPr algn="ctr"/>
-              <a:endParaRPr lang="en-SG"/>
-            </a:p>
-          </p:txBody>
-        </p:sp>
-        <p:sp>
-          <p:nvSpPr>
-            <p:cNvPr id="20" name="Rectangle 19">
-              <a:extLst>
-                <a:ext uri="{FF2B5EF4-FFF2-40B4-BE49-F238E27FC236}">
-                  <a16:creationId xmlns:a16="http://schemas.microsoft.com/office/drawing/2014/main" id="{13E06FA6-927D-4D64-82EF-9ADCEFB91127}"/>
-                </a:ext>
-              </a:extLst>
-            </p:cNvPr>
-            <p:cNvSpPr/>
-            <p:nvPr/>
-          </p:nvSpPr>
-          <p:spPr>
-            <a:xfrm>
-              <a:off x="5516768" y="4809539"/>
-              <a:ext cx="536895" cy="174844"/>
-            </a:xfrm>
-            <a:prstGeom prst="rect">
-              <a:avLst/>
-            </a:prstGeom>
-            <a:solidFill>
-              <a:schemeClr val="accent6">
-                <a:lumMod val="40000"/>
-                <a:lumOff val="60000"/>
-                <a:alpha val="50000"/>
-              </a:schemeClr>
-            </a:solidFill>
-            <a:ln>
-              <a:noFill/>
-            </a:ln>
-          </p:spPr>
-          <p:style>
-            <a:lnRef idx="2">
-              <a:schemeClr val="accent1">
-                <a:shade val="50000"/>
-              </a:schemeClr>
-            </a:lnRef>
-            <a:fillRef idx="1">
-              <a:schemeClr val="accent1"/>
-            </a:fillRef>
-            <a:effectRef idx="0">
-              <a:schemeClr val="accent1"/>
-            </a:effectRef>
-            <a:fontRef idx="minor">
-              <a:schemeClr val="lt1"/>
-            </a:fontRef>
-          </p:style>
-          <p:txBody>
-            <a:bodyPr rtlCol="0" anchor="ctr"/>
-            <a:lstStyle/>
-            <a:p>
-              <a:pPr algn="ctr"/>
-              <a:endParaRPr lang="en-SG"/>
-            </a:p>
-          </p:txBody>
-        </p:sp>
-        <p:sp>
-          <p:nvSpPr>
-            <p:cNvPr id="21" name="Rectangle 20">
-              <a:extLst>
-                <a:ext uri="{FF2B5EF4-FFF2-40B4-BE49-F238E27FC236}">
-                  <a16:creationId xmlns:a16="http://schemas.microsoft.com/office/drawing/2014/main" id="{978AF384-5A01-48CC-96DE-3A4A1F5E4AE2}"/>
-                </a:ext>
-              </a:extLst>
-            </p:cNvPr>
-            <p:cNvSpPr/>
-            <p:nvPr/>
-          </p:nvSpPr>
-          <p:spPr>
-            <a:xfrm>
-              <a:off x="6104468" y="6273171"/>
-              <a:ext cx="536895" cy="174844"/>
-            </a:xfrm>
-            <a:prstGeom prst="rect">
-              <a:avLst/>
-            </a:prstGeom>
-            <a:solidFill>
-              <a:schemeClr val="accent6">
-                <a:lumMod val="40000"/>
-                <a:lumOff val="60000"/>
-                <a:alpha val="50000"/>
-              </a:schemeClr>
-            </a:solidFill>
-            <a:ln>
-              <a:noFill/>
-            </a:ln>
-          </p:spPr>
-          <p:style>
-            <a:lnRef idx="2">
-              <a:schemeClr val="accent1">
-                <a:shade val="50000"/>
-              </a:schemeClr>
-            </a:lnRef>
-            <a:fillRef idx="1">
-              <a:schemeClr val="accent1"/>
-            </a:fillRef>
-            <a:effectRef idx="0">
-              <a:schemeClr val="accent1"/>
-            </a:effectRef>
-            <a:fontRef idx="minor">
-              <a:schemeClr val="lt1"/>
-            </a:fontRef>
-          </p:style>
-          <p:txBody>
-            <a:bodyPr rtlCol="0" anchor="ctr"/>
-            <a:lstStyle/>
-            <a:p>
-              <a:pPr algn="ctr"/>
-              <a:endParaRPr lang="en-SG"/>
-            </a:p>
-          </p:txBody>
-        </p:sp>
-        <p:sp>
-          <p:nvSpPr>
-            <p:cNvPr id="22" name="Rectangle 21">
-              <a:extLst>
-                <a:ext uri="{FF2B5EF4-FFF2-40B4-BE49-F238E27FC236}">
-                  <a16:creationId xmlns:a16="http://schemas.microsoft.com/office/drawing/2014/main" id="{B9ADE3E2-64B2-4D7F-A4F5-558EBEBDB16D}"/>
-                </a:ext>
-              </a:extLst>
-            </p:cNvPr>
-            <p:cNvSpPr/>
-            <p:nvPr/>
-          </p:nvSpPr>
-          <p:spPr>
-            <a:xfrm>
-              <a:off x="6104467" y="6031683"/>
-              <a:ext cx="536895" cy="174844"/>
-            </a:xfrm>
-            <a:prstGeom prst="rect">
-              <a:avLst/>
-            </a:prstGeom>
-            <a:solidFill>
-              <a:schemeClr val="accent6">
-                <a:lumMod val="40000"/>
-                <a:lumOff val="60000"/>
-                <a:alpha val="50000"/>
-              </a:schemeClr>
-            </a:solidFill>
-            <a:ln>
-              <a:noFill/>
-            </a:ln>
-          </p:spPr>
-          <p:style>
-            <a:lnRef idx="2">
-              <a:schemeClr val="accent1">
-                <a:shade val="50000"/>
-              </a:schemeClr>
-            </a:lnRef>
-            <a:fillRef idx="1">
-              <a:schemeClr val="accent1"/>
-            </a:fillRef>
-            <a:effectRef idx="0">
-              <a:schemeClr val="accent1"/>
-            </a:effectRef>
-            <a:fontRef idx="minor">
-              <a:schemeClr val="lt1"/>
-            </a:fontRef>
-          </p:style>
-          <p:txBody>
-            <a:bodyPr rtlCol="0" anchor="ctr"/>
-            <a:lstStyle/>
-            <a:p>
-              <a:pPr algn="ctr"/>
-              <a:endParaRPr lang="en-SG"/>
-            </a:p>
-          </p:txBody>
-        </p:sp>
-        <p:sp>
-          <p:nvSpPr>
-            <p:cNvPr id="23" name="Rectangle 22">
-              <a:extLst>
-                <a:ext uri="{FF2B5EF4-FFF2-40B4-BE49-F238E27FC236}">
-                  <a16:creationId xmlns:a16="http://schemas.microsoft.com/office/drawing/2014/main" id="{480AFFD9-E8BA-4AAB-A8AA-A2A45596D6C3}"/>
-                </a:ext>
-              </a:extLst>
-            </p:cNvPr>
-            <p:cNvSpPr/>
-            <p:nvPr/>
-          </p:nvSpPr>
-          <p:spPr>
-            <a:xfrm>
-              <a:off x="6104467" y="5781728"/>
-              <a:ext cx="536895" cy="174844"/>
-            </a:xfrm>
-            <a:prstGeom prst="rect">
-              <a:avLst/>
-            </a:prstGeom>
-            <a:solidFill>
-              <a:schemeClr val="accent6">
-                <a:lumMod val="40000"/>
-                <a:lumOff val="60000"/>
-                <a:alpha val="50000"/>
-              </a:schemeClr>
-            </a:solidFill>
-            <a:ln>
-              <a:noFill/>
-            </a:ln>
-          </p:spPr>
-          <p:style>
-            <a:lnRef idx="2">
-              <a:schemeClr val="accent1">
-                <a:shade val="50000"/>
-              </a:schemeClr>
-            </a:lnRef>
-            <a:fillRef idx="1">
-              <a:schemeClr val="accent1"/>
-            </a:fillRef>
-            <a:effectRef idx="0">
-              <a:schemeClr val="accent1"/>
-            </a:effectRef>
-            <a:fontRef idx="minor">
-              <a:schemeClr val="lt1"/>
-            </a:fontRef>
-          </p:style>
-          <p:txBody>
-            <a:bodyPr rtlCol="0" anchor="ctr"/>
-            <a:lstStyle/>
-            <a:p>
-              <a:pPr algn="ctr"/>
-              <a:endParaRPr lang="en-SG"/>
-            </a:p>
-          </p:txBody>
-        </p:sp>
-        <p:sp>
-          <p:nvSpPr>
-            <p:cNvPr id="24" name="Rectangle 23">
-              <a:extLst>
-                <a:ext uri="{FF2B5EF4-FFF2-40B4-BE49-F238E27FC236}">
-                  <a16:creationId xmlns:a16="http://schemas.microsoft.com/office/drawing/2014/main" id="{3C07100E-3A05-44EA-84AA-E771DD833F8D}"/>
-                </a:ext>
-              </a:extLst>
-            </p:cNvPr>
-            <p:cNvSpPr/>
-            <p:nvPr/>
-          </p:nvSpPr>
-          <p:spPr>
-            <a:xfrm>
-              <a:off x="6104467" y="5531773"/>
-              <a:ext cx="536895" cy="174844"/>
-            </a:xfrm>
-            <a:prstGeom prst="rect">
-              <a:avLst/>
-            </a:prstGeom>
-            <a:solidFill>
-              <a:schemeClr val="accent6">
-                <a:lumMod val="40000"/>
-                <a:lumOff val="60000"/>
-                <a:alpha val="50000"/>
-              </a:schemeClr>
-            </a:solidFill>
-            <a:ln>
-              <a:noFill/>
-            </a:ln>
-          </p:spPr>
-          <p:style>
-            <a:lnRef idx="2">
-              <a:schemeClr val="accent1">
-                <a:shade val="50000"/>
-              </a:schemeClr>
-            </a:lnRef>
-            <a:fillRef idx="1">
-              <a:schemeClr val="accent1"/>
-            </a:fillRef>
-            <a:effectRef idx="0">
-              <a:schemeClr val="accent1"/>
-            </a:effectRef>
-            <a:fontRef idx="minor">
-              <a:schemeClr val="lt1"/>
-            </a:fontRef>
-          </p:style>
-          <p:txBody>
-            <a:bodyPr rtlCol="0" anchor="ctr"/>
-            <a:lstStyle/>
-            <a:p>
-              <a:pPr algn="ctr"/>
-              <a:endParaRPr lang="en-SG"/>
-            </a:p>
-          </p:txBody>
-        </p:sp>
-        <p:sp>
-          <p:nvSpPr>
-            <p:cNvPr id="25" name="Rectangle 24">
-              <a:extLst>
-                <a:ext uri="{FF2B5EF4-FFF2-40B4-BE49-F238E27FC236}">
-                  <a16:creationId xmlns:a16="http://schemas.microsoft.com/office/drawing/2014/main" id="{B19946C5-B164-4035-9C97-9A96A10543EE}"/>
-                </a:ext>
-              </a:extLst>
-            </p:cNvPr>
-            <p:cNvSpPr/>
-            <p:nvPr/>
-          </p:nvSpPr>
-          <p:spPr>
-            <a:xfrm>
-              <a:off x="6104466" y="5295850"/>
-              <a:ext cx="536895" cy="174844"/>
-            </a:xfrm>
-            <a:prstGeom prst="rect">
-              <a:avLst/>
-            </a:prstGeom>
-            <a:solidFill>
-              <a:schemeClr val="accent6">
-                <a:lumMod val="40000"/>
-                <a:lumOff val="60000"/>
-                <a:alpha val="50000"/>
-              </a:schemeClr>
-            </a:solidFill>
-            <a:ln>
-              <a:noFill/>
-            </a:ln>
-          </p:spPr>
-          <p:style>
-            <a:lnRef idx="2">
-              <a:schemeClr val="accent1">
-                <a:shade val="50000"/>
-              </a:schemeClr>
-            </a:lnRef>
-            <a:fillRef idx="1">
-              <a:schemeClr val="accent1"/>
-            </a:fillRef>
-            <a:effectRef idx="0">
-              <a:schemeClr val="accent1"/>
-            </a:effectRef>
-            <a:fontRef idx="minor">
-              <a:schemeClr val="lt1"/>
-            </a:fontRef>
-          </p:style>
-          <p:txBody>
-            <a:bodyPr rtlCol="0" anchor="ctr"/>
-            <a:lstStyle/>
-            <a:p>
-              <a:pPr algn="ctr"/>
-              <a:endParaRPr lang="en-SG"/>
-            </a:p>
-          </p:txBody>
-        </p:sp>
-        <p:sp>
-          <p:nvSpPr>
-            <p:cNvPr id="26" name="Rectangle 25">
-              <a:extLst>
-                <a:ext uri="{FF2B5EF4-FFF2-40B4-BE49-F238E27FC236}">
-                  <a16:creationId xmlns:a16="http://schemas.microsoft.com/office/drawing/2014/main" id="{5B9007AA-1BEF-47B1-873C-6FB7731BC7EE}"/>
-                </a:ext>
-              </a:extLst>
-            </p:cNvPr>
-            <p:cNvSpPr/>
-            <p:nvPr/>
-          </p:nvSpPr>
-          <p:spPr>
-            <a:xfrm>
-              <a:off x="6104466" y="5057214"/>
-              <a:ext cx="536895" cy="174844"/>
-            </a:xfrm>
-            <a:prstGeom prst="rect">
-              <a:avLst/>
-            </a:prstGeom>
-            <a:solidFill>
-              <a:schemeClr val="accent6">
-                <a:lumMod val="40000"/>
-                <a:lumOff val="60000"/>
-                <a:alpha val="50000"/>
-              </a:schemeClr>
-            </a:solidFill>
-            <a:ln>
-              <a:noFill/>
-            </a:ln>
-          </p:spPr>
-          <p:style>
-            <a:lnRef idx="2">
-              <a:schemeClr val="accent1">
-                <a:shade val="50000"/>
-              </a:schemeClr>
-            </a:lnRef>
-            <a:fillRef idx="1">
-              <a:schemeClr val="accent1"/>
-            </a:fillRef>
-            <a:effectRef idx="0">
-              <a:schemeClr val="accent1"/>
-            </a:effectRef>
-            <a:fontRef idx="minor">
-              <a:schemeClr val="lt1"/>
-            </a:fontRef>
-          </p:style>
-          <p:txBody>
-            <a:bodyPr rtlCol="0" anchor="ctr"/>
-            <a:lstStyle/>
-            <a:p>
-              <a:pPr algn="ctr"/>
-              <a:endParaRPr lang="en-SG"/>
-            </a:p>
-          </p:txBody>
-        </p:sp>
-        <p:sp>
-          <p:nvSpPr>
-            <p:cNvPr id="27" name="Rectangle 26">
-              <a:extLst>
-                <a:ext uri="{FF2B5EF4-FFF2-40B4-BE49-F238E27FC236}">
-                  <a16:creationId xmlns:a16="http://schemas.microsoft.com/office/drawing/2014/main" id="{85CF3CB5-7827-4C8D-A0ED-81AA8CBB34A9}"/>
-                </a:ext>
-              </a:extLst>
-            </p:cNvPr>
-            <p:cNvSpPr/>
-            <p:nvPr/>
-          </p:nvSpPr>
-          <p:spPr>
-            <a:xfrm>
-              <a:off x="6104465" y="4809539"/>
-              <a:ext cx="536895" cy="174844"/>
-            </a:xfrm>
-            <a:prstGeom prst="rect">
-              <a:avLst/>
-            </a:prstGeom>
-            <a:solidFill>
-              <a:schemeClr val="accent6">
-                <a:lumMod val="40000"/>
-                <a:lumOff val="60000"/>
-                <a:alpha val="50000"/>
-              </a:schemeClr>
-            </a:solidFill>
-            <a:ln>
-              <a:noFill/>
-            </a:ln>
-          </p:spPr>
-          <p:style>
-            <a:lnRef idx="2">
-              <a:schemeClr val="accent1">
-                <a:shade val="50000"/>
-              </a:schemeClr>
-            </a:lnRef>
-            <a:fillRef idx="1">
-              <a:schemeClr val="accent1"/>
-            </a:fillRef>
-            <a:effectRef idx="0">
-              <a:schemeClr val="accent1"/>
-            </a:effectRef>
-            <a:fontRef idx="minor">
-              <a:schemeClr val="lt1"/>
-            </a:fontRef>
-          </p:style>
-          <p:txBody>
-            <a:bodyPr rtlCol="0" anchor="ctr"/>
-            <a:lstStyle/>
-            <a:p>
-              <a:pPr algn="ctr"/>
-              <a:endParaRPr lang="en-SG"/>
-            </a:p>
-          </p:txBody>
-        </p:sp>
-        <p:sp>
-          <p:nvSpPr>
-            <p:cNvPr id="29" name="Rectangle 28">
-              <a:extLst>
-                <a:ext uri="{FF2B5EF4-FFF2-40B4-BE49-F238E27FC236}">
-                  <a16:creationId xmlns:a16="http://schemas.microsoft.com/office/drawing/2014/main" id="{821AC5B5-1E1A-4F77-A6A4-235C2BF43AC8}"/>
-                </a:ext>
-              </a:extLst>
-            </p:cNvPr>
-            <p:cNvSpPr/>
-            <p:nvPr/>
-          </p:nvSpPr>
-          <p:spPr>
-            <a:xfrm>
-              <a:off x="6104465" y="4316931"/>
-              <a:ext cx="536895" cy="174844"/>
-            </a:xfrm>
-            <a:prstGeom prst="rect">
-              <a:avLst/>
-            </a:prstGeom>
-            <a:solidFill>
-              <a:schemeClr val="accent6">
-                <a:lumMod val="40000"/>
-                <a:lumOff val="60000"/>
-                <a:alpha val="50000"/>
-              </a:schemeClr>
-            </a:solidFill>
-            <a:ln>
-              <a:noFill/>
-            </a:ln>
-          </p:spPr>
-          <p:style>
-            <a:lnRef idx="2">
-              <a:schemeClr val="accent1">
-                <a:shade val="50000"/>
-              </a:schemeClr>
-            </a:lnRef>
-            <a:fillRef idx="1">
-              <a:schemeClr val="accent1"/>
-            </a:fillRef>
-            <a:effectRef idx="0">
-              <a:schemeClr val="accent1"/>
-            </a:effectRef>
-            <a:fontRef idx="minor">
-              <a:schemeClr val="lt1"/>
-            </a:fontRef>
-          </p:style>
-          <p:txBody>
-            <a:bodyPr rtlCol="0" anchor="ctr"/>
-            <a:lstStyle/>
-            <a:p>
-              <a:pPr algn="ctr"/>
-              <a:endParaRPr lang="en-SG"/>
-            </a:p>
-          </p:txBody>
-        </p:sp>
-        <p:sp>
-          <p:nvSpPr>
-            <p:cNvPr id="30" name="Rectangle 29">
-              <a:extLst>
-                <a:ext uri="{FF2B5EF4-FFF2-40B4-BE49-F238E27FC236}">
-                  <a16:creationId xmlns:a16="http://schemas.microsoft.com/office/drawing/2014/main" id="{7C9A9C12-BE5B-401F-95A0-6CCA99BA6FC2}"/>
-                </a:ext>
-              </a:extLst>
-            </p:cNvPr>
-            <p:cNvSpPr/>
-            <p:nvPr/>
-          </p:nvSpPr>
-          <p:spPr>
-            <a:xfrm>
-              <a:off x="5516768" y="4321409"/>
-              <a:ext cx="536895" cy="174844"/>
-            </a:xfrm>
-            <a:prstGeom prst="rect">
-              <a:avLst/>
-            </a:prstGeom>
-            <a:solidFill>
-              <a:schemeClr val="accent6">
-                <a:lumMod val="40000"/>
-                <a:lumOff val="60000"/>
-                <a:alpha val="50000"/>
-              </a:schemeClr>
-            </a:solidFill>
-            <a:ln>
-              <a:noFill/>
-            </a:ln>
-          </p:spPr>
-          <p:style>
-            <a:lnRef idx="2">
-              <a:schemeClr val="accent1">
-                <a:shade val="50000"/>
-              </a:schemeClr>
-            </a:lnRef>
-            <a:fillRef idx="1">
-              <a:schemeClr val="accent1"/>
-            </a:fillRef>
-            <a:effectRef idx="0">
-              <a:schemeClr val="accent1"/>
-            </a:effectRef>
-            <a:fontRef idx="minor">
-              <a:schemeClr val="lt1"/>
-            </a:fontRef>
-          </p:style>
-          <p:txBody>
-            <a:bodyPr rtlCol="0" anchor="ctr"/>
-            <a:lstStyle/>
-            <a:p>
-              <a:pPr algn="ctr"/>
-              <a:endParaRPr lang="en-SG"/>
-            </a:p>
-          </p:txBody>
-        </p:sp>
-        <p:sp>
-          <p:nvSpPr>
-            <p:cNvPr id="31" name="Rectangle 30">
-              <a:extLst>
-                <a:ext uri="{FF2B5EF4-FFF2-40B4-BE49-F238E27FC236}">
-                  <a16:creationId xmlns:a16="http://schemas.microsoft.com/office/drawing/2014/main" id="{E9C8991A-2183-4B0E-B698-A2B8A8BBE7A7}"/>
-                </a:ext>
-              </a:extLst>
-            </p:cNvPr>
-            <p:cNvSpPr/>
-            <p:nvPr/>
-          </p:nvSpPr>
-          <p:spPr>
-            <a:xfrm>
-              <a:off x="5516767" y="4562289"/>
-              <a:ext cx="536895" cy="174844"/>
-            </a:xfrm>
-            <a:prstGeom prst="rect">
-              <a:avLst/>
-            </a:prstGeom>
-            <a:solidFill>
-              <a:schemeClr val="accent6">
-                <a:lumMod val="40000"/>
-                <a:lumOff val="60000"/>
-                <a:alpha val="50000"/>
-              </a:schemeClr>
-            </a:solidFill>
-            <a:ln>
-              <a:noFill/>
-            </a:ln>
-          </p:spPr>
-          <p:style>
-            <a:lnRef idx="2">
-              <a:schemeClr val="accent1">
-                <a:shade val="50000"/>
-              </a:schemeClr>
-            </a:lnRef>
-            <a:fillRef idx="1">
-              <a:schemeClr val="accent1"/>
-            </a:fillRef>
-            <a:effectRef idx="0">
-              <a:schemeClr val="accent1"/>
-            </a:effectRef>
-            <a:fontRef idx="minor">
-              <a:schemeClr val="lt1"/>
-            </a:fontRef>
-          </p:style>
-          <p:txBody>
-            <a:bodyPr rtlCol="0" anchor="ctr"/>
-            <a:lstStyle/>
-            <a:p>
-              <a:pPr algn="ctr"/>
-              <a:endParaRPr lang="en-SG"/>
-            </a:p>
-          </p:txBody>
-        </p:sp>
-        <p:sp>
-          <p:nvSpPr>
-            <p:cNvPr id="32" name="Rectangle 31">
-              <a:extLst>
-                <a:ext uri="{FF2B5EF4-FFF2-40B4-BE49-F238E27FC236}">
-                  <a16:creationId xmlns:a16="http://schemas.microsoft.com/office/drawing/2014/main" id="{B8A1922C-B78C-4129-B8C5-3D3EEB15850D}"/>
-                </a:ext>
-              </a:extLst>
-            </p:cNvPr>
-            <p:cNvSpPr/>
-            <p:nvPr/>
-          </p:nvSpPr>
-          <p:spPr>
-            <a:xfrm>
-              <a:off x="6700630" y="6273171"/>
-              <a:ext cx="536895" cy="174844"/>
-            </a:xfrm>
-            <a:prstGeom prst="rect">
-              <a:avLst/>
-            </a:prstGeom>
-            <a:solidFill>
-              <a:schemeClr val="accent6">
-                <a:lumMod val="40000"/>
-                <a:lumOff val="60000"/>
-                <a:alpha val="50000"/>
-              </a:schemeClr>
-            </a:solidFill>
-            <a:ln>
-              <a:noFill/>
-            </a:ln>
-          </p:spPr>
-          <p:style>
-            <a:lnRef idx="2">
-              <a:schemeClr val="accent1">
-                <a:shade val="50000"/>
-              </a:schemeClr>
-            </a:lnRef>
-            <a:fillRef idx="1">
-              <a:schemeClr val="accent1"/>
-            </a:fillRef>
-            <a:effectRef idx="0">
-              <a:schemeClr val="accent1"/>
-            </a:effectRef>
-            <a:fontRef idx="minor">
-              <a:schemeClr val="lt1"/>
-            </a:fontRef>
-          </p:style>
-          <p:txBody>
-            <a:bodyPr rtlCol="0" anchor="ctr"/>
-            <a:lstStyle/>
-            <a:p>
-              <a:pPr algn="ctr"/>
-              <a:endParaRPr lang="en-SG"/>
-            </a:p>
-          </p:txBody>
-        </p:sp>
-        <p:sp>
-          <p:nvSpPr>
-            <p:cNvPr id="33" name="Rectangle 32">
-              <a:extLst>
-                <a:ext uri="{FF2B5EF4-FFF2-40B4-BE49-F238E27FC236}">
-                  <a16:creationId xmlns:a16="http://schemas.microsoft.com/office/drawing/2014/main" id="{7C98D8D2-B9F8-4EA8-9DD4-2E884BD47C74}"/>
-                </a:ext>
-              </a:extLst>
-            </p:cNvPr>
-            <p:cNvSpPr/>
-            <p:nvPr/>
-          </p:nvSpPr>
-          <p:spPr>
-            <a:xfrm>
-              <a:off x="6700629" y="6031683"/>
-              <a:ext cx="536895" cy="174844"/>
-            </a:xfrm>
-            <a:prstGeom prst="rect">
-              <a:avLst/>
-            </a:prstGeom>
-            <a:solidFill>
-              <a:schemeClr val="accent6">
-                <a:lumMod val="40000"/>
-                <a:lumOff val="60000"/>
-                <a:alpha val="50000"/>
-              </a:schemeClr>
-            </a:solidFill>
-            <a:ln>
-              <a:noFill/>
-            </a:ln>
-          </p:spPr>
-          <p:style>
-            <a:lnRef idx="2">
-              <a:schemeClr val="accent1">
-                <a:shade val="50000"/>
-              </a:schemeClr>
-            </a:lnRef>
-            <a:fillRef idx="1">
-              <a:schemeClr val="accent1"/>
-            </a:fillRef>
-            <a:effectRef idx="0">
-              <a:schemeClr val="accent1"/>
-            </a:effectRef>
-            <a:fontRef idx="minor">
-              <a:schemeClr val="lt1"/>
-            </a:fontRef>
-          </p:style>
-          <p:txBody>
-            <a:bodyPr rtlCol="0" anchor="ctr"/>
-            <a:lstStyle/>
-            <a:p>
-              <a:pPr algn="ctr"/>
-              <a:endParaRPr lang="en-SG"/>
-            </a:p>
-          </p:txBody>
-        </p:sp>
-        <p:sp>
-          <p:nvSpPr>
-            <p:cNvPr id="34" name="Rectangle 33">
-              <a:extLst>
-                <a:ext uri="{FF2B5EF4-FFF2-40B4-BE49-F238E27FC236}">
-                  <a16:creationId xmlns:a16="http://schemas.microsoft.com/office/drawing/2014/main" id="{FFF5CE5F-721D-41F1-A615-22770441B162}"/>
-                </a:ext>
-              </a:extLst>
-            </p:cNvPr>
-            <p:cNvSpPr/>
-            <p:nvPr/>
-          </p:nvSpPr>
-          <p:spPr>
-            <a:xfrm>
-              <a:off x="6700629" y="5781728"/>
-              <a:ext cx="536895" cy="174844"/>
-            </a:xfrm>
-            <a:prstGeom prst="rect">
-              <a:avLst/>
-            </a:prstGeom>
-            <a:solidFill>
-              <a:schemeClr val="accent6">
-                <a:lumMod val="40000"/>
-                <a:lumOff val="60000"/>
-                <a:alpha val="50000"/>
-              </a:schemeClr>
-            </a:solidFill>
-            <a:ln>
-              <a:noFill/>
-            </a:ln>
-          </p:spPr>
-          <p:style>
-            <a:lnRef idx="2">
-              <a:schemeClr val="accent1">
-                <a:shade val="50000"/>
-              </a:schemeClr>
-            </a:lnRef>
-            <a:fillRef idx="1">
-              <a:schemeClr val="accent1"/>
-            </a:fillRef>
-            <a:effectRef idx="0">
-              <a:schemeClr val="accent1"/>
-            </a:effectRef>
-            <a:fontRef idx="minor">
-              <a:schemeClr val="lt1"/>
-            </a:fontRef>
-          </p:style>
-          <p:txBody>
-            <a:bodyPr rtlCol="0" anchor="ctr"/>
-            <a:lstStyle/>
-            <a:p>
-              <a:pPr algn="ctr"/>
-              <a:endParaRPr lang="en-SG"/>
-            </a:p>
-          </p:txBody>
-        </p:sp>
-        <p:sp>
-          <p:nvSpPr>
-            <p:cNvPr id="35" name="Rectangle 34">
-              <a:extLst>
-                <a:ext uri="{FF2B5EF4-FFF2-40B4-BE49-F238E27FC236}">
-                  <a16:creationId xmlns:a16="http://schemas.microsoft.com/office/drawing/2014/main" id="{D331DEE2-88CA-42E7-B2A9-4392E48BB59A}"/>
-                </a:ext>
-              </a:extLst>
-            </p:cNvPr>
-            <p:cNvSpPr/>
-            <p:nvPr/>
-          </p:nvSpPr>
-          <p:spPr>
-            <a:xfrm>
-              <a:off x="6700629" y="5531773"/>
-              <a:ext cx="536895" cy="174844"/>
-            </a:xfrm>
-            <a:prstGeom prst="rect">
-              <a:avLst/>
-            </a:prstGeom>
-            <a:solidFill>
-              <a:schemeClr val="accent6">
-                <a:lumMod val="40000"/>
-                <a:lumOff val="60000"/>
-                <a:alpha val="50000"/>
-              </a:schemeClr>
-            </a:solidFill>
-            <a:ln>
-              <a:noFill/>
-            </a:ln>
-          </p:spPr>
-          <p:style>
-            <a:lnRef idx="2">
-              <a:schemeClr val="accent1">
-                <a:shade val="50000"/>
-              </a:schemeClr>
-            </a:lnRef>
-            <a:fillRef idx="1">
-              <a:schemeClr val="accent1"/>
-            </a:fillRef>
-            <a:effectRef idx="0">
-              <a:schemeClr val="accent1"/>
-            </a:effectRef>
-            <a:fontRef idx="minor">
-              <a:schemeClr val="lt1"/>
-            </a:fontRef>
-          </p:style>
-          <p:txBody>
-            <a:bodyPr rtlCol="0" anchor="ctr"/>
-            <a:lstStyle/>
-            <a:p>
-              <a:pPr algn="ctr"/>
-              <a:endParaRPr lang="en-SG"/>
-            </a:p>
-          </p:txBody>
-        </p:sp>
-        <p:sp>
-          <p:nvSpPr>
-            <p:cNvPr id="36" name="Rectangle 35">
-              <a:extLst>
-                <a:ext uri="{FF2B5EF4-FFF2-40B4-BE49-F238E27FC236}">
-                  <a16:creationId xmlns:a16="http://schemas.microsoft.com/office/drawing/2014/main" id="{21F0EC89-08F7-4671-90CE-54AE110A3DD1}"/>
-                </a:ext>
-              </a:extLst>
-            </p:cNvPr>
-            <p:cNvSpPr/>
-            <p:nvPr/>
-          </p:nvSpPr>
-          <p:spPr>
-            <a:xfrm>
-              <a:off x="6700628" y="5295850"/>
-              <a:ext cx="536895" cy="174844"/>
-            </a:xfrm>
-            <a:prstGeom prst="rect">
-              <a:avLst/>
-            </a:prstGeom>
-            <a:solidFill>
-              <a:schemeClr val="accent6">
-                <a:lumMod val="40000"/>
-                <a:lumOff val="60000"/>
-                <a:alpha val="50000"/>
-              </a:schemeClr>
-            </a:solidFill>
-            <a:ln>
-              <a:noFill/>
-            </a:ln>
-          </p:spPr>
-          <p:style>
-            <a:lnRef idx="2">
-              <a:schemeClr val="accent1">
-                <a:shade val="50000"/>
-              </a:schemeClr>
-            </a:lnRef>
-            <a:fillRef idx="1">
-              <a:schemeClr val="accent1"/>
-            </a:fillRef>
-            <a:effectRef idx="0">
-              <a:schemeClr val="accent1"/>
-            </a:effectRef>
-            <a:fontRef idx="minor">
-              <a:schemeClr val="lt1"/>
-            </a:fontRef>
-          </p:style>
-          <p:txBody>
-            <a:bodyPr rtlCol="0" anchor="ctr"/>
-            <a:lstStyle/>
-            <a:p>
-              <a:pPr algn="ctr"/>
-              <a:endParaRPr lang="en-SG"/>
-            </a:p>
-          </p:txBody>
-        </p:sp>
-        <p:sp>
-          <p:nvSpPr>
-            <p:cNvPr id="37" name="Rectangle 36">
-              <a:extLst>
-                <a:ext uri="{FF2B5EF4-FFF2-40B4-BE49-F238E27FC236}">
-                  <a16:creationId xmlns:a16="http://schemas.microsoft.com/office/drawing/2014/main" id="{94ABC1C2-93DE-47F9-81F7-70DC97C9A24B}"/>
-                </a:ext>
-              </a:extLst>
-            </p:cNvPr>
-            <p:cNvSpPr/>
-            <p:nvPr/>
-          </p:nvSpPr>
-          <p:spPr>
-            <a:xfrm>
-              <a:off x="6700628" y="5057214"/>
-              <a:ext cx="536895" cy="174844"/>
-            </a:xfrm>
-            <a:prstGeom prst="rect">
-              <a:avLst/>
-            </a:prstGeom>
-            <a:solidFill>
-              <a:schemeClr val="accent6">
-                <a:lumMod val="40000"/>
-                <a:lumOff val="60000"/>
-                <a:alpha val="50000"/>
-              </a:schemeClr>
-            </a:solidFill>
-            <a:ln>
-              <a:noFill/>
-            </a:ln>
-          </p:spPr>
-          <p:style>
-            <a:lnRef idx="2">
-              <a:schemeClr val="accent1">
-                <a:shade val="50000"/>
-              </a:schemeClr>
-            </a:lnRef>
-            <a:fillRef idx="1">
-              <a:schemeClr val="accent1"/>
-            </a:fillRef>
-            <a:effectRef idx="0">
-              <a:schemeClr val="accent1"/>
-            </a:effectRef>
-            <a:fontRef idx="minor">
-              <a:schemeClr val="lt1"/>
-            </a:fontRef>
-          </p:style>
-          <p:txBody>
-            <a:bodyPr rtlCol="0" anchor="ctr"/>
-            <a:lstStyle/>
-            <a:p>
-              <a:pPr algn="ctr"/>
-              <a:endParaRPr lang="en-SG"/>
-            </a:p>
-          </p:txBody>
-        </p:sp>
-        <p:sp>
-          <p:nvSpPr>
-            <p:cNvPr id="38" name="Rectangle 37">
-              <a:extLst>
-                <a:ext uri="{FF2B5EF4-FFF2-40B4-BE49-F238E27FC236}">
-                  <a16:creationId xmlns:a16="http://schemas.microsoft.com/office/drawing/2014/main" id="{2147FABE-EFD6-424E-A784-7CECC7EFA0E0}"/>
-                </a:ext>
-              </a:extLst>
-            </p:cNvPr>
-            <p:cNvSpPr/>
-            <p:nvPr/>
-          </p:nvSpPr>
-          <p:spPr>
-            <a:xfrm>
-              <a:off x="6700627" y="4809539"/>
-              <a:ext cx="536895" cy="174844"/>
-            </a:xfrm>
-            <a:prstGeom prst="rect">
-              <a:avLst/>
-            </a:prstGeom>
-            <a:solidFill>
-              <a:schemeClr val="accent6">
-                <a:lumMod val="40000"/>
-                <a:lumOff val="60000"/>
-                <a:alpha val="50000"/>
-              </a:schemeClr>
-            </a:solidFill>
-            <a:ln>
-              <a:noFill/>
-            </a:ln>
-          </p:spPr>
-          <p:style>
-            <a:lnRef idx="2">
-              <a:schemeClr val="accent1">
-                <a:shade val="50000"/>
-              </a:schemeClr>
-            </a:lnRef>
-            <a:fillRef idx="1">
-              <a:schemeClr val="accent1"/>
-            </a:fillRef>
-            <a:effectRef idx="0">
-              <a:schemeClr val="accent1"/>
-            </a:effectRef>
-            <a:fontRef idx="minor">
-              <a:schemeClr val="lt1"/>
-            </a:fontRef>
-          </p:style>
-          <p:txBody>
-            <a:bodyPr rtlCol="0" anchor="ctr"/>
-            <a:lstStyle/>
-            <a:p>
-              <a:pPr algn="ctr"/>
-              <a:endParaRPr lang="en-SG"/>
-            </a:p>
-          </p:txBody>
-        </p:sp>
-        <p:sp>
-          <p:nvSpPr>
-            <p:cNvPr id="39" name="Rectangle 38">
-              <a:extLst>
-                <a:ext uri="{FF2B5EF4-FFF2-40B4-BE49-F238E27FC236}">
-                  <a16:creationId xmlns:a16="http://schemas.microsoft.com/office/drawing/2014/main" id="{94DB9481-0909-4110-9A4C-06FF4CF06855}"/>
-                </a:ext>
-              </a:extLst>
-            </p:cNvPr>
-            <p:cNvSpPr/>
-            <p:nvPr/>
-          </p:nvSpPr>
-          <p:spPr>
-            <a:xfrm>
-              <a:off x="6700627" y="4321409"/>
-              <a:ext cx="536895" cy="174844"/>
-            </a:xfrm>
-            <a:prstGeom prst="rect">
-              <a:avLst/>
-            </a:prstGeom>
-            <a:solidFill>
-              <a:schemeClr val="accent6">
-                <a:lumMod val="40000"/>
-                <a:lumOff val="60000"/>
-                <a:alpha val="50000"/>
-              </a:schemeClr>
-            </a:solidFill>
-            <a:ln>
-              <a:noFill/>
-            </a:ln>
-          </p:spPr>
-          <p:style>
-            <a:lnRef idx="2">
-              <a:schemeClr val="accent1">
-                <a:shade val="50000"/>
-              </a:schemeClr>
-            </a:lnRef>
-            <a:fillRef idx="1">
-              <a:schemeClr val="accent1"/>
-            </a:fillRef>
-            <a:effectRef idx="0">
-              <a:schemeClr val="accent1"/>
-            </a:effectRef>
-            <a:fontRef idx="minor">
-              <a:schemeClr val="lt1"/>
-            </a:fontRef>
-          </p:style>
-          <p:txBody>
-            <a:bodyPr rtlCol="0" anchor="ctr"/>
-            <a:lstStyle/>
-            <a:p>
-              <a:pPr algn="ctr"/>
-              <a:endParaRPr lang="en-SG"/>
-            </a:p>
-          </p:txBody>
-        </p:sp>
-        <p:sp>
-          <p:nvSpPr>
-            <p:cNvPr id="40" name="Rectangle 39">
-              <a:extLst>
-                <a:ext uri="{FF2B5EF4-FFF2-40B4-BE49-F238E27FC236}">
-                  <a16:creationId xmlns:a16="http://schemas.microsoft.com/office/drawing/2014/main" id="{66D081F2-94C5-440A-80EB-EF0D9D93AB3E}"/>
-                </a:ext>
-              </a:extLst>
-            </p:cNvPr>
-            <p:cNvSpPr/>
-            <p:nvPr/>
-          </p:nvSpPr>
-          <p:spPr>
-            <a:xfrm>
-              <a:off x="6700626" y="4562289"/>
-              <a:ext cx="536895" cy="174844"/>
-            </a:xfrm>
-            <a:prstGeom prst="rect">
-              <a:avLst/>
-            </a:prstGeom>
-            <a:solidFill>
-              <a:schemeClr val="accent6">
-                <a:lumMod val="40000"/>
-                <a:lumOff val="60000"/>
-                <a:alpha val="50000"/>
-              </a:schemeClr>
-            </a:solidFill>
-            <a:ln>
-              <a:noFill/>
-            </a:ln>
-          </p:spPr>
-          <p:style>
-            <a:lnRef idx="2">
-              <a:schemeClr val="accent1">
-                <a:shade val="50000"/>
-              </a:schemeClr>
-            </a:lnRef>
-            <a:fillRef idx="1">
-              <a:schemeClr val="accent1"/>
-            </a:fillRef>
-            <a:effectRef idx="0">
-              <a:schemeClr val="accent1"/>
-            </a:effectRef>
-            <a:fontRef idx="minor">
-              <a:schemeClr val="lt1"/>
-            </a:fontRef>
-          </p:style>
-          <p:txBody>
-            <a:bodyPr rtlCol="0" anchor="ctr"/>
-            <a:lstStyle/>
-            <a:p>
-              <a:pPr algn="ctr"/>
-              <a:endParaRPr lang="en-SG"/>
-            </a:p>
-          </p:txBody>
-        </p:sp>
-        <p:sp>
-          <p:nvSpPr>
-            <p:cNvPr id="41" name="Rectangle 40">
-              <a:extLst>
-                <a:ext uri="{FF2B5EF4-FFF2-40B4-BE49-F238E27FC236}">
-                  <a16:creationId xmlns:a16="http://schemas.microsoft.com/office/drawing/2014/main" id="{F5DCA7B3-2E22-4133-A480-31F30E7C56D3}"/>
-                </a:ext>
-              </a:extLst>
-            </p:cNvPr>
-            <p:cNvSpPr/>
-            <p:nvPr/>
-          </p:nvSpPr>
-          <p:spPr>
-            <a:xfrm>
-              <a:off x="4913890" y="6268693"/>
-              <a:ext cx="536895" cy="174844"/>
-            </a:xfrm>
-            <a:prstGeom prst="rect">
-              <a:avLst/>
-            </a:prstGeom>
-            <a:solidFill>
-              <a:schemeClr val="accent6">
-                <a:lumMod val="40000"/>
-                <a:lumOff val="60000"/>
-                <a:alpha val="50000"/>
-              </a:schemeClr>
-            </a:solidFill>
-            <a:ln>
-              <a:noFill/>
-            </a:ln>
-          </p:spPr>
-          <p:style>
-            <a:lnRef idx="2">
-              <a:schemeClr val="accent1">
-                <a:shade val="50000"/>
-              </a:schemeClr>
-            </a:lnRef>
-            <a:fillRef idx="1">
-              <a:schemeClr val="accent1"/>
-            </a:fillRef>
-            <a:effectRef idx="0">
-              <a:schemeClr val="accent1"/>
-            </a:effectRef>
-            <a:fontRef idx="minor">
-              <a:schemeClr val="lt1"/>
-            </a:fontRef>
-          </p:style>
-          <p:txBody>
-            <a:bodyPr rtlCol="0" anchor="ctr"/>
-            <a:lstStyle/>
-            <a:p>
-              <a:pPr algn="ctr"/>
-              <a:endParaRPr lang="en-SG"/>
-            </a:p>
-          </p:txBody>
-        </p:sp>
-        <p:sp>
-          <p:nvSpPr>
-            <p:cNvPr id="42" name="Rectangle 41">
-              <a:extLst>
-                <a:ext uri="{FF2B5EF4-FFF2-40B4-BE49-F238E27FC236}">
-                  <a16:creationId xmlns:a16="http://schemas.microsoft.com/office/drawing/2014/main" id="{ECFF49CA-A52E-49BC-ABB5-0E7860554B1A}"/>
-                </a:ext>
-              </a:extLst>
-            </p:cNvPr>
-            <p:cNvSpPr/>
-            <p:nvPr/>
-          </p:nvSpPr>
-          <p:spPr>
-            <a:xfrm>
-              <a:off x="4913889" y="6027205"/>
-              <a:ext cx="536895" cy="174844"/>
-            </a:xfrm>
-            <a:prstGeom prst="rect">
-              <a:avLst/>
-            </a:prstGeom>
-            <a:solidFill>
-              <a:schemeClr val="accent6">
-                <a:lumMod val="40000"/>
-                <a:lumOff val="60000"/>
-                <a:alpha val="50000"/>
-              </a:schemeClr>
-            </a:solidFill>
-            <a:ln>
-              <a:noFill/>
-            </a:ln>
-          </p:spPr>
-          <p:style>
-            <a:lnRef idx="2">
-              <a:schemeClr val="accent1">
-                <a:shade val="50000"/>
-              </a:schemeClr>
-            </a:lnRef>
-            <a:fillRef idx="1">
-              <a:schemeClr val="accent1"/>
-            </a:fillRef>
-            <a:effectRef idx="0">
-              <a:schemeClr val="accent1"/>
-            </a:effectRef>
-            <a:fontRef idx="minor">
-              <a:schemeClr val="lt1"/>
-            </a:fontRef>
-          </p:style>
-          <p:txBody>
-            <a:bodyPr rtlCol="0" anchor="ctr"/>
-            <a:lstStyle/>
-            <a:p>
-              <a:pPr algn="ctr"/>
-              <a:endParaRPr lang="en-SG"/>
-            </a:p>
-          </p:txBody>
-        </p:sp>
-        <p:sp>
-          <p:nvSpPr>
-            <p:cNvPr id="43" name="Rectangle 42">
-              <a:extLst>
-                <a:ext uri="{FF2B5EF4-FFF2-40B4-BE49-F238E27FC236}">
-                  <a16:creationId xmlns:a16="http://schemas.microsoft.com/office/drawing/2014/main" id="{06886696-8B42-4B63-883D-B8757ECC4290}"/>
-                </a:ext>
-              </a:extLst>
-            </p:cNvPr>
-            <p:cNvSpPr/>
-            <p:nvPr/>
-          </p:nvSpPr>
-          <p:spPr>
-            <a:xfrm>
-              <a:off x="4913889" y="5777250"/>
-              <a:ext cx="536895" cy="174844"/>
-            </a:xfrm>
-            <a:prstGeom prst="rect">
-              <a:avLst/>
-            </a:prstGeom>
-            <a:solidFill>
-              <a:schemeClr val="accent6">
-                <a:lumMod val="40000"/>
-                <a:lumOff val="60000"/>
-                <a:alpha val="50000"/>
-              </a:schemeClr>
-            </a:solidFill>
-            <a:ln>
-              <a:noFill/>
-            </a:ln>
-          </p:spPr>
-          <p:style>
-            <a:lnRef idx="2">
-              <a:schemeClr val="accent1">
-                <a:shade val="50000"/>
-              </a:schemeClr>
-            </a:lnRef>
-            <a:fillRef idx="1">
-              <a:schemeClr val="accent1"/>
-            </a:fillRef>
-            <a:effectRef idx="0">
-              <a:schemeClr val="accent1"/>
-            </a:effectRef>
-            <a:fontRef idx="minor">
-              <a:schemeClr val="lt1"/>
-            </a:fontRef>
-          </p:style>
-          <p:txBody>
-            <a:bodyPr rtlCol="0" anchor="ctr"/>
-            <a:lstStyle/>
-            <a:p>
-              <a:pPr algn="ctr"/>
-              <a:endParaRPr lang="en-SG"/>
-            </a:p>
-          </p:txBody>
-        </p:sp>
-        <p:sp>
-          <p:nvSpPr>
-            <p:cNvPr id="44" name="Rectangle 43">
-              <a:extLst>
-                <a:ext uri="{FF2B5EF4-FFF2-40B4-BE49-F238E27FC236}">
-                  <a16:creationId xmlns:a16="http://schemas.microsoft.com/office/drawing/2014/main" id="{168FF74A-038F-4EEA-BBA5-33058F9B8B42}"/>
-                </a:ext>
-              </a:extLst>
-            </p:cNvPr>
-            <p:cNvSpPr/>
-            <p:nvPr/>
-          </p:nvSpPr>
-          <p:spPr>
-            <a:xfrm>
-              <a:off x="4913889" y="5527295"/>
-              <a:ext cx="536895" cy="174844"/>
-            </a:xfrm>
-            <a:prstGeom prst="rect">
-              <a:avLst/>
-            </a:prstGeom>
-            <a:solidFill>
-              <a:schemeClr val="accent6">
-                <a:lumMod val="40000"/>
-                <a:lumOff val="60000"/>
-                <a:alpha val="50000"/>
-              </a:schemeClr>
-            </a:solidFill>
-            <a:ln>
-              <a:noFill/>
-            </a:ln>
-          </p:spPr>
-          <p:style>
-            <a:lnRef idx="2">
-              <a:schemeClr val="accent1">
-                <a:shade val="50000"/>
-              </a:schemeClr>
-            </a:lnRef>
-            <a:fillRef idx="1">
-              <a:schemeClr val="accent1"/>
-            </a:fillRef>
-            <a:effectRef idx="0">
-              <a:schemeClr val="accent1"/>
-            </a:effectRef>
-            <a:fontRef idx="minor">
-              <a:schemeClr val="lt1"/>
-            </a:fontRef>
-          </p:style>
-          <p:txBody>
-            <a:bodyPr rtlCol="0" anchor="ctr"/>
-            <a:lstStyle/>
-            <a:p>
-              <a:pPr algn="ctr"/>
-              <a:endParaRPr lang="en-SG"/>
-            </a:p>
-          </p:txBody>
-        </p:sp>
-        <p:sp>
-          <p:nvSpPr>
-            <p:cNvPr id="45" name="Rectangle 44">
-              <a:extLst>
-                <a:ext uri="{FF2B5EF4-FFF2-40B4-BE49-F238E27FC236}">
-                  <a16:creationId xmlns:a16="http://schemas.microsoft.com/office/drawing/2014/main" id="{022254AD-0586-4F16-B73F-630FF432EF45}"/>
-                </a:ext>
-              </a:extLst>
-            </p:cNvPr>
-            <p:cNvSpPr/>
-            <p:nvPr/>
-          </p:nvSpPr>
-          <p:spPr>
-            <a:xfrm>
-              <a:off x="4913888" y="5291372"/>
-              <a:ext cx="536895" cy="174844"/>
-            </a:xfrm>
-            <a:prstGeom prst="rect">
-              <a:avLst/>
-            </a:prstGeom>
-            <a:solidFill>
-              <a:schemeClr val="accent6">
-                <a:lumMod val="40000"/>
-                <a:lumOff val="60000"/>
-                <a:alpha val="50000"/>
-              </a:schemeClr>
-            </a:solidFill>
-            <a:ln>
-              <a:noFill/>
-            </a:ln>
-          </p:spPr>
-          <p:style>
-            <a:lnRef idx="2">
-              <a:schemeClr val="accent1">
-                <a:shade val="50000"/>
-              </a:schemeClr>
-            </a:lnRef>
-            <a:fillRef idx="1">
-              <a:schemeClr val="accent1"/>
-            </a:fillRef>
-            <a:effectRef idx="0">
-              <a:schemeClr val="accent1"/>
-            </a:effectRef>
-            <a:fontRef idx="minor">
-              <a:schemeClr val="lt1"/>
-            </a:fontRef>
-          </p:style>
-          <p:txBody>
-            <a:bodyPr rtlCol="0" anchor="ctr"/>
-            <a:lstStyle/>
-            <a:p>
-              <a:pPr algn="ctr"/>
-              <a:endParaRPr lang="en-SG"/>
-            </a:p>
-          </p:txBody>
-        </p:sp>
-        <p:sp>
-          <p:nvSpPr>
-            <p:cNvPr id="47" name="Rectangle 46">
-              <a:extLst>
-                <a:ext uri="{FF2B5EF4-FFF2-40B4-BE49-F238E27FC236}">
-                  <a16:creationId xmlns:a16="http://schemas.microsoft.com/office/drawing/2014/main" id="{57F83F37-F8DA-4DF8-A1AD-B54EC9A7EE96}"/>
-                </a:ext>
-              </a:extLst>
-            </p:cNvPr>
-            <p:cNvSpPr/>
-            <p:nvPr/>
-          </p:nvSpPr>
-          <p:spPr>
-            <a:xfrm>
-              <a:off x="4913887" y="4805061"/>
-              <a:ext cx="536895" cy="174844"/>
-            </a:xfrm>
-            <a:prstGeom prst="rect">
-              <a:avLst/>
-            </a:prstGeom>
-            <a:solidFill>
-              <a:schemeClr val="accent6">
-                <a:lumMod val="40000"/>
-                <a:lumOff val="60000"/>
-                <a:alpha val="50000"/>
-              </a:schemeClr>
-            </a:solidFill>
-            <a:ln>
-              <a:noFill/>
-            </a:ln>
-          </p:spPr>
-          <p:style>
-            <a:lnRef idx="2">
-              <a:schemeClr val="accent1">
-                <a:shade val="50000"/>
-              </a:schemeClr>
-            </a:lnRef>
-            <a:fillRef idx="1">
-              <a:schemeClr val="accent1"/>
-            </a:fillRef>
-            <a:effectRef idx="0">
-              <a:schemeClr val="accent1"/>
-            </a:effectRef>
-            <a:fontRef idx="minor">
-              <a:schemeClr val="lt1"/>
-            </a:fontRef>
-          </p:style>
-          <p:txBody>
-            <a:bodyPr rtlCol="0" anchor="ctr"/>
-            <a:lstStyle/>
-            <a:p>
-              <a:pPr algn="ctr"/>
-              <a:endParaRPr lang="en-SG"/>
-            </a:p>
-          </p:txBody>
-        </p:sp>
-        <p:sp>
-          <p:nvSpPr>
-            <p:cNvPr id="48" name="Rectangle 47">
-              <a:extLst>
-                <a:ext uri="{FF2B5EF4-FFF2-40B4-BE49-F238E27FC236}">
-                  <a16:creationId xmlns:a16="http://schemas.microsoft.com/office/drawing/2014/main" id="{035B2056-987C-40E6-92D8-A7A319071176}"/>
-                </a:ext>
-              </a:extLst>
-            </p:cNvPr>
-            <p:cNvSpPr/>
-            <p:nvPr/>
-          </p:nvSpPr>
-          <p:spPr>
-            <a:xfrm>
-              <a:off x="4913887" y="4316931"/>
-              <a:ext cx="536895" cy="174844"/>
-            </a:xfrm>
-            <a:prstGeom prst="rect">
-              <a:avLst/>
-            </a:prstGeom>
-            <a:solidFill>
-              <a:schemeClr val="accent6">
-                <a:lumMod val="40000"/>
-                <a:lumOff val="60000"/>
-                <a:alpha val="50000"/>
-              </a:schemeClr>
-            </a:solidFill>
-            <a:ln>
-              <a:noFill/>
-            </a:ln>
-          </p:spPr>
-          <p:style>
-            <a:lnRef idx="2">
-              <a:schemeClr val="accent1">
-                <a:shade val="50000"/>
-              </a:schemeClr>
-            </a:lnRef>
-            <a:fillRef idx="1">
-              <a:schemeClr val="accent1"/>
-            </a:fillRef>
-            <a:effectRef idx="0">
-              <a:schemeClr val="accent1"/>
-            </a:effectRef>
-            <a:fontRef idx="minor">
-              <a:schemeClr val="lt1"/>
-            </a:fontRef>
-          </p:style>
-          <p:txBody>
-            <a:bodyPr rtlCol="0" anchor="ctr"/>
-            <a:lstStyle/>
-            <a:p>
-              <a:pPr algn="ctr"/>
-              <a:endParaRPr lang="en-SG"/>
-            </a:p>
-          </p:txBody>
-        </p:sp>
-        <p:sp>
-          <p:nvSpPr>
-            <p:cNvPr id="49" name="Rectangle 48">
-              <a:extLst>
-                <a:ext uri="{FF2B5EF4-FFF2-40B4-BE49-F238E27FC236}">
-                  <a16:creationId xmlns:a16="http://schemas.microsoft.com/office/drawing/2014/main" id="{B1106858-5658-4C19-84C6-AE1AAFCAB6C5}"/>
-                </a:ext>
-              </a:extLst>
-            </p:cNvPr>
-            <p:cNvSpPr/>
-            <p:nvPr/>
-          </p:nvSpPr>
-          <p:spPr>
-            <a:xfrm>
-              <a:off x="4913886" y="4557811"/>
-              <a:ext cx="536895" cy="174844"/>
-            </a:xfrm>
-            <a:prstGeom prst="rect">
-              <a:avLst/>
-            </a:prstGeom>
-            <a:solidFill>
-              <a:schemeClr val="accent6">
-                <a:lumMod val="40000"/>
-                <a:lumOff val="60000"/>
-                <a:alpha val="50000"/>
-              </a:schemeClr>
-            </a:solidFill>
-            <a:ln>
-              <a:noFill/>
-            </a:ln>
-          </p:spPr>
-          <p:style>
-            <a:lnRef idx="2">
-              <a:schemeClr val="accent1">
-                <a:shade val="50000"/>
-              </a:schemeClr>
-            </a:lnRef>
-            <a:fillRef idx="1">
-              <a:schemeClr val="accent1"/>
-            </a:fillRef>
-            <a:effectRef idx="0">
-              <a:schemeClr val="accent1"/>
-            </a:effectRef>
-            <a:fontRef idx="minor">
-              <a:schemeClr val="lt1"/>
-            </a:fontRef>
-          </p:style>
-          <p:txBody>
-            <a:bodyPr rtlCol="0" anchor="ctr"/>
-            <a:lstStyle/>
-            <a:p>
-              <a:pPr algn="ctr"/>
-              <a:endParaRPr lang="en-SG"/>
-            </a:p>
-          </p:txBody>
-        </p:sp>
-        <p:sp>
-          <p:nvSpPr>
-            <p:cNvPr id="50" name="Rectangle 49">
-              <a:extLst>
-                <a:ext uri="{FF2B5EF4-FFF2-40B4-BE49-F238E27FC236}">
-                  <a16:creationId xmlns:a16="http://schemas.microsoft.com/office/drawing/2014/main" id="{0BC96997-DCF1-4083-9877-84302A703489}"/>
-                </a:ext>
-              </a:extLst>
-            </p:cNvPr>
-            <p:cNvSpPr/>
-            <p:nvPr/>
-          </p:nvSpPr>
-          <p:spPr>
-            <a:xfrm>
-              <a:off x="4328306" y="6273886"/>
-              <a:ext cx="536895" cy="174844"/>
-            </a:xfrm>
-            <a:prstGeom prst="rect">
-              <a:avLst/>
-            </a:prstGeom>
-            <a:solidFill>
-              <a:schemeClr val="accent6">
-                <a:lumMod val="40000"/>
-                <a:lumOff val="60000"/>
-                <a:alpha val="50000"/>
-              </a:schemeClr>
-            </a:solidFill>
-            <a:ln>
-              <a:noFill/>
-            </a:ln>
-          </p:spPr>
-          <p:style>
-            <a:lnRef idx="2">
-              <a:schemeClr val="accent1">
-                <a:shade val="50000"/>
-              </a:schemeClr>
-            </a:lnRef>
-            <a:fillRef idx="1">
-              <a:schemeClr val="accent1"/>
-            </a:fillRef>
-            <a:effectRef idx="0">
-              <a:schemeClr val="accent1"/>
-            </a:effectRef>
-            <a:fontRef idx="minor">
-              <a:schemeClr val="lt1"/>
-            </a:fontRef>
-          </p:style>
-          <p:txBody>
-            <a:bodyPr rtlCol="0" anchor="ctr"/>
-            <a:lstStyle/>
-            <a:p>
-              <a:pPr algn="ctr"/>
-              <a:endParaRPr lang="en-SG"/>
-            </a:p>
-          </p:txBody>
-        </p:sp>
-        <p:sp>
-          <p:nvSpPr>
-            <p:cNvPr id="51" name="Rectangle 50">
-              <a:extLst>
-                <a:ext uri="{FF2B5EF4-FFF2-40B4-BE49-F238E27FC236}">
-                  <a16:creationId xmlns:a16="http://schemas.microsoft.com/office/drawing/2014/main" id="{425E003A-125E-44FA-93D3-A2F132D7F17A}"/>
-                </a:ext>
-              </a:extLst>
-            </p:cNvPr>
-            <p:cNvSpPr/>
-            <p:nvPr/>
-          </p:nvSpPr>
-          <p:spPr>
-            <a:xfrm>
-              <a:off x="4328305" y="6032398"/>
-              <a:ext cx="536895" cy="174844"/>
-            </a:xfrm>
-            <a:prstGeom prst="rect">
-              <a:avLst/>
-            </a:prstGeom>
-            <a:solidFill>
-              <a:schemeClr val="accent6">
-                <a:lumMod val="40000"/>
-                <a:lumOff val="60000"/>
-                <a:alpha val="50000"/>
-              </a:schemeClr>
-            </a:solidFill>
-            <a:ln>
-              <a:noFill/>
-            </a:ln>
-          </p:spPr>
-          <p:style>
-            <a:lnRef idx="2">
-              <a:schemeClr val="accent1">
-                <a:shade val="50000"/>
-              </a:schemeClr>
-            </a:lnRef>
-            <a:fillRef idx="1">
-              <a:schemeClr val="accent1"/>
-            </a:fillRef>
-            <a:effectRef idx="0">
-              <a:schemeClr val="accent1"/>
-            </a:effectRef>
-            <a:fontRef idx="minor">
-              <a:schemeClr val="lt1"/>
-            </a:fontRef>
-          </p:style>
-          <p:txBody>
-            <a:bodyPr rtlCol="0" anchor="ctr"/>
-            <a:lstStyle/>
-            <a:p>
-              <a:pPr algn="ctr"/>
-              <a:endParaRPr lang="en-SG"/>
-            </a:p>
-          </p:txBody>
-        </p:sp>
-        <p:sp>
-          <p:nvSpPr>
-            <p:cNvPr id="55" name="Rectangle 54">
-              <a:extLst>
-                <a:ext uri="{FF2B5EF4-FFF2-40B4-BE49-F238E27FC236}">
-                  <a16:creationId xmlns:a16="http://schemas.microsoft.com/office/drawing/2014/main" id="{C3318A6E-76E1-484C-8E0F-F6047B88F75D}"/>
-                </a:ext>
-              </a:extLst>
-            </p:cNvPr>
-            <p:cNvSpPr/>
-            <p:nvPr/>
-          </p:nvSpPr>
-          <p:spPr>
-            <a:xfrm>
-              <a:off x="4328304" y="5057929"/>
-              <a:ext cx="536895" cy="174844"/>
-            </a:xfrm>
-            <a:prstGeom prst="rect">
-              <a:avLst/>
-            </a:prstGeom>
-            <a:solidFill>
-              <a:schemeClr val="accent6">
-                <a:lumMod val="40000"/>
-                <a:lumOff val="60000"/>
-                <a:alpha val="50000"/>
-              </a:schemeClr>
-            </a:solidFill>
-            <a:ln>
-              <a:noFill/>
-            </a:ln>
-          </p:spPr>
-          <p:style>
-            <a:lnRef idx="2">
-              <a:schemeClr val="accent1">
-                <a:shade val="50000"/>
-              </a:schemeClr>
-            </a:lnRef>
-            <a:fillRef idx="1">
-              <a:schemeClr val="accent1"/>
-            </a:fillRef>
-            <a:effectRef idx="0">
-              <a:schemeClr val="accent1"/>
-            </a:effectRef>
-            <a:fontRef idx="minor">
-              <a:schemeClr val="lt1"/>
-            </a:fontRef>
-          </p:style>
-          <p:txBody>
-            <a:bodyPr rtlCol="0" anchor="ctr"/>
-            <a:lstStyle/>
-            <a:p>
-              <a:pPr algn="ctr"/>
-              <a:endParaRPr lang="en-SG"/>
-            </a:p>
-          </p:txBody>
-        </p:sp>
-        <p:sp>
-          <p:nvSpPr>
-            <p:cNvPr id="56" name="Rectangle 55">
-              <a:extLst>
-                <a:ext uri="{FF2B5EF4-FFF2-40B4-BE49-F238E27FC236}">
-                  <a16:creationId xmlns:a16="http://schemas.microsoft.com/office/drawing/2014/main" id="{C2F308FD-F337-47BB-8EA6-30219B9E80C3}"/>
-                </a:ext>
-              </a:extLst>
-            </p:cNvPr>
-            <p:cNvSpPr/>
-            <p:nvPr/>
-          </p:nvSpPr>
-          <p:spPr>
-            <a:xfrm>
-              <a:off x="4328303" y="4810254"/>
-              <a:ext cx="536895" cy="174844"/>
-            </a:xfrm>
-            <a:prstGeom prst="rect">
-              <a:avLst/>
-            </a:prstGeom>
-            <a:solidFill>
-              <a:schemeClr val="accent6">
-                <a:lumMod val="40000"/>
-                <a:lumOff val="60000"/>
-                <a:alpha val="50000"/>
-              </a:schemeClr>
-            </a:solidFill>
-            <a:ln>
-              <a:noFill/>
-            </a:ln>
-          </p:spPr>
-          <p:style>
-            <a:lnRef idx="2">
-              <a:schemeClr val="accent1">
-                <a:shade val="50000"/>
-              </a:schemeClr>
-            </a:lnRef>
-            <a:fillRef idx="1">
-              <a:schemeClr val="accent1"/>
-            </a:fillRef>
-            <a:effectRef idx="0">
-              <a:schemeClr val="accent1"/>
-            </a:effectRef>
-            <a:fontRef idx="minor">
-              <a:schemeClr val="lt1"/>
-            </a:fontRef>
-          </p:style>
-          <p:txBody>
-            <a:bodyPr rtlCol="0" anchor="ctr"/>
-            <a:lstStyle/>
-            <a:p>
-              <a:pPr algn="ctr"/>
-              <a:endParaRPr lang="en-SG"/>
-            </a:p>
-          </p:txBody>
-        </p:sp>
-        <p:sp>
-          <p:nvSpPr>
-            <p:cNvPr id="58" name="Rectangle 57">
-              <a:extLst>
-                <a:ext uri="{FF2B5EF4-FFF2-40B4-BE49-F238E27FC236}">
-                  <a16:creationId xmlns:a16="http://schemas.microsoft.com/office/drawing/2014/main" id="{BEC5B78D-CFD6-4052-879D-3EA34D2DE0AB}"/>
-                </a:ext>
-              </a:extLst>
-            </p:cNvPr>
-            <p:cNvSpPr/>
-            <p:nvPr/>
-          </p:nvSpPr>
-          <p:spPr>
-            <a:xfrm>
-              <a:off x="4328302" y="4563004"/>
-              <a:ext cx="536895" cy="174844"/>
-            </a:xfrm>
-            <a:prstGeom prst="rect">
-              <a:avLst/>
-            </a:prstGeom>
-            <a:solidFill>
-              <a:schemeClr val="accent6">
-                <a:lumMod val="40000"/>
-                <a:lumOff val="60000"/>
-                <a:alpha val="50000"/>
-              </a:schemeClr>
-            </a:solidFill>
-            <a:ln>
-              <a:noFill/>
-            </a:ln>
-          </p:spPr>
-          <p:style>
-            <a:lnRef idx="2">
-              <a:schemeClr val="accent1">
-                <a:shade val="50000"/>
-              </a:schemeClr>
-            </a:lnRef>
-            <a:fillRef idx="1">
-              <a:schemeClr val="accent1"/>
-            </a:fillRef>
-            <a:effectRef idx="0">
-              <a:schemeClr val="accent1"/>
-            </a:effectRef>
-            <a:fontRef idx="minor">
-              <a:schemeClr val="lt1"/>
-            </a:fontRef>
-          </p:style>
-          <p:txBody>
-            <a:bodyPr rtlCol="0" anchor="ctr"/>
-            <a:lstStyle/>
-            <a:p>
-              <a:pPr algn="ctr"/>
-              <a:endParaRPr lang="en-SG"/>
-            </a:p>
-          </p:txBody>
-        </p:sp>
-      </p:grpSp>
+          </a:xfrm>
+          <a:prstGeom prst="rect">
+            <a:avLst/>
+          </a:prstGeom>
+        </p:spPr>
+      </p:pic>
+      <p:sp>
+        <p:nvSpPr>
+          <p:cNvPr id="7" name="Rectangle 6">
+            <a:extLst>
+              <a:ext uri="{FF2B5EF4-FFF2-40B4-BE49-F238E27FC236}">
+                <a16:creationId xmlns:a16="http://schemas.microsoft.com/office/drawing/2014/main" id="{7942B67C-D626-4028-AA80-5D091DD1DCBD}"/>
+              </a:ext>
+            </a:extLst>
+          </p:cNvPr>
+          <p:cNvSpPr/>
+          <p:nvPr/>
+        </p:nvSpPr>
+        <p:spPr>
+          <a:xfrm>
+            <a:off x="6547637" y="6117836"/>
+            <a:ext cx="536895" cy="174844"/>
+          </a:xfrm>
+          <a:prstGeom prst="rect">
+            <a:avLst/>
+          </a:prstGeom>
+          <a:solidFill>
+            <a:srgbClr val="FFFF00">
+              <a:alpha val="50000"/>
+            </a:srgbClr>
+          </a:solidFill>
+          <a:ln>
+            <a:noFill/>
+          </a:ln>
+        </p:spPr>
+        <p:style>
+          <a:lnRef idx="2">
+            <a:schemeClr val="accent1">
+              <a:shade val="50000"/>
+            </a:schemeClr>
+          </a:lnRef>
+          <a:fillRef idx="1">
+            <a:schemeClr val="accent1"/>
+          </a:fillRef>
+          <a:effectRef idx="0">
+            <a:schemeClr val="accent1"/>
+          </a:effectRef>
+          <a:fontRef idx="minor">
+            <a:schemeClr val="lt1"/>
+          </a:fontRef>
+        </p:style>
+        <p:txBody>
+          <a:bodyPr rtlCol="0" anchor="ctr"/>
+          <a:lstStyle/>
+          <a:p>
+            <a:pPr algn="ctr"/>
+            <a:endParaRPr lang="en-SG"/>
+          </a:p>
+        </p:txBody>
+      </p:sp>
+      <p:sp>
+        <p:nvSpPr>
+          <p:cNvPr id="10" name="Rectangle 9">
+            <a:extLst>
+              <a:ext uri="{FF2B5EF4-FFF2-40B4-BE49-F238E27FC236}">
+                <a16:creationId xmlns:a16="http://schemas.microsoft.com/office/drawing/2014/main" id="{5585AD1B-2464-49CF-9016-83E4803A9E5C}"/>
+              </a:ext>
+            </a:extLst>
+          </p:cNvPr>
+          <p:cNvSpPr/>
+          <p:nvPr/>
+        </p:nvSpPr>
+        <p:spPr>
+          <a:xfrm>
+            <a:off x="6547636" y="5876348"/>
+            <a:ext cx="536895" cy="174844"/>
+          </a:xfrm>
+          <a:prstGeom prst="rect">
+            <a:avLst/>
+          </a:prstGeom>
+          <a:solidFill>
+            <a:srgbClr val="FFFF00">
+              <a:alpha val="50000"/>
+            </a:srgbClr>
+          </a:solidFill>
+          <a:ln>
+            <a:noFill/>
+          </a:ln>
+        </p:spPr>
+        <p:style>
+          <a:lnRef idx="2">
+            <a:schemeClr val="accent1">
+              <a:shade val="50000"/>
+            </a:schemeClr>
+          </a:lnRef>
+          <a:fillRef idx="1">
+            <a:schemeClr val="accent1"/>
+          </a:fillRef>
+          <a:effectRef idx="0">
+            <a:schemeClr val="accent1"/>
+          </a:effectRef>
+          <a:fontRef idx="minor">
+            <a:schemeClr val="lt1"/>
+          </a:fontRef>
+        </p:style>
+        <p:txBody>
+          <a:bodyPr rtlCol="0" anchor="ctr"/>
+          <a:lstStyle/>
+          <a:p>
+            <a:pPr algn="ctr"/>
+            <a:endParaRPr lang="en-SG"/>
+          </a:p>
+        </p:txBody>
+      </p:sp>
+      <p:sp>
+        <p:nvSpPr>
+          <p:cNvPr id="11" name="Rectangle 10">
+            <a:extLst>
+              <a:ext uri="{FF2B5EF4-FFF2-40B4-BE49-F238E27FC236}">
+                <a16:creationId xmlns:a16="http://schemas.microsoft.com/office/drawing/2014/main" id="{81C849C6-04EC-42B9-B512-876481334108}"/>
+              </a:ext>
+            </a:extLst>
+          </p:cNvPr>
+          <p:cNvSpPr/>
+          <p:nvPr/>
+        </p:nvSpPr>
+        <p:spPr>
+          <a:xfrm>
+            <a:off x="6547636" y="5626393"/>
+            <a:ext cx="536895" cy="174844"/>
+          </a:xfrm>
+          <a:prstGeom prst="rect">
+            <a:avLst/>
+          </a:prstGeom>
+          <a:solidFill>
+            <a:srgbClr val="FFFF00">
+              <a:alpha val="50000"/>
+            </a:srgbClr>
+          </a:solidFill>
+          <a:ln>
+            <a:noFill/>
+          </a:ln>
+        </p:spPr>
+        <p:style>
+          <a:lnRef idx="2">
+            <a:schemeClr val="accent1">
+              <a:shade val="50000"/>
+            </a:schemeClr>
+          </a:lnRef>
+          <a:fillRef idx="1">
+            <a:schemeClr val="accent1"/>
+          </a:fillRef>
+          <a:effectRef idx="0">
+            <a:schemeClr val="accent1"/>
+          </a:effectRef>
+          <a:fontRef idx="minor">
+            <a:schemeClr val="lt1"/>
+          </a:fontRef>
+        </p:style>
+        <p:txBody>
+          <a:bodyPr rtlCol="0" anchor="ctr"/>
+          <a:lstStyle/>
+          <a:p>
+            <a:pPr algn="ctr"/>
+            <a:endParaRPr lang="en-SG"/>
+          </a:p>
+        </p:txBody>
+      </p:sp>
+      <p:sp>
+        <p:nvSpPr>
+          <p:cNvPr id="12" name="Rectangle 11">
+            <a:extLst>
+              <a:ext uri="{FF2B5EF4-FFF2-40B4-BE49-F238E27FC236}">
+                <a16:creationId xmlns:a16="http://schemas.microsoft.com/office/drawing/2014/main" id="{D4CB6C43-779D-4970-8A49-29A7EFBDC0A5}"/>
+              </a:ext>
+            </a:extLst>
+          </p:cNvPr>
+          <p:cNvSpPr/>
+          <p:nvPr/>
+        </p:nvSpPr>
+        <p:spPr>
+          <a:xfrm>
+            <a:off x="6547636" y="5376438"/>
+            <a:ext cx="536895" cy="174844"/>
+          </a:xfrm>
+          <a:prstGeom prst="rect">
+            <a:avLst/>
+          </a:prstGeom>
+          <a:solidFill>
+            <a:srgbClr val="FFFF00">
+              <a:alpha val="50000"/>
+            </a:srgbClr>
+          </a:solidFill>
+          <a:ln>
+            <a:noFill/>
+          </a:ln>
+        </p:spPr>
+        <p:style>
+          <a:lnRef idx="2">
+            <a:schemeClr val="accent1">
+              <a:shade val="50000"/>
+            </a:schemeClr>
+          </a:lnRef>
+          <a:fillRef idx="1">
+            <a:schemeClr val="accent1"/>
+          </a:fillRef>
+          <a:effectRef idx="0">
+            <a:schemeClr val="accent1"/>
+          </a:effectRef>
+          <a:fontRef idx="minor">
+            <a:schemeClr val="lt1"/>
+          </a:fontRef>
+        </p:style>
+        <p:txBody>
+          <a:bodyPr rtlCol="0" anchor="ctr"/>
+          <a:lstStyle/>
+          <a:p>
+            <a:pPr algn="ctr"/>
+            <a:endParaRPr lang="en-SG"/>
+          </a:p>
+        </p:txBody>
+      </p:sp>
+      <p:sp>
+        <p:nvSpPr>
+          <p:cNvPr id="13" name="Rectangle 12">
+            <a:extLst>
+              <a:ext uri="{FF2B5EF4-FFF2-40B4-BE49-F238E27FC236}">
+                <a16:creationId xmlns:a16="http://schemas.microsoft.com/office/drawing/2014/main" id="{F06F9228-9B94-4384-822C-F26462E2C42F}"/>
+              </a:ext>
+            </a:extLst>
+          </p:cNvPr>
+          <p:cNvSpPr/>
+          <p:nvPr/>
+        </p:nvSpPr>
+        <p:spPr>
+          <a:xfrm>
+            <a:off x="6547635" y="5140515"/>
+            <a:ext cx="536895" cy="174844"/>
+          </a:xfrm>
+          <a:prstGeom prst="rect">
+            <a:avLst/>
+          </a:prstGeom>
+          <a:solidFill>
+            <a:srgbClr val="FFFF00">
+              <a:alpha val="50000"/>
+            </a:srgbClr>
+          </a:solidFill>
+          <a:ln>
+            <a:noFill/>
+          </a:ln>
+        </p:spPr>
+        <p:style>
+          <a:lnRef idx="2">
+            <a:schemeClr val="accent1">
+              <a:shade val="50000"/>
+            </a:schemeClr>
+          </a:lnRef>
+          <a:fillRef idx="1">
+            <a:schemeClr val="accent1"/>
+          </a:fillRef>
+          <a:effectRef idx="0">
+            <a:schemeClr val="accent1"/>
+          </a:effectRef>
+          <a:fontRef idx="minor">
+            <a:schemeClr val="lt1"/>
+          </a:fontRef>
+        </p:style>
+        <p:txBody>
+          <a:bodyPr rtlCol="0" anchor="ctr"/>
+          <a:lstStyle/>
+          <a:p>
+            <a:pPr algn="ctr"/>
+            <a:endParaRPr lang="en-SG"/>
+          </a:p>
+        </p:txBody>
+      </p:sp>
+      <p:sp>
+        <p:nvSpPr>
+          <p:cNvPr id="14" name="Rectangle 13">
+            <a:extLst>
+              <a:ext uri="{FF2B5EF4-FFF2-40B4-BE49-F238E27FC236}">
+                <a16:creationId xmlns:a16="http://schemas.microsoft.com/office/drawing/2014/main" id="{F8459162-48DE-4498-B347-F062473B6EF3}"/>
+              </a:ext>
+            </a:extLst>
+          </p:cNvPr>
+          <p:cNvSpPr/>
+          <p:nvPr/>
+        </p:nvSpPr>
+        <p:spPr>
+          <a:xfrm>
+            <a:off x="8348085" y="6106844"/>
+            <a:ext cx="536895" cy="174844"/>
+          </a:xfrm>
+          <a:prstGeom prst="rect">
+            <a:avLst/>
+          </a:prstGeom>
+          <a:solidFill>
+            <a:srgbClr val="FFFF00">
+              <a:alpha val="50000"/>
+            </a:srgbClr>
+          </a:solidFill>
+          <a:ln>
+            <a:noFill/>
+          </a:ln>
+        </p:spPr>
+        <p:style>
+          <a:lnRef idx="2">
+            <a:schemeClr val="accent1">
+              <a:shade val="50000"/>
+            </a:schemeClr>
+          </a:lnRef>
+          <a:fillRef idx="1">
+            <a:schemeClr val="accent1"/>
+          </a:fillRef>
+          <a:effectRef idx="0">
+            <a:schemeClr val="accent1"/>
+          </a:effectRef>
+          <a:fontRef idx="minor">
+            <a:schemeClr val="lt1"/>
+          </a:fontRef>
+        </p:style>
+        <p:txBody>
+          <a:bodyPr rtlCol="0" anchor="ctr"/>
+          <a:lstStyle/>
+          <a:p>
+            <a:pPr algn="ctr"/>
+            <a:endParaRPr lang="en-SG"/>
+          </a:p>
+        </p:txBody>
+      </p:sp>
+      <p:sp>
+        <p:nvSpPr>
+          <p:cNvPr id="15" name="Rectangle 14">
+            <a:extLst>
+              <a:ext uri="{FF2B5EF4-FFF2-40B4-BE49-F238E27FC236}">
+                <a16:creationId xmlns:a16="http://schemas.microsoft.com/office/drawing/2014/main" id="{9FEE4682-7729-40DC-9B7F-9602CED457A1}"/>
+              </a:ext>
+            </a:extLst>
+          </p:cNvPr>
+          <p:cNvSpPr/>
+          <p:nvPr/>
+        </p:nvSpPr>
+        <p:spPr>
+          <a:xfrm>
+            <a:off x="8348084" y="5865356"/>
+            <a:ext cx="536895" cy="174844"/>
+          </a:xfrm>
+          <a:prstGeom prst="rect">
+            <a:avLst/>
+          </a:prstGeom>
+          <a:solidFill>
+            <a:srgbClr val="FFFF00">
+              <a:alpha val="50000"/>
+            </a:srgbClr>
+          </a:solidFill>
+          <a:ln>
+            <a:noFill/>
+          </a:ln>
+        </p:spPr>
+        <p:style>
+          <a:lnRef idx="2">
+            <a:schemeClr val="accent1">
+              <a:shade val="50000"/>
+            </a:schemeClr>
+          </a:lnRef>
+          <a:fillRef idx="1">
+            <a:schemeClr val="accent1"/>
+          </a:fillRef>
+          <a:effectRef idx="0">
+            <a:schemeClr val="accent1"/>
+          </a:effectRef>
+          <a:fontRef idx="minor">
+            <a:schemeClr val="lt1"/>
+          </a:fontRef>
+        </p:style>
+        <p:txBody>
+          <a:bodyPr rtlCol="0" anchor="ctr"/>
+          <a:lstStyle/>
+          <a:p>
+            <a:pPr algn="ctr"/>
+            <a:endParaRPr lang="en-SG"/>
+          </a:p>
+        </p:txBody>
+      </p:sp>
+      <p:sp>
+        <p:nvSpPr>
+          <p:cNvPr id="16" name="Rectangle 15">
+            <a:extLst>
+              <a:ext uri="{FF2B5EF4-FFF2-40B4-BE49-F238E27FC236}">
+                <a16:creationId xmlns:a16="http://schemas.microsoft.com/office/drawing/2014/main" id="{AE6FFDB4-7EBD-4DEE-AD6A-23EE316C41CD}"/>
+              </a:ext>
+            </a:extLst>
+          </p:cNvPr>
+          <p:cNvSpPr/>
+          <p:nvPr/>
+        </p:nvSpPr>
+        <p:spPr>
+          <a:xfrm>
+            <a:off x="8348084" y="5615401"/>
+            <a:ext cx="536895" cy="174844"/>
+          </a:xfrm>
+          <a:prstGeom prst="rect">
+            <a:avLst/>
+          </a:prstGeom>
+          <a:solidFill>
+            <a:srgbClr val="FFFF00">
+              <a:alpha val="50000"/>
+            </a:srgbClr>
+          </a:solidFill>
+          <a:ln>
+            <a:noFill/>
+          </a:ln>
+        </p:spPr>
+        <p:style>
+          <a:lnRef idx="2">
+            <a:schemeClr val="accent1">
+              <a:shade val="50000"/>
+            </a:schemeClr>
+          </a:lnRef>
+          <a:fillRef idx="1">
+            <a:schemeClr val="accent1"/>
+          </a:fillRef>
+          <a:effectRef idx="0">
+            <a:schemeClr val="accent1"/>
+          </a:effectRef>
+          <a:fontRef idx="minor">
+            <a:schemeClr val="lt1"/>
+          </a:fontRef>
+        </p:style>
+        <p:txBody>
+          <a:bodyPr rtlCol="0" anchor="ctr"/>
+          <a:lstStyle/>
+          <a:p>
+            <a:pPr algn="ctr"/>
+            <a:endParaRPr lang="en-SG"/>
+          </a:p>
+        </p:txBody>
+      </p:sp>
+      <p:sp>
+        <p:nvSpPr>
+          <p:cNvPr id="17" name="Rectangle 16">
+            <a:extLst>
+              <a:ext uri="{FF2B5EF4-FFF2-40B4-BE49-F238E27FC236}">
+                <a16:creationId xmlns:a16="http://schemas.microsoft.com/office/drawing/2014/main" id="{FC3EF55D-1D82-430E-9749-7FA6EAC6B8D7}"/>
+              </a:ext>
+            </a:extLst>
+          </p:cNvPr>
+          <p:cNvSpPr/>
+          <p:nvPr/>
+        </p:nvSpPr>
+        <p:spPr>
+          <a:xfrm>
+            <a:off x="8348084" y="5365446"/>
+            <a:ext cx="536895" cy="174844"/>
+          </a:xfrm>
+          <a:prstGeom prst="rect">
+            <a:avLst/>
+          </a:prstGeom>
+          <a:solidFill>
+            <a:srgbClr val="FFFF00">
+              <a:alpha val="50000"/>
+            </a:srgbClr>
+          </a:solidFill>
+          <a:ln>
+            <a:noFill/>
+          </a:ln>
+        </p:spPr>
+        <p:style>
+          <a:lnRef idx="2">
+            <a:schemeClr val="accent1">
+              <a:shade val="50000"/>
+            </a:schemeClr>
+          </a:lnRef>
+          <a:fillRef idx="1">
+            <a:schemeClr val="accent1"/>
+          </a:fillRef>
+          <a:effectRef idx="0">
+            <a:schemeClr val="accent1"/>
+          </a:effectRef>
+          <a:fontRef idx="minor">
+            <a:schemeClr val="lt1"/>
+          </a:fontRef>
+        </p:style>
+        <p:txBody>
+          <a:bodyPr rtlCol="0" anchor="ctr"/>
+          <a:lstStyle/>
+          <a:p>
+            <a:pPr algn="ctr"/>
+            <a:endParaRPr lang="en-SG"/>
+          </a:p>
+        </p:txBody>
+      </p:sp>
+      <p:sp>
+        <p:nvSpPr>
+          <p:cNvPr id="18" name="Rectangle 17">
+            <a:extLst>
+              <a:ext uri="{FF2B5EF4-FFF2-40B4-BE49-F238E27FC236}">
+                <a16:creationId xmlns:a16="http://schemas.microsoft.com/office/drawing/2014/main" id="{25A5D1D8-6486-4352-9363-734BF547803E}"/>
+              </a:ext>
+            </a:extLst>
+          </p:cNvPr>
+          <p:cNvSpPr/>
+          <p:nvPr/>
+        </p:nvSpPr>
+        <p:spPr>
+          <a:xfrm>
+            <a:off x="8348083" y="5129523"/>
+            <a:ext cx="536895" cy="174844"/>
+          </a:xfrm>
+          <a:prstGeom prst="rect">
+            <a:avLst/>
+          </a:prstGeom>
+          <a:solidFill>
+            <a:srgbClr val="FFFF00">
+              <a:alpha val="50000"/>
+            </a:srgbClr>
+          </a:solidFill>
+          <a:ln>
+            <a:noFill/>
+          </a:ln>
+        </p:spPr>
+        <p:style>
+          <a:lnRef idx="2">
+            <a:schemeClr val="accent1">
+              <a:shade val="50000"/>
+            </a:schemeClr>
+          </a:lnRef>
+          <a:fillRef idx="1">
+            <a:schemeClr val="accent1"/>
+          </a:fillRef>
+          <a:effectRef idx="0">
+            <a:schemeClr val="accent1"/>
+          </a:effectRef>
+          <a:fontRef idx="minor">
+            <a:schemeClr val="lt1"/>
+          </a:fontRef>
+        </p:style>
+        <p:txBody>
+          <a:bodyPr rtlCol="0" anchor="ctr"/>
+          <a:lstStyle/>
+          <a:p>
+            <a:pPr algn="ctr"/>
+            <a:endParaRPr lang="en-SG"/>
+          </a:p>
+        </p:txBody>
+      </p:sp>
+      <p:sp>
+        <p:nvSpPr>
+          <p:cNvPr id="19" name="Rectangle 18">
+            <a:extLst>
+              <a:ext uri="{FF2B5EF4-FFF2-40B4-BE49-F238E27FC236}">
+                <a16:creationId xmlns:a16="http://schemas.microsoft.com/office/drawing/2014/main" id="{DFD0B499-BC0D-43E6-9FD0-A6ABFF3EF14F}"/>
+              </a:ext>
+            </a:extLst>
+          </p:cNvPr>
+          <p:cNvSpPr/>
+          <p:nvPr/>
+        </p:nvSpPr>
+        <p:spPr>
+          <a:xfrm>
+            <a:off x="8348083" y="4890887"/>
+            <a:ext cx="536895" cy="174844"/>
+          </a:xfrm>
+          <a:prstGeom prst="rect">
+            <a:avLst/>
+          </a:prstGeom>
+          <a:solidFill>
+            <a:srgbClr val="FFFF00">
+              <a:alpha val="50000"/>
+            </a:srgbClr>
+          </a:solidFill>
+          <a:ln>
+            <a:noFill/>
+          </a:ln>
+        </p:spPr>
+        <p:style>
+          <a:lnRef idx="2">
+            <a:schemeClr val="accent1">
+              <a:shade val="50000"/>
+            </a:schemeClr>
+          </a:lnRef>
+          <a:fillRef idx="1">
+            <a:schemeClr val="accent1"/>
+          </a:fillRef>
+          <a:effectRef idx="0">
+            <a:schemeClr val="accent1"/>
+          </a:effectRef>
+          <a:fontRef idx="minor">
+            <a:schemeClr val="lt1"/>
+          </a:fontRef>
+        </p:style>
+        <p:txBody>
+          <a:bodyPr rtlCol="0" anchor="ctr"/>
+          <a:lstStyle/>
+          <a:p>
+            <a:pPr algn="ctr"/>
+            <a:endParaRPr lang="en-SG"/>
+          </a:p>
+        </p:txBody>
+      </p:sp>
+      <p:sp>
+        <p:nvSpPr>
+          <p:cNvPr id="20" name="Rectangle 19">
+            <a:extLst>
+              <a:ext uri="{FF2B5EF4-FFF2-40B4-BE49-F238E27FC236}">
+                <a16:creationId xmlns:a16="http://schemas.microsoft.com/office/drawing/2014/main" id="{13E06FA6-927D-4D64-82EF-9ADCEFB91127}"/>
+              </a:ext>
+            </a:extLst>
+          </p:cNvPr>
+          <p:cNvSpPr/>
+          <p:nvPr/>
+        </p:nvSpPr>
+        <p:spPr>
+          <a:xfrm>
+            <a:off x="8348082" y="4643212"/>
+            <a:ext cx="536895" cy="174844"/>
+          </a:xfrm>
+          <a:prstGeom prst="rect">
+            <a:avLst/>
+          </a:prstGeom>
+          <a:solidFill>
+            <a:srgbClr val="FFFF00">
+              <a:alpha val="50000"/>
+            </a:srgbClr>
+          </a:solidFill>
+          <a:ln>
+            <a:noFill/>
+          </a:ln>
+        </p:spPr>
+        <p:style>
+          <a:lnRef idx="2">
+            <a:schemeClr val="accent1">
+              <a:shade val="50000"/>
+            </a:schemeClr>
+          </a:lnRef>
+          <a:fillRef idx="1">
+            <a:schemeClr val="accent1"/>
+          </a:fillRef>
+          <a:effectRef idx="0">
+            <a:schemeClr val="accent1"/>
+          </a:effectRef>
+          <a:fontRef idx="minor">
+            <a:schemeClr val="lt1"/>
+          </a:fontRef>
+        </p:style>
+        <p:txBody>
+          <a:bodyPr rtlCol="0" anchor="ctr"/>
+          <a:lstStyle/>
+          <a:p>
+            <a:pPr algn="ctr"/>
+            <a:endParaRPr lang="en-SG"/>
+          </a:p>
+        </p:txBody>
+      </p:sp>
+      <p:sp>
+        <p:nvSpPr>
+          <p:cNvPr id="21" name="Rectangle 20">
+            <a:extLst>
+              <a:ext uri="{FF2B5EF4-FFF2-40B4-BE49-F238E27FC236}">
+                <a16:creationId xmlns:a16="http://schemas.microsoft.com/office/drawing/2014/main" id="{978AF384-5A01-48CC-96DE-3A4A1F5E4AE2}"/>
+              </a:ext>
+            </a:extLst>
+          </p:cNvPr>
+          <p:cNvSpPr/>
+          <p:nvPr/>
+        </p:nvSpPr>
+        <p:spPr>
+          <a:xfrm>
+            <a:off x="8935782" y="6106844"/>
+            <a:ext cx="536895" cy="174844"/>
+          </a:xfrm>
+          <a:prstGeom prst="rect">
+            <a:avLst/>
+          </a:prstGeom>
+          <a:solidFill>
+            <a:srgbClr val="FFFF00">
+              <a:alpha val="50000"/>
+            </a:srgbClr>
+          </a:solidFill>
+          <a:ln>
+            <a:noFill/>
+          </a:ln>
+        </p:spPr>
+        <p:style>
+          <a:lnRef idx="2">
+            <a:schemeClr val="accent1">
+              <a:shade val="50000"/>
+            </a:schemeClr>
+          </a:lnRef>
+          <a:fillRef idx="1">
+            <a:schemeClr val="accent1"/>
+          </a:fillRef>
+          <a:effectRef idx="0">
+            <a:schemeClr val="accent1"/>
+          </a:effectRef>
+          <a:fontRef idx="minor">
+            <a:schemeClr val="lt1"/>
+          </a:fontRef>
+        </p:style>
+        <p:txBody>
+          <a:bodyPr rtlCol="0" anchor="ctr"/>
+          <a:lstStyle/>
+          <a:p>
+            <a:pPr algn="ctr"/>
+            <a:endParaRPr lang="en-SG"/>
+          </a:p>
+        </p:txBody>
+      </p:sp>
+      <p:sp>
+        <p:nvSpPr>
+          <p:cNvPr id="22" name="Rectangle 21">
+            <a:extLst>
+              <a:ext uri="{FF2B5EF4-FFF2-40B4-BE49-F238E27FC236}">
+                <a16:creationId xmlns:a16="http://schemas.microsoft.com/office/drawing/2014/main" id="{B9ADE3E2-64B2-4D7F-A4F5-558EBEBDB16D}"/>
+              </a:ext>
+            </a:extLst>
+          </p:cNvPr>
+          <p:cNvSpPr/>
+          <p:nvPr/>
+        </p:nvSpPr>
+        <p:spPr>
+          <a:xfrm>
+            <a:off x="8935781" y="5865356"/>
+            <a:ext cx="536895" cy="174844"/>
+          </a:xfrm>
+          <a:prstGeom prst="rect">
+            <a:avLst/>
+          </a:prstGeom>
+          <a:solidFill>
+            <a:srgbClr val="FFFF00">
+              <a:alpha val="50000"/>
+            </a:srgbClr>
+          </a:solidFill>
+          <a:ln>
+            <a:noFill/>
+          </a:ln>
+        </p:spPr>
+        <p:style>
+          <a:lnRef idx="2">
+            <a:schemeClr val="accent1">
+              <a:shade val="50000"/>
+            </a:schemeClr>
+          </a:lnRef>
+          <a:fillRef idx="1">
+            <a:schemeClr val="accent1"/>
+          </a:fillRef>
+          <a:effectRef idx="0">
+            <a:schemeClr val="accent1"/>
+          </a:effectRef>
+          <a:fontRef idx="minor">
+            <a:schemeClr val="lt1"/>
+          </a:fontRef>
+        </p:style>
+        <p:txBody>
+          <a:bodyPr rtlCol="0" anchor="ctr"/>
+          <a:lstStyle/>
+          <a:p>
+            <a:pPr algn="ctr"/>
+            <a:endParaRPr lang="en-SG"/>
+          </a:p>
+        </p:txBody>
+      </p:sp>
+      <p:sp>
+        <p:nvSpPr>
+          <p:cNvPr id="23" name="Rectangle 22">
+            <a:extLst>
+              <a:ext uri="{FF2B5EF4-FFF2-40B4-BE49-F238E27FC236}">
+                <a16:creationId xmlns:a16="http://schemas.microsoft.com/office/drawing/2014/main" id="{480AFFD9-E8BA-4AAB-A8AA-A2A45596D6C3}"/>
+              </a:ext>
+            </a:extLst>
+          </p:cNvPr>
+          <p:cNvSpPr/>
+          <p:nvPr/>
+        </p:nvSpPr>
+        <p:spPr>
+          <a:xfrm>
+            <a:off x="8935781" y="5615401"/>
+            <a:ext cx="536895" cy="174844"/>
+          </a:xfrm>
+          <a:prstGeom prst="rect">
+            <a:avLst/>
+          </a:prstGeom>
+          <a:solidFill>
+            <a:srgbClr val="FFFF00">
+              <a:alpha val="50000"/>
+            </a:srgbClr>
+          </a:solidFill>
+          <a:ln>
+            <a:noFill/>
+          </a:ln>
+        </p:spPr>
+        <p:style>
+          <a:lnRef idx="2">
+            <a:schemeClr val="accent1">
+              <a:shade val="50000"/>
+            </a:schemeClr>
+          </a:lnRef>
+          <a:fillRef idx="1">
+            <a:schemeClr val="accent1"/>
+          </a:fillRef>
+          <a:effectRef idx="0">
+            <a:schemeClr val="accent1"/>
+          </a:effectRef>
+          <a:fontRef idx="minor">
+            <a:schemeClr val="lt1"/>
+          </a:fontRef>
+        </p:style>
+        <p:txBody>
+          <a:bodyPr rtlCol="0" anchor="ctr"/>
+          <a:lstStyle/>
+          <a:p>
+            <a:pPr algn="ctr"/>
+            <a:endParaRPr lang="en-SG"/>
+          </a:p>
+        </p:txBody>
+      </p:sp>
+      <p:sp>
+        <p:nvSpPr>
+          <p:cNvPr id="24" name="Rectangle 23">
+            <a:extLst>
+              <a:ext uri="{FF2B5EF4-FFF2-40B4-BE49-F238E27FC236}">
+                <a16:creationId xmlns:a16="http://schemas.microsoft.com/office/drawing/2014/main" id="{3C07100E-3A05-44EA-84AA-E771DD833F8D}"/>
+              </a:ext>
+            </a:extLst>
+          </p:cNvPr>
+          <p:cNvSpPr/>
+          <p:nvPr/>
+        </p:nvSpPr>
+        <p:spPr>
+          <a:xfrm>
+            <a:off x="8935781" y="5365446"/>
+            <a:ext cx="536895" cy="174844"/>
+          </a:xfrm>
+          <a:prstGeom prst="rect">
+            <a:avLst/>
+          </a:prstGeom>
+          <a:solidFill>
+            <a:srgbClr val="FFFF00">
+              <a:alpha val="50000"/>
+            </a:srgbClr>
+          </a:solidFill>
+          <a:ln>
+            <a:noFill/>
+          </a:ln>
+        </p:spPr>
+        <p:style>
+          <a:lnRef idx="2">
+            <a:schemeClr val="accent1">
+              <a:shade val="50000"/>
+            </a:schemeClr>
+          </a:lnRef>
+          <a:fillRef idx="1">
+            <a:schemeClr val="accent1"/>
+          </a:fillRef>
+          <a:effectRef idx="0">
+            <a:schemeClr val="accent1"/>
+          </a:effectRef>
+          <a:fontRef idx="minor">
+            <a:schemeClr val="lt1"/>
+          </a:fontRef>
+        </p:style>
+        <p:txBody>
+          <a:bodyPr rtlCol="0" anchor="ctr"/>
+          <a:lstStyle/>
+          <a:p>
+            <a:pPr algn="ctr"/>
+            <a:endParaRPr lang="en-SG"/>
+          </a:p>
+        </p:txBody>
+      </p:sp>
+      <p:sp>
+        <p:nvSpPr>
+          <p:cNvPr id="25" name="Rectangle 24">
+            <a:extLst>
+              <a:ext uri="{FF2B5EF4-FFF2-40B4-BE49-F238E27FC236}">
+                <a16:creationId xmlns:a16="http://schemas.microsoft.com/office/drawing/2014/main" id="{B19946C5-B164-4035-9C97-9A96A10543EE}"/>
+              </a:ext>
+            </a:extLst>
+          </p:cNvPr>
+          <p:cNvSpPr/>
+          <p:nvPr/>
+        </p:nvSpPr>
+        <p:spPr>
+          <a:xfrm>
+            <a:off x="8935780" y="5129523"/>
+            <a:ext cx="536895" cy="174844"/>
+          </a:xfrm>
+          <a:prstGeom prst="rect">
+            <a:avLst/>
+          </a:prstGeom>
+          <a:solidFill>
+            <a:srgbClr val="FFFF00">
+              <a:alpha val="50000"/>
+            </a:srgbClr>
+          </a:solidFill>
+          <a:ln>
+            <a:noFill/>
+          </a:ln>
+        </p:spPr>
+        <p:style>
+          <a:lnRef idx="2">
+            <a:schemeClr val="accent1">
+              <a:shade val="50000"/>
+            </a:schemeClr>
+          </a:lnRef>
+          <a:fillRef idx="1">
+            <a:schemeClr val="accent1"/>
+          </a:fillRef>
+          <a:effectRef idx="0">
+            <a:schemeClr val="accent1"/>
+          </a:effectRef>
+          <a:fontRef idx="minor">
+            <a:schemeClr val="lt1"/>
+          </a:fontRef>
+        </p:style>
+        <p:txBody>
+          <a:bodyPr rtlCol="0" anchor="ctr"/>
+          <a:lstStyle/>
+          <a:p>
+            <a:pPr algn="ctr"/>
+            <a:endParaRPr lang="en-SG"/>
+          </a:p>
+        </p:txBody>
+      </p:sp>
+      <p:sp>
+        <p:nvSpPr>
+          <p:cNvPr id="26" name="Rectangle 25">
+            <a:extLst>
+              <a:ext uri="{FF2B5EF4-FFF2-40B4-BE49-F238E27FC236}">
+                <a16:creationId xmlns:a16="http://schemas.microsoft.com/office/drawing/2014/main" id="{5B9007AA-1BEF-47B1-873C-6FB7731BC7EE}"/>
+              </a:ext>
+            </a:extLst>
+          </p:cNvPr>
+          <p:cNvSpPr/>
+          <p:nvPr/>
+        </p:nvSpPr>
+        <p:spPr>
+          <a:xfrm>
+            <a:off x="8935780" y="4890887"/>
+            <a:ext cx="536895" cy="174844"/>
+          </a:xfrm>
+          <a:prstGeom prst="rect">
+            <a:avLst/>
+          </a:prstGeom>
+          <a:solidFill>
+            <a:srgbClr val="FFFF00">
+              <a:alpha val="50000"/>
+            </a:srgbClr>
+          </a:solidFill>
+          <a:ln>
+            <a:noFill/>
+          </a:ln>
+        </p:spPr>
+        <p:style>
+          <a:lnRef idx="2">
+            <a:schemeClr val="accent1">
+              <a:shade val="50000"/>
+            </a:schemeClr>
+          </a:lnRef>
+          <a:fillRef idx="1">
+            <a:schemeClr val="accent1"/>
+          </a:fillRef>
+          <a:effectRef idx="0">
+            <a:schemeClr val="accent1"/>
+          </a:effectRef>
+          <a:fontRef idx="minor">
+            <a:schemeClr val="lt1"/>
+          </a:fontRef>
+        </p:style>
+        <p:txBody>
+          <a:bodyPr rtlCol="0" anchor="ctr"/>
+          <a:lstStyle/>
+          <a:p>
+            <a:pPr algn="ctr"/>
+            <a:endParaRPr lang="en-SG"/>
+          </a:p>
+        </p:txBody>
+      </p:sp>
+      <p:sp>
+        <p:nvSpPr>
+          <p:cNvPr id="27" name="Rectangle 26">
+            <a:extLst>
+              <a:ext uri="{FF2B5EF4-FFF2-40B4-BE49-F238E27FC236}">
+                <a16:creationId xmlns:a16="http://schemas.microsoft.com/office/drawing/2014/main" id="{85CF3CB5-7827-4C8D-A0ED-81AA8CBB34A9}"/>
+              </a:ext>
+            </a:extLst>
+          </p:cNvPr>
+          <p:cNvSpPr/>
+          <p:nvPr/>
+        </p:nvSpPr>
+        <p:spPr>
+          <a:xfrm>
+            <a:off x="8935779" y="4643212"/>
+            <a:ext cx="536895" cy="174844"/>
+          </a:xfrm>
+          <a:prstGeom prst="rect">
+            <a:avLst/>
+          </a:prstGeom>
+          <a:solidFill>
+            <a:srgbClr val="FFFF00">
+              <a:alpha val="50000"/>
+            </a:srgbClr>
+          </a:solidFill>
+          <a:ln>
+            <a:noFill/>
+          </a:ln>
+        </p:spPr>
+        <p:style>
+          <a:lnRef idx="2">
+            <a:schemeClr val="accent1">
+              <a:shade val="50000"/>
+            </a:schemeClr>
+          </a:lnRef>
+          <a:fillRef idx="1">
+            <a:schemeClr val="accent1"/>
+          </a:fillRef>
+          <a:effectRef idx="0">
+            <a:schemeClr val="accent1"/>
+          </a:effectRef>
+          <a:fontRef idx="minor">
+            <a:schemeClr val="lt1"/>
+          </a:fontRef>
+        </p:style>
+        <p:txBody>
+          <a:bodyPr rtlCol="0" anchor="ctr"/>
+          <a:lstStyle/>
+          <a:p>
+            <a:pPr algn="ctr"/>
+            <a:endParaRPr lang="en-SG"/>
+          </a:p>
+        </p:txBody>
+      </p:sp>
+      <p:sp>
+        <p:nvSpPr>
+          <p:cNvPr id="29" name="Rectangle 28">
+            <a:extLst>
+              <a:ext uri="{FF2B5EF4-FFF2-40B4-BE49-F238E27FC236}">
+                <a16:creationId xmlns:a16="http://schemas.microsoft.com/office/drawing/2014/main" id="{821AC5B5-1E1A-4F77-A6A4-235C2BF43AC8}"/>
+              </a:ext>
+            </a:extLst>
+          </p:cNvPr>
+          <p:cNvSpPr/>
+          <p:nvPr/>
+        </p:nvSpPr>
+        <p:spPr>
+          <a:xfrm>
+            <a:off x="8935779" y="4150604"/>
+            <a:ext cx="536895" cy="174844"/>
+          </a:xfrm>
+          <a:prstGeom prst="rect">
+            <a:avLst/>
+          </a:prstGeom>
+          <a:solidFill>
+            <a:srgbClr val="FFFF00">
+              <a:alpha val="50000"/>
+            </a:srgbClr>
+          </a:solidFill>
+          <a:ln>
+            <a:noFill/>
+          </a:ln>
+        </p:spPr>
+        <p:style>
+          <a:lnRef idx="2">
+            <a:schemeClr val="accent1">
+              <a:shade val="50000"/>
+            </a:schemeClr>
+          </a:lnRef>
+          <a:fillRef idx="1">
+            <a:schemeClr val="accent1"/>
+          </a:fillRef>
+          <a:effectRef idx="0">
+            <a:schemeClr val="accent1"/>
+          </a:effectRef>
+          <a:fontRef idx="minor">
+            <a:schemeClr val="lt1"/>
+          </a:fontRef>
+        </p:style>
+        <p:txBody>
+          <a:bodyPr rtlCol="0" anchor="ctr"/>
+          <a:lstStyle/>
+          <a:p>
+            <a:pPr algn="ctr"/>
+            <a:endParaRPr lang="en-SG"/>
+          </a:p>
+        </p:txBody>
+      </p:sp>
+      <p:sp>
+        <p:nvSpPr>
+          <p:cNvPr id="30" name="Rectangle 29">
+            <a:extLst>
+              <a:ext uri="{FF2B5EF4-FFF2-40B4-BE49-F238E27FC236}">
+                <a16:creationId xmlns:a16="http://schemas.microsoft.com/office/drawing/2014/main" id="{7C9A9C12-BE5B-401F-95A0-6CCA99BA6FC2}"/>
+              </a:ext>
+            </a:extLst>
+          </p:cNvPr>
+          <p:cNvSpPr/>
+          <p:nvPr/>
+        </p:nvSpPr>
+        <p:spPr>
+          <a:xfrm>
+            <a:off x="8348082" y="4155082"/>
+            <a:ext cx="536895" cy="174844"/>
+          </a:xfrm>
+          <a:prstGeom prst="rect">
+            <a:avLst/>
+          </a:prstGeom>
+          <a:solidFill>
+            <a:srgbClr val="FFFF00">
+              <a:alpha val="50000"/>
+            </a:srgbClr>
+          </a:solidFill>
+          <a:ln>
+            <a:noFill/>
+          </a:ln>
+        </p:spPr>
+        <p:style>
+          <a:lnRef idx="2">
+            <a:schemeClr val="accent1">
+              <a:shade val="50000"/>
+            </a:schemeClr>
+          </a:lnRef>
+          <a:fillRef idx="1">
+            <a:schemeClr val="accent1"/>
+          </a:fillRef>
+          <a:effectRef idx="0">
+            <a:schemeClr val="accent1"/>
+          </a:effectRef>
+          <a:fontRef idx="minor">
+            <a:schemeClr val="lt1"/>
+          </a:fontRef>
+        </p:style>
+        <p:txBody>
+          <a:bodyPr rtlCol="0" anchor="ctr"/>
+          <a:lstStyle/>
+          <a:p>
+            <a:pPr algn="ctr"/>
+            <a:endParaRPr lang="en-SG"/>
+          </a:p>
+        </p:txBody>
+      </p:sp>
+      <p:sp>
+        <p:nvSpPr>
+          <p:cNvPr id="31" name="Rectangle 30">
+            <a:extLst>
+              <a:ext uri="{FF2B5EF4-FFF2-40B4-BE49-F238E27FC236}">
+                <a16:creationId xmlns:a16="http://schemas.microsoft.com/office/drawing/2014/main" id="{E9C8991A-2183-4B0E-B698-A2B8A8BBE7A7}"/>
+              </a:ext>
+            </a:extLst>
+          </p:cNvPr>
+          <p:cNvSpPr/>
+          <p:nvPr/>
+        </p:nvSpPr>
+        <p:spPr>
+          <a:xfrm>
+            <a:off x="8348081" y="4395962"/>
+            <a:ext cx="536895" cy="174844"/>
+          </a:xfrm>
+          <a:prstGeom prst="rect">
+            <a:avLst/>
+          </a:prstGeom>
+          <a:solidFill>
+            <a:srgbClr val="FFFF00">
+              <a:alpha val="50000"/>
+            </a:srgbClr>
+          </a:solidFill>
+          <a:ln>
+            <a:noFill/>
+          </a:ln>
+        </p:spPr>
+        <p:style>
+          <a:lnRef idx="2">
+            <a:schemeClr val="accent1">
+              <a:shade val="50000"/>
+            </a:schemeClr>
+          </a:lnRef>
+          <a:fillRef idx="1">
+            <a:schemeClr val="accent1"/>
+          </a:fillRef>
+          <a:effectRef idx="0">
+            <a:schemeClr val="accent1"/>
+          </a:effectRef>
+          <a:fontRef idx="minor">
+            <a:schemeClr val="lt1"/>
+          </a:fontRef>
+        </p:style>
+        <p:txBody>
+          <a:bodyPr rtlCol="0" anchor="ctr"/>
+          <a:lstStyle/>
+          <a:p>
+            <a:pPr algn="ctr"/>
+            <a:endParaRPr lang="en-SG"/>
+          </a:p>
+        </p:txBody>
+      </p:sp>
+      <p:sp>
+        <p:nvSpPr>
+          <p:cNvPr id="32" name="Rectangle 31">
+            <a:extLst>
+              <a:ext uri="{FF2B5EF4-FFF2-40B4-BE49-F238E27FC236}">
+                <a16:creationId xmlns:a16="http://schemas.microsoft.com/office/drawing/2014/main" id="{B8A1922C-B78C-4129-B8C5-3D3EEB15850D}"/>
+              </a:ext>
+            </a:extLst>
+          </p:cNvPr>
+          <p:cNvSpPr/>
+          <p:nvPr/>
+        </p:nvSpPr>
+        <p:spPr>
+          <a:xfrm>
+            <a:off x="9531944" y="6106844"/>
+            <a:ext cx="536895" cy="174844"/>
+          </a:xfrm>
+          <a:prstGeom prst="rect">
+            <a:avLst/>
+          </a:prstGeom>
+          <a:solidFill>
+            <a:srgbClr val="FFFF00">
+              <a:alpha val="50000"/>
+            </a:srgbClr>
+          </a:solidFill>
+          <a:ln>
+            <a:noFill/>
+          </a:ln>
+        </p:spPr>
+        <p:style>
+          <a:lnRef idx="2">
+            <a:schemeClr val="accent1">
+              <a:shade val="50000"/>
+            </a:schemeClr>
+          </a:lnRef>
+          <a:fillRef idx="1">
+            <a:schemeClr val="accent1"/>
+          </a:fillRef>
+          <a:effectRef idx="0">
+            <a:schemeClr val="accent1"/>
+          </a:effectRef>
+          <a:fontRef idx="minor">
+            <a:schemeClr val="lt1"/>
+          </a:fontRef>
+        </p:style>
+        <p:txBody>
+          <a:bodyPr rtlCol="0" anchor="ctr"/>
+          <a:lstStyle/>
+          <a:p>
+            <a:pPr algn="ctr"/>
+            <a:endParaRPr lang="en-SG"/>
+          </a:p>
+        </p:txBody>
+      </p:sp>
+      <p:sp>
+        <p:nvSpPr>
+          <p:cNvPr id="33" name="Rectangle 32">
+            <a:extLst>
+              <a:ext uri="{FF2B5EF4-FFF2-40B4-BE49-F238E27FC236}">
+                <a16:creationId xmlns:a16="http://schemas.microsoft.com/office/drawing/2014/main" id="{7C98D8D2-B9F8-4EA8-9DD4-2E884BD47C74}"/>
+              </a:ext>
+            </a:extLst>
+          </p:cNvPr>
+          <p:cNvSpPr/>
+          <p:nvPr/>
+        </p:nvSpPr>
+        <p:spPr>
+          <a:xfrm>
+            <a:off x="9531943" y="5865356"/>
+            <a:ext cx="536895" cy="174844"/>
+          </a:xfrm>
+          <a:prstGeom prst="rect">
+            <a:avLst/>
+          </a:prstGeom>
+          <a:solidFill>
+            <a:srgbClr val="FFFF00">
+              <a:alpha val="50000"/>
+            </a:srgbClr>
+          </a:solidFill>
+          <a:ln>
+            <a:noFill/>
+          </a:ln>
+        </p:spPr>
+        <p:style>
+          <a:lnRef idx="2">
+            <a:schemeClr val="accent1">
+              <a:shade val="50000"/>
+            </a:schemeClr>
+          </a:lnRef>
+          <a:fillRef idx="1">
+            <a:schemeClr val="accent1"/>
+          </a:fillRef>
+          <a:effectRef idx="0">
+            <a:schemeClr val="accent1"/>
+          </a:effectRef>
+          <a:fontRef idx="minor">
+            <a:schemeClr val="lt1"/>
+          </a:fontRef>
+        </p:style>
+        <p:txBody>
+          <a:bodyPr rtlCol="0" anchor="ctr"/>
+          <a:lstStyle/>
+          <a:p>
+            <a:pPr algn="ctr"/>
+            <a:endParaRPr lang="en-SG"/>
+          </a:p>
+        </p:txBody>
+      </p:sp>
+      <p:sp>
+        <p:nvSpPr>
+          <p:cNvPr id="34" name="Rectangle 33">
+            <a:extLst>
+              <a:ext uri="{FF2B5EF4-FFF2-40B4-BE49-F238E27FC236}">
+                <a16:creationId xmlns:a16="http://schemas.microsoft.com/office/drawing/2014/main" id="{FFF5CE5F-721D-41F1-A615-22770441B162}"/>
+              </a:ext>
+            </a:extLst>
+          </p:cNvPr>
+          <p:cNvSpPr/>
+          <p:nvPr/>
+        </p:nvSpPr>
+        <p:spPr>
+          <a:xfrm>
+            <a:off x="9531943" y="5615401"/>
+            <a:ext cx="536895" cy="174844"/>
+          </a:xfrm>
+          <a:prstGeom prst="rect">
+            <a:avLst/>
+          </a:prstGeom>
+          <a:solidFill>
+            <a:srgbClr val="FFFF00">
+              <a:alpha val="50000"/>
+            </a:srgbClr>
+          </a:solidFill>
+          <a:ln>
+            <a:noFill/>
+          </a:ln>
+        </p:spPr>
+        <p:style>
+          <a:lnRef idx="2">
+            <a:schemeClr val="accent1">
+              <a:shade val="50000"/>
+            </a:schemeClr>
+          </a:lnRef>
+          <a:fillRef idx="1">
+            <a:schemeClr val="accent1"/>
+          </a:fillRef>
+          <a:effectRef idx="0">
+            <a:schemeClr val="accent1"/>
+          </a:effectRef>
+          <a:fontRef idx="minor">
+            <a:schemeClr val="lt1"/>
+          </a:fontRef>
+        </p:style>
+        <p:txBody>
+          <a:bodyPr rtlCol="0" anchor="ctr"/>
+          <a:lstStyle/>
+          <a:p>
+            <a:pPr algn="ctr"/>
+            <a:endParaRPr lang="en-SG"/>
+          </a:p>
+        </p:txBody>
+      </p:sp>
+      <p:sp>
+        <p:nvSpPr>
+          <p:cNvPr id="35" name="Rectangle 34">
+            <a:extLst>
+              <a:ext uri="{FF2B5EF4-FFF2-40B4-BE49-F238E27FC236}">
+                <a16:creationId xmlns:a16="http://schemas.microsoft.com/office/drawing/2014/main" id="{D331DEE2-88CA-42E7-B2A9-4392E48BB59A}"/>
+              </a:ext>
+            </a:extLst>
+          </p:cNvPr>
+          <p:cNvSpPr/>
+          <p:nvPr/>
+        </p:nvSpPr>
+        <p:spPr>
+          <a:xfrm>
+            <a:off x="9531943" y="5365446"/>
+            <a:ext cx="536895" cy="174844"/>
+          </a:xfrm>
+          <a:prstGeom prst="rect">
+            <a:avLst/>
+          </a:prstGeom>
+          <a:solidFill>
+            <a:srgbClr val="FFFF00">
+              <a:alpha val="50000"/>
+            </a:srgbClr>
+          </a:solidFill>
+          <a:ln>
+            <a:noFill/>
+          </a:ln>
+        </p:spPr>
+        <p:style>
+          <a:lnRef idx="2">
+            <a:schemeClr val="accent1">
+              <a:shade val="50000"/>
+            </a:schemeClr>
+          </a:lnRef>
+          <a:fillRef idx="1">
+            <a:schemeClr val="accent1"/>
+          </a:fillRef>
+          <a:effectRef idx="0">
+            <a:schemeClr val="accent1"/>
+          </a:effectRef>
+          <a:fontRef idx="minor">
+            <a:schemeClr val="lt1"/>
+          </a:fontRef>
+        </p:style>
+        <p:txBody>
+          <a:bodyPr rtlCol="0" anchor="ctr"/>
+          <a:lstStyle/>
+          <a:p>
+            <a:pPr algn="ctr"/>
+            <a:endParaRPr lang="en-SG"/>
+          </a:p>
+        </p:txBody>
+      </p:sp>
+      <p:sp>
+        <p:nvSpPr>
+          <p:cNvPr id="36" name="Rectangle 35">
+            <a:extLst>
+              <a:ext uri="{FF2B5EF4-FFF2-40B4-BE49-F238E27FC236}">
+                <a16:creationId xmlns:a16="http://schemas.microsoft.com/office/drawing/2014/main" id="{21F0EC89-08F7-4671-90CE-54AE110A3DD1}"/>
+              </a:ext>
+            </a:extLst>
+          </p:cNvPr>
+          <p:cNvSpPr/>
+          <p:nvPr/>
+        </p:nvSpPr>
+        <p:spPr>
+          <a:xfrm>
+            <a:off x="9531942" y="5129523"/>
+            <a:ext cx="536895" cy="174844"/>
+          </a:xfrm>
+          <a:prstGeom prst="rect">
+            <a:avLst/>
+          </a:prstGeom>
+          <a:solidFill>
+            <a:srgbClr val="FFFF00">
+              <a:alpha val="50000"/>
+            </a:srgbClr>
+          </a:solidFill>
+          <a:ln>
+            <a:noFill/>
+          </a:ln>
+        </p:spPr>
+        <p:style>
+          <a:lnRef idx="2">
+            <a:schemeClr val="accent1">
+              <a:shade val="50000"/>
+            </a:schemeClr>
+          </a:lnRef>
+          <a:fillRef idx="1">
+            <a:schemeClr val="accent1"/>
+          </a:fillRef>
+          <a:effectRef idx="0">
+            <a:schemeClr val="accent1"/>
+          </a:effectRef>
+          <a:fontRef idx="minor">
+            <a:schemeClr val="lt1"/>
+          </a:fontRef>
+        </p:style>
+        <p:txBody>
+          <a:bodyPr rtlCol="0" anchor="ctr"/>
+          <a:lstStyle/>
+          <a:p>
+            <a:pPr algn="ctr"/>
+            <a:endParaRPr lang="en-SG"/>
+          </a:p>
+        </p:txBody>
+      </p:sp>
+      <p:sp>
+        <p:nvSpPr>
+          <p:cNvPr id="37" name="Rectangle 36">
+            <a:extLst>
+              <a:ext uri="{FF2B5EF4-FFF2-40B4-BE49-F238E27FC236}">
+                <a16:creationId xmlns:a16="http://schemas.microsoft.com/office/drawing/2014/main" id="{94ABC1C2-93DE-47F9-81F7-70DC97C9A24B}"/>
+              </a:ext>
+            </a:extLst>
+          </p:cNvPr>
+          <p:cNvSpPr/>
+          <p:nvPr/>
+        </p:nvSpPr>
+        <p:spPr>
+          <a:xfrm>
+            <a:off x="9531942" y="4890887"/>
+            <a:ext cx="536895" cy="174844"/>
+          </a:xfrm>
+          <a:prstGeom prst="rect">
+            <a:avLst/>
+          </a:prstGeom>
+          <a:solidFill>
+            <a:srgbClr val="FFFF00">
+              <a:alpha val="50000"/>
+            </a:srgbClr>
+          </a:solidFill>
+          <a:ln>
+            <a:noFill/>
+          </a:ln>
+        </p:spPr>
+        <p:style>
+          <a:lnRef idx="2">
+            <a:schemeClr val="accent1">
+              <a:shade val="50000"/>
+            </a:schemeClr>
+          </a:lnRef>
+          <a:fillRef idx="1">
+            <a:schemeClr val="accent1"/>
+          </a:fillRef>
+          <a:effectRef idx="0">
+            <a:schemeClr val="accent1"/>
+          </a:effectRef>
+          <a:fontRef idx="minor">
+            <a:schemeClr val="lt1"/>
+          </a:fontRef>
+        </p:style>
+        <p:txBody>
+          <a:bodyPr rtlCol="0" anchor="ctr"/>
+          <a:lstStyle/>
+          <a:p>
+            <a:pPr algn="ctr"/>
+            <a:endParaRPr lang="en-SG"/>
+          </a:p>
+        </p:txBody>
+      </p:sp>
+      <p:sp>
+        <p:nvSpPr>
+          <p:cNvPr id="38" name="Rectangle 37">
+            <a:extLst>
+              <a:ext uri="{FF2B5EF4-FFF2-40B4-BE49-F238E27FC236}">
+                <a16:creationId xmlns:a16="http://schemas.microsoft.com/office/drawing/2014/main" id="{2147FABE-EFD6-424E-A784-7CECC7EFA0E0}"/>
+              </a:ext>
+            </a:extLst>
+          </p:cNvPr>
+          <p:cNvSpPr/>
+          <p:nvPr/>
+        </p:nvSpPr>
+        <p:spPr>
+          <a:xfrm>
+            <a:off x="9531941" y="4643212"/>
+            <a:ext cx="536895" cy="174844"/>
+          </a:xfrm>
+          <a:prstGeom prst="rect">
+            <a:avLst/>
+          </a:prstGeom>
+          <a:solidFill>
+            <a:srgbClr val="FFFF00">
+              <a:alpha val="50000"/>
+            </a:srgbClr>
+          </a:solidFill>
+          <a:ln>
+            <a:noFill/>
+          </a:ln>
+        </p:spPr>
+        <p:style>
+          <a:lnRef idx="2">
+            <a:schemeClr val="accent1">
+              <a:shade val="50000"/>
+            </a:schemeClr>
+          </a:lnRef>
+          <a:fillRef idx="1">
+            <a:schemeClr val="accent1"/>
+          </a:fillRef>
+          <a:effectRef idx="0">
+            <a:schemeClr val="accent1"/>
+          </a:effectRef>
+          <a:fontRef idx="minor">
+            <a:schemeClr val="lt1"/>
+          </a:fontRef>
+        </p:style>
+        <p:txBody>
+          <a:bodyPr rtlCol="0" anchor="ctr"/>
+          <a:lstStyle/>
+          <a:p>
+            <a:pPr algn="ctr"/>
+            <a:endParaRPr lang="en-SG"/>
+          </a:p>
+        </p:txBody>
+      </p:sp>
+      <p:sp>
+        <p:nvSpPr>
+          <p:cNvPr id="39" name="Rectangle 38">
+            <a:extLst>
+              <a:ext uri="{FF2B5EF4-FFF2-40B4-BE49-F238E27FC236}">
+                <a16:creationId xmlns:a16="http://schemas.microsoft.com/office/drawing/2014/main" id="{94DB9481-0909-4110-9A4C-06FF4CF06855}"/>
+              </a:ext>
+            </a:extLst>
+          </p:cNvPr>
+          <p:cNvSpPr/>
+          <p:nvPr/>
+        </p:nvSpPr>
+        <p:spPr>
+          <a:xfrm>
+            <a:off x="9531941" y="4155082"/>
+            <a:ext cx="536895" cy="174844"/>
+          </a:xfrm>
+          <a:prstGeom prst="rect">
+            <a:avLst/>
+          </a:prstGeom>
+          <a:solidFill>
+            <a:srgbClr val="FFFF00">
+              <a:alpha val="50000"/>
+            </a:srgbClr>
+          </a:solidFill>
+          <a:ln>
+            <a:noFill/>
+          </a:ln>
+        </p:spPr>
+        <p:style>
+          <a:lnRef idx="2">
+            <a:schemeClr val="accent1">
+              <a:shade val="50000"/>
+            </a:schemeClr>
+          </a:lnRef>
+          <a:fillRef idx="1">
+            <a:schemeClr val="accent1"/>
+          </a:fillRef>
+          <a:effectRef idx="0">
+            <a:schemeClr val="accent1"/>
+          </a:effectRef>
+          <a:fontRef idx="minor">
+            <a:schemeClr val="lt1"/>
+          </a:fontRef>
+        </p:style>
+        <p:txBody>
+          <a:bodyPr rtlCol="0" anchor="ctr"/>
+          <a:lstStyle/>
+          <a:p>
+            <a:pPr algn="ctr"/>
+            <a:endParaRPr lang="en-SG"/>
+          </a:p>
+        </p:txBody>
+      </p:sp>
+      <p:sp>
+        <p:nvSpPr>
+          <p:cNvPr id="40" name="Rectangle 39">
+            <a:extLst>
+              <a:ext uri="{FF2B5EF4-FFF2-40B4-BE49-F238E27FC236}">
+                <a16:creationId xmlns:a16="http://schemas.microsoft.com/office/drawing/2014/main" id="{66D081F2-94C5-440A-80EB-EF0D9D93AB3E}"/>
+              </a:ext>
+            </a:extLst>
+          </p:cNvPr>
+          <p:cNvSpPr/>
+          <p:nvPr/>
+        </p:nvSpPr>
+        <p:spPr>
+          <a:xfrm>
+            <a:off x="9531940" y="4395962"/>
+            <a:ext cx="536895" cy="174844"/>
+          </a:xfrm>
+          <a:prstGeom prst="rect">
+            <a:avLst/>
+          </a:prstGeom>
+          <a:solidFill>
+            <a:srgbClr val="FFFF00">
+              <a:alpha val="50000"/>
+            </a:srgbClr>
+          </a:solidFill>
+          <a:ln>
+            <a:noFill/>
+          </a:ln>
+        </p:spPr>
+        <p:style>
+          <a:lnRef idx="2">
+            <a:schemeClr val="accent1">
+              <a:shade val="50000"/>
+            </a:schemeClr>
+          </a:lnRef>
+          <a:fillRef idx="1">
+            <a:schemeClr val="accent1"/>
+          </a:fillRef>
+          <a:effectRef idx="0">
+            <a:schemeClr val="accent1"/>
+          </a:effectRef>
+          <a:fontRef idx="minor">
+            <a:schemeClr val="lt1"/>
+          </a:fontRef>
+        </p:style>
+        <p:txBody>
+          <a:bodyPr rtlCol="0" anchor="ctr"/>
+          <a:lstStyle/>
+          <a:p>
+            <a:pPr algn="ctr"/>
+            <a:endParaRPr lang="en-SG"/>
+          </a:p>
+        </p:txBody>
+      </p:sp>
+      <p:sp>
+        <p:nvSpPr>
+          <p:cNvPr id="41" name="Rectangle 40">
+            <a:extLst>
+              <a:ext uri="{FF2B5EF4-FFF2-40B4-BE49-F238E27FC236}">
+                <a16:creationId xmlns:a16="http://schemas.microsoft.com/office/drawing/2014/main" id="{F5DCA7B3-2E22-4133-A480-31F30E7C56D3}"/>
+              </a:ext>
+            </a:extLst>
+          </p:cNvPr>
+          <p:cNvSpPr/>
+          <p:nvPr/>
+        </p:nvSpPr>
+        <p:spPr>
+          <a:xfrm>
+            <a:off x="7745204" y="6102366"/>
+            <a:ext cx="536895" cy="174844"/>
+          </a:xfrm>
+          <a:prstGeom prst="rect">
+            <a:avLst/>
+          </a:prstGeom>
+          <a:solidFill>
+            <a:srgbClr val="FFFF00">
+              <a:alpha val="50000"/>
+            </a:srgbClr>
+          </a:solidFill>
+          <a:ln>
+            <a:noFill/>
+          </a:ln>
+        </p:spPr>
+        <p:style>
+          <a:lnRef idx="2">
+            <a:schemeClr val="accent1">
+              <a:shade val="50000"/>
+            </a:schemeClr>
+          </a:lnRef>
+          <a:fillRef idx="1">
+            <a:schemeClr val="accent1"/>
+          </a:fillRef>
+          <a:effectRef idx="0">
+            <a:schemeClr val="accent1"/>
+          </a:effectRef>
+          <a:fontRef idx="minor">
+            <a:schemeClr val="lt1"/>
+          </a:fontRef>
+        </p:style>
+        <p:txBody>
+          <a:bodyPr rtlCol="0" anchor="ctr"/>
+          <a:lstStyle/>
+          <a:p>
+            <a:pPr algn="ctr"/>
+            <a:endParaRPr lang="en-SG"/>
+          </a:p>
+        </p:txBody>
+      </p:sp>
+      <p:sp>
+        <p:nvSpPr>
+          <p:cNvPr id="42" name="Rectangle 41">
+            <a:extLst>
+              <a:ext uri="{FF2B5EF4-FFF2-40B4-BE49-F238E27FC236}">
+                <a16:creationId xmlns:a16="http://schemas.microsoft.com/office/drawing/2014/main" id="{ECFF49CA-A52E-49BC-ABB5-0E7860554B1A}"/>
+              </a:ext>
+            </a:extLst>
+          </p:cNvPr>
+          <p:cNvSpPr/>
+          <p:nvPr/>
+        </p:nvSpPr>
+        <p:spPr>
+          <a:xfrm>
+            <a:off x="7745203" y="5860878"/>
+            <a:ext cx="536895" cy="174844"/>
+          </a:xfrm>
+          <a:prstGeom prst="rect">
+            <a:avLst/>
+          </a:prstGeom>
+          <a:solidFill>
+            <a:srgbClr val="FFFF00">
+              <a:alpha val="50000"/>
+            </a:srgbClr>
+          </a:solidFill>
+          <a:ln>
+            <a:noFill/>
+          </a:ln>
+        </p:spPr>
+        <p:style>
+          <a:lnRef idx="2">
+            <a:schemeClr val="accent1">
+              <a:shade val="50000"/>
+            </a:schemeClr>
+          </a:lnRef>
+          <a:fillRef idx="1">
+            <a:schemeClr val="accent1"/>
+          </a:fillRef>
+          <a:effectRef idx="0">
+            <a:schemeClr val="accent1"/>
+          </a:effectRef>
+          <a:fontRef idx="minor">
+            <a:schemeClr val="lt1"/>
+          </a:fontRef>
+        </p:style>
+        <p:txBody>
+          <a:bodyPr rtlCol="0" anchor="ctr"/>
+          <a:lstStyle/>
+          <a:p>
+            <a:pPr algn="ctr"/>
+            <a:endParaRPr lang="en-SG"/>
+          </a:p>
+        </p:txBody>
+      </p:sp>
+      <p:sp>
+        <p:nvSpPr>
+          <p:cNvPr id="43" name="Rectangle 42">
+            <a:extLst>
+              <a:ext uri="{FF2B5EF4-FFF2-40B4-BE49-F238E27FC236}">
+                <a16:creationId xmlns:a16="http://schemas.microsoft.com/office/drawing/2014/main" id="{06886696-8B42-4B63-883D-B8757ECC4290}"/>
+              </a:ext>
+            </a:extLst>
+          </p:cNvPr>
+          <p:cNvSpPr/>
+          <p:nvPr/>
+        </p:nvSpPr>
+        <p:spPr>
+          <a:xfrm>
+            <a:off x="7745203" y="5610923"/>
+            <a:ext cx="536895" cy="174844"/>
+          </a:xfrm>
+          <a:prstGeom prst="rect">
+            <a:avLst/>
+          </a:prstGeom>
+          <a:solidFill>
+            <a:srgbClr val="FFFF00">
+              <a:alpha val="50000"/>
+            </a:srgbClr>
+          </a:solidFill>
+          <a:ln>
+            <a:noFill/>
+          </a:ln>
+        </p:spPr>
+        <p:style>
+          <a:lnRef idx="2">
+            <a:schemeClr val="accent1">
+              <a:shade val="50000"/>
+            </a:schemeClr>
+          </a:lnRef>
+          <a:fillRef idx="1">
+            <a:schemeClr val="accent1"/>
+          </a:fillRef>
+          <a:effectRef idx="0">
+            <a:schemeClr val="accent1"/>
+          </a:effectRef>
+          <a:fontRef idx="minor">
+            <a:schemeClr val="lt1"/>
+          </a:fontRef>
+        </p:style>
+        <p:txBody>
+          <a:bodyPr rtlCol="0" anchor="ctr"/>
+          <a:lstStyle/>
+          <a:p>
+            <a:pPr algn="ctr"/>
+            <a:endParaRPr lang="en-SG"/>
+          </a:p>
+        </p:txBody>
+      </p:sp>
+      <p:sp>
+        <p:nvSpPr>
+          <p:cNvPr id="44" name="Rectangle 43">
+            <a:extLst>
+              <a:ext uri="{FF2B5EF4-FFF2-40B4-BE49-F238E27FC236}">
+                <a16:creationId xmlns:a16="http://schemas.microsoft.com/office/drawing/2014/main" id="{168FF74A-038F-4EEA-BBA5-33058F9B8B42}"/>
+              </a:ext>
+            </a:extLst>
+          </p:cNvPr>
+          <p:cNvSpPr/>
+          <p:nvPr/>
+        </p:nvSpPr>
+        <p:spPr>
+          <a:xfrm>
+            <a:off x="7745203" y="5360968"/>
+            <a:ext cx="536895" cy="174844"/>
+          </a:xfrm>
+          <a:prstGeom prst="rect">
+            <a:avLst/>
+          </a:prstGeom>
+          <a:solidFill>
+            <a:srgbClr val="FFFF00">
+              <a:alpha val="50000"/>
+            </a:srgbClr>
+          </a:solidFill>
+          <a:ln>
+            <a:noFill/>
+          </a:ln>
+        </p:spPr>
+        <p:style>
+          <a:lnRef idx="2">
+            <a:schemeClr val="accent1">
+              <a:shade val="50000"/>
+            </a:schemeClr>
+          </a:lnRef>
+          <a:fillRef idx="1">
+            <a:schemeClr val="accent1"/>
+          </a:fillRef>
+          <a:effectRef idx="0">
+            <a:schemeClr val="accent1"/>
+          </a:effectRef>
+          <a:fontRef idx="minor">
+            <a:schemeClr val="lt1"/>
+          </a:fontRef>
+        </p:style>
+        <p:txBody>
+          <a:bodyPr rtlCol="0" anchor="ctr"/>
+          <a:lstStyle/>
+          <a:p>
+            <a:pPr algn="ctr"/>
+            <a:endParaRPr lang="en-SG"/>
+          </a:p>
+        </p:txBody>
+      </p:sp>
+      <p:sp>
+        <p:nvSpPr>
+          <p:cNvPr id="45" name="Rectangle 44">
+            <a:extLst>
+              <a:ext uri="{FF2B5EF4-FFF2-40B4-BE49-F238E27FC236}">
+                <a16:creationId xmlns:a16="http://schemas.microsoft.com/office/drawing/2014/main" id="{022254AD-0586-4F16-B73F-630FF432EF45}"/>
+              </a:ext>
+            </a:extLst>
+          </p:cNvPr>
+          <p:cNvSpPr/>
+          <p:nvPr/>
+        </p:nvSpPr>
+        <p:spPr>
+          <a:xfrm>
+            <a:off x="7745202" y="5125045"/>
+            <a:ext cx="536895" cy="174844"/>
+          </a:xfrm>
+          <a:prstGeom prst="rect">
+            <a:avLst/>
+          </a:prstGeom>
+          <a:solidFill>
+            <a:srgbClr val="FFFF00">
+              <a:alpha val="50000"/>
+            </a:srgbClr>
+          </a:solidFill>
+          <a:ln>
+            <a:noFill/>
+          </a:ln>
+        </p:spPr>
+        <p:style>
+          <a:lnRef idx="2">
+            <a:schemeClr val="accent1">
+              <a:shade val="50000"/>
+            </a:schemeClr>
+          </a:lnRef>
+          <a:fillRef idx="1">
+            <a:schemeClr val="accent1"/>
+          </a:fillRef>
+          <a:effectRef idx="0">
+            <a:schemeClr val="accent1"/>
+          </a:effectRef>
+          <a:fontRef idx="minor">
+            <a:schemeClr val="lt1"/>
+          </a:fontRef>
+        </p:style>
+        <p:txBody>
+          <a:bodyPr rtlCol="0" anchor="ctr"/>
+          <a:lstStyle/>
+          <a:p>
+            <a:pPr algn="ctr"/>
+            <a:endParaRPr lang="en-SG"/>
+          </a:p>
+        </p:txBody>
+      </p:sp>
+      <p:sp>
+        <p:nvSpPr>
+          <p:cNvPr id="47" name="Rectangle 46">
+            <a:extLst>
+              <a:ext uri="{FF2B5EF4-FFF2-40B4-BE49-F238E27FC236}">
+                <a16:creationId xmlns:a16="http://schemas.microsoft.com/office/drawing/2014/main" id="{57F83F37-F8DA-4DF8-A1AD-B54EC9A7EE96}"/>
+              </a:ext>
+            </a:extLst>
+          </p:cNvPr>
+          <p:cNvSpPr/>
+          <p:nvPr/>
+        </p:nvSpPr>
+        <p:spPr>
+          <a:xfrm>
+            <a:off x="7745201" y="4638734"/>
+            <a:ext cx="536895" cy="174844"/>
+          </a:xfrm>
+          <a:prstGeom prst="rect">
+            <a:avLst/>
+          </a:prstGeom>
+          <a:solidFill>
+            <a:srgbClr val="FFFF00">
+              <a:alpha val="50000"/>
+            </a:srgbClr>
+          </a:solidFill>
+          <a:ln>
+            <a:noFill/>
+          </a:ln>
+        </p:spPr>
+        <p:style>
+          <a:lnRef idx="2">
+            <a:schemeClr val="accent1">
+              <a:shade val="50000"/>
+            </a:schemeClr>
+          </a:lnRef>
+          <a:fillRef idx="1">
+            <a:schemeClr val="accent1"/>
+          </a:fillRef>
+          <a:effectRef idx="0">
+            <a:schemeClr val="accent1"/>
+          </a:effectRef>
+          <a:fontRef idx="minor">
+            <a:schemeClr val="lt1"/>
+          </a:fontRef>
+        </p:style>
+        <p:txBody>
+          <a:bodyPr rtlCol="0" anchor="ctr"/>
+          <a:lstStyle/>
+          <a:p>
+            <a:pPr algn="ctr"/>
+            <a:endParaRPr lang="en-SG"/>
+          </a:p>
+        </p:txBody>
+      </p:sp>
+      <p:sp>
+        <p:nvSpPr>
+          <p:cNvPr id="48" name="Rectangle 47">
+            <a:extLst>
+              <a:ext uri="{FF2B5EF4-FFF2-40B4-BE49-F238E27FC236}">
+                <a16:creationId xmlns:a16="http://schemas.microsoft.com/office/drawing/2014/main" id="{035B2056-987C-40E6-92D8-A7A319071176}"/>
+              </a:ext>
+            </a:extLst>
+          </p:cNvPr>
+          <p:cNvSpPr/>
+          <p:nvPr/>
+        </p:nvSpPr>
+        <p:spPr>
+          <a:xfrm>
+            <a:off x="7745201" y="4150604"/>
+            <a:ext cx="536895" cy="174844"/>
+          </a:xfrm>
+          <a:prstGeom prst="rect">
+            <a:avLst/>
+          </a:prstGeom>
+          <a:solidFill>
+            <a:srgbClr val="FFFF00">
+              <a:alpha val="50000"/>
+            </a:srgbClr>
+          </a:solidFill>
+          <a:ln>
+            <a:noFill/>
+          </a:ln>
+        </p:spPr>
+        <p:style>
+          <a:lnRef idx="2">
+            <a:schemeClr val="accent1">
+              <a:shade val="50000"/>
+            </a:schemeClr>
+          </a:lnRef>
+          <a:fillRef idx="1">
+            <a:schemeClr val="accent1"/>
+          </a:fillRef>
+          <a:effectRef idx="0">
+            <a:schemeClr val="accent1"/>
+          </a:effectRef>
+          <a:fontRef idx="minor">
+            <a:schemeClr val="lt1"/>
+          </a:fontRef>
+        </p:style>
+        <p:txBody>
+          <a:bodyPr rtlCol="0" anchor="ctr"/>
+          <a:lstStyle/>
+          <a:p>
+            <a:pPr algn="ctr"/>
+            <a:endParaRPr lang="en-SG"/>
+          </a:p>
+        </p:txBody>
+      </p:sp>
+      <p:sp>
+        <p:nvSpPr>
+          <p:cNvPr id="49" name="Rectangle 48">
+            <a:extLst>
+              <a:ext uri="{FF2B5EF4-FFF2-40B4-BE49-F238E27FC236}">
+                <a16:creationId xmlns:a16="http://schemas.microsoft.com/office/drawing/2014/main" id="{B1106858-5658-4C19-84C6-AE1AAFCAB6C5}"/>
+              </a:ext>
+            </a:extLst>
+          </p:cNvPr>
+          <p:cNvSpPr/>
+          <p:nvPr/>
+        </p:nvSpPr>
+        <p:spPr>
+          <a:xfrm>
+            <a:off x="7745200" y="4391484"/>
+            <a:ext cx="536895" cy="174844"/>
+          </a:xfrm>
+          <a:prstGeom prst="rect">
+            <a:avLst/>
+          </a:prstGeom>
+          <a:solidFill>
+            <a:srgbClr val="FFFF00">
+              <a:alpha val="50000"/>
+            </a:srgbClr>
+          </a:solidFill>
+          <a:ln>
+            <a:noFill/>
+          </a:ln>
+        </p:spPr>
+        <p:style>
+          <a:lnRef idx="2">
+            <a:schemeClr val="accent1">
+              <a:shade val="50000"/>
+            </a:schemeClr>
+          </a:lnRef>
+          <a:fillRef idx="1">
+            <a:schemeClr val="accent1"/>
+          </a:fillRef>
+          <a:effectRef idx="0">
+            <a:schemeClr val="accent1"/>
+          </a:effectRef>
+          <a:fontRef idx="minor">
+            <a:schemeClr val="lt1"/>
+          </a:fontRef>
+        </p:style>
+        <p:txBody>
+          <a:bodyPr rtlCol="0" anchor="ctr"/>
+          <a:lstStyle/>
+          <a:p>
+            <a:pPr algn="ctr"/>
+            <a:endParaRPr lang="en-SG"/>
+          </a:p>
+        </p:txBody>
+      </p:sp>
+      <p:sp>
+        <p:nvSpPr>
+          <p:cNvPr id="50" name="Rectangle 49">
+            <a:extLst>
+              <a:ext uri="{FF2B5EF4-FFF2-40B4-BE49-F238E27FC236}">
+                <a16:creationId xmlns:a16="http://schemas.microsoft.com/office/drawing/2014/main" id="{0BC96997-DCF1-4083-9877-84302A703489}"/>
+              </a:ext>
+            </a:extLst>
+          </p:cNvPr>
+          <p:cNvSpPr/>
+          <p:nvPr/>
+        </p:nvSpPr>
+        <p:spPr>
+          <a:xfrm>
+            <a:off x="7159620" y="6107559"/>
+            <a:ext cx="536895" cy="174844"/>
+          </a:xfrm>
+          <a:prstGeom prst="rect">
+            <a:avLst/>
+          </a:prstGeom>
+          <a:solidFill>
+            <a:srgbClr val="FFFF00">
+              <a:alpha val="50000"/>
+            </a:srgbClr>
+          </a:solidFill>
+          <a:ln>
+            <a:noFill/>
+          </a:ln>
+        </p:spPr>
+        <p:style>
+          <a:lnRef idx="2">
+            <a:schemeClr val="accent1">
+              <a:shade val="50000"/>
+            </a:schemeClr>
+          </a:lnRef>
+          <a:fillRef idx="1">
+            <a:schemeClr val="accent1"/>
+          </a:fillRef>
+          <a:effectRef idx="0">
+            <a:schemeClr val="accent1"/>
+          </a:effectRef>
+          <a:fontRef idx="minor">
+            <a:schemeClr val="lt1"/>
+          </a:fontRef>
+        </p:style>
+        <p:txBody>
+          <a:bodyPr rtlCol="0" anchor="ctr"/>
+          <a:lstStyle/>
+          <a:p>
+            <a:pPr algn="ctr"/>
+            <a:endParaRPr lang="en-SG"/>
+          </a:p>
+        </p:txBody>
+      </p:sp>
+      <p:sp>
+        <p:nvSpPr>
+          <p:cNvPr id="51" name="Rectangle 50">
+            <a:extLst>
+              <a:ext uri="{FF2B5EF4-FFF2-40B4-BE49-F238E27FC236}">
+                <a16:creationId xmlns:a16="http://schemas.microsoft.com/office/drawing/2014/main" id="{425E003A-125E-44FA-93D3-A2F132D7F17A}"/>
+              </a:ext>
+            </a:extLst>
+          </p:cNvPr>
+          <p:cNvSpPr/>
+          <p:nvPr/>
+        </p:nvSpPr>
+        <p:spPr>
+          <a:xfrm>
+            <a:off x="7159619" y="5866071"/>
+            <a:ext cx="536895" cy="174844"/>
+          </a:xfrm>
+          <a:prstGeom prst="rect">
+            <a:avLst/>
+          </a:prstGeom>
+          <a:solidFill>
+            <a:srgbClr val="FFFF00">
+              <a:alpha val="50000"/>
+            </a:srgbClr>
+          </a:solidFill>
+          <a:ln>
+            <a:noFill/>
+          </a:ln>
+        </p:spPr>
+        <p:style>
+          <a:lnRef idx="2">
+            <a:schemeClr val="accent1">
+              <a:shade val="50000"/>
+            </a:schemeClr>
+          </a:lnRef>
+          <a:fillRef idx="1">
+            <a:schemeClr val="accent1"/>
+          </a:fillRef>
+          <a:effectRef idx="0">
+            <a:schemeClr val="accent1"/>
+          </a:effectRef>
+          <a:fontRef idx="minor">
+            <a:schemeClr val="lt1"/>
+          </a:fontRef>
+        </p:style>
+        <p:txBody>
+          <a:bodyPr rtlCol="0" anchor="ctr"/>
+          <a:lstStyle/>
+          <a:p>
+            <a:pPr algn="ctr"/>
+            <a:endParaRPr lang="en-SG"/>
+          </a:p>
+        </p:txBody>
+      </p:sp>
+      <p:sp>
+        <p:nvSpPr>
+          <p:cNvPr id="55" name="Rectangle 54">
+            <a:extLst>
+              <a:ext uri="{FF2B5EF4-FFF2-40B4-BE49-F238E27FC236}">
+                <a16:creationId xmlns:a16="http://schemas.microsoft.com/office/drawing/2014/main" id="{C3318A6E-76E1-484C-8E0F-F6047B88F75D}"/>
+              </a:ext>
+            </a:extLst>
+          </p:cNvPr>
+          <p:cNvSpPr/>
+          <p:nvPr/>
+        </p:nvSpPr>
+        <p:spPr>
+          <a:xfrm>
+            <a:off x="7159618" y="4891602"/>
+            <a:ext cx="536895" cy="174844"/>
+          </a:xfrm>
+          <a:prstGeom prst="rect">
+            <a:avLst/>
+          </a:prstGeom>
+          <a:solidFill>
+            <a:srgbClr val="FFFF00">
+              <a:alpha val="50000"/>
+            </a:srgbClr>
+          </a:solidFill>
+          <a:ln>
+            <a:noFill/>
+          </a:ln>
+        </p:spPr>
+        <p:style>
+          <a:lnRef idx="2">
+            <a:schemeClr val="accent1">
+              <a:shade val="50000"/>
+            </a:schemeClr>
+          </a:lnRef>
+          <a:fillRef idx="1">
+            <a:schemeClr val="accent1"/>
+          </a:fillRef>
+          <a:effectRef idx="0">
+            <a:schemeClr val="accent1"/>
+          </a:effectRef>
+          <a:fontRef idx="minor">
+            <a:schemeClr val="lt1"/>
+          </a:fontRef>
+        </p:style>
+        <p:txBody>
+          <a:bodyPr rtlCol="0" anchor="ctr"/>
+          <a:lstStyle/>
+          <a:p>
+            <a:pPr algn="ctr"/>
+            <a:endParaRPr lang="en-SG"/>
+          </a:p>
+        </p:txBody>
+      </p:sp>
+      <p:sp>
+        <p:nvSpPr>
+          <p:cNvPr id="56" name="Rectangle 55">
+            <a:extLst>
+              <a:ext uri="{FF2B5EF4-FFF2-40B4-BE49-F238E27FC236}">
+                <a16:creationId xmlns:a16="http://schemas.microsoft.com/office/drawing/2014/main" id="{C2F308FD-F337-47BB-8EA6-30219B9E80C3}"/>
+              </a:ext>
+            </a:extLst>
+          </p:cNvPr>
+          <p:cNvSpPr/>
+          <p:nvPr/>
+        </p:nvSpPr>
+        <p:spPr>
+          <a:xfrm>
+            <a:off x="7159617" y="4643927"/>
+            <a:ext cx="536895" cy="174844"/>
+          </a:xfrm>
+          <a:prstGeom prst="rect">
+            <a:avLst/>
+          </a:prstGeom>
+          <a:solidFill>
+            <a:srgbClr val="FFFF00">
+              <a:alpha val="50000"/>
+            </a:srgbClr>
+          </a:solidFill>
+          <a:ln>
+            <a:noFill/>
+          </a:ln>
+        </p:spPr>
+        <p:style>
+          <a:lnRef idx="2">
+            <a:schemeClr val="accent1">
+              <a:shade val="50000"/>
+            </a:schemeClr>
+          </a:lnRef>
+          <a:fillRef idx="1">
+            <a:schemeClr val="accent1"/>
+          </a:fillRef>
+          <a:effectRef idx="0">
+            <a:schemeClr val="accent1"/>
+          </a:effectRef>
+          <a:fontRef idx="minor">
+            <a:schemeClr val="lt1"/>
+          </a:fontRef>
+        </p:style>
+        <p:txBody>
+          <a:bodyPr rtlCol="0" anchor="ctr"/>
+          <a:lstStyle/>
+          <a:p>
+            <a:pPr algn="ctr"/>
+            <a:endParaRPr lang="en-SG"/>
+          </a:p>
+        </p:txBody>
+      </p:sp>
+      <p:sp>
+        <p:nvSpPr>
+          <p:cNvPr id="58" name="Rectangle 57">
+            <a:extLst>
+              <a:ext uri="{FF2B5EF4-FFF2-40B4-BE49-F238E27FC236}">
+                <a16:creationId xmlns:a16="http://schemas.microsoft.com/office/drawing/2014/main" id="{BEC5B78D-CFD6-4052-879D-3EA34D2DE0AB}"/>
+              </a:ext>
+            </a:extLst>
+          </p:cNvPr>
+          <p:cNvSpPr/>
+          <p:nvPr/>
+        </p:nvSpPr>
+        <p:spPr>
+          <a:xfrm>
+            <a:off x="7159616" y="4396677"/>
+            <a:ext cx="536895" cy="174844"/>
+          </a:xfrm>
+          <a:prstGeom prst="rect">
+            <a:avLst/>
+          </a:prstGeom>
+          <a:solidFill>
+            <a:srgbClr val="FFFF00">
+              <a:alpha val="50000"/>
+            </a:srgbClr>
+          </a:solidFill>
+          <a:ln>
+            <a:noFill/>
+          </a:ln>
+        </p:spPr>
+        <p:style>
+          <a:lnRef idx="2">
+            <a:schemeClr val="accent1">
+              <a:shade val="50000"/>
+            </a:schemeClr>
+          </a:lnRef>
+          <a:fillRef idx="1">
+            <a:schemeClr val="accent1"/>
+          </a:fillRef>
+          <a:effectRef idx="0">
+            <a:schemeClr val="accent1"/>
+          </a:effectRef>
+          <a:fontRef idx="minor">
+            <a:schemeClr val="lt1"/>
+          </a:fontRef>
+        </p:style>
+        <p:txBody>
+          <a:bodyPr rtlCol="0" anchor="ctr"/>
+          <a:lstStyle/>
+          <a:p>
+            <a:pPr algn="ctr"/>
+            <a:endParaRPr lang="en-SG"/>
+          </a:p>
+        </p:txBody>
+      </p:sp>
       <p:sp>
         <p:nvSpPr>
           <p:cNvPr id="59" name="Rectangle 58">

--- a/diabetes_classifier.pptx
+++ b/diabetes_classifier.pptx
@@ -274,7 +274,7 @@
           <a:p>
             <a:fld id="{159A2670-0965-4332-9A3B-E762AC6DCCD7}" type="datetimeFigureOut">
               <a:rPr lang="en-SG" smtClean="0"/>
-              <a:t>16/11/2019</a:t>
+              <a:t>17/11/2019</a:t>
             </a:fld>
             <a:endParaRPr lang="en-SG"/>
           </a:p>
@@ -474,7 +474,7 @@
           <a:p>
             <a:fld id="{159A2670-0965-4332-9A3B-E762AC6DCCD7}" type="datetimeFigureOut">
               <a:rPr lang="en-SG" smtClean="0"/>
-              <a:t>16/11/2019</a:t>
+              <a:t>17/11/2019</a:t>
             </a:fld>
             <a:endParaRPr lang="en-SG"/>
           </a:p>
@@ -684,7 +684,7 @@
           <a:p>
             <a:fld id="{159A2670-0965-4332-9A3B-E762AC6DCCD7}" type="datetimeFigureOut">
               <a:rPr lang="en-SG" smtClean="0"/>
-              <a:t>16/11/2019</a:t>
+              <a:t>17/11/2019</a:t>
             </a:fld>
             <a:endParaRPr lang="en-SG"/>
           </a:p>
@@ -884,7 +884,7 @@
           <a:p>
             <a:fld id="{159A2670-0965-4332-9A3B-E762AC6DCCD7}" type="datetimeFigureOut">
               <a:rPr lang="en-SG" smtClean="0"/>
-              <a:t>16/11/2019</a:t>
+              <a:t>17/11/2019</a:t>
             </a:fld>
             <a:endParaRPr lang="en-SG"/>
           </a:p>
@@ -1160,7 +1160,7 @@
           <a:p>
             <a:fld id="{159A2670-0965-4332-9A3B-E762AC6DCCD7}" type="datetimeFigureOut">
               <a:rPr lang="en-SG" smtClean="0"/>
-              <a:t>16/11/2019</a:t>
+              <a:t>17/11/2019</a:t>
             </a:fld>
             <a:endParaRPr lang="en-SG"/>
           </a:p>
@@ -1428,7 +1428,7 @@
           <a:p>
             <a:fld id="{159A2670-0965-4332-9A3B-E762AC6DCCD7}" type="datetimeFigureOut">
               <a:rPr lang="en-SG" smtClean="0"/>
-              <a:t>16/11/2019</a:t>
+              <a:t>17/11/2019</a:t>
             </a:fld>
             <a:endParaRPr lang="en-SG"/>
           </a:p>
@@ -1843,7 +1843,7 @@
           <a:p>
             <a:fld id="{159A2670-0965-4332-9A3B-E762AC6DCCD7}" type="datetimeFigureOut">
               <a:rPr lang="en-SG" smtClean="0"/>
-              <a:t>16/11/2019</a:t>
+              <a:t>17/11/2019</a:t>
             </a:fld>
             <a:endParaRPr lang="en-SG"/>
           </a:p>
@@ -1985,7 +1985,7 @@
           <a:p>
             <a:fld id="{159A2670-0965-4332-9A3B-E762AC6DCCD7}" type="datetimeFigureOut">
               <a:rPr lang="en-SG" smtClean="0"/>
-              <a:t>16/11/2019</a:t>
+              <a:t>17/11/2019</a:t>
             </a:fld>
             <a:endParaRPr lang="en-SG"/>
           </a:p>
@@ -2098,7 +2098,7 @@
           <a:p>
             <a:fld id="{159A2670-0965-4332-9A3B-E762AC6DCCD7}" type="datetimeFigureOut">
               <a:rPr lang="en-SG" smtClean="0"/>
-              <a:t>16/11/2019</a:t>
+              <a:t>17/11/2019</a:t>
             </a:fld>
             <a:endParaRPr lang="en-SG"/>
           </a:p>
@@ -2411,7 +2411,7 @@
           <a:p>
             <a:fld id="{159A2670-0965-4332-9A3B-E762AC6DCCD7}" type="datetimeFigureOut">
               <a:rPr lang="en-SG" smtClean="0"/>
-              <a:t>16/11/2019</a:t>
+              <a:t>17/11/2019</a:t>
             </a:fld>
             <a:endParaRPr lang="en-SG"/>
           </a:p>
@@ -2700,7 +2700,7 @@
           <a:p>
             <a:fld id="{159A2670-0965-4332-9A3B-E762AC6DCCD7}" type="datetimeFigureOut">
               <a:rPr lang="en-SG" smtClean="0"/>
-              <a:t>16/11/2019</a:t>
+              <a:t>17/11/2019</a:t>
             </a:fld>
             <a:endParaRPr lang="en-SG"/>
           </a:p>
@@ -2943,7 +2943,7 @@
           <a:p>
             <a:fld id="{159A2670-0965-4332-9A3B-E762AC6DCCD7}" type="datetimeFigureOut">
               <a:rPr lang="en-SG" smtClean="0"/>
-              <a:t>16/11/2019</a:t>
+              <a:t>17/11/2019</a:t>
             </a:fld>
             <a:endParaRPr lang="en-SG"/>
           </a:p>
@@ -7627,7 +7627,7 @@
               <a:pPr algn="ctr"/>
               <a:r>
                 <a:rPr lang="en-SG" dirty="0"/>
-                <a:t>proportion of correct predictions out of all true diabetic cases</a:t>
+                <a:t>proportion of correct predictions out of all actual diabetic cases</a:t>
               </a:r>
             </a:p>
           </p:txBody>

--- a/diabetes_classifier.pptx
+++ b/diabetes_classifier.pptx
@@ -274,7 +274,7 @@
           <a:p>
             <a:fld id="{159A2670-0965-4332-9A3B-E762AC6DCCD7}" type="datetimeFigureOut">
               <a:rPr lang="en-SG" smtClean="0"/>
-              <a:t>17/11/2019</a:t>
+              <a:t>27/11/2019</a:t>
             </a:fld>
             <a:endParaRPr lang="en-SG"/>
           </a:p>
@@ -474,7 +474,7 @@
           <a:p>
             <a:fld id="{159A2670-0965-4332-9A3B-E762AC6DCCD7}" type="datetimeFigureOut">
               <a:rPr lang="en-SG" smtClean="0"/>
-              <a:t>17/11/2019</a:t>
+              <a:t>27/11/2019</a:t>
             </a:fld>
             <a:endParaRPr lang="en-SG"/>
           </a:p>
@@ -684,7 +684,7 @@
           <a:p>
             <a:fld id="{159A2670-0965-4332-9A3B-E762AC6DCCD7}" type="datetimeFigureOut">
               <a:rPr lang="en-SG" smtClean="0"/>
-              <a:t>17/11/2019</a:t>
+              <a:t>27/11/2019</a:t>
             </a:fld>
             <a:endParaRPr lang="en-SG"/>
           </a:p>
@@ -884,7 +884,7 @@
           <a:p>
             <a:fld id="{159A2670-0965-4332-9A3B-E762AC6DCCD7}" type="datetimeFigureOut">
               <a:rPr lang="en-SG" smtClean="0"/>
-              <a:t>17/11/2019</a:t>
+              <a:t>27/11/2019</a:t>
             </a:fld>
             <a:endParaRPr lang="en-SG"/>
           </a:p>
@@ -1160,7 +1160,7 @@
           <a:p>
             <a:fld id="{159A2670-0965-4332-9A3B-E762AC6DCCD7}" type="datetimeFigureOut">
               <a:rPr lang="en-SG" smtClean="0"/>
-              <a:t>17/11/2019</a:t>
+              <a:t>27/11/2019</a:t>
             </a:fld>
             <a:endParaRPr lang="en-SG"/>
           </a:p>
@@ -1428,7 +1428,7 @@
           <a:p>
             <a:fld id="{159A2670-0965-4332-9A3B-E762AC6DCCD7}" type="datetimeFigureOut">
               <a:rPr lang="en-SG" smtClean="0"/>
-              <a:t>17/11/2019</a:t>
+              <a:t>27/11/2019</a:t>
             </a:fld>
             <a:endParaRPr lang="en-SG"/>
           </a:p>
@@ -1843,7 +1843,7 @@
           <a:p>
             <a:fld id="{159A2670-0965-4332-9A3B-E762AC6DCCD7}" type="datetimeFigureOut">
               <a:rPr lang="en-SG" smtClean="0"/>
-              <a:t>17/11/2019</a:t>
+              <a:t>27/11/2019</a:t>
             </a:fld>
             <a:endParaRPr lang="en-SG"/>
           </a:p>
@@ -1985,7 +1985,7 @@
           <a:p>
             <a:fld id="{159A2670-0965-4332-9A3B-E762AC6DCCD7}" type="datetimeFigureOut">
               <a:rPr lang="en-SG" smtClean="0"/>
-              <a:t>17/11/2019</a:t>
+              <a:t>27/11/2019</a:t>
             </a:fld>
             <a:endParaRPr lang="en-SG"/>
           </a:p>
@@ -2098,7 +2098,7 @@
           <a:p>
             <a:fld id="{159A2670-0965-4332-9A3B-E762AC6DCCD7}" type="datetimeFigureOut">
               <a:rPr lang="en-SG" smtClean="0"/>
-              <a:t>17/11/2019</a:t>
+              <a:t>27/11/2019</a:t>
             </a:fld>
             <a:endParaRPr lang="en-SG"/>
           </a:p>
@@ -2411,7 +2411,7 @@
           <a:p>
             <a:fld id="{159A2670-0965-4332-9A3B-E762AC6DCCD7}" type="datetimeFigureOut">
               <a:rPr lang="en-SG" smtClean="0"/>
-              <a:t>17/11/2019</a:t>
+              <a:t>27/11/2019</a:t>
             </a:fld>
             <a:endParaRPr lang="en-SG"/>
           </a:p>
@@ -2700,7 +2700,7 @@
           <a:p>
             <a:fld id="{159A2670-0965-4332-9A3B-E762AC6DCCD7}" type="datetimeFigureOut">
               <a:rPr lang="en-SG" smtClean="0"/>
-              <a:t>17/11/2019</a:t>
+              <a:t>27/11/2019</a:t>
             </a:fld>
             <a:endParaRPr lang="en-SG"/>
           </a:p>
@@ -2943,7 +2943,7 @@
           <a:p>
             <a:fld id="{159A2670-0965-4332-9A3B-E762AC6DCCD7}" type="datetimeFigureOut">
               <a:rPr lang="en-SG" smtClean="0"/>
-              <a:t>17/11/2019</a:t>
+              <a:t>27/11/2019</a:t>
             </a:fld>
             <a:endParaRPr lang="en-SG"/>
           </a:p>
@@ -10497,8 +10497,8 @@
         </p:nvSpPr>
         <p:spPr>
           <a:xfrm>
-            <a:off x="5257800" y="1833848"/>
-            <a:ext cx="6096000" cy="4247317"/>
+            <a:off x="5371011" y="1414562"/>
+            <a:ext cx="6096000" cy="5078313"/>
           </a:xfrm>
           <a:prstGeom prst="rect">
             <a:avLst/>
@@ -10529,7 +10529,17 @@
             </a:r>
             <a:r>
               <a:rPr lang="en-SG" dirty="0"/>
-              <a:t>: proportion of correct predictions out of the whole dataset. Be careful when the target class is imbalance, for example, if a model predicts all flight passengers as non-terrorist, then the model would be 99.99% accurate.</a:t>
+              <a:t>: proportion of correct predictions out of the whole dataset. Be careful when the target class is imbalance, for example, if a model predicts nobody to have </a:t>
+            </a:r>
+            <a:r>
+              <a:rPr lang="en-SG" dirty="0">
+                <a:hlinkClick r:id="rId3"/>
+              </a:rPr>
+              <a:t>Glucose-6-Phosphate Dehydrogenase (G6PD) Deficiency</a:t>
+            </a:r>
+            <a:r>
+              <a:rPr lang="en-SG" dirty="0"/>
+              <a:t>, then such useless model would be 95% accurate.</a:t>
             </a:r>
             <a:br>
               <a:rPr lang="en-SG" dirty="0"/>
@@ -10540,13 +10550,13 @@
             </a:r>
             <a:r>
               <a:rPr lang="en-SG" dirty="0">
-                <a:hlinkClick r:id="rId3"/>
+                <a:hlinkClick r:id="rId4"/>
               </a:rPr>
               <a:t>Precision Score</a:t>
             </a:r>
             <a:r>
               <a:rPr lang="en-SG" dirty="0"/>
-              <a:t>: proportion of correct predictions out of all predictions.</a:t>
+              <a:t>: proportion of correct predictions out of all predicted diabetic cases.</a:t>
             </a:r>
             <a:br>
               <a:rPr lang="en-SG" dirty="0"/>
@@ -10557,13 +10567,13 @@
             </a:r>
             <a:r>
               <a:rPr lang="en-SG" dirty="0">
-                <a:hlinkClick r:id="rId4"/>
+                <a:hlinkClick r:id="rId5"/>
               </a:rPr>
               <a:t>Recall Score</a:t>
             </a:r>
             <a:r>
               <a:rPr lang="en-SG" dirty="0"/>
-              <a:t>: proportion of correct predictions out of all actual true cases. </a:t>
+              <a:t>: proportion of correct predictions out of all actual diabetic cases. </a:t>
             </a:r>
             <a:br>
               <a:rPr lang="en-SG" dirty="0"/>
@@ -10574,7 +10584,7 @@
             </a:r>
             <a:r>
               <a:rPr lang="en-SG" dirty="0">
-                <a:hlinkClick r:id="rId5"/>
+                <a:hlinkClick r:id="rId6"/>
               </a:rPr>
               <a:t>F1 Score</a:t>
             </a:r>
@@ -10591,7 +10601,7 @@
             </a:r>
             <a:r>
               <a:rPr lang="en-SG" dirty="0">
-                <a:hlinkClick r:id="rId6"/>
+                <a:hlinkClick r:id="rId7"/>
               </a:rPr>
               <a:t>Area Under ROC Curve</a:t>
             </a:r>
@@ -10608,13 +10618,13 @@
             </a:r>
             <a:r>
               <a:rPr lang="en-SG" dirty="0">
-                <a:hlinkClick r:id="rId7"/>
+                <a:hlinkClick r:id="rId8"/>
               </a:rPr>
               <a:t>Log Loss</a:t>
             </a:r>
             <a:r>
               <a:rPr lang="en-SG" dirty="0"/>
-              <a:t>: </a:t>
+              <a:t>: aka logistic loss or cross-entropy loss, defined as the negative log-likelihood of the true labels given a probabilistic classifier’s predictions, and has to be as low as possible.</a:t>
             </a:r>
           </a:p>
         </p:txBody>

--- a/diabetes_classifier.pptx
+++ b/diabetes_classifier.pptx
@@ -274,7 +274,7 @@
           <a:p>
             <a:fld id="{159A2670-0965-4332-9A3B-E762AC6DCCD7}" type="datetimeFigureOut">
               <a:rPr lang="en-SG" smtClean="0"/>
-              <a:t>27/11/2019</a:t>
+              <a:t>8/5/2021</a:t>
             </a:fld>
             <a:endParaRPr lang="en-SG"/>
           </a:p>
@@ -474,7 +474,7 @@
           <a:p>
             <a:fld id="{159A2670-0965-4332-9A3B-E762AC6DCCD7}" type="datetimeFigureOut">
               <a:rPr lang="en-SG" smtClean="0"/>
-              <a:t>27/11/2019</a:t>
+              <a:t>8/5/2021</a:t>
             </a:fld>
             <a:endParaRPr lang="en-SG"/>
           </a:p>
@@ -684,7 +684,7 @@
           <a:p>
             <a:fld id="{159A2670-0965-4332-9A3B-E762AC6DCCD7}" type="datetimeFigureOut">
               <a:rPr lang="en-SG" smtClean="0"/>
-              <a:t>27/11/2019</a:t>
+              <a:t>8/5/2021</a:t>
             </a:fld>
             <a:endParaRPr lang="en-SG"/>
           </a:p>
@@ -884,7 +884,7 @@
           <a:p>
             <a:fld id="{159A2670-0965-4332-9A3B-E762AC6DCCD7}" type="datetimeFigureOut">
               <a:rPr lang="en-SG" smtClean="0"/>
-              <a:t>27/11/2019</a:t>
+              <a:t>8/5/2021</a:t>
             </a:fld>
             <a:endParaRPr lang="en-SG"/>
           </a:p>
@@ -1160,7 +1160,7 @@
           <a:p>
             <a:fld id="{159A2670-0965-4332-9A3B-E762AC6DCCD7}" type="datetimeFigureOut">
               <a:rPr lang="en-SG" smtClean="0"/>
-              <a:t>27/11/2019</a:t>
+              <a:t>8/5/2021</a:t>
             </a:fld>
             <a:endParaRPr lang="en-SG"/>
           </a:p>
@@ -1428,7 +1428,7 @@
           <a:p>
             <a:fld id="{159A2670-0965-4332-9A3B-E762AC6DCCD7}" type="datetimeFigureOut">
               <a:rPr lang="en-SG" smtClean="0"/>
-              <a:t>27/11/2019</a:t>
+              <a:t>8/5/2021</a:t>
             </a:fld>
             <a:endParaRPr lang="en-SG"/>
           </a:p>
@@ -1843,7 +1843,7 @@
           <a:p>
             <a:fld id="{159A2670-0965-4332-9A3B-E762AC6DCCD7}" type="datetimeFigureOut">
               <a:rPr lang="en-SG" smtClean="0"/>
-              <a:t>27/11/2019</a:t>
+              <a:t>8/5/2021</a:t>
             </a:fld>
             <a:endParaRPr lang="en-SG"/>
           </a:p>
@@ -1985,7 +1985,7 @@
           <a:p>
             <a:fld id="{159A2670-0965-4332-9A3B-E762AC6DCCD7}" type="datetimeFigureOut">
               <a:rPr lang="en-SG" smtClean="0"/>
-              <a:t>27/11/2019</a:t>
+              <a:t>8/5/2021</a:t>
             </a:fld>
             <a:endParaRPr lang="en-SG"/>
           </a:p>
@@ -2098,7 +2098,7 @@
           <a:p>
             <a:fld id="{159A2670-0965-4332-9A3B-E762AC6DCCD7}" type="datetimeFigureOut">
               <a:rPr lang="en-SG" smtClean="0"/>
-              <a:t>27/11/2019</a:t>
+              <a:t>8/5/2021</a:t>
             </a:fld>
             <a:endParaRPr lang="en-SG"/>
           </a:p>
@@ -2411,7 +2411,7 @@
           <a:p>
             <a:fld id="{159A2670-0965-4332-9A3B-E762AC6DCCD7}" type="datetimeFigureOut">
               <a:rPr lang="en-SG" smtClean="0"/>
-              <a:t>27/11/2019</a:t>
+              <a:t>8/5/2021</a:t>
             </a:fld>
             <a:endParaRPr lang="en-SG"/>
           </a:p>
@@ -2700,7 +2700,7 @@
           <a:p>
             <a:fld id="{159A2670-0965-4332-9A3B-E762AC6DCCD7}" type="datetimeFigureOut">
               <a:rPr lang="en-SG" smtClean="0"/>
-              <a:t>27/11/2019</a:t>
+              <a:t>8/5/2021</a:t>
             </a:fld>
             <a:endParaRPr lang="en-SG"/>
           </a:p>
@@ -2943,7 +2943,7 @@
           <a:p>
             <a:fld id="{159A2670-0965-4332-9A3B-E762AC6DCCD7}" type="datetimeFigureOut">
               <a:rPr lang="en-SG" smtClean="0"/>
-              <a:t>27/11/2019</a:t>
+              <a:t>8/5/2021</a:t>
             </a:fld>
             <a:endParaRPr lang="en-SG"/>
           </a:p>
@@ -9916,8 +9916,372 @@
         </p:nvSpPr>
         <p:spPr>
           <a:xfrm>
-            <a:off x="1684627" y="6056338"/>
-            <a:ext cx="186118" cy="369332"/>
+            <a:off x="1684627" y="1214747"/>
+            <a:ext cx="177424" cy="5210923"/>
+          </a:xfrm>
+          <a:prstGeom prst="rect">
+            <a:avLst/>
+          </a:prstGeom>
+          <a:noFill/>
+          <a:ln w="19050">
+            <a:solidFill>
+              <a:srgbClr val="FF0000"/>
+            </a:solidFill>
+          </a:ln>
+        </p:spPr>
+        <p:style>
+          <a:lnRef idx="2">
+            <a:schemeClr val="accent1">
+              <a:shade val="50000"/>
+            </a:schemeClr>
+          </a:lnRef>
+          <a:fillRef idx="1">
+            <a:schemeClr val="accent1"/>
+          </a:fillRef>
+          <a:effectRef idx="0">
+            <a:schemeClr val="accent1"/>
+          </a:effectRef>
+          <a:fontRef idx="minor">
+            <a:schemeClr val="lt1"/>
+          </a:fontRef>
+        </p:style>
+        <p:txBody>
+          <a:bodyPr rtlCol="0" anchor="ctr"/>
+          <a:lstStyle/>
+          <a:p>
+            <a:pPr algn="ctr"/>
+            <a:endParaRPr lang="en-SG"/>
+          </a:p>
+        </p:txBody>
+      </p:sp>
+      <p:sp>
+        <p:nvSpPr>
+          <p:cNvPr id="9" name="Rectangle 8">
+            <a:extLst>
+              <a:ext uri="{FF2B5EF4-FFF2-40B4-BE49-F238E27FC236}">
+                <a16:creationId xmlns:a16="http://schemas.microsoft.com/office/drawing/2014/main" id="{28F73EF6-0097-4A88-B8E4-BCAD7AF402A8}"/>
+              </a:ext>
+            </a:extLst>
+          </p:cNvPr>
+          <p:cNvSpPr/>
+          <p:nvPr/>
+        </p:nvSpPr>
+        <p:spPr>
+          <a:xfrm>
+            <a:off x="982378" y="1214747"/>
+            <a:ext cx="177424" cy="5210923"/>
+          </a:xfrm>
+          <a:prstGeom prst="rect">
+            <a:avLst/>
+          </a:prstGeom>
+          <a:noFill/>
+          <a:ln w="19050">
+            <a:solidFill>
+              <a:srgbClr val="FF0000"/>
+            </a:solidFill>
+          </a:ln>
+        </p:spPr>
+        <p:style>
+          <a:lnRef idx="2">
+            <a:schemeClr val="accent1">
+              <a:shade val="50000"/>
+            </a:schemeClr>
+          </a:lnRef>
+          <a:fillRef idx="1">
+            <a:schemeClr val="accent1"/>
+          </a:fillRef>
+          <a:effectRef idx="0">
+            <a:schemeClr val="accent1"/>
+          </a:effectRef>
+          <a:fontRef idx="minor">
+            <a:schemeClr val="lt1"/>
+          </a:fontRef>
+        </p:style>
+        <p:txBody>
+          <a:bodyPr rtlCol="0" anchor="ctr"/>
+          <a:lstStyle/>
+          <a:p>
+            <a:pPr algn="ctr"/>
+            <a:endParaRPr lang="en-SG"/>
+          </a:p>
+        </p:txBody>
+      </p:sp>
+      <p:sp>
+        <p:nvSpPr>
+          <p:cNvPr id="12" name="Rectangle 11">
+            <a:extLst>
+              <a:ext uri="{FF2B5EF4-FFF2-40B4-BE49-F238E27FC236}">
+                <a16:creationId xmlns:a16="http://schemas.microsoft.com/office/drawing/2014/main" id="{7B34D4E6-634B-4A0C-901E-95FFE132DB32}"/>
+              </a:ext>
+            </a:extLst>
+          </p:cNvPr>
+          <p:cNvSpPr/>
+          <p:nvPr/>
+        </p:nvSpPr>
+        <p:spPr>
+          <a:xfrm>
+            <a:off x="2382896" y="1202777"/>
+            <a:ext cx="177424" cy="5210923"/>
+          </a:xfrm>
+          <a:prstGeom prst="rect">
+            <a:avLst/>
+          </a:prstGeom>
+          <a:noFill/>
+          <a:ln w="19050">
+            <a:solidFill>
+              <a:srgbClr val="FF0000"/>
+            </a:solidFill>
+          </a:ln>
+        </p:spPr>
+        <p:style>
+          <a:lnRef idx="2">
+            <a:schemeClr val="accent1">
+              <a:shade val="50000"/>
+            </a:schemeClr>
+          </a:lnRef>
+          <a:fillRef idx="1">
+            <a:schemeClr val="accent1"/>
+          </a:fillRef>
+          <a:effectRef idx="0">
+            <a:schemeClr val="accent1"/>
+          </a:effectRef>
+          <a:fontRef idx="minor">
+            <a:schemeClr val="lt1"/>
+          </a:fontRef>
+        </p:style>
+        <p:txBody>
+          <a:bodyPr rtlCol="0" anchor="ctr"/>
+          <a:lstStyle/>
+          <a:p>
+            <a:pPr algn="ctr"/>
+            <a:endParaRPr lang="en-SG"/>
+          </a:p>
+        </p:txBody>
+      </p:sp>
+      <p:sp>
+        <p:nvSpPr>
+          <p:cNvPr id="13" name="Rectangle 12">
+            <a:extLst>
+              <a:ext uri="{FF2B5EF4-FFF2-40B4-BE49-F238E27FC236}">
+                <a16:creationId xmlns:a16="http://schemas.microsoft.com/office/drawing/2014/main" id="{B5D494E3-05DD-4D40-ADE8-E88DDBF5A829}"/>
+              </a:ext>
+            </a:extLst>
+          </p:cNvPr>
+          <p:cNvSpPr/>
+          <p:nvPr/>
+        </p:nvSpPr>
+        <p:spPr>
+          <a:xfrm>
+            <a:off x="3809011" y="1196792"/>
+            <a:ext cx="177424" cy="5210923"/>
+          </a:xfrm>
+          <a:prstGeom prst="rect">
+            <a:avLst/>
+          </a:prstGeom>
+          <a:noFill/>
+          <a:ln w="19050">
+            <a:solidFill>
+              <a:srgbClr val="FF0000"/>
+            </a:solidFill>
+          </a:ln>
+        </p:spPr>
+        <p:style>
+          <a:lnRef idx="2">
+            <a:schemeClr val="accent1">
+              <a:shade val="50000"/>
+            </a:schemeClr>
+          </a:lnRef>
+          <a:fillRef idx="1">
+            <a:schemeClr val="accent1"/>
+          </a:fillRef>
+          <a:effectRef idx="0">
+            <a:schemeClr val="accent1"/>
+          </a:effectRef>
+          <a:fontRef idx="minor">
+            <a:schemeClr val="lt1"/>
+          </a:fontRef>
+        </p:style>
+        <p:txBody>
+          <a:bodyPr rtlCol="0" anchor="ctr"/>
+          <a:lstStyle/>
+          <a:p>
+            <a:pPr algn="ctr"/>
+            <a:endParaRPr lang="en-SG"/>
+          </a:p>
+        </p:txBody>
+      </p:sp>
+      <p:sp>
+        <p:nvSpPr>
+          <p:cNvPr id="14" name="Rectangle 13">
+            <a:extLst>
+              <a:ext uri="{FF2B5EF4-FFF2-40B4-BE49-F238E27FC236}">
+                <a16:creationId xmlns:a16="http://schemas.microsoft.com/office/drawing/2014/main" id="{BA804A49-794B-4D6E-A93F-B0C4F7A5BAA9}"/>
+              </a:ext>
+            </a:extLst>
+          </p:cNvPr>
+          <p:cNvSpPr/>
+          <p:nvPr/>
+        </p:nvSpPr>
+        <p:spPr>
+          <a:xfrm rot="5400000">
+            <a:off x="2916021" y="888831"/>
+            <a:ext cx="172585" cy="5654260"/>
+          </a:xfrm>
+          <a:prstGeom prst="rect">
+            <a:avLst/>
+          </a:prstGeom>
+          <a:noFill/>
+          <a:ln w="19050">
+            <a:solidFill>
+              <a:srgbClr val="FF0000"/>
+            </a:solidFill>
+          </a:ln>
+        </p:spPr>
+        <p:style>
+          <a:lnRef idx="2">
+            <a:schemeClr val="accent1">
+              <a:shade val="50000"/>
+            </a:schemeClr>
+          </a:lnRef>
+          <a:fillRef idx="1">
+            <a:schemeClr val="accent1"/>
+          </a:fillRef>
+          <a:effectRef idx="0">
+            <a:schemeClr val="accent1"/>
+          </a:effectRef>
+          <a:fontRef idx="minor">
+            <a:schemeClr val="lt1"/>
+          </a:fontRef>
+        </p:style>
+        <p:txBody>
+          <a:bodyPr rtlCol="0" anchor="ctr"/>
+          <a:lstStyle/>
+          <a:p>
+            <a:pPr algn="ctr"/>
+            <a:endParaRPr lang="en-SG"/>
+          </a:p>
+        </p:txBody>
+      </p:sp>
+      <p:sp>
+        <p:nvSpPr>
+          <p:cNvPr id="15" name="Rectangle 14">
+            <a:extLst>
+              <a:ext uri="{FF2B5EF4-FFF2-40B4-BE49-F238E27FC236}">
+                <a16:creationId xmlns:a16="http://schemas.microsoft.com/office/drawing/2014/main" id="{3DD118C8-B1AD-4903-AA21-5AFE3DB9E38B}"/>
+              </a:ext>
+            </a:extLst>
+          </p:cNvPr>
+          <p:cNvSpPr/>
+          <p:nvPr/>
+        </p:nvSpPr>
+        <p:spPr>
+          <a:xfrm rot="5400000">
+            <a:off x="2938737" y="237105"/>
+            <a:ext cx="172584" cy="5654260"/>
+          </a:xfrm>
+          <a:prstGeom prst="rect">
+            <a:avLst/>
+          </a:prstGeom>
+          <a:noFill/>
+          <a:ln w="19050">
+            <a:solidFill>
+              <a:srgbClr val="FF0000"/>
+            </a:solidFill>
+          </a:ln>
+        </p:spPr>
+        <p:style>
+          <a:lnRef idx="2">
+            <a:schemeClr val="accent1">
+              <a:shade val="50000"/>
+            </a:schemeClr>
+          </a:lnRef>
+          <a:fillRef idx="1">
+            <a:schemeClr val="accent1"/>
+          </a:fillRef>
+          <a:effectRef idx="0">
+            <a:schemeClr val="accent1"/>
+          </a:effectRef>
+          <a:fontRef idx="minor">
+            <a:schemeClr val="lt1"/>
+          </a:fontRef>
+        </p:style>
+        <p:txBody>
+          <a:bodyPr rtlCol="0" anchor="ctr"/>
+          <a:lstStyle/>
+          <a:p>
+            <a:pPr algn="ctr"/>
+            <a:endParaRPr lang="en-SG"/>
+          </a:p>
+        </p:txBody>
+      </p:sp>
+      <p:sp>
+        <p:nvSpPr>
+          <p:cNvPr id="16" name="Rectangle 15">
+            <a:extLst>
+              <a:ext uri="{FF2B5EF4-FFF2-40B4-BE49-F238E27FC236}">
+                <a16:creationId xmlns:a16="http://schemas.microsoft.com/office/drawing/2014/main" id="{4F8267E0-ABAA-4886-BE0A-52F66C165E7A}"/>
+              </a:ext>
+            </a:extLst>
+          </p:cNvPr>
+          <p:cNvSpPr/>
+          <p:nvPr/>
+        </p:nvSpPr>
+        <p:spPr>
+          <a:xfrm rot="5400000">
+            <a:off x="2938736" y="2191562"/>
+            <a:ext cx="172585" cy="5654260"/>
+          </a:xfrm>
+          <a:prstGeom prst="rect">
+            <a:avLst/>
+          </a:prstGeom>
+          <a:noFill/>
+          <a:ln w="19050">
+            <a:solidFill>
+              <a:srgbClr val="FF0000"/>
+            </a:solidFill>
+          </a:ln>
+        </p:spPr>
+        <p:style>
+          <a:lnRef idx="2">
+            <a:schemeClr val="accent1">
+              <a:shade val="50000"/>
+            </a:schemeClr>
+          </a:lnRef>
+          <a:fillRef idx="1">
+            <a:schemeClr val="accent1"/>
+          </a:fillRef>
+          <a:effectRef idx="0">
+            <a:schemeClr val="accent1"/>
+          </a:effectRef>
+          <a:fontRef idx="minor">
+            <a:schemeClr val="lt1"/>
+          </a:fontRef>
+        </p:style>
+        <p:txBody>
+          <a:bodyPr rtlCol="0" anchor="ctr"/>
+          <a:lstStyle/>
+          <a:p>
+            <a:pPr algn="ctr"/>
+            <a:endParaRPr lang="en-SG"/>
+          </a:p>
+        </p:txBody>
+      </p:sp>
+      <p:sp>
+        <p:nvSpPr>
+          <p:cNvPr id="17" name="Rectangle 16">
+            <a:extLst>
+              <a:ext uri="{FF2B5EF4-FFF2-40B4-BE49-F238E27FC236}">
+                <a16:creationId xmlns:a16="http://schemas.microsoft.com/office/drawing/2014/main" id="{5D46A453-4792-40CD-8C95-8D50B4994649}"/>
+              </a:ext>
+            </a:extLst>
+          </p:cNvPr>
+          <p:cNvSpPr/>
+          <p:nvPr/>
+        </p:nvSpPr>
+        <p:spPr>
+          <a:xfrm rot="5400000">
+            <a:off x="2938735" y="-418797"/>
+            <a:ext cx="172585" cy="5654260"/>
           </a:xfrm>
           <a:prstGeom prst="rect">
             <a:avLst/>
